--- a/m68k.pptx
+++ b/m68k.pptx
@@ -3338,6 +3338,55 @@
       </p:grpSpPr>
       <p:sp>
         <p:nvSpPr>
+          <p:cNvPr id="15" name="Rettangolo 14">
+            <a:extLst>
+              <a:ext uri="{FF2B5EF4-FFF2-40B4-BE49-F238E27FC236}">
+                <a16:creationId xmlns:a16="http://schemas.microsoft.com/office/drawing/2014/main" id="{19D4A8CF-1EF0-0B31-894C-97C502A3899C}"/>
+              </a:ext>
+            </a:extLst>
+          </p:cNvPr>
+          <p:cNvSpPr/>
+          <p:nvPr/>
+        </p:nvSpPr>
+        <p:spPr>
+          <a:xfrm>
+            <a:off x="0" y="5984964"/>
+            <a:ext cx="12192000" cy="873036"/>
+          </a:xfrm>
+          <a:prstGeom prst="rect">
+            <a:avLst/>
+          </a:prstGeom>
+          <a:solidFill>
+            <a:srgbClr val="171A21"/>
+          </a:solidFill>
+        </p:spPr>
+        <p:style>
+          <a:lnRef idx="2">
+            <a:schemeClr val="accent1">
+              <a:shade val="15000"/>
+            </a:schemeClr>
+          </a:lnRef>
+          <a:fillRef idx="1">
+            <a:schemeClr val="accent1"/>
+          </a:fillRef>
+          <a:effectRef idx="0">
+            <a:schemeClr val="accent1"/>
+          </a:effectRef>
+          <a:fontRef idx="minor">
+            <a:schemeClr val="lt1"/>
+          </a:fontRef>
+        </p:style>
+        <p:txBody>
+          <a:bodyPr rtlCol="0" anchor="ctr"/>
+          <a:lstStyle/>
+          <a:p>
+            <a:pPr algn="ctr"/>
+            <a:endParaRPr lang="it-IT"/>
+          </a:p>
+        </p:txBody>
+      </p:sp>
+      <p:sp>
+        <p:nvSpPr>
           <p:cNvPr id="10" name="CasellaDiTesto 9">
             <a:extLst>
               <a:ext uri="{FF2B5EF4-FFF2-40B4-BE49-F238E27FC236}">
@@ -3350,8 +3399,8 @@
         </p:nvSpPr>
         <p:spPr>
           <a:xfrm>
-            <a:off x="7137400" y="873035"/>
-            <a:ext cx="4033520" cy="1200329"/>
+            <a:off x="7310120" y="503704"/>
+            <a:ext cx="4033520" cy="1569660"/>
           </a:xfrm>
           <a:prstGeom prst="rect">
             <a:avLst/>
@@ -3366,7 +3415,7 @@
           <a:p>
             <a:pPr algn="ctr"/>
             <a:r>
-              <a:rPr lang="it-IT" sz="7200" b="1" dirty="0">
+              <a:rPr lang="it-IT" sz="9600" b="1" dirty="0">
                 <a:solidFill>
                   <a:srgbClr val="FF0074"/>
                 </a:solidFill>
@@ -3391,8 +3440,8 @@
         </p:nvSpPr>
         <p:spPr>
           <a:xfrm>
-            <a:off x="0" y="1108889"/>
-            <a:ext cx="6461760" cy="6754952"/>
+            <a:off x="0" y="940863"/>
+            <a:ext cx="6461760" cy="5917137"/>
           </a:xfrm>
           <a:prstGeom prst="roundRect">
             <a:avLst/>
@@ -3443,8 +3492,8 @@
         </p:nvSpPr>
         <p:spPr>
           <a:xfrm>
-            <a:off x="5730240" y="3037839"/>
-            <a:ext cx="6461760" cy="5760721"/>
+            <a:off x="5730240" y="2651761"/>
+            <a:ext cx="6461760" cy="4206240"/>
           </a:xfrm>
           <a:prstGeom prst="roundRect">
             <a:avLst/>
@@ -3481,6 +3530,168 @@
           </a:p>
         </p:txBody>
       </p:sp>
+      <p:pic>
+        <p:nvPicPr>
+          <p:cNvPr id="8" name="Immagine 7" descr="Immagine che contiene schermata, Elementi grafici, design&#10;&#10;Descrizione generata automaticamente">
+            <a:extLst>
+              <a:ext uri="{FF2B5EF4-FFF2-40B4-BE49-F238E27FC236}">
+                <a16:creationId xmlns:a16="http://schemas.microsoft.com/office/drawing/2014/main" id="{5A5078E7-DC4E-4B07-96A3-60589F90EEB6}"/>
+              </a:ext>
+            </a:extLst>
+          </p:cNvPr>
+          <p:cNvPicPr>
+            <a:picLocks noChangeAspect="1"/>
+          </p:cNvPicPr>
+          <p:nvPr/>
+        </p:nvPicPr>
+        <p:blipFill>
+          <a:blip r:embed="rId3">
+            <a:extLst>
+              <a:ext uri="{28A0092B-C50C-407E-A947-70E740481C1C}">
+                <a14:useLocalDpi xmlns:a14="http://schemas.microsoft.com/office/drawing/2010/main" val="0"/>
+              </a:ext>
+            </a:extLst>
+          </a:blip>
+          <a:stretch>
+            <a:fillRect/>
+          </a:stretch>
+        </p:blipFill>
+        <p:spPr>
+          <a:xfrm>
+            <a:off x="6167120" y="3316177"/>
+            <a:ext cx="2600960" cy="2600960"/>
+          </a:xfrm>
+          <a:prstGeom prst="roundRect">
+            <a:avLst/>
+          </a:prstGeom>
+        </p:spPr>
+      </p:pic>
+      <p:sp>
+        <p:nvSpPr>
+          <p:cNvPr id="9" name="CasellaDiTesto 8">
+            <a:extLst>
+              <a:ext uri="{FF2B5EF4-FFF2-40B4-BE49-F238E27FC236}">
+                <a16:creationId xmlns:a16="http://schemas.microsoft.com/office/drawing/2014/main" id="{B67A6ACA-B42A-A981-BC59-E0FFCEC6CCA4}"/>
+              </a:ext>
+            </a:extLst>
+          </p:cNvPr>
+          <p:cNvSpPr txBox="1"/>
+          <p:nvPr/>
+        </p:nvSpPr>
+        <p:spPr>
+          <a:xfrm>
+            <a:off x="6629400" y="5984964"/>
+            <a:ext cx="1798320" cy="369332"/>
+          </a:xfrm>
+          <a:prstGeom prst="rect">
+            <a:avLst/>
+          </a:prstGeom>
+          <a:noFill/>
+        </p:spPr>
+        <p:txBody>
+          <a:bodyPr wrap="square" rtlCol="0">
+            <a:spAutoFit/>
+          </a:bodyPr>
+          <a:lstStyle/>
+          <a:p>
+            <a:r>
+              <a:rPr lang="it-IT" dirty="0">
+                <a:solidFill>
+                  <a:schemeClr val="bg1"/>
+                </a:solidFill>
+                <a:latin typeface="Comic Sans MS" panose="030F0702030302020204" pitchFamily="66" charset="0"/>
+              </a:rPr>
+              <a:t>Editor m69k</a:t>
+            </a:r>
+          </a:p>
+        </p:txBody>
+      </p:sp>
+      <p:sp>
+        <p:nvSpPr>
+          <p:cNvPr id="12" name="CasellaDiTesto 11">
+            <a:extLst>
+              <a:ext uri="{FF2B5EF4-FFF2-40B4-BE49-F238E27FC236}">
+                <a16:creationId xmlns:a16="http://schemas.microsoft.com/office/drawing/2014/main" id="{E0D592B3-5D24-DB92-0A27-18565FEDFB1E}"/>
+              </a:ext>
+            </a:extLst>
+          </p:cNvPr>
+          <p:cNvSpPr txBox="1"/>
+          <p:nvPr/>
+        </p:nvSpPr>
+        <p:spPr>
+          <a:xfrm>
+            <a:off x="9799320" y="6024879"/>
+            <a:ext cx="1798320" cy="646331"/>
+          </a:xfrm>
+          <a:prstGeom prst="rect">
+            <a:avLst/>
+          </a:prstGeom>
+          <a:noFill/>
+        </p:spPr>
+        <p:txBody>
+          <a:bodyPr wrap="square" rtlCol="0">
+            <a:spAutoFit/>
+          </a:bodyPr>
+          <a:lstStyle/>
+          <a:p>
+            <a:pPr algn="ctr"/>
+            <a:r>
+              <a:rPr lang="it-IT" dirty="0" err="1">
+                <a:solidFill>
+                  <a:schemeClr val="bg1"/>
+                </a:solidFill>
+                <a:latin typeface="Comic Sans MS" panose="030F0702030302020204" pitchFamily="66" charset="0"/>
+              </a:rPr>
+              <a:t>Github</a:t>
+            </a:r>
+            <a:r>
+              <a:rPr lang="it-IT" dirty="0">
+                <a:solidFill>
+                  <a:schemeClr val="bg1"/>
+                </a:solidFill>
+                <a:latin typeface="Comic Sans MS" panose="030F0702030302020204" pitchFamily="66" charset="0"/>
+              </a:rPr>
+              <a:t> questa lezione</a:t>
+            </a:r>
+          </a:p>
+        </p:txBody>
+      </p:sp>
+      <p:pic>
+        <p:nvPicPr>
+          <p:cNvPr id="14" name="Immagine 13" descr="Immagine che contiene schermata, Elementi grafici, grafica, design&#10;&#10;Descrizione generata automaticamente">
+            <a:extLst>
+              <a:ext uri="{FF2B5EF4-FFF2-40B4-BE49-F238E27FC236}">
+                <a16:creationId xmlns:a16="http://schemas.microsoft.com/office/drawing/2014/main" id="{2ACC21D0-34AB-9935-CA45-E26734354EC0}"/>
+              </a:ext>
+            </a:extLst>
+          </p:cNvPr>
+          <p:cNvPicPr>
+            <a:picLocks noChangeAspect="1"/>
+          </p:cNvPicPr>
+          <p:nvPr/>
+        </p:nvPicPr>
+        <p:blipFill>
+          <a:blip r:embed="rId4">
+            <a:extLst>
+              <a:ext uri="{28A0092B-C50C-407E-A947-70E740481C1C}">
+                <a14:useLocalDpi xmlns:a14="http://schemas.microsoft.com/office/drawing/2010/main" val="0"/>
+              </a:ext>
+            </a:extLst>
+          </a:blip>
+          <a:stretch>
+            <a:fillRect/>
+          </a:stretch>
+        </p:blipFill>
+        <p:spPr>
+          <a:xfrm>
+            <a:off x="9258618" y="3316178"/>
+            <a:ext cx="2600960" cy="2600960"/>
+          </a:xfrm>
+          <a:prstGeom prst="roundRect">
+            <a:avLst/>
+          </a:prstGeom>
+        </p:spPr>
+      </p:pic>
     </p:spTree>
     <p:extLst>
       <p:ext uri="{BB962C8B-B14F-4D97-AF65-F5344CB8AC3E}">

--- a/m68k.pptx
+++ b/m68k.pptx
@@ -6,7 +6,8 @@
   </p:sldMasterIdLst>
   <p:sldIdLst>
     <p:sldId id="257" r:id="rId2"/>
-    <p:sldId id="256" r:id="rId3"/>
+    <p:sldId id="258" r:id="rId3"/>
+    <p:sldId id="256" r:id="rId4"/>
   </p:sldIdLst>
   <p:sldSz cx="12192000" cy="6858000"/>
   <p:notesSz cx="6858000" cy="9144000"/>
@@ -105,6 +106,11 @@
       </a:defRPr>
     </a:lvl9pPr>
   </p:defaultTextStyle>
+  <p:extLst>
+    <p:ext uri="{EFAFB233-063F-42B5-8137-9DF3F51BA10A}">
+      <p15:sldGuideLst xmlns:p15="http://schemas.microsoft.com/office/powerpoint/2012/main"/>
+    </p:ext>
+  </p:extLst>
 </p:presentation>
 </file>
 
@@ -3684,7 +3690,7 @@
         </p:blipFill>
         <p:spPr>
           <a:xfrm>
-            <a:off x="9258618" y="3316178"/>
+            <a:off x="9179560" y="3316177"/>
             <a:ext cx="2600960" cy="2600960"/>
           </a:xfrm>
           <a:prstGeom prst="roundRect">
@@ -3706,6 +3712,654 @@
 </file>
 
 <file path=ppt/slides/slide2.xml><?xml version="1.0" encoding="utf-8"?>
+<p:sld xmlns:a="http://schemas.openxmlformats.org/drawingml/2006/main" xmlns:r="http://schemas.openxmlformats.org/officeDocument/2006/relationships" xmlns:p="http://schemas.openxmlformats.org/presentationml/2006/main">
+  <p:cSld>
+    <p:bg>
+      <p:bgPr>
+        <a:blipFill dpi="0" rotWithShape="1">
+          <a:blip r:embed="rId2">
+            <a:lum/>
+          </a:blip>
+          <a:srcRect/>
+          <a:stretch>
+            <a:fillRect/>
+          </a:stretch>
+        </a:blipFill>
+        <a:effectLst/>
+      </p:bgPr>
+    </p:bg>
+    <p:spTree>
+      <p:nvGrpSpPr>
+        <p:cNvPr id="1" name=""/>
+        <p:cNvGrpSpPr/>
+        <p:nvPr/>
+      </p:nvGrpSpPr>
+      <p:grpSpPr>
+        <a:xfrm>
+          <a:off x="0" y="0"/>
+          <a:ext cx="0" cy="0"/>
+          <a:chOff x="0" y="0"/>
+          <a:chExt cx="0" cy="0"/>
+        </a:xfrm>
+      </p:grpSpPr>
+      <p:sp>
+        <p:nvSpPr>
+          <p:cNvPr id="7" name="Rettangolo 6">
+            <a:extLst>
+              <a:ext uri="{FF2B5EF4-FFF2-40B4-BE49-F238E27FC236}">
+                <a16:creationId xmlns:a16="http://schemas.microsoft.com/office/drawing/2014/main" id="{08BEFCCA-512B-118D-E357-B1C1D553941F}"/>
+              </a:ext>
+            </a:extLst>
+          </p:cNvPr>
+          <p:cNvSpPr/>
+          <p:nvPr/>
+        </p:nvSpPr>
+        <p:spPr>
+          <a:xfrm>
+            <a:off x="0" y="5984964"/>
+            <a:ext cx="12192000" cy="873036"/>
+          </a:xfrm>
+          <a:prstGeom prst="rect">
+            <a:avLst/>
+          </a:prstGeom>
+          <a:solidFill>
+            <a:srgbClr val="171A21"/>
+          </a:solidFill>
+        </p:spPr>
+        <p:style>
+          <a:lnRef idx="2">
+            <a:schemeClr val="accent1">
+              <a:shade val="15000"/>
+            </a:schemeClr>
+          </a:lnRef>
+          <a:fillRef idx="1">
+            <a:schemeClr val="accent1"/>
+          </a:fillRef>
+          <a:effectRef idx="0">
+            <a:schemeClr val="accent1"/>
+          </a:effectRef>
+          <a:fontRef idx="minor">
+            <a:schemeClr val="lt1"/>
+          </a:fontRef>
+        </p:style>
+        <p:txBody>
+          <a:bodyPr rtlCol="0" anchor="ctr"/>
+          <a:lstStyle/>
+          <a:p>
+            <a:pPr algn="ctr"/>
+            <a:endParaRPr lang="it-IT"/>
+          </a:p>
+        </p:txBody>
+      </p:sp>
+      <p:sp>
+        <p:nvSpPr>
+          <p:cNvPr id="10" name="CasellaDiTesto 9">
+            <a:extLst>
+              <a:ext uri="{FF2B5EF4-FFF2-40B4-BE49-F238E27FC236}">
+                <a16:creationId xmlns:a16="http://schemas.microsoft.com/office/drawing/2014/main" id="{43600554-184D-19E8-37A1-FCF80890AA43}"/>
+              </a:ext>
+            </a:extLst>
+          </p:cNvPr>
+          <p:cNvSpPr txBox="1"/>
+          <p:nvPr/>
+        </p:nvSpPr>
+        <p:spPr>
+          <a:xfrm>
+            <a:off x="3507548" y="-125945"/>
+            <a:ext cx="5176903" cy="1200329"/>
+          </a:xfrm>
+          <a:prstGeom prst="rect">
+            <a:avLst/>
+          </a:prstGeom>
+          <a:noFill/>
+        </p:spPr>
+        <p:txBody>
+          <a:bodyPr wrap="square" rtlCol="0">
+            <a:spAutoFit/>
+          </a:bodyPr>
+          <a:lstStyle/>
+          <a:p>
+            <a:pPr algn="ctr"/>
+            <a:r>
+              <a:rPr lang="it-IT" sz="7200" b="1" dirty="0">
+                <a:solidFill>
+                  <a:srgbClr val="FF0074"/>
+                </a:solidFill>
+                <a:latin typeface="Amasis MT Pro" panose="02040504050005020304" pitchFamily="18" charset="0"/>
+              </a:rPr>
+              <a:t>REGISTRI</a:t>
+            </a:r>
+          </a:p>
+        </p:txBody>
+      </p:sp>
+      <p:sp>
+        <p:nvSpPr>
+          <p:cNvPr id="2" name="Rettangolo con angoli arrotondati 1">
+            <a:extLst>
+              <a:ext uri="{FF2B5EF4-FFF2-40B4-BE49-F238E27FC236}">
+                <a16:creationId xmlns:a16="http://schemas.microsoft.com/office/drawing/2014/main" id="{EF3D28C7-6163-27F3-488A-EF7218679634}"/>
+              </a:ext>
+            </a:extLst>
+          </p:cNvPr>
+          <p:cNvSpPr/>
+          <p:nvPr/>
+        </p:nvSpPr>
+        <p:spPr>
+          <a:xfrm>
+            <a:off x="0" y="1190445"/>
+            <a:ext cx="12192000" cy="5667555"/>
+          </a:xfrm>
+          <a:prstGeom prst="roundRect">
+            <a:avLst/>
+          </a:prstGeom>
+          <a:solidFill>
+            <a:srgbClr val="171A21"/>
+          </a:solidFill>
+          <a:ln>
+            <a:noFill/>
+          </a:ln>
+        </p:spPr>
+        <p:style>
+          <a:lnRef idx="2">
+            <a:schemeClr val="accent1">
+              <a:shade val="15000"/>
+            </a:schemeClr>
+          </a:lnRef>
+          <a:fillRef idx="1">
+            <a:schemeClr val="accent1"/>
+          </a:fillRef>
+          <a:effectRef idx="0">
+            <a:schemeClr val="accent1"/>
+          </a:effectRef>
+          <a:fontRef idx="minor">
+            <a:schemeClr val="lt1"/>
+          </a:fontRef>
+        </p:style>
+        <p:txBody>
+          <a:bodyPr rtlCol="0" anchor="ctr"/>
+          <a:lstStyle/>
+          <a:p>
+            <a:pPr algn="ctr"/>
+            <a:endParaRPr lang="it-IT"/>
+          </a:p>
+        </p:txBody>
+      </p:sp>
+      <p:sp>
+        <p:nvSpPr>
+          <p:cNvPr id="3" name="Rettangolo con angoli arrotondati 2">
+            <a:extLst>
+              <a:ext uri="{FF2B5EF4-FFF2-40B4-BE49-F238E27FC236}">
+                <a16:creationId xmlns:a16="http://schemas.microsoft.com/office/drawing/2014/main" id="{B86E006D-1449-FECC-C4CD-2E4704A53615}"/>
+              </a:ext>
+            </a:extLst>
+          </p:cNvPr>
+          <p:cNvSpPr/>
+          <p:nvPr/>
+        </p:nvSpPr>
+        <p:spPr>
+          <a:xfrm>
+            <a:off x="11261784" y="1535499"/>
+            <a:ext cx="416943" cy="370937"/>
+          </a:xfrm>
+          <a:prstGeom prst="roundRect">
+            <a:avLst/>
+          </a:prstGeom>
+          <a:solidFill>
+            <a:srgbClr val="278EA5"/>
+          </a:solidFill>
+          <a:ln>
+            <a:noFill/>
+          </a:ln>
+        </p:spPr>
+        <p:style>
+          <a:lnRef idx="2">
+            <a:schemeClr val="accent1">
+              <a:shade val="15000"/>
+            </a:schemeClr>
+          </a:lnRef>
+          <a:fillRef idx="1">
+            <a:schemeClr val="accent1"/>
+          </a:fillRef>
+          <a:effectRef idx="0">
+            <a:schemeClr val="accent1"/>
+          </a:effectRef>
+          <a:fontRef idx="minor">
+            <a:schemeClr val="lt1"/>
+          </a:fontRef>
+        </p:style>
+        <p:txBody>
+          <a:bodyPr rtlCol="0" anchor="ctr"/>
+          <a:lstStyle/>
+          <a:p>
+            <a:pPr algn="ctr"/>
+            <a:endParaRPr lang="it-IT" dirty="0"/>
+          </a:p>
+        </p:txBody>
+      </p:sp>
+      <p:sp>
+        <p:nvSpPr>
+          <p:cNvPr id="4" name="Rettangolo con angoli arrotondati 3">
+            <a:extLst>
+              <a:ext uri="{FF2B5EF4-FFF2-40B4-BE49-F238E27FC236}">
+                <a16:creationId xmlns:a16="http://schemas.microsoft.com/office/drawing/2014/main" id="{D71275F1-2DC5-A3F9-31E3-391948A9F747}"/>
+              </a:ext>
+            </a:extLst>
+          </p:cNvPr>
+          <p:cNvSpPr/>
+          <p:nvPr/>
+        </p:nvSpPr>
+        <p:spPr>
+          <a:xfrm>
+            <a:off x="11261783" y="6295514"/>
+            <a:ext cx="416943" cy="370937"/>
+          </a:xfrm>
+          <a:prstGeom prst="roundRect">
+            <a:avLst/>
+          </a:prstGeom>
+          <a:solidFill>
+            <a:srgbClr val="278EA5"/>
+          </a:solidFill>
+          <a:ln>
+            <a:noFill/>
+          </a:ln>
+        </p:spPr>
+        <p:style>
+          <a:lnRef idx="2">
+            <a:schemeClr val="accent1">
+              <a:shade val="15000"/>
+            </a:schemeClr>
+          </a:lnRef>
+          <a:fillRef idx="1">
+            <a:schemeClr val="accent1"/>
+          </a:fillRef>
+          <a:effectRef idx="0">
+            <a:schemeClr val="accent1"/>
+          </a:effectRef>
+          <a:fontRef idx="minor">
+            <a:schemeClr val="lt1"/>
+          </a:fontRef>
+        </p:style>
+        <p:txBody>
+          <a:bodyPr rtlCol="0" anchor="ctr"/>
+          <a:lstStyle/>
+          <a:p>
+            <a:pPr algn="ctr"/>
+            <a:endParaRPr lang="it-IT" dirty="0"/>
+          </a:p>
+        </p:txBody>
+      </p:sp>
+      <p:sp>
+        <p:nvSpPr>
+          <p:cNvPr id="5" name="Rettangolo con angoli arrotondati 4">
+            <a:extLst>
+              <a:ext uri="{FF2B5EF4-FFF2-40B4-BE49-F238E27FC236}">
+                <a16:creationId xmlns:a16="http://schemas.microsoft.com/office/drawing/2014/main" id="{EE0D89E7-E81C-1B8C-006A-84172FA3A19C}"/>
+              </a:ext>
+            </a:extLst>
+          </p:cNvPr>
+          <p:cNvSpPr/>
+          <p:nvPr/>
+        </p:nvSpPr>
+        <p:spPr>
+          <a:xfrm>
+            <a:off x="595222" y="1535500"/>
+            <a:ext cx="416943" cy="370937"/>
+          </a:xfrm>
+          <a:prstGeom prst="roundRect">
+            <a:avLst/>
+          </a:prstGeom>
+          <a:solidFill>
+            <a:srgbClr val="278EA5"/>
+          </a:solidFill>
+          <a:ln>
+            <a:noFill/>
+          </a:ln>
+        </p:spPr>
+        <p:style>
+          <a:lnRef idx="2">
+            <a:schemeClr val="accent1">
+              <a:shade val="15000"/>
+            </a:schemeClr>
+          </a:lnRef>
+          <a:fillRef idx="1">
+            <a:schemeClr val="accent1"/>
+          </a:fillRef>
+          <a:effectRef idx="0">
+            <a:schemeClr val="accent1"/>
+          </a:effectRef>
+          <a:fontRef idx="minor">
+            <a:schemeClr val="lt1"/>
+          </a:fontRef>
+        </p:style>
+        <p:txBody>
+          <a:bodyPr rtlCol="0" anchor="ctr"/>
+          <a:lstStyle/>
+          <a:p>
+            <a:pPr algn="ctr"/>
+            <a:endParaRPr lang="it-IT" dirty="0"/>
+          </a:p>
+        </p:txBody>
+      </p:sp>
+      <p:sp>
+        <p:nvSpPr>
+          <p:cNvPr id="6" name="Rettangolo con angoli arrotondati 5">
+            <a:extLst>
+              <a:ext uri="{FF2B5EF4-FFF2-40B4-BE49-F238E27FC236}">
+                <a16:creationId xmlns:a16="http://schemas.microsoft.com/office/drawing/2014/main" id="{7101C5B5-802A-0145-97FF-E55819744A2B}"/>
+              </a:ext>
+            </a:extLst>
+          </p:cNvPr>
+          <p:cNvSpPr/>
+          <p:nvPr/>
+        </p:nvSpPr>
+        <p:spPr>
+          <a:xfrm>
+            <a:off x="595221" y="6330019"/>
+            <a:ext cx="416943" cy="370937"/>
+          </a:xfrm>
+          <a:prstGeom prst="roundRect">
+            <a:avLst/>
+          </a:prstGeom>
+          <a:solidFill>
+            <a:srgbClr val="278EA5"/>
+          </a:solidFill>
+          <a:ln>
+            <a:noFill/>
+          </a:ln>
+        </p:spPr>
+        <p:style>
+          <a:lnRef idx="2">
+            <a:schemeClr val="accent1">
+              <a:shade val="15000"/>
+            </a:schemeClr>
+          </a:lnRef>
+          <a:fillRef idx="1">
+            <a:schemeClr val="accent1"/>
+          </a:fillRef>
+          <a:effectRef idx="0">
+            <a:schemeClr val="accent1"/>
+          </a:effectRef>
+          <a:fontRef idx="minor">
+            <a:schemeClr val="lt1"/>
+          </a:fontRef>
+        </p:style>
+        <p:txBody>
+          <a:bodyPr rtlCol="0" anchor="ctr"/>
+          <a:lstStyle/>
+          <a:p>
+            <a:pPr algn="ctr"/>
+            <a:endParaRPr lang="it-IT" dirty="0"/>
+          </a:p>
+        </p:txBody>
+      </p:sp>
+      <p:sp>
+        <p:nvSpPr>
+          <p:cNvPr id="8" name="CasellaDiTesto 7">
+            <a:extLst>
+              <a:ext uri="{FF2B5EF4-FFF2-40B4-BE49-F238E27FC236}">
+                <a16:creationId xmlns:a16="http://schemas.microsoft.com/office/drawing/2014/main" id="{2FF18306-C653-71BE-3067-BFE80CB6F735}"/>
+              </a:ext>
+            </a:extLst>
+          </p:cNvPr>
+          <p:cNvSpPr txBox="1"/>
+          <p:nvPr/>
+        </p:nvSpPr>
+        <p:spPr>
+          <a:xfrm>
+            <a:off x="2986883" y="1535499"/>
+            <a:ext cx="6099811" cy="923330"/>
+          </a:xfrm>
+          <a:prstGeom prst="rect">
+            <a:avLst/>
+          </a:prstGeom>
+          <a:noFill/>
+        </p:spPr>
+        <p:txBody>
+          <a:bodyPr wrap="square" rtlCol="0">
+            <a:spAutoFit/>
+          </a:bodyPr>
+          <a:lstStyle/>
+          <a:p>
+            <a:pPr algn="ctr"/>
+            <a:r>
+              <a:rPr lang="it-IT" dirty="0">
+                <a:solidFill>
+                  <a:schemeClr val="bg1"/>
+                </a:solidFill>
+                <a:latin typeface="Comic Sans MS" panose="030F0702030302020204" pitchFamily="66" charset="0"/>
+              </a:rPr>
+              <a:t>Conoscete le </a:t>
+            </a:r>
+            <a:r>
+              <a:rPr lang="it-IT" b="1" dirty="0">
+                <a:solidFill>
+                  <a:srgbClr val="FF0074"/>
+                </a:solidFill>
+                <a:latin typeface="Comic Sans MS" panose="030F0702030302020204" pitchFamily="66" charset="0"/>
+              </a:rPr>
+              <a:t>variabili</a:t>
+            </a:r>
+            <a:r>
+              <a:rPr lang="it-IT" dirty="0">
+                <a:solidFill>
+                  <a:schemeClr val="bg1"/>
+                </a:solidFill>
+                <a:latin typeface="Comic Sans MS" panose="030F0702030302020204" pitchFamily="66" charset="0"/>
+              </a:rPr>
+              <a:t>?</a:t>
+            </a:r>
+          </a:p>
+          <a:p>
+            <a:pPr algn="ctr"/>
+            <a:r>
+              <a:rPr lang="it-IT" dirty="0">
+                <a:solidFill>
+                  <a:schemeClr val="bg1"/>
+                </a:solidFill>
+                <a:latin typeface="Comic Sans MS" panose="030F0702030302020204" pitchFamily="66" charset="0"/>
+              </a:rPr>
+              <a:t>Bene, in m68k esistono, sono di un </a:t>
+            </a:r>
+            <a:r>
+              <a:rPr lang="it-IT" u="sng" dirty="0">
+                <a:solidFill>
+                  <a:schemeClr val="bg1"/>
+                </a:solidFill>
+                <a:latin typeface="Comic Sans MS" panose="030F0702030302020204" pitchFamily="66" charset="0"/>
+              </a:rPr>
+              <a:t>numero limitato </a:t>
+            </a:r>
+            <a:r>
+              <a:rPr lang="it-IT" dirty="0">
+                <a:solidFill>
+                  <a:schemeClr val="bg1"/>
+                </a:solidFill>
+                <a:latin typeface="Comic Sans MS" panose="030F0702030302020204" pitchFamily="66" charset="0"/>
+              </a:rPr>
+              <a:t>e si chiamano </a:t>
+            </a:r>
+            <a:r>
+              <a:rPr lang="it-IT" b="1" dirty="0">
+                <a:solidFill>
+                  <a:srgbClr val="FF0074"/>
+                </a:solidFill>
+                <a:latin typeface="Comic Sans MS" panose="030F0702030302020204" pitchFamily="66" charset="0"/>
+              </a:rPr>
+              <a:t>registri</a:t>
+            </a:r>
+          </a:p>
+        </p:txBody>
+      </p:sp>
+      <p:pic>
+        <p:nvPicPr>
+          <p:cNvPr id="13" name="Immagine 12">
+            <a:extLst>
+              <a:ext uri="{FF2B5EF4-FFF2-40B4-BE49-F238E27FC236}">
+                <a16:creationId xmlns:a16="http://schemas.microsoft.com/office/drawing/2014/main" id="{7EB7C51E-7BFA-9537-F8A5-5F0E3618FA41}"/>
+              </a:ext>
+            </a:extLst>
+          </p:cNvPr>
+          <p:cNvPicPr>
+            <a:picLocks noChangeAspect="1"/>
+          </p:cNvPicPr>
+          <p:nvPr/>
+        </p:nvPicPr>
+        <p:blipFill rotWithShape="1">
+          <a:blip r:embed="rId3"/>
+          <a:srcRect l="1928" b="9732"/>
+          <a:stretch/>
+        </p:blipFill>
+        <p:spPr>
+          <a:xfrm>
+            <a:off x="2986883" y="2906723"/>
+            <a:ext cx="6099812" cy="1824282"/>
+          </a:xfrm>
+          <a:prstGeom prst="rect">
+            <a:avLst/>
+          </a:prstGeom>
+        </p:spPr>
+      </p:pic>
+      <p:sp>
+        <p:nvSpPr>
+          <p:cNvPr id="14" name="CasellaDiTesto 13">
+            <a:extLst>
+              <a:ext uri="{FF2B5EF4-FFF2-40B4-BE49-F238E27FC236}">
+                <a16:creationId xmlns:a16="http://schemas.microsoft.com/office/drawing/2014/main" id="{2BE7BA32-FB22-C422-6A5D-FA7C9604D43D}"/>
+              </a:ext>
+            </a:extLst>
+          </p:cNvPr>
+          <p:cNvSpPr txBox="1"/>
+          <p:nvPr/>
+        </p:nvSpPr>
+        <p:spPr>
+          <a:xfrm>
+            <a:off x="3314891" y="4847066"/>
+            <a:ext cx="5058482" cy="646331"/>
+          </a:xfrm>
+          <a:prstGeom prst="rect">
+            <a:avLst/>
+          </a:prstGeom>
+          <a:noFill/>
+        </p:spPr>
+        <p:txBody>
+          <a:bodyPr wrap="square" rtlCol="0">
+            <a:spAutoFit/>
+          </a:bodyPr>
+          <a:lstStyle/>
+          <a:p>
+            <a:pPr algn="ctr"/>
+            <a:r>
+              <a:rPr lang="it-IT" dirty="0">
+                <a:solidFill>
+                  <a:schemeClr val="bg1"/>
+                </a:solidFill>
+                <a:latin typeface="Comic Sans MS" panose="030F0702030302020204" pitchFamily="66" charset="0"/>
+              </a:rPr>
+              <a:t>Noi useremo solo i registri </a:t>
+            </a:r>
+            <a:r>
+              <a:rPr lang="it-IT" dirty="0">
+                <a:solidFill>
+                  <a:srgbClr val="FF0074"/>
+                </a:solidFill>
+                <a:latin typeface="Comic Sans MS" panose="030F0702030302020204" pitchFamily="66" charset="0"/>
+              </a:rPr>
+              <a:t>data</a:t>
+            </a:r>
+            <a:r>
+              <a:rPr lang="it-IT" dirty="0">
+                <a:solidFill>
+                  <a:schemeClr val="bg1"/>
+                </a:solidFill>
+                <a:latin typeface="Comic Sans MS" panose="030F0702030302020204" pitchFamily="66" charset="0"/>
+              </a:rPr>
+              <a:t>, che sono quelli che iniziano con la lettera </a:t>
+            </a:r>
+            <a:r>
+              <a:rPr lang="it-IT" dirty="0">
+                <a:solidFill>
+                  <a:srgbClr val="FF0074"/>
+                </a:solidFill>
+                <a:latin typeface="Comic Sans MS" panose="030F0702030302020204" pitchFamily="66" charset="0"/>
+              </a:rPr>
+              <a:t>d</a:t>
+            </a:r>
+            <a:endParaRPr lang="it-IT" b="1" dirty="0">
+              <a:solidFill>
+                <a:srgbClr val="FF0074"/>
+              </a:solidFill>
+              <a:latin typeface="Comic Sans MS" panose="030F0702030302020204" pitchFamily="66" charset="0"/>
+            </a:endParaRPr>
+          </a:p>
+        </p:txBody>
+      </p:sp>
+      <p:sp>
+        <p:nvSpPr>
+          <p:cNvPr id="15" name="CasellaDiTesto 14">
+            <a:extLst>
+              <a:ext uri="{FF2B5EF4-FFF2-40B4-BE49-F238E27FC236}">
+                <a16:creationId xmlns:a16="http://schemas.microsoft.com/office/drawing/2014/main" id="{7E426981-7126-0236-3B0A-8D6692E4479E}"/>
+              </a:ext>
+            </a:extLst>
+          </p:cNvPr>
+          <p:cNvSpPr txBox="1"/>
+          <p:nvPr/>
+        </p:nvSpPr>
+        <p:spPr>
+          <a:xfrm>
+            <a:off x="1095555" y="6330019"/>
+            <a:ext cx="2967487" cy="370937"/>
+          </a:xfrm>
+          <a:prstGeom prst="rect">
+            <a:avLst/>
+          </a:prstGeom>
+          <a:noFill/>
+        </p:spPr>
+        <p:txBody>
+          <a:bodyPr wrap="square" rtlCol="0">
+            <a:spAutoFit/>
+          </a:bodyPr>
+          <a:lstStyle/>
+          <a:p>
+            <a:r>
+              <a:rPr lang="it-IT" dirty="0">
+                <a:solidFill>
+                  <a:schemeClr val="bg1"/>
+                </a:solidFill>
+              </a:rPr>
+              <a:t>Source: </a:t>
+            </a:r>
+            <a:r>
+              <a:rPr lang="it-IT" dirty="0">
+                <a:solidFill>
+                  <a:schemeClr val="bg1"/>
+                </a:solidFill>
+                <a:hlinkClick r:id="rId4"/>
+              </a:rPr>
+              <a:t>link documentazione</a:t>
+            </a:r>
+            <a:endParaRPr lang="it-IT" dirty="0">
+              <a:solidFill>
+                <a:schemeClr val="bg1"/>
+              </a:solidFill>
+            </a:endParaRPr>
+          </a:p>
+        </p:txBody>
+      </p:sp>
+    </p:spTree>
+    <p:extLst>
+      <p:ext uri="{BB962C8B-B14F-4D97-AF65-F5344CB8AC3E}">
+        <p14:creationId xmlns:p14="http://schemas.microsoft.com/office/powerpoint/2010/main" val="3412563016"/>
+      </p:ext>
+    </p:extLst>
+  </p:cSld>
+  <p:clrMapOvr>
+    <a:masterClrMapping/>
+  </p:clrMapOvr>
+</p:sld>
+</file>
+
+<file path=ppt/slides/slide3.xml><?xml version="1.0" encoding="utf-8"?>
 <p:sld xmlns:a="http://schemas.openxmlformats.org/drawingml/2006/main" xmlns:r="http://schemas.openxmlformats.org/officeDocument/2006/relationships" xmlns:p="http://schemas.openxmlformats.org/presentationml/2006/main">
   <p:cSld>
     <p:bg>

--- a/m68k.pptx
+++ b/m68k.pptx
@@ -7,7 +7,10 @@
   <p:sldIdLst>
     <p:sldId id="257" r:id="rId2"/>
     <p:sldId id="258" r:id="rId3"/>
-    <p:sldId id="256" r:id="rId4"/>
+    <p:sldId id="259" r:id="rId4"/>
+    <p:sldId id="260" r:id="rId5"/>
+    <p:sldId id="261" r:id="rId6"/>
+    <p:sldId id="262" r:id="rId7"/>
   </p:sldIdLst>
   <p:sldSz cx="12192000" cy="6858000"/>
   <p:notesSz cx="6858000" cy="9144000"/>
@@ -3698,6 +3701,45 @@
           </a:prstGeom>
         </p:spPr>
       </p:pic>
+      <p:sp>
+        <p:nvSpPr>
+          <p:cNvPr id="2" name="CasellaDiTesto 1">
+            <a:extLst>
+              <a:ext uri="{FF2B5EF4-FFF2-40B4-BE49-F238E27FC236}">
+                <a16:creationId xmlns:a16="http://schemas.microsoft.com/office/drawing/2014/main" id="{7AE737F9-C537-9C11-8E06-98C643709B63}"/>
+              </a:ext>
+            </a:extLst>
+          </p:cNvPr>
+          <p:cNvSpPr txBox="1"/>
+          <p:nvPr/>
+        </p:nvSpPr>
+        <p:spPr>
+          <a:xfrm>
+            <a:off x="1285336" y="1673525"/>
+            <a:ext cx="2441275" cy="923330"/>
+          </a:xfrm>
+          <a:prstGeom prst="rect">
+            <a:avLst/>
+          </a:prstGeom>
+          <a:noFill/>
+        </p:spPr>
+        <p:txBody>
+          <a:bodyPr wrap="square" rtlCol="0">
+            <a:spAutoFit/>
+          </a:bodyPr>
+          <a:lstStyle/>
+          <a:p>
+            <a:r>
+              <a:rPr lang="it-IT" dirty="0">
+                <a:solidFill>
+                  <a:schemeClr val="bg1"/>
+                </a:solidFill>
+              </a:rPr>
+              <a:t>Introduzione con linguaggi compilati e cosa è m69k</a:t>
+            </a:r>
+          </a:p>
+        </p:txBody>
+      </p:sp>
     </p:spTree>
     <p:extLst>
       <p:ext uri="{BB962C8B-B14F-4D97-AF65-F5344CB8AC3E}">
@@ -4190,35 +4232,6 @@
           </a:p>
         </p:txBody>
       </p:sp>
-      <p:pic>
-        <p:nvPicPr>
-          <p:cNvPr id="13" name="Immagine 12">
-            <a:extLst>
-              <a:ext uri="{FF2B5EF4-FFF2-40B4-BE49-F238E27FC236}">
-                <a16:creationId xmlns:a16="http://schemas.microsoft.com/office/drawing/2014/main" id="{7EB7C51E-7BFA-9537-F8A5-5F0E3618FA41}"/>
-              </a:ext>
-            </a:extLst>
-          </p:cNvPr>
-          <p:cNvPicPr>
-            <a:picLocks noChangeAspect="1"/>
-          </p:cNvPicPr>
-          <p:nvPr/>
-        </p:nvPicPr>
-        <p:blipFill rotWithShape="1">
-          <a:blip r:embed="rId3"/>
-          <a:srcRect l="1928" b="9732"/>
-          <a:stretch/>
-        </p:blipFill>
-        <p:spPr>
-          <a:xfrm>
-            <a:off x="2986883" y="2906723"/>
-            <a:ext cx="6099812" cy="1824282"/>
-          </a:xfrm>
-          <a:prstGeom prst="rect">
-            <a:avLst/>
-          </a:prstGeom>
-        </p:spPr>
-      </p:pic>
       <p:sp>
         <p:nvSpPr>
           <p:cNvPr id="14" name="CasellaDiTesto 13">
@@ -4334,7 +4347,7 @@
                 <a:solidFill>
                   <a:schemeClr val="bg1"/>
                 </a:solidFill>
-                <a:hlinkClick r:id="rId4"/>
+                <a:hlinkClick r:id="rId3"/>
               </a:rPr>
               <a:t>link documentazione</a:t>
             </a:r>
@@ -4346,6 +4359,42 @@
           </a:p>
         </p:txBody>
       </p:sp>
+      <p:pic>
+        <p:nvPicPr>
+          <p:cNvPr id="17" name="Immagine 16" descr="Immagine che contiene testo, Carattere, schermata, Elementi grafici&#10;&#10;Descrizione generata automaticamente">
+            <a:extLst>
+              <a:ext uri="{FF2B5EF4-FFF2-40B4-BE49-F238E27FC236}">
+                <a16:creationId xmlns:a16="http://schemas.microsoft.com/office/drawing/2014/main" id="{ABABBD0B-4BA1-0CD3-0530-1C0A08EA696C}"/>
+              </a:ext>
+            </a:extLst>
+          </p:cNvPr>
+          <p:cNvPicPr>
+            <a:picLocks noChangeAspect="1"/>
+          </p:cNvPicPr>
+          <p:nvPr/>
+        </p:nvPicPr>
+        <p:blipFill>
+          <a:blip r:embed="rId4">
+            <a:extLst>
+              <a:ext uri="{28A0092B-C50C-407E-A947-70E740481C1C}">
+                <a14:useLocalDpi xmlns:a14="http://schemas.microsoft.com/office/drawing/2010/main" val="0"/>
+              </a:ext>
+            </a:extLst>
+          </a:blip>
+          <a:stretch>
+            <a:fillRect/>
+          </a:stretch>
+        </p:blipFill>
+        <p:spPr>
+          <a:xfrm>
+            <a:off x="2986883" y="2803883"/>
+            <a:ext cx="5881072" cy="1764322"/>
+          </a:xfrm>
+          <a:prstGeom prst="rect">
+            <a:avLst/>
+          </a:prstGeom>
+        </p:spPr>
+      </p:pic>
     </p:spTree>
     <p:extLst>
       <p:ext uri="{BB962C8B-B14F-4D97-AF65-F5344CB8AC3E}">
@@ -4392,6 +4441,55 @@
       </p:grpSpPr>
       <p:sp>
         <p:nvSpPr>
+          <p:cNvPr id="7" name="Rettangolo 6">
+            <a:extLst>
+              <a:ext uri="{FF2B5EF4-FFF2-40B4-BE49-F238E27FC236}">
+                <a16:creationId xmlns:a16="http://schemas.microsoft.com/office/drawing/2014/main" id="{08BEFCCA-512B-118D-E357-B1C1D553941F}"/>
+              </a:ext>
+            </a:extLst>
+          </p:cNvPr>
+          <p:cNvSpPr/>
+          <p:nvPr/>
+        </p:nvSpPr>
+        <p:spPr>
+          <a:xfrm>
+            <a:off x="0" y="5984964"/>
+            <a:ext cx="12192000" cy="873036"/>
+          </a:xfrm>
+          <a:prstGeom prst="rect">
+            <a:avLst/>
+          </a:prstGeom>
+          <a:solidFill>
+            <a:srgbClr val="171A21"/>
+          </a:solidFill>
+        </p:spPr>
+        <p:style>
+          <a:lnRef idx="2">
+            <a:schemeClr val="accent1">
+              <a:shade val="15000"/>
+            </a:schemeClr>
+          </a:lnRef>
+          <a:fillRef idx="1">
+            <a:schemeClr val="accent1"/>
+          </a:fillRef>
+          <a:effectRef idx="0">
+            <a:schemeClr val="accent1"/>
+          </a:effectRef>
+          <a:fontRef idx="minor">
+            <a:schemeClr val="lt1"/>
+          </a:fontRef>
+        </p:style>
+        <p:txBody>
+          <a:bodyPr rtlCol="0" anchor="ctr"/>
+          <a:lstStyle/>
+          <a:p>
+            <a:pPr algn="ctr"/>
+            <a:endParaRPr lang="it-IT"/>
+          </a:p>
+        </p:txBody>
+      </p:sp>
+      <p:sp>
+        <p:nvSpPr>
           <p:cNvPr id="10" name="CasellaDiTesto 9">
             <a:extLst>
               <a:ext uri="{FF2B5EF4-FFF2-40B4-BE49-F238E27FC236}">
@@ -4404,8 +4502,8 @@
         </p:nvSpPr>
         <p:spPr>
           <a:xfrm>
-            <a:off x="4079240" y="-91440"/>
-            <a:ext cx="4033520" cy="1200329"/>
+            <a:off x="3507548" y="-125945"/>
+            <a:ext cx="5176903" cy="1200329"/>
           </a:xfrm>
           <a:prstGeom prst="rect">
             <a:avLst/>
@@ -4426,7 +4524,1345 @@
                 </a:solidFill>
                 <a:latin typeface="Amasis MT Pro" panose="02040504050005020304" pitchFamily="18" charset="0"/>
               </a:rPr>
-              <a:t>MUL</a:t>
+              <a:t>MOVE</a:t>
+            </a:r>
+          </a:p>
+        </p:txBody>
+      </p:sp>
+      <p:sp>
+        <p:nvSpPr>
+          <p:cNvPr id="2" name="Rettangolo con angoli arrotondati 1">
+            <a:extLst>
+              <a:ext uri="{FF2B5EF4-FFF2-40B4-BE49-F238E27FC236}">
+                <a16:creationId xmlns:a16="http://schemas.microsoft.com/office/drawing/2014/main" id="{EF3D28C7-6163-27F3-488A-EF7218679634}"/>
+              </a:ext>
+            </a:extLst>
+          </p:cNvPr>
+          <p:cNvSpPr/>
+          <p:nvPr/>
+        </p:nvSpPr>
+        <p:spPr>
+          <a:xfrm>
+            <a:off x="0" y="1190445"/>
+            <a:ext cx="12192000" cy="5667555"/>
+          </a:xfrm>
+          <a:prstGeom prst="roundRect">
+            <a:avLst/>
+          </a:prstGeom>
+          <a:solidFill>
+            <a:srgbClr val="171A21"/>
+          </a:solidFill>
+          <a:ln>
+            <a:noFill/>
+          </a:ln>
+        </p:spPr>
+        <p:style>
+          <a:lnRef idx="2">
+            <a:schemeClr val="accent1">
+              <a:shade val="15000"/>
+            </a:schemeClr>
+          </a:lnRef>
+          <a:fillRef idx="1">
+            <a:schemeClr val="accent1"/>
+          </a:fillRef>
+          <a:effectRef idx="0">
+            <a:schemeClr val="accent1"/>
+          </a:effectRef>
+          <a:fontRef idx="minor">
+            <a:schemeClr val="lt1"/>
+          </a:fontRef>
+        </p:style>
+        <p:txBody>
+          <a:bodyPr rtlCol="0" anchor="ctr"/>
+          <a:lstStyle/>
+          <a:p>
+            <a:pPr algn="ctr"/>
+            <a:endParaRPr lang="it-IT"/>
+          </a:p>
+        </p:txBody>
+      </p:sp>
+      <p:sp>
+        <p:nvSpPr>
+          <p:cNvPr id="3" name="Rettangolo con angoli arrotondati 2">
+            <a:extLst>
+              <a:ext uri="{FF2B5EF4-FFF2-40B4-BE49-F238E27FC236}">
+                <a16:creationId xmlns:a16="http://schemas.microsoft.com/office/drawing/2014/main" id="{B86E006D-1449-FECC-C4CD-2E4704A53615}"/>
+              </a:ext>
+            </a:extLst>
+          </p:cNvPr>
+          <p:cNvSpPr/>
+          <p:nvPr/>
+        </p:nvSpPr>
+        <p:spPr>
+          <a:xfrm>
+            <a:off x="11261784" y="1535499"/>
+            <a:ext cx="416943" cy="370937"/>
+          </a:xfrm>
+          <a:prstGeom prst="roundRect">
+            <a:avLst/>
+          </a:prstGeom>
+          <a:solidFill>
+            <a:srgbClr val="278EA5"/>
+          </a:solidFill>
+          <a:ln>
+            <a:noFill/>
+          </a:ln>
+        </p:spPr>
+        <p:style>
+          <a:lnRef idx="2">
+            <a:schemeClr val="accent1">
+              <a:shade val="15000"/>
+            </a:schemeClr>
+          </a:lnRef>
+          <a:fillRef idx="1">
+            <a:schemeClr val="accent1"/>
+          </a:fillRef>
+          <a:effectRef idx="0">
+            <a:schemeClr val="accent1"/>
+          </a:effectRef>
+          <a:fontRef idx="minor">
+            <a:schemeClr val="lt1"/>
+          </a:fontRef>
+        </p:style>
+        <p:txBody>
+          <a:bodyPr rtlCol="0" anchor="ctr"/>
+          <a:lstStyle/>
+          <a:p>
+            <a:pPr algn="ctr"/>
+            <a:endParaRPr lang="it-IT" dirty="0"/>
+          </a:p>
+        </p:txBody>
+      </p:sp>
+      <p:sp>
+        <p:nvSpPr>
+          <p:cNvPr id="4" name="Rettangolo con angoli arrotondati 3">
+            <a:extLst>
+              <a:ext uri="{FF2B5EF4-FFF2-40B4-BE49-F238E27FC236}">
+                <a16:creationId xmlns:a16="http://schemas.microsoft.com/office/drawing/2014/main" id="{D71275F1-2DC5-A3F9-31E3-391948A9F747}"/>
+              </a:ext>
+            </a:extLst>
+          </p:cNvPr>
+          <p:cNvSpPr/>
+          <p:nvPr/>
+        </p:nvSpPr>
+        <p:spPr>
+          <a:xfrm>
+            <a:off x="11261783" y="6295514"/>
+            <a:ext cx="416943" cy="370937"/>
+          </a:xfrm>
+          <a:prstGeom prst="roundRect">
+            <a:avLst/>
+          </a:prstGeom>
+          <a:solidFill>
+            <a:srgbClr val="278EA5"/>
+          </a:solidFill>
+          <a:ln>
+            <a:noFill/>
+          </a:ln>
+        </p:spPr>
+        <p:style>
+          <a:lnRef idx="2">
+            <a:schemeClr val="accent1">
+              <a:shade val="15000"/>
+            </a:schemeClr>
+          </a:lnRef>
+          <a:fillRef idx="1">
+            <a:schemeClr val="accent1"/>
+          </a:fillRef>
+          <a:effectRef idx="0">
+            <a:schemeClr val="accent1"/>
+          </a:effectRef>
+          <a:fontRef idx="minor">
+            <a:schemeClr val="lt1"/>
+          </a:fontRef>
+        </p:style>
+        <p:txBody>
+          <a:bodyPr rtlCol="0" anchor="ctr"/>
+          <a:lstStyle/>
+          <a:p>
+            <a:pPr algn="ctr"/>
+            <a:endParaRPr lang="it-IT" dirty="0"/>
+          </a:p>
+        </p:txBody>
+      </p:sp>
+      <p:sp>
+        <p:nvSpPr>
+          <p:cNvPr id="5" name="Rettangolo con angoli arrotondati 4">
+            <a:extLst>
+              <a:ext uri="{FF2B5EF4-FFF2-40B4-BE49-F238E27FC236}">
+                <a16:creationId xmlns:a16="http://schemas.microsoft.com/office/drawing/2014/main" id="{EE0D89E7-E81C-1B8C-006A-84172FA3A19C}"/>
+              </a:ext>
+            </a:extLst>
+          </p:cNvPr>
+          <p:cNvSpPr/>
+          <p:nvPr/>
+        </p:nvSpPr>
+        <p:spPr>
+          <a:xfrm>
+            <a:off x="595222" y="1535500"/>
+            <a:ext cx="416943" cy="370937"/>
+          </a:xfrm>
+          <a:prstGeom prst="roundRect">
+            <a:avLst/>
+          </a:prstGeom>
+          <a:solidFill>
+            <a:srgbClr val="278EA5"/>
+          </a:solidFill>
+          <a:ln>
+            <a:noFill/>
+          </a:ln>
+        </p:spPr>
+        <p:style>
+          <a:lnRef idx="2">
+            <a:schemeClr val="accent1">
+              <a:shade val="15000"/>
+            </a:schemeClr>
+          </a:lnRef>
+          <a:fillRef idx="1">
+            <a:schemeClr val="accent1"/>
+          </a:fillRef>
+          <a:effectRef idx="0">
+            <a:schemeClr val="accent1"/>
+          </a:effectRef>
+          <a:fontRef idx="minor">
+            <a:schemeClr val="lt1"/>
+          </a:fontRef>
+        </p:style>
+        <p:txBody>
+          <a:bodyPr rtlCol="0" anchor="ctr"/>
+          <a:lstStyle/>
+          <a:p>
+            <a:pPr algn="ctr"/>
+            <a:endParaRPr lang="it-IT" dirty="0"/>
+          </a:p>
+        </p:txBody>
+      </p:sp>
+      <p:sp>
+        <p:nvSpPr>
+          <p:cNvPr id="6" name="Rettangolo con angoli arrotondati 5">
+            <a:extLst>
+              <a:ext uri="{FF2B5EF4-FFF2-40B4-BE49-F238E27FC236}">
+                <a16:creationId xmlns:a16="http://schemas.microsoft.com/office/drawing/2014/main" id="{7101C5B5-802A-0145-97FF-E55819744A2B}"/>
+              </a:ext>
+            </a:extLst>
+          </p:cNvPr>
+          <p:cNvSpPr/>
+          <p:nvPr/>
+        </p:nvSpPr>
+        <p:spPr>
+          <a:xfrm>
+            <a:off x="595221" y="6330019"/>
+            <a:ext cx="416943" cy="370937"/>
+          </a:xfrm>
+          <a:prstGeom prst="roundRect">
+            <a:avLst/>
+          </a:prstGeom>
+          <a:solidFill>
+            <a:srgbClr val="278EA5"/>
+          </a:solidFill>
+          <a:ln>
+            <a:noFill/>
+          </a:ln>
+        </p:spPr>
+        <p:style>
+          <a:lnRef idx="2">
+            <a:schemeClr val="accent1">
+              <a:shade val="15000"/>
+            </a:schemeClr>
+          </a:lnRef>
+          <a:fillRef idx="1">
+            <a:schemeClr val="accent1"/>
+          </a:fillRef>
+          <a:effectRef idx="0">
+            <a:schemeClr val="accent1"/>
+          </a:effectRef>
+          <a:fontRef idx="minor">
+            <a:schemeClr val="lt1"/>
+          </a:fontRef>
+        </p:style>
+        <p:txBody>
+          <a:bodyPr rtlCol="0" anchor="ctr"/>
+          <a:lstStyle/>
+          <a:p>
+            <a:pPr algn="ctr"/>
+            <a:endParaRPr lang="it-IT" dirty="0"/>
+          </a:p>
+        </p:txBody>
+      </p:sp>
+      <p:sp>
+        <p:nvSpPr>
+          <p:cNvPr id="8" name="CasellaDiTesto 7">
+            <a:extLst>
+              <a:ext uri="{FF2B5EF4-FFF2-40B4-BE49-F238E27FC236}">
+                <a16:creationId xmlns:a16="http://schemas.microsoft.com/office/drawing/2014/main" id="{2FF18306-C653-71BE-3067-BFE80CB6F735}"/>
+              </a:ext>
+            </a:extLst>
+          </p:cNvPr>
+          <p:cNvSpPr txBox="1"/>
+          <p:nvPr/>
+        </p:nvSpPr>
+        <p:spPr>
+          <a:xfrm>
+            <a:off x="3046093" y="1391057"/>
+            <a:ext cx="6099811" cy="646331"/>
+          </a:xfrm>
+          <a:prstGeom prst="rect">
+            <a:avLst/>
+          </a:prstGeom>
+          <a:noFill/>
+        </p:spPr>
+        <p:txBody>
+          <a:bodyPr wrap="square" rtlCol="0">
+            <a:spAutoFit/>
+          </a:bodyPr>
+          <a:lstStyle/>
+          <a:p>
+            <a:pPr algn="ctr"/>
+            <a:r>
+              <a:rPr lang="it-IT" b="1" u="sng" dirty="0">
+                <a:solidFill>
+                  <a:srgbClr val="FF0074"/>
+                </a:solidFill>
+                <a:latin typeface="Comic Sans MS" panose="030F0702030302020204" pitchFamily="66" charset="0"/>
+              </a:rPr>
+              <a:t>Copia</a:t>
+            </a:r>
+            <a:r>
+              <a:rPr lang="it-IT" b="1" dirty="0">
+                <a:solidFill>
+                  <a:schemeClr val="bg1"/>
+                </a:solidFill>
+                <a:latin typeface="Comic Sans MS" panose="030F0702030302020204" pitchFamily="66" charset="0"/>
+              </a:rPr>
+              <a:t> il contenuto del primo operando nel secondo operando</a:t>
+            </a:r>
+          </a:p>
+        </p:txBody>
+      </p:sp>
+      <p:sp>
+        <p:nvSpPr>
+          <p:cNvPr id="11" name="Rettangolo con angoli arrotondati 10">
+            <a:extLst>
+              <a:ext uri="{FF2B5EF4-FFF2-40B4-BE49-F238E27FC236}">
+                <a16:creationId xmlns:a16="http://schemas.microsoft.com/office/drawing/2014/main" id="{94363352-9716-C1FF-4912-49C599232089}"/>
+              </a:ext>
+            </a:extLst>
+          </p:cNvPr>
+          <p:cNvSpPr/>
+          <p:nvPr/>
+        </p:nvSpPr>
+        <p:spPr>
+          <a:xfrm>
+            <a:off x="496019" y="2967426"/>
+            <a:ext cx="11417059" cy="1206458"/>
+          </a:xfrm>
+          <a:prstGeom prst="roundRect">
+            <a:avLst/>
+          </a:prstGeom>
+          <a:solidFill>
+            <a:srgbClr val="283049"/>
+          </a:solidFill>
+          <a:ln>
+            <a:noFill/>
+          </a:ln>
+        </p:spPr>
+        <p:style>
+          <a:lnRef idx="2">
+            <a:schemeClr val="accent1">
+              <a:shade val="15000"/>
+            </a:schemeClr>
+          </a:lnRef>
+          <a:fillRef idx="1">
+            <a:schemeClr val="accent1"/>
+          </a:fillRef>
+          <a:effectRef idx="0">
+            <a:schemeClr val="accent1"/>
+          </a:effectRef>
+          <a:fontRef idx="minor">
+            <a:schemeClr val="lt1"/>
+          </a:fontRef>
+        </p:style>
+        <p:txBody>
+          <a:bodyPr rtlCol="0" anchor="ctr"/>
+          <a:lstStyle/>
+          <a:p>
+            <a:pPr algn="ctr"/>
+            <a:endParaRPr lang="it-IT"/>
+          </a:p>
+        </p:txBody>
+      </p:sp>
+      <p:sp>
+        <p:nvSpPr>
+          <p:cNvPr id="14" name="CasellaDiTesto 13">
+            <a:extLst>
+              <a:ext uri="{FF2B5EF4-FFF2-40B4-BE49-F238E27FC236}">
+                <a16:creationId xmlns:a16="http://schemas.microsoft.com/office/drawing/2014/main" id="{2BE7BA32-FB22-C422-6A5D-FA7C9604D43D}"/>
+              </a:ext>
+            </a:extLst>
+          </p:cNvPr>
+          <p:cNvSpPr txBox="1"/>
+          <p:nvPr/>
+        </p:nvSpPr>
+        <p:spPr>
+          <a:xfrm>
+            <a:off x="660828" y="3062400"/>
+            <a:ext cx="5058482" cy="923330"/>
+          </a:xfrm>
+          <a:prstGeom prst="rect">
+            <a:avLst/>
+          </a:prstGeom>
+          <a:noFill/>
+        </p:spPr>
+        <p:txBody>
+          <a:bodyPr wrap="square" rtlCol="0">
+            <a:spAutoFit/>
+          </a:bodyPr>
+          <a:lstStyle/>
+          <a:p>
+            <a:pPr algn="ctr"/>
+            <a:r>
+              <a:rPr lang="en-US" dirty="0">
+                <a:solidFill>
+                  <a:schemeClr val="bg1"/>
+                </a:solidFill>
+                <a:latin typeface="Comic Sans MS" panose="030F0702030302020204" pitchFamily="66" charset="0"/>
+              </a:rPr>
+              <a:t>move &lt;</a:t>
+            </a:r>
+            <a:r>
+              <a:rPr lang="en-US" dirty="0">
+                <a:solidFill>
+                  <a:srgbClr val="00B050"/>
+                </a:solidFill>
+                <a:latin typeface="Comic Sans MS" panose="030F0702030302020204" pitchFamily="66" charset="0"/>
+              </a:rPr>
+              <a:t>primo operando</a:t>
+            </a:r>
+            <a:r>
+              <a:rPr lang="en-US" dirty="0">
+                <a:solidFill>
+                  <a:schemeClr val="bg1"/>
+                </a:solidFill>
+                <a:latin typeface="Comic Sans MS" panose="030F0702030302020204" pitchFamily="66" charset="0"/>
+              </a:rPr>
+              <a:t>&gt;, &lt;</a:t>
+            </a:r>
+            <a:r>
+              <a:rPr lang="en-US" dirty="0">
+                <a:solidFill>
+                  <a:srgbClr val="00B050"/>
+                </a:solidFill>
+                <a:latin typeface="Comic Sans MS" panose="030F0702030302020204" pitchFamily="66" charset="0"/>
+              </a:rPr>
+              <a:t>secondo operando</a:t>
+            </a:r>
+            <a:r>
+              <a:rPr lang="en-US" dirty="0">
+                <a:solidFill>
+                  <a:schemeClr val="bg1"/>
+                </a:solidFill>
+                <a:latin typeface="Comic Sans MS" panose="030F0702030302020204" pitchFamily="66" charset="0"/>
+              </a:rPr>
+              <a:t>&gt;</a:t>
+            </a:r>
+          </a:p>
+          <a:p>
+            <a:pPr algn="ctr"/>
+            <a:endParaRPr lang="en-US" dirty="0">
+              <a:solidFill>
+                <a:schemeClr val="bg1"/>
+              </a:solidFill>
+              <a:latin typeface="Comic Sans MS" panose="030F0702030302020204" pitchFamily="66" charset="0"/>
+            </a:endParaRPr>
+          </a:p>
+          <a:p>
+            <a:pPr algn="ctr"/>
+            <a:r>
+              <a:rPr lang="en-US" dirty="0">
+                <a:solidFill>
+                  <a:schemeClr val="bg1"/>
+                </a:solidFill>
+                <a:latin typeface="Comic Sans MS" panose="030F0702030302020204" pitchFamily="66" charset="0"/>
+              </a:rPr>
+              <a:t>move </a:t>
+            </a:r>
+            <a:r>
+              <a:rPr lang="en-US" dirty="0">
+                <a:solidFill>
+                  <a:srgbClr val="00B050"/>
+                </a:solidFill>
+                <a:latin typeface="Comic Sans MS" panose="030F0702030302020204" pitchFamily="66" charset="0"/>
+              </a:rPr>
+              <a:t>#100</a:t>
+            </a:r>
+            <a:r>
+              <a:rPr lang="en-US" dirty="0">
+                <a:solidFill>
+                  <a:schemeClr val="bg1"/>
+                </a:solidFill>
+                <a:latin typeface="Comic Sans MS" panose="030F0702030302020204" pitchFamily="66" charset="0"/>
+              </a:rPr>
+              <a:t>, </a:t>
+            </a:r>
+            <a:r>
+              <a:rPr lang="en-US" dirty="0">
+                <a:solidFill>
+                  <a:srgbClr val="00B050"/>
+                </a:solidFill>
+                <a:latin typeface="Comic Sans MS" panose="030F0702030302020204" pitchFamily="66" charset="0"/>
+              </a:rPr>
+              <a:t>d0 </a:t>
+            </a:r>
+          </a:p>
+        </p:txBody>
+      </p:sp>
+      <p:sp>
+        <p:nvSpPr>
+          <p:cNvPr id="15" name="CasellaDiTesto 14">
+            <a:extLst>
+              <a:ext uri="{FF2B5EF4-FFF2-40B4-BE49-F238E27FC236}">
+                <a16:creationId xmlns:a16="http://schemas.microsoft.com/office/drawing/2014/main" id="{7E426981-7126-0236-3B0A-8D6692E4479E}"/>
+              </a:ext>
+            </a:extLst>
+          </p:cNvPr>
+          <p:cNvSpPr txBox="1"/>
+          <p:nvPr/>
+        </p:nvSpPr>
+        <p:spPr>
+          <a:xfrm>
+            <a:off x="1095555" y="6330019"/>
+            <a:ext cx="2967487" cy="370937"/>
+          </a:xfrm>
+          <a:prstGeom prst="rect">
+            <a:avLst/>
+          </a:prstGeom>
+          <a:noFill/>
+        </p:spPr>
+        <p:txBody>
+          <a:bodyPr wrap="square" rtlCol="0">
+            <a:spAutoFit/>
+          </a:bodyPr>
+          <a:lstStyle/>
+          <a:p>
+            <a:r>
+              <a:rPr lang="it-IT" dirty="0">
+                <a:solidFill>
+                  <a:schemeClr val="bg1"/>
+                </a:solidFill>
+              </a:rPr>
+              <a:t>Source: </a:t>
+            </a:r>
+            <a:r>
+              <a:rPr lang="it-IT" dirty="0">
+                <a:solidFill>
+                  <a:schemeClr val="bg1"/>
+                </a:solidFill>
+                <a:hlinkClick r:id="rId3"/>
+              </a:rPr>
+              <a:t>link documentazione</a:t>
+            </a:r>
+            <a:endParaRPr lang="it-IT" dirty="0">
+              <a:solidFill>
+                <a:schemeClr val="bg1"/>
+              </a:solidFill>
+            </a:endParaRPr>
+          </a:p>
+        </p:txBody>
+      </p:sp>
+      <p:sp>
+        <p:nvSpPr>
+          <p:cNvPr id="9" name="CasellaDiTesto 8">
+            <a:extLst>
+              <a:ext uri="{FF2B5EF4-FFF2-40B4-BE49-F238E27FC236}">
+                <a16:creationId xmlns:a16="http://schemas.microsoft.com/office/drawing/2014/main" id="{7F2CD1B9-D69E-2C38-7F44-5954A3B75573}"/>
+              </a:ext>
+            </a:extLst>
+          </p:cNvPr>
+          <p:cNvSpPr txBox="1"/>
+          <p:nvPr/>
+        </p:nvSpPr>
+        <p:spPr>
+          <a:xfrm>
+            <a:off x="5719310" y="3200899"/>
+            <a:ext cx="6099811" cy="646331"/>
+          </a:xfrm>
+          <a:prstGeom prst="rect">
+            <a:avLst/>
+          </a:prstGeom>
+          <a:noFill/>
+        </p:spPr>
+        <p:txBody>
+          <a:bodyPr wrap="square" rtlCol="0">
+            <a:spAutoFit/>
+          </a:bodyPr>
+          <a:lstStyle/>
+          <a:p>
+            <a:pPr algn="ctr"/>
+            <a:r>
+              <a:rPr lang="it-IT" b="1" dirty="0">
+                <a:solidFill>
+                  <a:schemeClr val="bg1"/>
+                </a:solidFill>
+                <a:latin typeface="Comic Sans MS" panose="030F0702030302020204" pitchFamily="66" charset="0"/>
+              </a:rPr>
+              <a:t>Cosa succede nell’esempio?</a:t>
+            </a:r>
+          </a:p>
+          <a:p>
+            <a:pPr algn="ctr"/>
+            <a:r>
+              <a:rPr lang="it-IT" i="1" dirty="0">
+                <a:solidFill>
+                  <a:schemeClr val="bg1"/>
+                </a:solidFill>
+                <a:latin typeface="Comic Sans MS" panose="030F0702030302020204" pitchFamily="66" charset="0"/>
+              </a:rPr>
+              <a:t>Mettiamo il numero </a:t>
+            </a:r>
+            <a:r>
+              <a:rPr lang="it-IT" i="1" dirty="0">
+                <a:solidFill>
+                  <a:srgbClr val="00B050"/>
+                </a:solidFill>
+                <a:latin typeface="Comic Sans MS" panose="030F0702030302020204" pitchFamily="66" charset="0"/>
+              </a:rPr>
+              <a:t>100</a:t>
+            </a:r>
+            <a:r>
+              <a:rPr lang="it-IT" i="1" dirty="0">
+                <a:solidFill>
+                  <a:schemeClr val="bg1"/>
+                </a:solidFill>
+                <a:latin typeface="Comic Sans MS" panose="030F0702030302020204" pitchFamily="66" charset="0"/>
+              </a:rPr>
+              <a:t> dentro il </a:t>
+            </a:r>
+            <a:r>
+              <a:rPr lang="it-IT" i="1" dirty="0">
+                <a:solidFill>
+                  <a:srgbClr val="FF0074"/>
+                </a:solidFill>
+                <a:latin typeface="Comic Sans MS" panose="030F0702030302020204" pitchFamily="66" charset="0"/>
+              </a:rPr>
+              <a:t>registro</a:t>
+            </a:r>
+            <a:r>
+              <a:rPr lang="it-IT" i="1" dirty="0">
+                <a:solidFill>
+                  <a:schemeClr val="bg1"/>
+                </a:solidFill>
+                <a:latin typeface="Comic Sans MS" panose="030F0702030302020204" pitchFamily="66" charset="0"/>
+              </a:rPr>
+              <a:t> </a:t>
+            </a:r>
+            <a:r>
+              <a:rPr lang="it-IT" i="1" dirty="0">
+                <a:solidFill>
+                  <a:srgbClr val="00B050"/>
+                </a:solidFill>
+                <a:latin typeface="Comic Sans MS" panose="030F0702030302020204" pitchFamily="66" charset="0"/>
+              </a:rPr>
+              <a:t>d0</a:t>
+            </a:r>
+          </a:p>
+        </p:txBody>
+      </p:sp>
+      <p:sp>
+        <p:nvSpPr>
+          <p:cNvPr id="12" name="Rettangolo con angoli arrotondati 11">
+            <a:extLst>
+              <a:ext uri="{FF2B5EF4-FFF2-40B4-BE49-F238E27FC236}">
+                <a16:creationId xmlns:a16="http://schemas.microsoft.com/office/drawing/2014/main" id="{6E295529-7769-6A3A-08D4-2E4007D2411F}"/>
+              </a:ext>
+            </a:extLst>
+          </p:cNvPr>
+          <p:cNvSpPr/>
+          <p:nvPr/>
+        </p:nvSpPr>
+        <p:spPr>
+          <a:xfrm rot="10800000" flipV="1">
+            <a:off x="2714445" y="2333348"/>
+            <a:ext cx="6763108" cy="420727"/>
+          </a:xfrm>
+          <a:prstGeom prst="roundRect">
+            <a:avLst/>
+          </a:prstGeom>
+          <a:solidFill>
+            <a:srgbClr val="283049"/>
+          </a:solidFill>
+          <a:ln>
+            <a:noFill/>
+          </a:ln>
+        </p:spPr>
+        <p:style>
+          <a:lnRef idx="2">
+            <a:schemeClr val="accent1">
+              <a:shade val="15000"/>
+            </a:schemeClr>
+          </a:lnRef>
+          <a:fillRef idx="1">
+            <a:schemeClr val="accent1"/>
+          </a:fillRef>
+          <a:effectRef idx="0">
+            <a:schemeClr val="accent1"/>
+          </a:effectRef>
+          <a:fontRef idx="minor">
+            <a:schemeClr val="lt1"/>
+          </a:fontRef>
+        </p:style>
+        <p:txBody>
+          <a:bodyPr rtlCol="0" anchor="ctr"/>
+          <a:lstStyle/>
+          <a:p>
+            <a:pPr algn="ctr"/>
+            <a:r>
+              <a:rPr lang="it-IT" dirty="0"/>
+              <a:t> </a:t>
+            </a:r>
+          </a:p>
+        </p:txBody>
+      </p:sp>
+      <p:sp>
+        <p:nvSpPr>
+          <p:cNvPr id="16" name="CasellaDiTesto 15">
+            <a:extLst>
+              <a:ext uri="{FF2B5EF4-FFF2-40B4-BE49-F238E27FC236}">
+                <a16:creationId xmlns:a16="http://schemas.microsoft.com/office/drawing/2014/main" id="{4D589569-F1CD-B42E-E93D-9E759CF6B72B}"/>
+              </a:ext>
+            </a:extLst>
+          </p:cNvPr>
+          <p:cNvSpPr txBox="1"/>
+          <p:nvPr/>
+        </p:nvSpPr>
+        <p:spPr>
+          <a:xfrm>
+            <a:off x="3328093" y="2359045"/>
+            <a:ext cx="2158306" cy="369332"/>
+          </a:xfrm>
+          <a:prstGeom prst="rect">
+            <a:avLst/>
+          </a:prstGeom>
+          <a:noFill/>
+        </p:spPr>
+        <p:txBody>
+          <a:bodyPr wrap="square" rtlCol="0">
+            <a:spAutoFit/>
+          </a:bodyPr>
+          <a:lstStyle/>
+          <a:p>
+            <a:r>
+              <a:rPr lang="it-IT" dirty="0">
+                <a:solidFill>
+                  <a:schemeClr val="bg1"/>
+                </a:solidFill>
+              </a:rPr>
+              <a:t>&lt;</a:t>
+            </a:r>
+            <a:r>
+              <a:rPr lang="it-IT" dirty="0">
+                <a:solidFill>
+                  <a:srgbClr val="00B050"/>
+                </a:solidFill>
+              </a:rPr>
+              <a:t>primo operando</a:t>
+            </a:r>
+            <a:r>
+              <a:rPr lang="it-IT" dirty="0">
+                <a:solidFill>
+                  <a:schemeClr val="bg1"/>
+                </a:solidFill>
+              </a:rPr>
+              <a:t>&gt;</a:t>
+            </a:r>
+          </a:p>
+        </p:txBody>
+      </p:sp>
+      <p:pic>
+        <p:nvPicPr>
+          <p:cNvPr id="18" name="Immagine 17">
+            <a:extLst>
+              <a:ext uri="{FF2B5EF4-FFF2-40B4-BE49-F238E27FC236}">
+                <a16:creationId xmlns:a16="http://schemas.microsoft.com/office/drawing/2014/main" id="{53E4E270-3D51-D8A8-8D49-18F57867D066}"/>
+              </a:ext>
+            </a:extLst>
+          </p:cNvPr>
+          <p:cNvPicPr>
+            <a:picLocks noChangeAspect="1"/>
+          </p:cNvPicPr>
+          <p:nvPr/>
+        </p:nvPicPr>
+        <p:blipFill>
+          <a:blip r:embed="rId4">
+            <a:extLst>
+              <a:ext uri="{28A0092B-C50C-407E-A947-70E740481C1C}">
+                <a14:useLocalDpi xmlns:a14="http://schemas.microsoft.com/office/drawing/2010/main" val="0"/>
+              </a:ext>
+            </a:extLst>
+          </a:blip>
+          <a:stretch>
+            <a:fillRect/>
+          </a:stretch>
+        </p:blipFill>
+        <p:spPr>
+          <a:xfrm>
+            <a:off x="5732093" y="2435983"/>
+            <a:ext cx="472456" cy="264576"/>
+          </a:xfrm>
+          <a:prstGeom prst="rect">
+            <a:avLst/>
+          </a:prstGeom>
+        </p:spPr>
+      </p:pic>
+      <p:sp>
+        <p:nvSpPr>
+          <p:cNvPr id="19" name="CasellaDiTesto 18">
+            <a:extLst>
+              <a:ext uri="{FF2B5EF4-FFF2-40B4-BE49-F238E27FC236}">
+                <a16:creationId xmlns:a16="http://schemas.microsoft.com/office/drawing/2014/main" id="{9D1CC4F3-7C9A-8CBF-0388-5956A9D642B2}"/>
+              </a:ext>
+            </a:extLst>
+          </p:cNvPr>
+          <p:cNvSpPr txBox="1"/>
+          <p:nvPr/>
+        </p:nvSpPr>
+        <p:spPr>
+          <a:xfrm>
+            <a:off x="6652139" y="2357535"/>
+            <a:ext cx="2158306" cy="369332"/>
+          </a:xfrm>
+          <a:prstGeom prst="rect">
+            <a:avLst/>
+          </a:prstGeom>
+          <a:noFill/>
+        </p:spPr>
+        <p:txBody>
+          <a:bodyPr wrap="square" rtlCol="0">
+            <a:spAutoFit/>
+          </a:bodyPr>
+          <a:lstStyle/>
+          <a:p>
+            <a:r>
+              <a:rPr lang="it-IT" dirty="0">
+                <a:solidFill>
+                  <a:schemeClr val="bg1"/>
+                </a:solidFill>
+              </a:rPr>
+              <a:t>&lt;</a:t>
+            </a:r>
+            <a:r>
+              <a:rPr lang="it-IT" dirty="0">
+                <a:solidFill>
+                  <a:srgbClr val="00B050"/>
+                </a:solidFill>
+              </a:rPr>
+              <a:t>secondo operando</a:t>
+            </a:r>
+            <a:r>
+              <a:rPr lang="it-IT" dirty="0">
+                <a:solidFill>
+                  <a:schemeClr val="bg1"/>
+                </a:solidFill>
+              </a:rPr>
+              <a:t>&gt;</a:t>
+            </a:r>
+          </a:p>
+        </p:txBody>
+      </p:sp>
+      <p:sp>
+        <p:nvSpPr>
+          <p:cNvPr id="23" name="Rettangolo con angoli arrotondati 22">
+            <a:extLst>
+              <a:ext uri="{FF2B5EF4-FFF2-40B4-BE49-F238E27FC236}">
+                <a16:creationId xmlns:a16="http://schemas.microsoft.com/office/drawing/2014/main" id="{E22F432E-E9D5-B645-C164-577FF1532933}"/>
+              </a:ext>
+            </a:extLst>
+          </p:cNvPr>
+          <p:cNvSpPr/>
+          <p:nvPr/>
+        </p:nvSpPr>
+        <p:spPr>
+          <a:xfrm>
+            <a:off x="496019" y="4419116"/>
+            <a:ext cx="11417059" cy="1206458"/>
+          </a:xfrm>
+          <a:prstGeom prst="roundRect">
+            <a:avLst/>
+          </a:prstGeom>
+          <a:solidFill>
+            <a:srgbClr val="283049"/>
+          </a:solidFill>
+          <a:ln>
+            <a:noFill/>
+          </a:ln>
+        </p:spPr>
+        <p:style>
+          <a:lnRef idx="2">
+            <a:schemeClr val="accent1">
+              <a:shade val="15000"/>
+            </a:schemeClr>
+          </a:lnRef>
+          <a:fillRef idx="1">
+            <a:schemeClr val="accent1"/>
+          </a:fillRef>
+          <a:effectRef idx="0">
+            <a:schemeClr val="accent1"/>
+          </a:effectRef>
+          <a:fontRef idx="minor">
+            <a:schemeClr val="lt1"/>
+          </a:fontRef>
+        </p:style>
+        <p:txBody>
+          <a:bodyPr rtlCol="0" anchor="ctr"/>
+          <a:lstStyle/>
+          <a:p>
+            <a:pPr algn="ctr"/>
+            <a:endParaRPr lang="it-IT"/>
+          </a:p>
+        </p:txBody>
+      </p:sp>
+      <p:sp>
+        <p:nvSpPr>
+          <p:cNvPr id="21" name="CasellaDiTesto 20">
+            <a:extLst>
+              <a:ext uri="{FF2B5EF4-FFF2-40B4-BE49-F238E27FC236}">
+                <a16:creationId xmlns:a16="http://schemas.microsoft.com/office/drawing/2014/main" id="{D6379737-F7F7-0D22-E2BE-E392C30FA402}"/>
+              </a:ext>
+            </a:extLst>
+          </p:cNvPr>
+          <p:cNvSpPr txBox="1"/>
+          <p:nvPr/>
+        </p:nvSpPr>
+        <p:spPr>
+          <a:xfrm>
+            <a:off x="657952" y="4582123"/>
+            <a:ext cx="5058482" cy="923330"/>
+          </a:xfrm>
+          <a:prstGeom prst="rect">
+            <a:avLst/>
+          </a:prstGeom>
+          <a:noFill/>
+        </p:spPr>
+        <p:txBody>
+          <a:bodyPr wrap="square" rtlCol="0">
+            <a:spAutoFit/>
+          </a:bodyPr>
+          <a:lstStyle/>
+          <a:p>
+            <a:pPr algn="ctr"/>
+            <a:r>
+              <a:rPr lang="en-US" dirty="0">
+                <a:solidFill>
+                  <a:schemeClr val="bg1"/>
+                </a:solidFill>
+                <a:latin typeface="Comic Sans MS" panose="030F0702030302020204" pitchFamily="66" charset="0"/>
+              </a:rPr>
+              <a:t>move &lt;</a:t>
+            </a:r>
+            <a:r>
+              <a:rPr lang="en-US" dirty="0">
+                <a:solidFill>
+                  <a:srgbClr val="00B050"/>
+                </a:solidFill>
+                <a:latin typeface="Comic Sans MS" panose="030F0702030302020204" pitchFamily="66" charset="0"/>
+              </a:rPr>
+              <a:t>primo operando</a:t>
+            </a:r>
+            <a:r>
+              <a:rPr lang="en-US" dirty="0">
+                <a:solidFill>
+                  <a:schemeClr val="bg1"/>
+                </a:solidFill>
+                <a:latin typeface="Comic Sans MS" panose="030F0702030302020204" pitchFamily="66" charset="0"/>
+              </a:rPr>
+              <a:t>&gt;, &lt;</a:t>
+            </a:r>
+            <a:r>
+              <a:rPr lang="en-US" dirty="0">
+                <a:solidFill>
+                  <a:srgbClr val="00B050"/>
+                </a:solidFill>
+                <a:latin typeface="Comic Sans MS" panose="030F0702030302020204" pitchFamily="66" charset="0"/>
+              </a:rPr>
+              <a:t>secondo operando</a:t>
+            </a:r>
+            <a:r>
+              <a:rPr lang="en-US" dirty="0">
+                <a:solidFill>
+                  <a:schemeClr val="bg1"/>
+                </a:solidFill>
+                <a:latin typeface="Comic Sans MS" panose="030F0702030302020204" pitchFamily="66" charset="0"/>
+              </a:rPr>
+              <a:t>&gt;</a:t>
+            </a:r>
+          </a:p>
+          <a:p>
+            <a:pPr algn="ctr"/>
+            <a:endParaRPr lang="en-US" dirty="0">
+              <a:solidFill>
+                <a:schemeClr val="bg1"/>
+              </a:solidFill>
+              <a:latin typeface="Comic Sans MS" panose="030F0702030302020204" pitchFamily="66" charset="0"/>
+            </a:endParaRPr>
+          </a:p>
+          <a:p>
+            <a:pPr algn="ctr"/>
+            <a:r>
+              <a:rPr lang="en-US" dirty="0">
+                <a:solidFill>
+                  <a:schemeClr val="bg1"/>
+                </a:solidFill>
+                <a:latin typeface="Comic Sans MS" panose="030F0702030302020204" pitchFamily="66" charset="0"/>
+              </a:rPr>
+              <a:t>move </a:t>
+            </a:r>
+            <a:r>
+              <a:rPr lang="en-US" dirty="0">
+                <a:solidFill>
+                  <a:srgbClr val="00B050"/>
+                </a:solidFill>
+                <a:latin typeface="Comic Sans MS" panose="030F0702030302020204" pitchFamily="66" charset="0"/>
+              </a:rPr>
+              <a:t>d1</a:t>
+            </a:r>
+            <a:r>
+              <a:rPr lang="en-US" dirty="0">
+                <a:solidFill>
+                  <a:schemeClr val="bg1"/>
+                </a:solidFill>
+                <a:latin typeface="Comic Sans MS" panose="030F0702030302020204" pitchFamily="66" charset="0"/>
+              </a:rPr>
+              <a:t>, </a:t>
+            </a:r>
+            <a:r>
+              <a:rPr lang="en-US" dirty="0">
+                <a:solidFill>
+                  <a:srgbClr val="00B050"/>
+                </a:solidFill>
+                <a:latin typeface="Comic Sans MS" panose="030F0702030302020204" pitchFamily="66" charset="0"/>
+              </a:rPr>
+              <a:t>d0 </a:t>
+            </a:r>
+          </a:p>
+        </p:txBody>
+      </p:sp>
+      <p:sp>
+        <p:nvSpPr>
+          <p:cNvPr id="22" name="CasellaDiTesto 21">
+            <a:extLst>
+              <a:ext uri="{FF2B5EF4-FFF2-40B4-BE49-F238E27FC236}">
+                <a16:creationId xmlns:a16="http://schemas.microsoft.com/office/drawing/2014/main" id="{B9FA9346-9880-A94A-576B-033D3DC35785}"/>
+              </a:ext>
+            </a:extLst>
+          </p:cNvPr>
+          <p:cNvSpPr txBox="1"/>
+          <p:nvPr/>
+        </p:nvSpPr>
+        <p:spPr>
+          <a:xfrm>
+            <a:off x="5634545" y="4560680"/>
+            <a:ext cx="6099811" cy="923330"/>
+          </a:xfrm>
+          <a:prstGeom prst="rect">
+            <a:avLst/>
+          </a:prstGeom>
+          <a:noFill/>
+        </p:spPr>
+        <p:txBody>
+          <a:bodyPr wrap="square" rtlCol="0">
+            <a:spAutoFit/>
+          </a:bodyPr>
+          <a:lstStyle/>
+          <a:p>
+            <a:pPr algn="ctr"/>
+            <a:r>
+              <a:rPr lang="it-IT" b="1" dirty="0">
+                <a:solidFill>
+                  <a:schemeClr val="bg1"/>
+                </a:solidFill>
+                <a:latin typeface="Comic Sans MS" panose="030F0702030302020204" pitchFamily="66" charset="0"/>
+              </a:rPr>
+              <a:t>Cosa succede nell’esempio?</a:t>
+            </a:r>
+          </a:p>
+          <a:p>
+            <a:pPr algn="ctr"/>
+            <a:r>
+              <a:rPr lang="it-IT" i="1" dirty="0">
+                <a:solidFill>
+                  <a:schemeClr val="bg1"/>
+                </a:solidFill>
+                <a:latin typeface="Comic Sans MS" panose="030F0702030302020204" pitchFamily="66" charset="0"/>
+              </a:rPr>
+              <a:t>Copiamo il </a:t>
+            </a:r>
+          </a:p>
+          <a:p>
+            <a:pPr algn="ctr"/>
+            <a:r>
+              <a:rPr lang="it-IT" i="1" dirty="0">
+                <a:solidFill>
+                  <a:schemeClr val="bg1"/>
+                </a:solidFill>
+                <a:latin typeface="Comic Sans MS" panose="030F0702030302020204" pitchFamily="66" charset="0"/>
+              </a:rPr>
+              <a:t>contenuto del </a:t>
+            </a:r>
+            <a:r>
+              <a:rPr lang="it-IT" i="1" dirty="0">
+                <a:solidFill>
+                  <a:srgbClr val="FF0074"/>
+                </a:solidFill>
+                <a:latin typeface="Comic Sans MS" panose="030F0702030302020204" pitchFamily="66" charset="0"/>
+              </a:rPr>
+              <a:t>registro</a:t>
+            </a:r>
+            <a:r>
+              <a:rPr lang="it-IT" i="1" dirty="0">
+                <a:solidFill>
+                  <a:schemeClr val="bg1"/>
+                </a:solidFill>
+                <a:latin typeface="Comic Sans MS" panose="030F0702030302020204" pitchFamily="66" charset="0"/>
+              </a:rPr>
+              <a:t> </a:t>
+            </a:r>
+            <a:r>
+              <a:rPr lang="it-IT" i="1" dirty="0">
+                <a:solidFill>
+                  <a:srgbClr val="00B050"/>
+                </a:solidFill>
+                <a:latin typeface="Comic Sans MS" panose="030F0702030302020204" pitchFamily="66" charset="0"/>
+              </a:rPr>
+              <a:t>d1</a:t>
+            </a:r>
+            <a:r>
+              <a:rPr lang="it-IT" i="1" dirty="0">
+                <a:solidFill>
+                  <a:schemeClr val="bg1"/>
+                </a:solidFill>
+                <a:latin typeface="Comic Sans MS" panose="030F0702030302020204" pitchFamily="66" charset="0"/>
+              </a:rPr>
+              <a:t> dentro il </a:t>
+            </a:r>
+            <a:r>
+              <a:rPr lang="it-IT" i="1" dirty="0">
+                <a:solidFill>
+                  <a:srgbClr val="FF0074"/>
+                </a:solidFill>
+                <a:latin typeface="Comic Sans MS" panose="030F0702030302020204" pitchFamily="66" charset="0"/>
+              </a:rPr>
+              <a:t>registro</a:t>
+            </a:r>
+            <a:r>
+              <a:rPr lang="it-IT" i="1" dirty="0">
+                <a:solidFill>
+                  <a:schemeClr val="bg1"/>
+                </a:solidFill>
+                <a:latin typeface="Comic Sans MS" panose="030F0702030302020204" pitchFamily="66" charset="0"/>
+              </a:rPr>
+              <a:t> </a:t>
+            </a:r>
+            <a:r>
+              <a:rPr lang="it-IT" i="1" dirty="0">
+                <a:solidFill>
+                  <a:srgbClr val="00B050"/>
+                </a:solidFill>
+                <a:latin typeface="Comic Sans MS" panose="030F0702030302020204" pitchFamily="66" charset="0"/>
+              </a:rPr>
+              <a:t>d0</a:t>
+            </a:r>
+          </a:p>
+        </p:txBody>
+      </p:sp>
+      <p:sp>
+        <p:nvSpPr>
+          <p:cNvPr id="24" name="CasellaDiTesto 23">
+            <a:extLst>
+              <a:ext uri="{FF2B5EF4-FFF2-40B4-BE49-F238E27FC236}">
+                <a16:creationId xmlns:a16="http://schemas.microsoft.com/office/drawing/2014/main" id="{479D4F82-BFB8-5536-9BC2-29D7188241F1}"/>
+              </a:ext>
+            </a:extLst>
+          </p:cNvPr>
+          <p:cNvSpPr txBox="1"/>
+          <p:nvPr/>
+        </p:nvSpPr>
+        <p:spPr>
+          <a:xfrm>
+            <a:off x="3777623" y="2092193"/>
+            <a:ext cx="914400" cy="369332"/>
+          </a:xfrm>
+          <a:prstGeom prst="rect">
+            <a:avLst/>
+          </a:prstGeom>
+          <a:noFill/>
+        </p:spPr>
+        <p:txBody>
+          <a:bodyPr wrap="square" rtlCol="0">
+            <a:spAutoFit/>
+          </a:bodyPr>
+          <a:lstStyle/>
+          <a:p>
+            <a:pPr algn="ctr"/>
+            <a:r>
+              <a:rPr lang="it-IT" dirty="0">
+                <a:solidFill>
+                  <a:schemeClr val="bg2"/>
+                </a:solidFill>
+                <a:latin typeface="Comic Sans MS" panose="030F0702030302020204" pitchFamily="66" charset="0"/>
+              </a:rPr>
+              <a:t>Da</a:t>
+            </a:r>
+          </a:p>
+        </p:txBody>
+      </p:sp>
+      <p:sp>
+        <p:nvSpPr>
+          <p:cNvPr id="25" name="CasellaDiTesto 24">
+            <a:extLst>
+              <a:ext uri="{FF2B5EF4-FFF2-40B4-BE49-F238E27FC236}">
+                <a16:creationId xmlns:a16="http://schemas.microsoft.com/office/drawing/2014/main" id="{4CE01E4A-01F3-506A-7587-D9259EA427B0}"/>
+              </a:ext>
+            </a:extLst>
+          </p:cNvPr>
+          <p:cNvSpPr txBox="1"/>
+          <p:nvPr/>
+        </p:nvSpPr>
+        <p:spPr>
+          <a:xfrm>
+            <a:off x="7406468" y="2145661"/>
+            <a:ext cx="914400" cy="369332"/>
+          </a:xfrm>
+          <a:prstGeom prst="rect">
+            <a:avLst/>
+          </a:prstGeom>
+          <a:noFill/>
+        </p:spPr>
+        <p:txBody>
+          <a:bodyPr wrap="square" rtlCol="0">
+            <a:spAutoFit/>
+          </a:bodyPr>
+          <a:lstStyle/>
+          <a:p>
+            <a:pPr algn="ctr"/>
+            <a:r>
+              <a:rPr lang="it-IT" dirty="0">
+                <a:solidFill>
+                  <a:schemeClr val="bg2"/>
+                </a:solidFill>
+                <a:latin typeface="Comic Sans MS" panose="030F0702030302020204" pitchFamily="66" charset="0"/>
+              </a:rPr>
+              <a:t>A</a:t>
+            </a:r>
+          </a:p>
+        </p:txBody>
+      </p:sp>
+      <p:sp>
+        <p:nvSpPr>
+          <p:cNvPr id="26" name="Rettangolo con angoli arrotondati 25">
+            <a:extLst>
+              <a:ext uri="{FF2B5EF4-FFF2-40B4-BE49-F238E27FC236}">
+                <a16:creationId xmlns:a16="http://schemas.microsoft.com/office/drawing/2014/main" id="{1F484DF2-457D-58D2-92A2-C95713AE5FDA}"/>
+              </a:ext>
+            </a:extLst>
+          </p:cNvPr>
+          <p:cNvSpPr/>
+          <p:nvPr/>
+        </p:nvSpPr>
+        <p:spPr>
+          <a:xfrm rot="10800000" flipV="1">
+            <a:off x="2714445" y="5798105"/>
+            <a:ext cx="6763108" cy="420727"/>
+          </a:xfrm>
+          <a:prstGeom prst="roundRect">
+            <a:avLst/>
+          </a:prstGeom>
+          <a:solidFill>
+            <a:srgbClr val="283049"/>
+          </a:solidFill>
+          <a:ln>
+            <a:solidFill>
+              <a:srgbClr val="FF0074"/>
+            </a:solidFill>
+          </a:ln>
+        </p:spPr>
+        <p:style>
+          <a:lnRef idx="2">
+            <a:schemeClr val="accent1">
+              <a:shade val="15000"/>
+            </a:schemeClr>
+          </a:lnRef>
+          <a:fillRef idx="1">
+            <a:schemeClr val="accent1"/>
+          </a:fillRef>
+          <a:effectRef idx="0">
+            <a:schemeClr val="accent1"/>
+          </a:effectRef>
+          <a:fontRef idx="minor">
+            <a:schemeClr val="lt1"/>
+          </a:fontRef>
+        </p:style>
+        <p:txBody>
+          <a:bodyPr rtlCol="0" anchor="ctr"/>
+          <a:lstStyle/>
+          <a:p>
+            <a:pPr algn="ctr"/>
+            <a:r>
+              <a:rPr lang="it-IT" dirty="0"/>
+              <a:t> </a:t>
+            </a:r>
+          </a:p>
+        </p:txBody>
+      </p:sp>
+      <p:sp>
+        <p:nvSpPr>
+          <p:cNvPr id="27" name="CasellaDiTesto 26">
+            <a:extLst>
+              <a:ext uri="{FF2B5EF4-FFF2-40B4-BE49-F238E27FC236}">
+                <a16:creationId xmlns:a16="http://schemas.microsoft.com/office/drawing/2014/main" id="{5354F5A3-4A8A-51B6-AFFE-17164992DCD5}"/>
+              </a:ext>
+            </a:extLst>
+          </p:cNvPr>
+          <p:cNvSpPr txBox="1"/>
+          <p:nvPr/>
+        </p:nvSpPr>
+        <p:spPr>
+          <a:xfrm>
+            <a:off x="3507548" y="5820954"/>
+            <a:ext cx="5262113" cy="369332"/>
+          </a:xfrm>
+          <a:prstGeom prst="rect">
+            <a:avLst/>
+          </a:prstGeom>
+          <a:noFill/>
+        </p:spPr>
+        <p:txBody>
+          <a:bodyPr wrap="square" rtlCol="0">
+            <a:spAutoFit/>
+          </a:bodyPr>
+          <a:lstStyle/>
+          <a:p>
+            <a:r>
+              <a:rPr lang="it-IT" dirty="0">
+                <a:solidFill>
+                  <a:schemeClr val="bg1"/>
+                </a:solidFill>
+              </a:rPr>
+              <a:t>Il </a:t>
+            </a:r>
+            <a:r>
+              <a:rPr lang="it-IT" dirty="0">
+                <a:solidFill>
+                  <a:srgbClr val="00B050"/>
+                </a:solidFill>
+              </a:rPr>
+              <a:t>secondo operando </a:t>
+            </a:r>
+            <a:r>
+              <a:rPr lang="it-IT" dirty="0">
+                <a:solidFill>
+                  <a:schemeClr val="bg1"/>
+                </a:solidFill>
+              </a:rPr>
+              <a:t>non può essere mai un numero</a:t>
             </a:r>
           </a:p>
         </p:txBody>
@@ -4434,7 +5870,3755 @@
     </p:spTree>
     <p:extLst>
       <p:ext uri="{BB962C8B-B14F-4D97-AF65-F5344CB8AC3E}">
-        <p14:creationId xmlns:p14="http://schemas.microsoft.com/office/powerpoint/2010/main" val="59832836"/>
+        <p14:creationId xmlns:p14="http://schemas.microsoft.com/office/powerpoint/2010/main" val="507869406"/>
+      </p:ext>
+    </p:extLst>
+  </p:cSld>
+  <p:clrMapOvr>
+    <a:masterClrMapping/>
+  </p:clrMapOvr>
+</p:sld>
+</file>
+
+<file path=ppt/slides/slide4.xml><?xml version="1.0" encoding="utf-8"?>
+<p:sld xmlns:a="http://schemas.openxmlformats.org/drawingml/2006/main" xmlns:r="http://schemas.openxmlformats.org/officeDocument/2006/relationships" xmlns:p="http://schemas.openxmlformats.org/presentationml/2006/main">
+  <p:cSld>
+    <p:bg>
+      <p:bgPr>
+        <a:blipFill dpi="0" rotWithShape="1">
+          <a:blip r:embed="rId2">
+            <a:lum/>
+          </a:blip>
+          <a:srcRect/>
+          <a:stretch>
+            <a:fillRect/>
+          </a:stretch>
+        </a:blipFill>
+        <a:effectLst/>
+      </p:bgPr>
+    </p:bg>
+    <p:spTree>
+      <p:nvGrpSpPr>
+        <p:cNvPr id="1" name=""/>
+        <p:cNvGrpSpPr/>
+        <p:nvPr/>
+      </p:nvGrpSpPr>
+      <p:grpSpPr>
+        <a:xfrm>
+          <a:off x="0" y="0"/>
+          <a:ext cx="0" cy="0"/>
+          <a:chOff x="0" y="0"/>
+          <a:chExt cx="0" cy="0"/>
+        </a:xfrm>
+      </p:grpSpPr>
+      <p:sp>
+        <p:nvSpPr>
+          <p:cNvPr id="7" name="Rettangolo 6">
+            <a:extLst>
+              <a:ext uri="{FF2B5EF4-FFF2-40B4-BE49-F238E27FC236}">
+                <a16:creationId xmlns:a16="http://schemas.microsoft.com/office/drawing/2014/main" id="{08BEFCCA-512B-118D-E357-B1C1D553941F}"/>
+              </a:ext>
+            </a:extLst>
+          </p:cNvPr>
+          <p:cNvSpPr/>
+          <p:nvPr/>
+        </p:nvSpPr>
+        <p:spPr>
+          <a:xfrm>
+            <a:off x="0" y="5984964"/>
+            <a:ext cx="12192000" cy="873036"/>
+          </a:xfrm>
+          <a:prstGeom prst="rect">
+            <a:avLst/>
+          </a:prstGeom>
+          <a:solidFill>
+            <a:srgbClr val="171A21"/>
+          </a:solidFill>
+        </p:spPr>
+        <p:style>
+          <a:lnRef idx="2">
+            <a:schemeClr val="accent1">
+              <a:shade val="15000"/>
+            </a:schemeClr>
+          </a:lnRef>
+          <a:fillRef idx="1">
+            <a:schemeClr val="accent1"/>
+          </a:fillRef>
+          <a:effectRef idx="0">
+            <a:schemeClr val="accent1"/>
+          </a:effectRef>
+          <a:fontRef idx="minor">
+            <a:schemeClr val="lt1"/>
+          </a:fontRef>
+        </p:style>
+        <p:txBody>
+          <a:bodyPr rtlCol="0" anchor="ctr"/>
+          <a:lstStyle/>
+          <a:p>
+            <a:pPr algn="ctr"/>
+            <a:endParaRPr lang="it-IT"/>
+          </a:p>
+        </p:txBody>
+      </p:sp>
+      <p:sp>
+        <p:nvSpPr>
+          <p:cNvPr id="10" name="CasellaDiTesto 9">
+            <a:extLst>
+              <a:ext uri="{FF2B5EF4-FFF2-40B4-BE49-F238E27FC236}">
+                <a16:creationId xmlns:a16="http://schemas.microsoft.com/office/drawing/2014/main" id="{43600554-184D-19E8-37A1-FCF80890AA43}"/>
+              </a:ext>
+            </a:extLst>
+          </p:cNvPr>
+          <p:cNvSpPr txBox="1"/>
+          <p:nvPr/>
+        </p:nvSpPr>
+        <p:spPr>
+          <a:xfrm>
+            <a:off x="3507548" y="-125945"/>
+            <a:ext cx="5176903" cy="1200329"/>
+          </a:xfrm>
+          <a:prstGeom prst="rect">
+            <a:avLst/>
+          </a:prstGeom>
+          <a:noFill/>
+        </p:spPr>
+        <p:txBody>
+          <a:bodyPr wrap="square" rtlCol="0">
+            <a:spAutoFit/>
+          </a:bodyPr>
+          <a:lstStyle/>
+          <a:p>
+            <a:pPr algn="ctr"/>
+            <a:r>
+              <a:rPr lang="it-IT" sz="7200" b="1" dirty="0">
+                <a:solidFill>
+                  <a:srgbClr val="FF0074"/>
+                </a:solidFill>
+                <a:latin typeface="Amasis MT Pro" panose="02040504050005020304" pitchFamily="18" charset="0"/>
+              </a:rPr>
+              <a:t>ADD</a:t>
+            </a:r>
+          </a:p>
+        </p:txBody>
+      </p:sp>
+      <p:sp>
+        <p:nvSpPr>
+          <p:cNvPr id="2" name="Rettangolo con angoli arrotondati 1">
+            <a:extLst>
+              <a:ext uri="{FF2B5EF4-FFF2-40B4-BE49-F238E27FC236}">
+                <a16:creationId xmlns:a16="http://schemas.microsoft.com/office/drawing/2014/main" id="{EF3D28C7-6163-27F3-488A-EF7218679634}"/>
+              </a:ext>
+            </a:extLst>
+          </p:cNvPr>
+          <p:cNvSpPr/>
+          <p:nvPr/>
+        </p:nvSpPr>
+        <p:spPr>
+          <a:xfrm>
+            <a:off x="0" y="1190445"/>
+            <a:ext cx="12192000" cy="5667555"/>
+          </a:xfrm>
+          <a:prstGeom prst="roundRect">
+            <a:avLst/>
+          </a:prstGeom>
+          <a:solidFill>
+            <a:srgbClr val="171A21"/>
+          </a:solidFill>
+          <a:ln>
+            <a:noFill/>
+          </a:ln>
+        </p:spPr>
+        <p:style>
+          <a:lnRef idx="2">
+            <a:schemeClr val="accent1">
+              <a:shade val="15000"/>
+            </a:schemeClr>
+          </a:lnRef>
+          <a:fillRef idx="1">
+            <a:schemeClr val="accent1"/>
+          </a:fillRef>
+          <a:effectRef idx="0">
+            <a:schemeClr val="accent1"/>
+          </a:effectRef>
+          <a:fontRef idx="minor">
+            <a:schemeClr val="lt1"/>
+          </a:fontRef>
+        </p:style>
+        <p:txBody>
+          <a:bodyPr rtlCol="0" anchor="ctr"/>
+          <a:lstStyle/>
+          <a:p>
+            <a:pPr algn="ctr"/>
+            <a:endParaRPr lang="it-IT"/>
+          </a:p>
+        </p:txBody>
+      </p:sp>
+      <p:sp>
+        <p:nvSpPr>
+          <p:cNvPr id="3" name="Rettangolo con angoli arrotondati 2">
+            <a:extLst>
+              <a:ext uri="{FF2B5EF4-FFF2-40B4-BE49-F238E27FC236}">
+                <a16:creationId xmlns:a16="http://schemas.microsoft.com/office/drawing/2014/main" id="{B86E006D-1449-FECC-C4CD-2E4704A53615}"/>
+              </a:ext>
+            </a:extLst>
+          </p:cNvPr>
+          <p:cNvSpPr/>
+          <p:nvPr/>
+        </p:nvSpPr>
+        <p:spPr>
+          <a:xfrm>
+            <a:off x="11261784" y="1535499"/>
+            <a:ext cx="416943" cy="370937"/>
+          </a:xfrm>
+          <a:prstGeom prst="roundRect">
+            <a:avLst/>
+          </a:prstGeom>
+          <a:solidFill>
+            <a:srgbClr val="278EA5"/>
+          </a:solidFill>
+          <a:ln>
+            <a:noFill/>
+          </a:ln>
+        </p:spPr>
+        <p:style>
+          <a:lnRef idx="2">
+            <a:schemeClr val="accent1">
+              <a:shade val="15000"/>
+            </a:schemeClr>
+          </a:lnRef>
+          <a:fillRef idx="1">
+            <a:schemeClr val="accent1"/>
+          </a:fillRef>
+          <a:effectRef idx="0">
+            <a:schemeClr val="accent1"/>
+          </a:effectRef>
+          <a:fontRef idx="minor">
+            <a:schemeClr val="lt1"/>
+          </a:fontRef>
+        </p:style>
+        <p:txBody>
+          <a:bodyPr rtlCol="0" anchor="ctr"/>
+          <a:lstStyle/>
+          <a:p>
+            <a:pPr algn="ctr"/>
+            <a:endParaRPr lang="it-IT" dirty="0"/>
+          </a:p>
+        </p:txBody>
+      </p:sp>
+      <p:sp>
+        <p:nvSpPr>
+          <p:cNvPr id="4" name="Rettangolo con angoli arrotondati 3">
+            <a:extLst>
+              <a:ext uri="{FF2B5EF4-FFF2-40B4-BE49-F238E27FC236}">
+                <a16:creationId xmlns:a16="http://schemas.microsoft.com/office/drawing/2014/main" id="{D71275F1-2DC5-A3F9-31E3-391948A9F747}"/>
+              </a:ext>
+            </a:extLst>
+          </p:cNvPr>
+          <p:cNvSpPr/>
+          <p:nvPr/>
+        </p:nvSpPr>
+        <p:spPr>
+          <a:xfrm>
+            <a:off x="11261783" y="6295514"/>
+            <a:ext cx="416943" cy="370937"/>
+          </a:xfrm>
+          <a:prstGeom prst="roundRect">
+            <a:avLst/>
+          </a:prstGeom>
+          <a:solidFill>
+            <a:srgbClr val="278EA5"/>
+          </a:solidFill>
+          <a:ln>
+            <a:noFill/>
+          </a:ln>
+        </p:spPr>
+        <p:style>
+          <a:lnRef idx="2">
+            <a:schemeClr val="accent1">
+              <a:shade val="15000"/>
+            </a:schemeClr>
+          </a:lnRef>
+          <a:fillRef idx="1">
+            <a:schemeClr val="accent1"/>
+          </a:fillRef>
+          <a:effectRef idx="0">
+            <a:schemeClr val="accent1"/>
+          </a:effectRef>
+          <a:fontRef idx="minor">
+            <a:schemeClr val="lt1"/>
+          </a:fontRef>
+        </p:style>
+        <p:txBody>
+          <a:bodyPr rtlCol="0" anchor="ctr"/>
+          <a:lstStyle/>
+          <a:p>
+            <a:pPr algn="ctr"/>
+            <a:endParaRPr lang="it-IT" dirty="0"/>
+          </a:p>
+        </p:txBody>
+      </p:sp>
+      <p:sp>
+        <p:nvSpPr>
+          <p:cNvPr id="5" name="Rettangolo con angoli arrotondati 4">
+            <a:extLst>
+              <a:ext uri="{FF2B5EF4-FFF2-40B4-BE49-F238E27FC236}">
+                <a16:creationId xmlns:a16="http://schemas.microsoft.com/office/drawing/2014/main" id="{EE0D89E7-E81C-1B8C-006A-84172FA3A19C}"/>
+              </a:ext>
+            </a:extLst>
+          </p:cNvPr>
+          <p:cNvSpPr/>
+          <p:nvPr/>
+        </p:nvSpPr>
+        <p:spPr>
+          <a:xfrm>
+            <a:off x="595222" y="1535500"/>
+            <a:ext cx="416943" cy="370937"/>
+          </a:xfrm>
+          <a:prstGeom prst="roundRect">
+            <a:avLst/>
+          </a:prstGeom>
+          <a:solidFill>
+            <a:srgbClr val="278EA5"/>
+          </a:solidFill>
+          <a:ln>
+            <a:noFill/>
+          </a:ln>
+        </p:spPr>
+        <p:style>
+          <a:lnRef idx="2">
+            <a:schemeClr val="accent1">
+              <a:shade val="15000"/>
+            </a:schemeClr>
+          </a:lnRef>
+          <a:fillRef idx="1">
+            <a:schemeClr val="accent1"/>
+          </a:fillRef>
+          <a:effectRef idx="0">
+            <a:schemeClr val="accent1"/>
+          </a:effectRef>
+          <a:fontRef idx="minor">
+            <a:schemeClr val="lt1"/>
+          </a:fontRef>
+        </p:style>
+        <p:txBody>
+          <a:bodyPr rtlCol="0" anchor="ctr"/>
+          <a:lstStyle/>
+          <a:p>
+            <a:pPr algn="ctr"/>
+            <a:endParaRPr lang="it-IT" dirty="0"/>
+          </a:p>
+        </p:txBody>
+      </p:sp>
+      <p:sp>
+        <p:nvSpPr>
+          <p:cNvPr id="6" name="Rettangolo con angoli arrotondati 5">
+            <a:extLst>
+              <a:ext uri="{FF2B5EF4-FFF2-40B4-BE49-F238E27FC236}">
+                <a16:creationId xmlns:a16="http://schemas.microsoft.com/office/drawing/2014/main" id="{7101C5B5-802A-0145-97FF-E55819744A2B}"/>
+              </a:ext>
+            </a:extLst>
+          </p:cNvPr>
+          <p:cNvSpPr/>
+          <p:nvPr/>
+        </p:nvSpPr>
+        <p:spPr>
+          <a:xfrm>
+            <a:off x="595221" y="6330019"/>
+            <a:ext cx="416943" cy="370937"/>
+          </a:xfrm>
+          <a:prstGeom prst="roundRect">
+            <a:avLst/>
+          </a:prstGeom>
+          <a:solidFill>
+            <a:srgbClr val="278EA5"/>
+          </a:solidFill>
+          <a:ln>
+            <a:noFill/>
+          </a:ln>
+        </p:spPr>
+        <p:style>
+          <a:lnRef idx="2">
+            <a:schemeClr val="accent1">
+              <a:shade val="15000"/>
+            </a:schemeClr>
+          </a:lnRef>
+          <a:fillRef idx="1">
+            <a:schemeClr val="accent1"/>
+          </a:fillRef>
+          <a:effectRef idx="0">
+            <a:schemeClr val="accent1"/>
+          </a:effectRef>
+          <a:fontRef idx="minor">
+            <a:schemeClr val="lt1"/>
+          </a:fontRef>
+        </p:style>
+        <p:txBody>
+          <a:bodyPr rtlCol="0" anchor="ctr"/>
+          <a:lstStyle/>
+          <a:p>
+            <a:pPr algn="ctr"/>
+            <a:endParaRPr lang="it-IT" dirty="0"/>
+          </a:p>
+        </p:txBody>
+      </p:sp>
+      <p:sp>
+        <p:nvSpPr>
+          <p:cNvPr id="15" name="CasellaDiTesto 14">
+            <a:extLst>
+              <a:ext uri="{FF2B5EF4-FFF2-40B4-BE49-F238E27FC236}">
+                <a16:creationId xmlns:a16="http://schemas.microsoft.com/office/drawing/2014/main" id="{7E426981-7126-0236-3B0A-8D6692E4479E}"/>
+              </a:ext>
+            </a:extLst>
+          </p:cNvPr>
+          <p:cNvSpPr txBox="1"/>
+          <p:nvPr/>
+        </p:nvSpPr>
+        <p:spPr>
+          <a:xfrm>
+            <a:off x="1095555" y="6330019"/>
+            <a:ext cx="2967487" cy="370937"/>
+          </a:xfrm>
+          <a:prstGeom prst="rect">
+            <a:avLst/>
+          </a:prstGeom>
+          <a:noFill/>
+        </p:spPr>
+        <p:txBody>
+          <a:bodyPr wrap="square" rtlCol="0">
+            <a:spAutoFit/>
+          </a:bodyPr>
+          <a:lstStyle/>
+          <a:p>
+            <a:r>
+              <a:rPr lang="it-IT" dirty="0">
+                <a:solidFill>
+                  <a:schemeClr val="bg1"/>
+                </a:solidFill>
+              </a:rPr>
+              <a:t>Source: </a:t>
+            </a:r>
+            <a:r>
+              <a:rPr lang="it-IT" dirty="0">
+                <a:solidFill>
+                  <a:schemeClr val="bg1"/>
+                </a:solidFill>
+                <a:hlinkClick r:id="rId3"/>
+              </a:rPr>
+              <a:t>link documentazione</a:t>
+            </a:r>
+            <a:endParaRPr lang="it-IT" dirty="0">
+              <a:solidFill>
+                <a:schemeClr val="bg1"/>
+              </a:solidFill>
+            </a:endParaRPr>
+          </a:p>
+        </p:txBody>
+      </p:sp>
+      <p:sp>
+        <p:nvSpPr>
+          <p:cNvPr id="9" name="CasellaDiTesto 8">
+            <a:extLst>
+              <a:ext uri="{FF2B5EF4-FFF2-40B4-BE49-F238E27FC236}">
+                <a16:creationId xmlns:a16="http://schemas.microsoft.com/office/drawing/2014/main" id="{42B5EC8D-8E70-D0D4-68B1-DB258AD1A6E4}"/>
+              </a:ext>
+            </a:extLst>
+          </p:cNvPr>
+          <p:cNvSpPr txBox="1"/>
+          <p:nvPr/>
+        </p:nvSpPr>
+        <p:spPr>
+          <a:xfrm>
+            <a:off x="3046093" y="1391057"/>
+            <a:ext cx="6099811" cy="646331"/>
+          </a:xfrm>
+          <a:prstGeom prst="rect">
+            <a:avLst/>
+          </a:prstGeom>
+          <a:noFill/>
+        </p:spPr>
+        <p:txBody>
+          <a:bodyPr wrap="square" rtlCol="0">
+            <a:spAutoFit/>
+          </a:bodyPr>
+          <a:lstStyle/>
+          <a:p>
+            <a:pPr algn="ctr"/>
+            <a:r>
+              <a:rPr lang="it-IT" b="0" i="0" dirty="0">
+                <a:solidFill>
+                  <a:srgbClr val="E6EDF3"/>
+                </a:solidFill>
+                <a:effectLst/>
+                <a:latin typeface="-apple-system"/>
+              </a:rPr>
+              <a:t> </a:t>
+            </a:r>
+            <a:r>
+              <a:rPr lang="it-IT" b="1" dirty="0">
+                <a:solidFill>
+                  <a:schemeClr val="bg1"/>
+                </a:solidFill>
+                <a:latin typeface="Comic Sans MS" panose="030F0702030302020204" pitchFamily="66" charset="0"/>
+              </a:rPr>
+              <a:t>Effettua la somma di due valori e salva il risultato nel secondo</a:t>
+            </a:r>
+          </a:p>
+        </p:txBody>
+      </p:sp>
+      <p:sp>
+        <p:nvSpPr>
+          <p:cNvPr id="11" name="Rettangolo con angoli arrotondati 10">
+            <a:extLst>
+              <a:ext uri="{FF2B5EF4-FFF2-40B4-BE49-F238E27FC236}">
+                <a16:creationId xmlns:a16="http://schemas.microsoft.com/office/drawing/2014/main" id="{102AA516-DC98-6CE2-BFC3-382473B9DEC0}"/>
+              </a:ext>
+            </a:extLst>
+          </p:cNvPr>
+          <p:cNvSpPr/>
+          <p:nvPr/>
+        </p:nvSpPr>
+        <p:spPr>
+          <a:xfrm rot="10800000" flipV="1">
+            <a:off x="2714445" y="2333348"/>
+            <a:ext cx="6763108" cy="420727"/>
+          </a:xfrm>
+          <a:prstGeom prst="roundRect">
+            <a:avLst/>
+          </a:prstGeom>
+          <a:solidFill>
+            <a:srgbClr val="283049"/>
+          </a:solidFill>
+          <a:ln>
+            <a:noFill/>
+          </a:ln>
+        </p:spPr>
+        <p:style>
+          <a:lnRef idx="2">
+            <a:schemeClr val="accent1">
+              <a:shade val="15000"/>
+            </a:schemeClr>
+          </a:lnRef>
+          <a:fillRef idx="1">
+            <a:schemeClr val="accent1"/>
+          </a:fillRef>
+          <a:effectRef idx="0">
+            <a:schemeClr val="accent1"/>
+          </a:effectRef>
+          <a:fontRef idx="minor">
+            <a:schemeClr val="lt1"/>
+          </a:fontRef>
+        </p:style>
+        <p:txBody>
+          <a:bodyPr rtlCol="0" anchor="ctr"/>
+          <a:lstStyle/>
+          <a:p>
+            <a:pPr algn="ctr"/>
+            <a:r>
+              <a:rPr lang="it-IT" dirty="0"/>
+              <a:t> </a:t>
+            </a:r>
+          </a:p>
+        </p:txBody>
+      </p:sp>
+      <p:sp>
+        <p:nvSpPr>
+          <p:cNvPr id="12" name="CasellaDiTesto 11">
+            <a:extLst>
+              <a:ext uri="{FF2B5EF4-FFF2-40B4-BE49-F238E27FC236}">
+                <a16:creationId xmlns:a16="http://schemas.microsoft.com/office/drawing/2014/main" id="{76641843-9169-84DA-A818-77088F55B39E}"/>
+              </a:ext>
+            </a:extLst>
+          </p:cNvPr>
+          <p:cNvSpPr txBox="1"/>
+          <p:nvPr/>
+        </p:nvSpPr>
+        <p:spPr>
+          <a:xfrm>
+            <a:off x="2947018" y="2349433"/>
+            <a:ext cx="2158306" cy="369332"/>
+          </a:xfrm>
+          <a:prstGeom prst="rect">
+            <a:avLst/>
+          </a:prstGeom>
+          <a:noFill/>
+        </p:spPr>
+        <p:txBody>
+          <a:bodyPr wrap="square" rtlCol="0">
+            <a:spAutoFit/>
+          </a:bodyPr>
+          <a:lstStyle/>
+          <a:p>
+            <a:r>
+              <a:rPr lang="it-IT" dirty="0">
+                <a:solidFill>
+                  <a:schemeClr val="bg1"/>
+                </a:solidFill>
+              </a:rPr>
+              <a:t>&lt;</a:t>
+            </a:r>
+            <a:r>
+              <a:rPr lang="it-IT" dirty="0">
+                <a:solidFill>
+                  <a:srgbClr val="00B050"/>
+                </a:solidFill>
+              </a:rPr>
+              <a:t>primo op</a:t>
+            </a:r>
+            <a:r>
+              <a:rPr lang="it-IT" dirty="0">
+                <a:solidFill>
+                  <a:schemeClr val="bg1"/>
+                </a:solidFill>
+              </a:rPr>
+              <a:t>&gt;</a:t>
+            </a:r>
+          </a:p>
+        </p:txBody>
+      </p:sp>
+      <p:pic>
+        <p:nvPicPr>
+          <p:cNvPr id="16" name="Immagine 15">
+            <a:extLst>
+              <a:ext uri="{FF2B5EF4-FFF2-40B4-BE49-F238E27FC236}">
+                <a16:creationId xmlns:a16="http://schemas.microsoft.com/office/drawing/2014/main" id="{3518EDAD-35FD-D9B8-DDC8-8D3D32ED49B1}"/>
+              </a:ext>
+            </a:extLst>
+          </p:cNvPr>
+          <p:cNvPicPr>
+            <a:picLocks noChangeAspect="1"/>
+          </p:cNvPicPr>
+          <p:nvPr/>
+        </p:nvPicPr>
+        <p:blipFill>
+          <a:blip r:embed="rId4">
+            <a:extLst>
+              <a:ext uri="{28A0092B-C50C-407E-A947-70E740481C1C}">
+                <a14:useLocalDpi xmlns:a14="http://schemas.microsoft.com/office/drawing/2010/main" val="0"/>
+              </a:ext>
+            </a:extLst>
+          </a:blip>
+          <a:stretch>
+            <a:fillRect/>
+          </a:stretch>
+        </p:blipFill>
+        <p:spPr>
+          <a:xfrm>
+            <a:off x="6636094" y="2438103"/>
+            <a:ext cx="472456" cy="264576"/>
+          </a:xfrm>
+          <a:prstGeom prst="rect">
+            <a:avLst/>
+          </a:prstGeom>
+        </p:spPr>
+      </p:pic>
+      <p:sp>
+        <p:nvSpPr>
+          <p:cNvPr id="17" name="CasellaDiTesto 16">
+            <a:extLst>
+              <a:ext uri="{FF2B5EF4-FFF2-40B4-BE49-F238E27FC236}">
+                <a16:creationId xmlns:a16="http://schemas.microsoft.com/office/drawing/2014/main" id="{7B7B97F4-7B19-CF9C-B08A-A854AAC74950}"/>
+              </a:ext>
+            </a:extLst>
+          </p:cNvPr>
+          <p:cNvSpPr txBox="1"/>
+          <p:nvPr/>
+        </p:nvSpPr>
+        <p:spPr>
+          <a:xfrm>
+            <a:off x="4925710" y="2349433"/>
+            <a:ext cx="1487472" cy="369332"/>
+          </a:xfrm>
+          <a:prstGeom prst="rect">
+            <a:avLst/>
+          </a:prstGeom>
+          <a:noFill/>
+        </p:spPr>
+        <p:txBody>
+          <a:bodyPr wrap="square" rtlCol="0">
+            <a:spAutoFit/>
+          </a:bodyPr>
+          <a:lstStyle/>
+          <a:p>
+            <a:r>
+              <a:rPr lang="it-IT" dirty="0">
+                <a:solidFill>
+                  <a:schemeClr val="bg1"/>
+                </a:solidFill>
+              </a:rPr>
+              <a:t>&lt;</a:t>
+            </a:r>
+            <a:r>
+              <a:rPr lang="it-IT" dirty="0">
+                <a:solidFill>
+                  <a:srgbClr val="00B050"/>
+                </a:solidFill>
+              </a:rPr>
+              <a:t>secondo op</a:t>
+            </a:r>
+            <a:r>
+              <a:rPr lang="it-IT" dirty="0">
+                <a:solidFill>
+                  <a:schemeClr val="bg1"/>
+                </a:solidFill>
+              </a:rPr>
+              <a:t>&gt;</a:t>
+            </a:r>
+          </a:p>
+        </p:txBody>
+      </p:sp>
+      <p:sp>
+        <p:nvSpPr>
+          <p:cNvPr id="20" name="CasellaDiTesto 19">
+            <a:extLst>
+              <a:ext uri="{FF2B5EF4-FFF2-40B4-BE49-F238E27FC236}">
+                <a16:creationId xmlns:a16="http://schemas.microsoft.com/office/drawing/2014/main" id="{29558126-01A9-2A4C-2C49-71C777F20267}"/>
+              </a:ext>
+            </a:extLst>
+          </p:cNvPr>
+          <p:cNvSpPr txBox="1"/>
+          <p:nvPr/>
+        </p:nvSpPr>
+        <p:spPr>
+          <a:xfrm>
+            <a:off x="7240327" y="2352222"/>
+            <a:ext cx="2258951" cy="369332"/>
+          </a:xfrm>
+          <a:prstGeom prst="rect">
+            <a:avLst/>
+          </a:prstGeom>
+          <a:noFill/>
+        </p:spPr>
+        <p:txBody>
+          <a:bodyPr wrap="square" rtlCol="0">
+            <a:spAutoFit/>
+          </a:bodyPr>
+          <a:lstStyle/>
+          <a:p>
+            <a:r>
+              <a:rPr lang="it-IT" dirty="0">
+                <a:solidFill>
+                  <a:schemeClr val="bg1"/>
+                </a:solidFill>
+              </a:rPr>
+              <a:t>&lt;</a:t>
+            </a:r>
+            <a:r>
+              <a:rPr lang="it-IT" dirty="0">
+                <a:solidFill>
+                  <a:srgbClr val="00B050"/>
+                </a:solidFill>
+              </a:rPr>
+              <a:t>secondo operando</a:t>
+            </a:r>
+            <a:r>
+              <a:rPr lang="it-IT" dirty="0">
+                <a:solidFill>
+                  <a:schemeClr val="bg1"/>
+                </a:solidFill>
+              </a:rPr>
+              <a:t>&gt;</a:t>
+            </a:r>
+          </a:p>
+        </p:txBody>
+      </p:sp>
+      <p:sp>
+        <p:nvSpPr>
+          <p:cNvPr id="21" name="CasellaDiTesto 20">
+            <a:extLst>
+              <a:ext uri="{FF2B5EF4-FFF2-40B4-BE49-F238E27FC236}">
+                <a16:creationId xmlns:a16="http://schemas.microsoft.com/office/drawing/2014/main" id="{FE03FD11-5FB9-A6E6-09BC-53065821C9B6}"/>
+              </a:ext>
+            </a:extLst>
+          </p:cNvPr>
+          <p:cNvSpPr txBox="1"/>
+          <p:nvPr/>
+        </p:nvSpPr>
+        <p:spPr>
+          <a:xfrm>
+            <a:off x="6253243" y="2153449"/>
+            <a:ext cx="1238159" cy="369332"/>
+          </a:xfrm>
+          <a:prstGeom prst="rect">
+            <a:avLst/>
+          </a:prstGeom>
+          <a:noFill/>
+        </p:spPr>
+        <p:txBody>
+          <a:bodyPr wrap="square" rtlCol="0">
+            <a:spAutoFit/>
+          </a:bodyPr>
+          <a:lstStyle/>
+          <a:p>
+            <a:pPr algn="ctr"/>
+            <a:r>
+              <a:rPr lang="it-IT" dirty="0">
+                <a:solidFill>
+                  <a:schemeClr val="bg2"/>
+                </a:solidFill>
+                <a:latin typeface="Comic Sans MS" panose="030F0702030302020204" pitchFamily="66" charset="0"/>
+              </a:rPr>
+              <a:t>Risultato</a:t>
+            </a:r>
+          </a:p>
+        </p:txBody>
+      </p:sp>
+      <p:pic>
+        <p:nvPicPr>
+          <p:cNvPr id="23" name="Immagine 22">
+            <a:extLst>
+              <a:ext uri="{FF2B5EF4-FFF2-40B4-BE49-F238E27FC236}">
+                <a16:creationId xmlns:a16="http://schemas.microsoft.com/office/drawing/2014/main" id="{EB79B55F-DD0C-BEBB-5AA1-4E6717402EB4}"/>
+              </a:ext>
+            </a:extLst>
+          </p:cNvPr>
+          <p:cNvPicPr>
+            <a:picLocks noChangeAspect="1"/>
+          </p:cNvPicPr>
+          <p:nvPr/>
+        </p:nvPicPr>
+        <p:blipFill>
+          <a:blip r:embed="rId5">
+            <a:extLst>
+              <a:ext uri="{28A0092B-C50C-407E-A947-70E740481C1C}">
+                <a14:useLocalDpi xmlns:a14="http://schemas.microsoft.com/office/drawing/2010/main" val="0"/>
+              </a:ext>
+            </a:extLst>
+          </a:blip>
+          <a:stretch>
+            <a:fillRect/>
+          </a:stretch>
+        </p:blipFill>
+        <p:spPr>
+          <a:xfrm>
+            <a:off x="4462617" y="2380931"/>
+            <a:ext cx="325560" cy="325560"/>
+          </a:xfrm>
+          <a:prstGeom prst="rect">
+            <a:avLst/>
+          </a:prstGeom>
+        </p:spPr>
+      </p:pic>
+      <p:sp>
+        <p:nvSpPr>
+          <p:cNvPr id="32" name="Rettangolo con angoli arrotondati 31">
+            <a:extLst>
+              <a:ext uri="{FF2B5EF4-FFF2-40B4-BE49-F238E27FC236}">
+                <a16:creationId xmlns:a16="http://schemas.microsoft.com/office/drawing/2014/main" id="{0E82439F-0A26-59C2-909B-A5B5BE0233C2}"/>
+              </a:ext>
+            </a:extLst>
+          </p:cNvPr>
+          <p:cNvSpPr/>
+          <p:nvPr/>
+        </p:nvSpPr>
+        <p:spPr>
+          <a:xfrm>
+            <a:off x="496019" y="2967426"/>
+            <a:ext cx="11417059" cy="1206458"/>
+          </a:xfrm>
+          <a:prstGeom prst="roundRect">
+            <a:avLst/>
+          </a:prstGeom>
+          <a:solidFill>
+            <a:srgbClr val="283049"/>
+          </a:solidFill>
+          <a:ln>
+            <a:noFill/>
+          </a:ln>
+        </p:spPr>
+        <p:style>
+          <a:lnRef idx="2">
+            <a:schemeClr val="accent1">
+              <a:shade val="15000"/>
+            </a:schemeClr>
+          </a:lnRef>
+          <a:fillRef idx="1">
+            <a:schemeClr val="accent1"/>
+          </a:fillRef>
+          <a:effectRef idx="0">
+            <a:schemeClr val="accent1"/>
+          </a:effectRef>
+          <a:fontRef idx="minor">
+            <a:schemeClr val="lt1"/>
+          </a:fontRef>
+        </p:style>
+        <p:txBody>
+          <a:bodyPr rtlCol="0" anchor="ctr"/>
+          <a:lstStyle/>
+          <a:p>
+            <a:pPr algn="ctr"/>
+            <a:endParaRPr lang="it-IT"/>
+          </a:p>
+        </p:txBody>
+      </p:sp>
+      <p:sp>
+        <p:nvSpPr>
+          <p:cNvPr id="33" name="CasellaDiTesto 32">
+            <a:extLst>
+              <a:ext uri="{FF2B5EF4-FFF2-40B4-BE49-F238E27FC236}">
+                <a16:creationId xmlns:a16="http://schemas.microsoft.com/office/drawing/2014/main" id="{17ABFD37-596A-D028-BF2E-703CC824A66F}"/>
+              </a:ext>
+            </a:extLst>
+          </p:cNvPr>
+          <p:cNvSpPr txBox="1"/>
+          <p:nvPr/>
+        </p:nvSpPr>
+        <p:spPr>
+          <a:xfrm>
+            <a:off x="660828" y="3062400"/>
+            <a:ext cx="5058482" cy="923330"/>
+          </a:xfrm>
+          <a:prstGeom prst="rect">
+            <a:avLst/>
+          </a:prstGeom>
+          <a:noFill/>
+        </p:spPr>
+        <p:txBody>
+          <a:bodyPr wrap="square" rtlCol="0">
+            <a:spAutoFit/>
+          </a:bodyPr>
+          <a:lstStyle/>
+          <a:p>
+            <a:pPr algn="ctr"/>
+            <a:r>
+              <a:rPr lang="en-US" dirty="0">
+                <a:solidFill>
+                  <a:schemeClr val="bg1"/>
+                </a:solidFill>
+                <a:latin typeface="Comic Sans MS" panose="030F0702030302020204" pitchFamily="66" charset="0"/>
+              </a:rPr>
+              <a:t>add &lt;</a:t>
+            </a:r>
+            <a:r>
+              <a:rPr lang="en-US" dirty="0">
+                <a:solidFill>
+                  <a:srgbClr val="00B050"/>
+                </a:solidFill>
+                <a:latin typeface="Comic Sans MS" panose="030F0702030302020204" pitchFamily="66" charset="0"/>
+              </a:rPr>
+              <a:t>primo operando</a:t>
+            </a:r>
+            <a:r>
+              <a:rPr lang="en-US" dirty="0">
+                <a:solidFill>
+                  <a:schemeClr val="bg1"/>
+                </a:solidFill>
+                <a:latin typeface="Comic Sans MS" panose="030F0702030302020204" pitchFamily="66" charset="0"/>
+              </a:rPr>
+              <a:t>&gt;, &lt;</a:t>
+            </a:r>
+            <a:r>
+              <a:rPr lang="en-US" dirty="0">
+                <a:solidFill>
+                  <a:srgbClr val="00B050"/>
+                </a:solidFill>
+                <a:latin typeface="Comic Sans MS" panose="030F0702030302020204" pitchFamily="66" charset="0"/>
+              </a:rPr>
+              <a:t>secondo operando</a:t>
+            </a:r>
+            <a:r>
+              <a:rPr lang="en-US" dirty="0">
+                <a:solidFill>
+                  <a:schemeClr val="bg1"/>
+                </a:solidFill>
+                <a:latin typeface="Comic Sans MS" panose="030F0702030302020204" pitchFamily="66" charset="0"/>
+              </a:rPr>
+              <a:t>&gt;</a:t>
+            </a:r>
+          </a:p>
+          <a:p>
+            <a:pPr algn="ctr"/>
+            <a:endParaRPr lang="en-US" dirty="0">
+              <a:solidFill>
+                <a:schemeClr val="bg1"/>
+              </a:solidFill>
+              <a:latin typeface="Comic Sans MS" panose="030F0702030302020204" pitchFamily="66" charset="0"/>
+            </a:endParaRPr>
+          </a:p>
+          <a:p>
+            <a:pPr algn="ctr"/>
+            <a:r>
+              <a:rPr lang="en-US" dirty="0">
+                <a:solidFill>
+                  <a:schemeClr val="bg1"/>
+                </a:solidFill>
+                <a:latin typeface="Comic Sans MS" panose="030F0702030302020204" pitchFamily="66" charset="0"/>
+              </a:rPr>
+              <a:t>add </a:t>
+            </a:r>
+            <a:r>
+              <a:rPr lang="en-US" dirty="0">
+                <a:solidFill>
+                  <a:srgbClr val="00B050"/>
+                </a:solidFill>
+                <a:latin typeface="Comic Sans MS" panose="030F0702030302020204" pitchFamily="66" charset="0"/>
+              </a:rPr>
+              <a:t>#100</a:t>
+            </a:r>
+            <a:r>
+              <a:rPr lang="en-US" dirty="0">
+                <a:solidFill>
+                  <a:schemeClr val="bg1"/>
+                </a:solidFill>
+                <a:latin typeface="Comic Sans MS" panose="030F0702030302020204" pitchFamily="66" charset="0"/>
+              </a:rPr>
+              <a:t>, </a:t>
+            </a:r>
+            <a:r>
+              <a:rPr lang="en-US" dirty="0">
+                <a:solidFill>
+                  <a:srgbClr val="00B050"/>
+                </a:solidFill>
+                <a:latin typeface="Comic Sans MS" panose="030F0702030302020204" pitchFamily="66" charset="0"/>
+              </a:rPr>
+              <a:t>d0 </a:t>
+            </a:r>
+          </a:p>
+        </p:txBody>
+      </p:sp>
+      <p:sp>
+        <p:nvSpPr>
+          <p:cNvPr id="34" name="CasellaDiTesto 33">
+            <a:extLst>
+              <a:ext uri="{FF2B5EF4-FFF2-40B4-BE49-F238E27FC236}">
+                <a16:creationId xmlns:a16="http://schemas.microsoft.com/office/drawing/2014/main" id="{210090EF-8640-6367-4F41-A648EDD542D1}"/>
+              </a:ext>
+            </a:extLst>
+          </p:cNvPr>
+          <p:cNvSpPr txBox="1"/>
+          <p:nvPr/>
+        </p:nvSpPr>
+        <p:spPr>
+          <a:xfrm>
+            <a:off x="5719310" y="3200899"/>
+            <a:ext cx="6099811" cy="1200329"/>
+          </a:xfrm>
+          <a:prstGeom prst="rect">
+            <a:avLst/>
+          </a:prstGeom>
+          <a:noFill/>
+        </p:spPr>
+        <p:txBody>
+          <a:bodyPr wrap="square" rtlCol="0">
+            <a:spAutoFit/>
+          </a:bodyPr>
+          <a:lstStyle/>
+          <a:p>
+            <a:pPr algn="ctr"/>
+            <a:r>
+              <a:rPr lang="it-IT" b="1" dirty="0">
+                <a:solidFill>
+                  <a:schemeClr val="bg1"/>
+                </a:solidFill>
+                <a:latin typeface="Comic Sans MS" panose="030F0702030302020204" pitchFamily="66" charset="0"/>
+              </a:rPr>
+              <a:t>Cosa succede nell’esempio?</a:t>
+            </a:r>
+          </a:p>
+          <a:p>
+            <a:pPr algn="ctr"/>
+            <a:r>
+              <a:rPr lang="it-IT" i="1" dirty="0">
+                <a:solidFill>
+                  <a:schemeClr val="bg1"/>
+                </a:solidFill>
+                <a:latin typeface="Comic Sans MS" panose="030F0702030302020204" pitchFamily="66" charset="0"/>
+              </a:rPr>
+              <a:t>Sommiamo </a:t>
+            </a:r>
+            <a:r>
+              <a:rPr lang="it-IT" i="1" dirty="0">
+                <a:solidFill>
+                  <a:srgbClr val="00B050"/>
+                </a:solidFill>
+                <a:latin typeface="Comic Sans MS" panose="030F0702030302020204" pitchFamily="66" charset="0"/>
+              </a:rPr>
+              <a:t>100</a:t>
+            </a:r>
+            <a:r>
+              <a:rPr lang="it-IT" i="1" dirty="0">
+                <a:solidFill>
+                  <a:schemeClr val="bg1"/>
+                </a:solidFill>
+                <a:latin typeface="Comic Sans MS" panose="030F0702030302020204" pitchFamily="66" charset="0"/>
+              </a:rPr>
+              <a:t> con il contenuto si </a:t>
+            </a:r>
+            <a:r>
+              <a:rPr lang="it-IT" i="1" dirty="0">
+                <a:solidFill>
+                  <a:srgbClr val="00B050"/>
+                </a:solidFill>
+                <a:latin typeface="Comic Sans MS" panose="030F0702030302020204" pitchFamily="66" charset="0"/>
+              </a:rPr>
+              <a:t>d0</a:t>
+            </a:r>
+            <a:r>
+              <a:rPr lang="it-IT" i="1" dirty="0">
+                <a:solidFill>
+                  <a:schemeClr val="bg1"/>
+                </a:solidFill>
+                <a:latin typeface="Comic Sans MS" panose="030F0702030302020204" pitchFamily="66" charset="0"/>
+              </a:rPr>
+              <a:t> e </a:t>
+            </a:r>
+          </a:p>
+          <a:p>
+            <a:pPr algn="ctr"/>
+            <a:r>
+              <a:rPr lang="it-IT" i="1" dirty="0">
+                <a:solidFill>
+                  <a:schemeClr val="bg1"/>
+                </a:solidFill>
+                <a:latin typeface="Comic Sans MS" panose="030F0702030302020204" pitchFamily="66" charset="0"/>
+              </a:rPr>
+              <a:t>inseriamo il </a:t>
+            </a:r>
+            <a:r>
+              <a:rPr lang="it-IT" i="1" dirty="0">
+                <a:solidFill>
+                  <a:srgbClr val="00B050"/>
+                </a:solidFill>
+                <a:latin typeface="Comic Sans MS" panose="030F0702030302020204" pitchFamily="66" charset="0"/>
+              </a:rPr>
+              <a:t>risultato</a:t>
+            </a:r>
+            <a:r>
+              <a:rPr lang="it-IT" i="1" dirty="0">
+                <a:solidFill>
+                  <a:schemeClr val="bg1"/>
+                </a:solidFill>
+                <a:latin typeface="Comic Sans MS" panose="030F0702030302020204" pitchFamily="66" charset="0"/>
+              </a:rPr>
+              <a:t> dentro il </a:t>
+            </a:r>
+            <a:r>
+              <a:rPr lang="it-IT" i="1" dirty="0">
+                <a:solidFill>
+                  <a:srgbClr val="FF0074"/>
+                </a:solidFill>
+                <a:latin typeface="Comic Sans MS" panose="030F0702030302020204" pitchFamily="66" charset="0"/>
+              </a:rPr>
+              <a:t>registro</a:t>
+            </a:r>
+            <a:r>
+              <a:rPr lang="it-IT" i="1" dirty="0">
+                <a:solidFill>
+                  <a:schemeClr val="bg1"/>
+                </a:solidFill>
+                <a:latin typeface="Comic Sans MS" panose="030F0702030302020204" pitchFamily="66" charset="0"/>
+              </a:rPr>
+              <a:t> </a:t>
+            </a:r>
+            <a:r>
+              <a:rPr lang="it-IT" i="1" dirty="0">
+                <a:solidFill>
+                  <a:srgbClr val="00B050"/>
+                </a:solidFill>
+                <a:latin typeface="Comic Sans MS" panose="030F0702030302020204" pitchFamily="66" charset="0"/>
+              </a:rPr>
+              <a:t>d0</a:t>
+            </a:r>
+          </a:p>
+          <a:p>
+            <a:pPr algn="ctr"/>
+            <a:endParaRPr lang="it-IT" b="1" dirty="0">
+              <a:solidFill>
+                <a:schemeClr val="bg1"/>
+              </a:solidFill>
+              <a:latin typeface="Comic Sans MS" panose="030F0702030302020204" pitchFamily="66" charset="0"/>
+            </a:endParaRPr>
+          </a:p>
+        </p:txBody>
+      </p:sp>
+      <p:sp>
+        <p:nvSpPr>
+          <p:cNvPr id="35" name="Rettangolo con angoli arrotondati 34">
+            <a:extLst>
+              <a:ext uri="{FF2B5EF4-FFF2-40B4-BE49-F238E27FC236}">
+                <a16:creationId xmlns:a16="http://schemas.microsoft.com/office/drawing/2014/main" id="{C3CCC183-88EB-2366-2D32-A720A1422CF8}"/>
+              </a:ext>
+            </a:extLst>
+          </p:cNvPr>
+          <p:cNvSpPr/>
+          <p:nvPr/>
+        </p:nvSpPr>
+        <p:spPr>
+          <a:xfrm>
+            <a:off x="496019" y="4419116"/>
+            <a:ext cx="11417059" cy="1206458"/>
+          </a:xfrm>
+          <a:prstGeom prst="roundRect">
+            <a:avLst/>
+          </a:prstGeom>
+          <a:solidFill>
+            <a:srgbClr val="283049"/>
+          </a:solidFill>
+          <a:ln>
+            <a:noFill/>
+          </a:ln>
+        </p:spPr>
+        <p:style>
+          <a:lnRef idx="2">
+            <a:schemeClr val="accent1">
+              <a:shade val="15000"/>
+            </a:schemeClr>
+          </a:lnRef>
+          <a:fillRef idx="1">
+            <a:schemeClr val="accent1"/>
+          </a:fillRef>
+          <a:effectRef idx="0">
+            <a:schemeClr val="accent1"/>
+          </a:effectRef>
+          <a:fontRef idx="minor">
+            <a:schemeClr val="lt1"/>
+          </a:fontRef>
+        </p:style>
+        <p:txBody>
+          <a:bodyPr rtlCol="0" anchor="ctr"/>
+          <a:lstStyle/>
+          <a:p>
+            <a:pPr algn="ctr"/>
+            <a:endParaRPr lang="it-IT"/>
+          </a:p>
+        </p:txBody>
+      </p:sp>
+      <p:sp>
+        <p:nvSpPr>
+          <p:cNvPr id="36" name="CasellaDiTesto 35">
+            <a:extLst>
+              <a:ext uri="{FF2B5EF4-FFF2-40B4-BE49-F238E27FC236}">
+                <a16:creationId xmlns:a16="http://schemas.microsoft.com/office/drawing/2014/main" id="{FBBB3165-199A-5165-016B-1D9FD590972E}"/>
+              </a:ext>
+            </a:extLst>
+          </p:cNvPr>
+          <p:cNvSpPr txBox="1"/>
+          <p:nvPr/>
+        </p:nvSpPr>
+        <p:spPr>
+          <a:xfrm>
+            <a:off x="657952" y="4582123"/>
+            <a:ext cx="5058482" cy="923330"/>
+          </a:xfrm>
+          <a:prstGeom prst="rect">
+            <a:avLst/>
+          </a:prstGeom>
+          <a:noFill/>
+        </p:spPr>
+        <p:txBody>
+          <a:bodyPr wrap="square" rtlCol="0">
+            <a:spAutoFit/>
+          </a:bodyPr>
+          <a:lstStyle/>
+          <a:p>
+            <a:pPr algn="ctr"/>
+            <a:r>
+              <a:rPr lang="en-US" dirty="0">
+                <a:solidFill>
+                  <a:schemeClr val="bg1"/>
+                </a:solidFill>
+                <a:latin typeface="Comic Sans MS" panose="030F0702030302020204" pitchFamily="66" charset="0"/>
+              </a:rPr>
+              <a:t>add &lt;</a:t>
+            </a:r>
+            <a:r>
+              <a:rPr lang="en-US" dirty="0">
+                <a:solidFill>
+                  <a:srgbClr val="00B050"/>
+                </a:solidFill>
+                <a:latin typeface="Comic Sans MS" panose="030F0702030302020204" pitchFamily="66" charset="0"/>
+              </a:rPr>
+              <a:t>primo operando</a:t>
+            </a:r>
+            <a:r>
+              <a:rPr lang="en-US" dirty="0">
+                <a:solidFill>
+                  <a:schemeClr val="bg1"/>
+                </a:solidFill>
+                <a:latin typeface="Comic Sans MS" panose="030F0702030302020204" pitchFamily="66" charset="0"/>
+              </a:rPr>
+              <a:t>&gt;, &lt;</a:t>
+            </a:r>
+            <a:r>
+              <a:rPr lang="en-US" dirty="0">
+                <a:solidFill>
+                  <a:srgbClr val="00B050"/>
+                </a:solidFill>
+                <a:latin typeface="Comic Sans MS" panose="030F0702030302020204" pitchFamily="66" charset="0"/>
+              </a:rPr>
+              <a:t>secondo operando</a:t>
+            </a:r>
+            <a:r>
+              <a:rPr lang="en-US" dirty="0">
+                <a:solidFill>
+                  <a:schemeClr val="bg1"/>
+                </a:solidFill>
+                <a:latin typeface="Comic Sans MS" panose="030F0702030302020204" pitchFamily="66" charset="0"/>
+              </a:rPr>
+              <a:t>&gt;</a:t>
+            </a:r>
+          </a:p>
+          <a:p>
+            <a:pPr algn="ctr"/>
+            <a:endParaRPr lang="en-US" dirty="0">
+              <a:solidFill>
+                <a:schemeClr val="bg1"/>
+              </a:solidFill>
+              <a:latin typeface="Comic Sans MS" panose="030F0702030302020204" pitchFamily="66" charset="0"/>
+            </a:endParaRPr>
+          </a:p>
+          <a:p>
+            <a:pPr algn="ctr"/>
+            <a:r>
+              <a:rPr lang="en-US" dirty="0">
+                <a:solidFill>
+                  <a:schemeClr val="bg1"/>
+                </a:solidFill>
+                <a:latin typeface="Comic Sans MS" panose="030F0702030302020204" pitchFamily="66" charset="0"/>
+              </a:rPr>
+              <a:t>add </a:t>
+            </a:r>
+            <a:r>
+              <a:rPr lang="en-US" dirty="0">
+                <a:solidFill>
+                  <a:srgbClr val="00B050"/>
+                </a:solidFill>
+                <a:latin typeface="Comic Sans MS" panose="030F0702030302020204" pitchFamily="66" charset="0"/>
+              </a:rPr>
+              <a:t>d1</a:t>
+            </a:r>
+            <a:r>
+              <a:rPr lang="en-US" dirty="0">
+                <a:solidFill>
+                  <a:schemeClr val="bg1"/>
+                </a:solidFill>
+                <a:latin typeface="Comic Sans MS" panose="030F0702030302020204" pitchFamily="66" charset="0"/>
+              </a:rPr>
+              <a:t>, </a:t>
+            </a:r>
+            <a:r>
+              <a:rPr lang="en-US" dirty="0">
+                <a:solidFill>
+                  <a:srgbClr val="00B050"/>
+                </a:solidFill>
+                <a:latin typeface="Comic Sans MS" panose="030F0702030302020204" pitchFamily="66" charset="0"/>
+              </a:rPr>
+              <a:t>d0 </a:t>
+            </a:r>
+          </a:p>
+        </p:txBody>
+      </p:sp>
+      <p:sp>
+        <p:nvSpPr>
+          <p:cNvPr id="37" name="CasellaDiTesto 36">
+            <a:extLst>
+              <a:ext uri="{FF2B5EF4-FFF2-40B4-BE49-F238E27FC236}">
+                <a16:creationId xmlns:a16="http://schemas.microsoft.com/office/drawing/2014/main" id="{91170B63-232E-F183-8E88-35D702668858}"/>
+              </a:ext>
+            </a:extLst>
+          </p:cNvPr>
+          <p:cNvSpPr txBox="1"/>
+          <p:nvPr/>
+        </p:nvSpPr>
+        <p:spPr>
+          <a:xfrm>
+            <a:off x="5634545" y="4560680"/>
+            <a:ext cx="6099811" cy="923330"/>
+          </a:xfrm>
+          <a:prstGeom prst="rect">
+            <a:avLst/>
+          </a:prstGeom>
+          <a:noFill/>
+        </p:spPr>
+        <p:txBody>
+          <a:bodyPr wrap="square" rtlCol="0">
+            <a:spAutoFit/>
+          </a:bodyPr>
+          <a:lstStyle/>
+          <a:p>
+            <a:pPr algn="ctr"/>
+            <a:r>
+              <a:rPr lang="it-IT" b="1" dirty="0">
+                <a:solidFill>
+                  <a:schemeClr val="bg1"/>
+                </a:solidFill>
+                <a:latin typeface="Comic Sans MS" panose="030F0702030302020204" pitchFamily="66" charset="0"/>
+              </a:rPr>
+              <a:t>Cosa succede nell’esempio?</a:t>
+            </a:r>
+          </a:p>
+          <a:p>
+            <a:pPr algn="ctr"/>
+            <a:r>
+              <a:rPr lang="it-IT" i="1" dirty="0">
+                <a:solidFill>
+                  <a:schemeClr val="bg1"/>
+                </a:solidFill>
+                <a:latin typeface="Comic Sans MS" panose="030F0702030302020204" pitchFamily="66" charset="0"/>
+              </a:rPr>
+              <a:t>Sommiamo i contenuti dei due registri e </a:t>
+            </a:r>
+          </a:p>
+          <a:p>
+            <a:pPr algn="ctr"/>
+            <a:r>
+              <a:rPr lang="it-IT" i="1" dirty="0">
+                <a:solidFill>
+                  <a:schemeClr val="bg1"/>
+                </a:solidFill>
+                <a:latin typeface="Comic Sans MS" panose="030F0702030302020204" pitchFamily="66" charset="0"/>
+              </a:rPr>
+              <a:t>inseriamo il </a:t>
+            </a:r>
+            <a:r>
+              <a:rPr lang="it-IT" i="1" dirty="0">
+                <a:solidFill>
+                  <a:srgbClr val="00B050"/>
+                </a:solidFill>
+                <a:latin typeface="Comic Sans MS" panose="030F0702030302020204" pitchFamily="66" charset="0"/>
+              </a:rPr>
+              <a:t>risultato</a:t>
+            </a:r>
+            <a:r>
+              <a:rPr lang="it-IT" i="1" dirty="0">
+                <a:solidFill>
+                  <a:schemeClr val="bg1"/>
+                </a:solidFill>
+                <a:latin typeface="Comic Sans MS" panose="030F0702030302020204" pitchFamily="66" charset="0"/>
+              </a:rPr>
+              <a:t> dentro il </a:t>
+            </a:r>
+            <a:r>
+              <a:rPr lang="it-IT" i="1" dirty="0">
+                <a:solidFill>
+                  <a:srgbClr val="FF0074"/>
+                </a:solidFill>
+                <a:latin typeface="Comic Sans MS" panose="030F0702030302020204" pitchFamily="66" charset="0"/>
+              </a:rPr>
+              <a:t>registro</a:t>
+            </a:r>
+            <a:r>
+              <a:rPr lang="it-IT" i="1" dirty="0">
+                <a:solidFill>
+                  <a:schemeClr val="bg1"/>
+                </a:solidFill>
+                <a:latin typeface="Comic Sans MS" panose="030F0702030302020204" pitchFamily="66" charset="0"/>
+              </a:rPr>
+              <a:t> </a:t>
+            </a:r>
+            <a:r>
+              <a:rPr lang="it-IT" i="1" dirty="0">
+                <a:solidFill>
+                  <a:srgbClr val="00B050"/>
+                </a:solidFill>
+                <a:latin typeface="Comic Sans MS" panose="030F0702030302020204" pitchFamily="66" charset="0"/>
+              </a:rPr>
+              <a:t>d0</a:t>
+            </a:r>
+          </a:p>
+        </p:txBody>
+      </p:sp>
+      <p:sp>
+        <p:nvSpPr>
+          <p:cNvPr id="38" name="Rettangolo con angoli arrotondati 37">
+            <a:extLst>
+              <a:ext uri="{FF2B5EF4-FFF2-40B4-BE49-F238E27FC236}">
+                <a16:creationId xmlns:a16="http://schemas.microsoft.com/office/drawing/2014/main" id="{D9D928FF-9F3E-8C14-DD94-118304FD47FB}"/>
+              </a:ext>
+            </a:extLst>
+          </p:cNvPr>
+          <p:cNvSpPr/>
+          <p:nvPr/>
+        </p:nvSpPr>
+        <p:spPr>
+          <a:xfrm rot="10800000" flipV="1">
+            <a:off x="2714445" y="5798105"/>
+            <a:ext cx="6763108" cy="420727"/>
+          </a:xfrm>
+          <a:prstGeom prst="roundRect">
+            <a:avLst/>
+          </a:prstGeom>
+          <a:solidFill>
+            <a:srgbClr val="283049"/>
+          </a:solidFill>
+          <a:ln>
+            <a:solidFill>
+              <a:srgbClr val="FF0074"/>
+            </a:solidFill>
+          </a:ln>
+        </p:spPr>
+        <p:style>
+          <a:lnRef idx="2">
+            <a:schemeClr val="accent1">
+              <a:shade val="15000"/>
+            </a:schemeClr>
+          </a:lnRef>
+          <a:fillRef idx="1">
+            <a:schemeClr val="accent1"/>
+          </a:fillRef>
+          <a:effectRef idx="0">
+            <a:schemeClr val="accent1"/>
+          </a:effectRef>
+          <a:fontRef idx="minor">
+            <a:schemeClr val="lt1"/>
+          </a:fontRef>
+        </p:style>
+        <p:txBody>
+          <a:bodyPr rtlCol="0" anchor="ctr"/>
+          <a:lstStyle/>
+          <a:p>
+            <a:pPr algn="ctr"/>
+            <a:r>
+              <a:rPr lang="it-IT" dirty="0"/>
+              <a:t> </a:t>
+            </a:r>
+          </a:p>
+        </p:txBody>
+      </p:sp>
+      <p:sp>
+        <p:nvSpPr>
+          <p:cNvPr id="39" name="CasellaDiTesto 38">
+            <a:extLst>
+              <a:ext uri="{FF2B5EF4-FFF2-40B4-BE49-F238E27FC236}">
+                <a16:creationId xmlns:a16="http://schemas.microsoft.com/office/drawing/2014/main" id="{C70E2437-830B-03C0-4C36-7F47CD588B57}"/>
+              </a:ext>
+            </a:extLst>
+          </p:cNvPr>
+          <p:cNvSpPr txBox="1"/>
+          <p:nvPr/>
+        </p:nvSpPr>
+        <p:spPr>
+          <a:xfrm>
+            <a:off x="3507548" y="5820954"/>
+            <a:ext cx="5262113" cy="369332"/>
+          </a:xfrm>
+          <a:prstGeom prst="rect">
+            <a:avLst/>
+          </a:prstGeom>
+          <a:noFill/>
+        </p:spPr>
+        <p:txBody>
+          <a:bodyPr wrap="square" rtlCol="0">
+            <a:spAutoFit/>
+          </a:bodyPr>
+          <a:lstStyle/>
+          <a:p>
+            <a:r>
+              <a:rPr lang="it-IT" dirty="0">
+                <a:solidFill>
+                  <a:schemeClr val="bg1"/>
+                </a:solidFill>
+              </a:rPr>
+              <a:t>Il </a:t>
+            </a:r>
+            <a:r>
+              <a:rPr lang="it-IT" dirty="0">
+                <a:solidFill>
+                  <a:srgbClr val="00B050"/>
+                </a:solidFill>
+              </a:rPr>
+              <a:t>secondo operando </a:t>
+            </a:r>
+            <a:r>
+              <a:rPr lang="it-IT" dirty="0">
+                <a:solidFill>
+                  <a:schemeClr val="bg1"/>
+                </a:solidFill>
+              </a:rPr>
+              <a:t>non può essere </a:t>
+            </a:r>
+            <a:r>
+              <a:rPr lang="it-IT" u="sng" dirty="0">
+                <a:solidFill>
+                  <a:srgbClr val="FF0074"/>
+                </a:solidFill>
+              </a:rPr>
+              <a:t>mai</a:t>
+            </a:r>
+            <a:r>
+              <a:rPr lang="it-IT" dirty="0">
+                <a:solidFill>
+                  <a:schemeClr val="bg1"/>
+                </a:solidFill>
+              </a:rPr>
+              <a:t> un numero</a:t>
+            </a:r>
+          </a:p>
+        </p:txBody>
+      </p:sp>
+      <p:sp>
+        <p:nvSpPr>
+          <p:cNvPr id="40" name="CasellaDiTesto 39">
+            <a:extLst>
+              <a:ext uri="{FF2B5EF4-FFF2-40B4-BE49-F238E27FC236}">
+                <a16:creationId xmlns:a16="http://schemas.microsoft.com/office/drawing/2014/main" id="{835CF8B4-8C55-D242-CC09-1E0D0949CC45}"/>
+              </a:ext>
+            </a:extLst>
+          </p:cNvPr>
+          <p:cNvSpPr txBox="1"/>
+          <p:nvPr/>
+        </p:nvSpPr>
+        <p:spPr>
+          <a:xfrm>
+            <a:off x="4265308" y="3577107"/>
+            <a:ext cx="1680032" cy="408623"/>
+          </a:xfrm>
+          <a:prstGeom prst="roundRect">
+            <a:avLst/>
+          </a:prstGeom>
+          <a:noFill/>
+          <a:ln>
+            <a:solidFill>
+              <a:srgbClr val="FF0074"/>
+            </a:solidFill>
+          </a:ln>
+        </p:spPr>
+        <p:txBody>
+          <a:bodyPr wrap="square" rtlCol="0">
+            <a:spAutoFit/>
+          </a:bodyPr>
+          <a:lstStyle/>
+          <a:p>
+            <a:pPr algn="ctr"/>
+            <a:r>
+              <a:rPr lang="it-IT" dirty="0">
+                <a:solidFill>
+                  <a:srgbClr val="00B050"/>
+                </a:solidFill>
+                <a:latin typeface="Comic Sans MS" panose="030F0702030302020204" pitchFamily="66" charset="0"/>
+              </a:rPr>
+              <a:t>d0</a:t>
+            </a:r>
+            <a:r>
+              <a:rPr lang="it-IT" dirty="0">
+                <a:solidFill>
+                  <a:schemeClr val="bg1"/>
+                </a:solidFill>
+                <a:latin typeface="Comic Sans MS" panose="030F0702030302020204" pitchFamily="66" charset="0"/>
+              </a:rPr>
+              <a:t> = </a:t>
+            </a:r>
+            <a:r>
+              <a:rPr lang="it-IT" dirty="0">
+                <a:solidFill>
+                  <a:srgbClr val="00B050"/>
+                </a:solidFill>
+                <a:latin typeface="Comic Sans MS" panose="030F0702030302020204" pitchFamily="66" charset="0"/>
+              </a:rPr>
+              <a:t>100</a:t>
+            </a:r>
+            <a:r>
+              <a:rPr lang="it-IT" dirty="0">
+                <a:solidFill>
+                  <a:schemeClr val="bg1"/>
+                </a:solidFill>
+                <a:latin typeface="Comic Sans MS" panose="030F0702030302020204" pitchFamily="66" charset="0"/>
+              </a:rPr>
+              <a:t> </a:t>
+            </a:r>
+            <a:r>
+              <a:rPr lang="it-IT" dirty="0">
+                <a:solidFill>
+                  <a:srgbClr val="FF0074"/>
+                </a:solidFill>
+                <a:latin typeface="Comic Sans MS" panose="030F0702030302020204" pitchFamily="66" charset="0"/>
+              </a:rPr>
+              <a:t>+</a:t>
+            </a:r>
+            <a:r>
+              <a:rPr lang="it-IT" dirty="0">
+                <a:solidFill>
+                  <a:schemeClr val="bg1"/>
+                </a:solidFill>
+                <a:latin typeface="Comic Sans MS" panose="030F0702030302020204" pitchFamily="66" charset="0"/>
+              </a:rPr>
+              <a:t> </a:t>
+            </a:r>
+            <a:r>
+              <a:rPr lang="it-IT" dirty="0">
+                <a:solidFill>
+                  <a:srgbClr val="00B050"/>
+                </a:solidFill>
+                <a:latin typeface="Comic Sans MS" panose="030F0702030302020204" pitchFamily="66" charset="0"/>
+              </a:rPr>
+              <a:t>d0</a:t>
+            </a:r>
+          </a:p>
+        </p:txBody>
+      </p:sp>
+      <p:sp>
+        <p:nvSpPr>
+          <p:cNvPr id="41" name="CasellaDiTesto 40">
+            <a:extLst>
+              <a:ext uri="{FF2B5EF4-FFF2-40B4-BE49-F238E27FC236}">
+                <a16:creationId xmlns:a16="http://schemas.microsoft.com/office/drawing/2014/main" id="{7B2E9657-D781-0E90-2764-7E029861E687}"/>
+              </a:ext>
+            </a:extLst>
+          </p:cNvPr>
+          <p:cNvSpPr txBox="1"/>
+          <p:nvPr/>
+        </p:nvSpPr>
+        <p:spPr>
+          <a:xfrm>
+            <a:off x="4265308" y="5098236"/>
+            <a:ext cx="1680032" cy="408623"/>
+          </a:xfrm>
+          <a:prstGeom prst="roundRect">
+            <a:avLst/>
+          </a:prstGeom>
+          <a:noFill/>
+          <a:ln>
+            <a:solidFill>
+              <a:srgbClr val="FF0074"/>
+            </a:solidFill>
+          </a:ln>
+        </p:spPr>
+        <p:txBody>
+          <a:bodyPr wrap="square" rtlCol="0">
+            <a:spAutoFit/>
+          </a:bodyPr>
+          <a:lstStyle/>
+          <a:p>
+            <a:pPr algn="ctr"/>
+            <a:r>
+              <a:rPr lang="it-IT" dirty="0">
+                <a:solidFill>
+                  <a:srgbClr val="00B050"/>
+                </a:solidFill>
+                <a:latin typeface="Comic Sans MS" panose="030F0702030302020204" pitchFamily="66" charset="0"/>
+              </a:rPr>
+              <a:t>d0</a:t>
+            </a:r>
+            <a:r>
+              <a:rPr lang="it-IT" dirty="0">
+                <a:solidFill>
+                  <a:schemeClr val="bg1"/>
+                </a:solidFill>
+                <a:latin typeface="Comic Sans MS" panose="030F0702030302020204" pitchFamily="66" charset="0"/>
+              </a:rPr>
+              <a:t> = </a:t>
+            </a:r>
+            <a:r>
+              <a:rPr lang="it-IT" dirty="0">
+                <a:solidFill>
+                  <a:srgbClr val="00B050"/>
+                </a:solidFill>
+                <a:latin typeface="Comic Sans MS" panose="030F0702030302020204" pitchFamily="66" charset="0"/>
+              </a:rPr>
+              <a:t>d1</a:t>
+            </a:r>
+            <a:r>
+              <a:rPr lang="it-IT" dirty="0">
+                <a:solidFill>
+                  <a:schemeClr val="bg1"/>
+                </a:solidFill>
+                <a:latin typeface="Comic Sans MS" panose="030F0702030302020204" pitchFamily="66" charset="0"/>
+              </a:rPr>
+              <a:t> </a:t>
+            </a:r>
+            <a:r>
+              <a:rPr lang="it-IT" dirty="0">
+                <a:solidFill>
+                  <a:srgbClr val="FF0074"/>
+                </a:solidFill>
+                <a:latin typeface="Comic Sans MS" panose="030F0702030302020204" pitchFamily="66" charset="0"/>
+              </a:rPr>
+              <a:t>+</a:t>
+            </a:r>
+            <a:r>
+              <a:rPr lang="it-IT" dirty="0">
+                <a:solidFill>
+                  <a:schemeClr val="bg1"/>
+                </a:solidFill>
+                <a:latin typeface="Comic Sans MS" panose="030F0702030302020204" pitchFamily="66" charset="0"/>
+              </a:rPr>
+              <a:t> </a:t>
+            </a:r>
+            <a:r>
+              <a:rPr lang="it-IT" dirty="0">
+                <a:solidFill>
+                  <a:srgbClr val="00B050"/>
+                </a:solidFill>
+                <a:latin typeface="Comic Sans MS" panose="030F0702030302020204" pitchFamily="66" charset="0"/>
+              </a:rPr>
+              <a:t>d0</a:t>
+            </a:r>
+          </a:p>
+        </p:txBody>
+      </p:sp>
+    </p:spTree>
+    <p:extLst>
+      <p:ext uri="{BB962C8B-B14F-4D97-AF65-F5344CB8AC3E}">
+        <p14:creationId xmlns:p14="http://schemas.microsoft.com/office/powerpoint/2010/main" val="1763393356"/>
+      </p:ext>
+    </p:extLst>
+  </p:cSld>
+  <p:clrMapOvr>
+    <a:masterClrMapping/>
+  </p:clrMapOvr>
+</p:sld>
+</file>
+
+<file path=ppt/slides/slide5.xml><?xml version="1.0" encoding="utf-8"?>
+<p:sld xmlns:a="http://schemas.openxmlformats.org/drawingml/2006/main" xmlns:r="http://schemas.openxmlformats.org/officeDocument/2006/relationships" xmlns:p="http://schemas.openxmlformats.org/presentationml/2006/main">
+  <p:cSld>
+    <p:bg>
+      <p:bgPr>
+        <a:blipFill dpi="0" rotWithShape="1">
+          <a:blip r:embed="rId2">
+            <a:lum/>
+          </a:blip>
+          <a:srcRect/>
+          <a:stretch>
+            <a:fillRect/>
+          </a:stretch>
+        </a:blipFill>
+        <a:effectLst/>
+      </p:bgPr>
+    </p:bg>
+    <p:spTree>
+      <p:nvGrpSpPr>
+        <p:cNvPr id="1" name=""/>
+        <p:cNvGrpSpPr/>
+        <p:nvPr/>
+      </p:nvGrpSpPr>
+      <p:grpSpPr>
+        <a:xfrm>
+          <a:off x="0" y="0"/>
+          <a:ext cx="0" cy="0"/>
+          <a:chOff x="0" y="0"/>
+          <a:chExt cx="0" cy="0"/>
+        </a:xfrm>
+      </p:grpSpPr>
+      <p:sp>
+        <p:nvSpPr>
+          <p:cNvPr id="7" name="Rettangolo 6">
+            <a:extLst>
+              <a:ext uri="{FF2B5EF4-FFF2-40B4-BE49-F238E27FC236}">
+                <a16:creationId xmlns:a16="http://schemas.microsoft.com/office/drawing/2014/main" id="{08BEFCCA-512B-118D-E357-B1C1D553941F}"/>
+              </a:ext>
+            </a:extLst>
+          </p:cNvPr>
+          <p:cNvSpPr/>
+          <p:nvPr/>
+        </p:nvSpPr>
+        <p:spPr>
+          <a:xfrm>
+            <a:off x="0" y="5984964"/>
+            <a:ext cx="12192000" cy="873036"/>
+          </a:xfrm>
+          <a:prstGeom prst="rect">
+            <a:avLst/>
+          </a:prstGeom>
+          <a:solidFill>
+            <a:srgbClr val="171A21"/>
+          </a:solidFill>
+        </p:spPr>
+        <p:style>
+          <a:lnRef idx="2">
+            <a:schemeClr val="accent1">
+              <a:shade val="15000"/>
+            </a:schemeClr>
+          </a:lnRef>
+          <a:fillRef idx="1">
+            <a:schemeClr val="accent1"/>
+          </a:fillRef>
+          <a:effectRef idx="0">
+            <a:schemeClr val="accent1"/>
+          </a:effectRef>
+          <a:fontRef idx="minor">
+            <a:schemeClr val="lt1"/>
+          </a:fontRef>
+        </p:style>
+        <p:txBody>
+          <a:bodyPr rtlCol="0" anchor="ctr"/>
+          <a:lstStyle/>
+          <a:p>
+            <a:pPr algn="ctr"/>
+            <a:endParaRPr lang="it-IT"/>
+          </a:p>
+        </p:txBody>
+      </p:sp>
+      <p:sp>
+        <p:nvSpPr>
+          <p:cNvPr id="10" name="CasellaDiTesto 9">
+            <a:extLst>
+              <a:ext uri="{FF2B5EF4-FFF2-40B4-BE49-F238E27FC236}">
+                <a16:creationId xmlns:a16="http://schemas.microsoft.com/office/drawing/2014/main" id="{43600554-184D-19E8-37A1-FCF80890AA43}"/>
+              </a:ext>
+            </a:extLst>
+          </p:cNvPr>
+          <p:cNvSpPr txBox="1"/>
+          <p:nvPr/>
+        </p:nvSpPr>
+        <p:spPr>
+          <a:xfrm>
+            <a:off x="3507548" y="-125945"/>
+            <a:ext cx="5176903" cy="1200329"/>
+          </a:xfrm>
+          <a:prstGeom prst="rect">
+            <a:avLst/>
+          </a:prstGeom>
+          <a:noFill/>
+        </p:spPr>
+        <p:txBody>
+          <a:bodyPr wrap="square" rtlCol="0">
+            <a:spAutoFit/>
+          </a:bodyPr>
+          <a:lstStyle/>
+          <a:p>
+            <a:pPr algn="ctr"/>
+            <a:r>
+              <a:rPr lang="it-IT" sz="7200" b="1" dirty="0">
+                <a:solidFill>
+                  <a:srgbClr val="FF0074"/>
+                </a:solidFill>
+                <a:latin typeface="Amasis MT Pro" panose="02040504050005020304" pitchFamily="18" charset="0"/>
+              </a:rPr>
+              <a:t>TITOLO</a:t>
+            </a:r>
+          </a:p>
+        </p:txBody>
+      </p:sp>
+      <p:sp>
+        <p:nvSpPr>
+          <p:cNvPr id="2" name="Rettangolo con angoli arrotondati 1">
+            <a:extLst>
+              <a:ext uri="{FF2B5EF4-FFF2-40B4-BE49-F238E27FC236}">
+                <a16:creationId xmlns:a16="http://schemas.microsoft.com/office/drawing/2014/main" id="{EF3D28C7-6163-27F3-488A-EF7218679634}"/>
+              </a:ext>
+            </a:extLst>
+          </p:cNvPr>
+          <p:cNvSpPr/>
+          <p:nvPr/>
+        </p:nvSpPr>
+        <p:spPr>
+          <a:xfrm>
+            <a:off x="0" y="1190445"/>
+            <a:ext cx="12192000" cy="5667555"/>
+          </a:xfrm>
+          <a:prstGeom prst="roundRect">
+            <a:avLst/>
+          </a:prstGeom>
+          <a:solidFill>
+            <a:srgbClr val="171A21"/>
+          </a:solidFill>
+          <a:ln>
+            <a:noFill/>
+          </a:ln>
+        </p:spPr>
+        <p:style>
+          <a:lnRef idx="2">
+            <a:schemeClr val="accent1">
+              <a:shade val="15000"/>
+            </a:schemeClr>
+          </a:lnRef>
+          <a:fillRef idx="1">
+            <a:schemeClr val="accent1"/>
+          </a:fillRef>
+          <a:effectRef idx="0">
+            <a:schemeClr val="accent1"/>
+          </a:effectRef>
+          <a:fontRef idx="minor">
+            <a:schemeClr val="lt1"/>
+          </a:fontRef>
+        </p:style>
+        <p:txBody>
+          <a:bodyPr rtlCol="0" anchor="ctr"/>
+          <a:lstStyle/>
+          <a:p>
+            <a:pPr algn="ctr"/>
+            <a:endParaRPr lang="it-IT"/>
+          </a:p>
+        </p:txBody>
+      </p:sp>
+      <p:sp>
+        <p:nvSpPr>
+          <p:cNvPr id="3" name="Rettangolo con angoli arrotondati 2">
+            <a:extLst>
+              <a:ext uri="{FF2B5EF4-FFF2-40B4-BE49-F238E27FC236}">
+                <a16:creationId xmlns:a16="http://schemas.microsoft.com/office/drawing/2014/main" id="{B86E006D-1449-FECC-C4CD-2E4704A53615}"/>
+              </a:ext>
+            </a:extLst>
+          </p:cNvPr>
+          <p:cNvSpPr/>
+          <p:nvPr/>
+        </p:nvSpPr>
+        <p:spPr>
+          <a:xfrm>
+            <a:off x="11261784" y="1535499"/>
+            <a:ext cx="416943" cy="370937"/>
+          </a:xfrm>
+          <a:prstGeom prst="roundRect">
+            <a:avLst/>
+          </a:prstGeom>
+          <a:solidFill>
+            <a:srgbClr val="278EA5"/>
+          </a:solidFill>
+          <a:ln>
+            <a:noFill/>
+          </a:ln>
+        </p:spPr>
+        <p:style>
+          <a:lnRef idx="2">
+            <a:schemeClr val="accent1">
+              <a:shade val="15000"/>
+            </a:schemeClr>
+          </a:lnRef>
+          <a:fillRef idx="1">
+            <a:schemeClr val="accent1"/>
+          </a:fillRef>
+          <a:effectRef idx="0">
+            <a:schemeClr val="accent1"/>
+          </a:effectRef>
+          <a:fontRef idx="minor">
+            <a:schemeClr val="lt1"/>
+          </a:fontRef>
+        </p:style>
+        <p:txBody>
+          <a:bodyPr rtlCol="0" anchor="ctr"/>
+          <a:lstStyle/>
+          <a:p>
+            <a:pPr algn="ctr"/>
+            <a:endParaRPr lang="it-IT" dirty="0"/>
+          </a:p>
+        </p:txBody>
+      </p:sp>
+      <p:sp>
+        <p:nvSpPr>
+          <p:cNvPr id="4" name="Rettangolo con angoli arrotondati 3">
+            <a:extLst>
+              <a:ext uri="{FF2B5EF4-FFF2-40B4-BE49-F238E27FC236}">
+                <a16:creationId xmlns:a16="http://schemas.microsoft.com/office/drawing/2014/main" id="{D71275F1-2DC5-A3F9-31E3-391948A9F747}"/>
+              </a:ext>
+            </a:extLst>
+          </p:cNvPr>
+          <p:cNvSpPr/>
+          <p:nvPr/>
+        </p:nvSpPr>
+        <p:spPr>
+          <a:xfrm>
+            <a:off x="11261783" y="6295514"/>
+            <a:ext cx="416943" cy="370937"/>
+          </a:xfrm>
+          <a:prstGeom prst="roundRect">
+            <a:avLst/>
+          </a:prstGeom>
+          <a:solidFill>
+            <a:srgbClr val="278EA5"/>
+          </a:solidFill>
+          <a:ln>
+            <a:noFill/>
+          </a:ln>
+        </p:spPr>
+        <p:style>
+          <a:lnRef idx="2">
+            <a:schemeClr val="accent1">
+              <a:shade val="15000"/>
+            </a:schemeClr>
+          </a:lnRef>
+          <a:fillRef idx="1">
+            <a:schemeClr val="accent1"/>
+          </a:fillRef>
+          <a:effectRef idx="0">
+            <a:schemeClr val="accent1"/>
+          </a:effectRef>
+          <a:fontRef idx="minor">
+            <a:schemeClr val="lt1"/>
+          </a:fontRef>
+        </p:style>
+        <p:txBody>
+          <a:bodyPr rtlCol="0" anchor="ctr"/>
+          <a:lstStyle/>
+          <a:p>
+            <a:pPr algn="ctr"/>
+            <a:endParaRPr lang="it-IT" dirty="0"/>
+          </a:p>
+        </p:txBody>
+      </p:sp>
+      <p:sp>
+        <p:nvSpPr>
+          <p:cNvPr id="5" name="Rettangolo con angoli arrotondati 4">
+            <a:extLst>
+              <a:ext uri="{FF2B5EF4-FFF2-40B4-BE49-F238E27FC236}">
+                <a16:creationId xmlns:a16="http://schemas.microsoft.com/office/drawing/2014/main" id="{EE0D89E7-E81C-1B8C-006A-84172FA3A19C}"/>
+              </a:ext>
+            </a:extLst>
+          </p:cNvPr>
+          <p:cNvSpPr/>
+          <p:nvPr/>
+        </p:nvSpPr>
+        <p:spPr>
+          <a:xfrm>
+            <a:off x="595222" y="1535500"/>
+            <a:ext cx="416943" cy="370937"/>
+          </a:xfrm>
+          <a:prstGeom prst="roundRect">
+            <a:avLst/>
+          </a:prstGeom>
+          <a:solidFill>
+            <a:srgbClr val="278EA5"/>
+          </a:solidFill>
+          <a:ln>
+            <a:noFill/>
+          </a:ln>
+        </p:spPr>
+        <p:style>
+          <a:lnRef idx="2">
+            <a:schemeClr val="accent1">
+              <a:shade val="15000"/>
+            </a:schemeClr>
+          </a:lnRef>
+          <a:fillRef idx="1">
+            <a:schemeClr val="accent1"/>
+          </a:fillRef>
+          <a:effectRef idx="0">
+            <a:schemeClr val="accent1"/>
+          </a:effectRef>
+          <a:fontRef idx="minor">
+            <a:schemeClr val="lt1"/>
+          </a:fontRef>
+        </p:style>
+        <p:txBody>
+          <a:bodyPr rtlCol="0" anchor="ctr"/>
+          <a:lstStyle/>
+          <a:p>
+            <a:pPr algn="ctr"/>
+            <a:endParaRPr lang="it-IT" dirty="0"/>
+          </a:p>
+        </p:txBody>
+      </p:sp>
+      <p:sp>
+        <p:nvSpPr>
+          <p:cNvPr id="6" name="Rettangolo con angoli arrotondati 5">
+            <a:extLst>
+              <a:ext uri="{FF2B5EF4-FFF2-40B4-BE49-F238E27FC236}">
+                <a16:creationId xmlns:a16="http://schemas.microsoft.com/office/drawing/2014/main" id="{7101C5B5-802A-0145-97FF-E55819744A2B}"/>
+              </a:ext>
+            </a:extLst>
+          </p:cNvPr>
+          <p:cNvSpPr/>
+          <p:nvPr/>
+        </p:nvSpPr>
+        <p:spPr>
+          <a:xfrm>
+            <a:off x="595221" y="6330019"/>
+            <a:ext cx="416943" cy="370937"/>
+          </a:xfrm>
+          <a:prstGeom prst="roundRect">
+            <a:avLst/>
+          </a:prstGeom>
+          <a:solidFill>
+            <a:srgbClr val="278EA5"/>
+          </a:solidFill>
+          <a:ln>
+            <a:noFill/>
+          </a:ln>
+        </p:spPr>
+        <p:style>
+          <a:lnRef idx="2">
+            <a:schemeClr val="accent1">
+              <a:shade val="15000"/>
+            </a:schemeClr>
+          </a:lnRef>
+          <a:fillRef idx="1">
+            <a:schemeClr val="accent1"/>
+          </a:fillRef>
+          <a:effectRef idx="0">
+            <a:schemeClr val="accent1"/>
+          </a:effectRef>
+          <a:fontRef idx="minor">
+            <a:schemeClr val="lt1"/>
+          </a:fontRef>
+        </p:style>
+        <p:txBody>
+          <a:bodyPr rtlCol="0" anchor="ctr"/>
+          <a:lstStyle/>
+          <a:p>
+            <a:pPr algn="ctr"/>
+            <a:endParaRPr lang="it-IT" dirty="0"/>
+          </a:p>
+        </p:txBody>
+      </p:sp>
+      <p:sp>
+        <p:nvSpPr>
+          <p:cNvPr id="15" name="CasellaDiTesto 14">
+            <a:extLst>
+              <a:ext uri="{FF2B5EF4-FFF2-40B4-BE49-F238E27FC236}">
+                <a16:creationId xmlns:a16="http://schemas.microsoft.com/office/drawing/2014/main" id="{7E426981-7126-0236-3B0A-8D6692E4479E}"/>
+              </a:ext>
+            </a:extLst>
+          </p:cNvPr>
+          <p:cNvSpPr txBox="1"/>
+          <p:nvPr/>
+        </p:nvSpPr>
+        <p:spPr>
+          <a:xfrm>
+            <a:off x="1095555" y="6330019"/>
+            <a:ext cx="2967487" cy="370937"/>
+          </a:xfrm>
+          <a:prstGeom prst="rect">
+            <a:avLst/>
+          </a:prstGeom>
+          <a:noFill/>
+        </p:spPr>
+        <p:txBody>
+          <a:bodyPr wrap="square" rtlCol="0">
+            <a:spAutoFit/>
+          </a:bodyPr>
+          <a:lstStyle/>
+          <a:p>
+            <a:r>
+              <a:rPr lang="it-IT" dirty="0">
+                <a:solidFill>
+                  <a:schemeClr val="bg1"/>
+                </a:solidFill>
+              </a:rPr>
+              <a:t>Source: </a:t>
+            </a:r>
+            <a:r>
+              <a:rPr lang="it-IT" dirty="0">
+                <a:solidFill>
+                  <a:schemeClr val="bg1"/>
+                </a:solidFill>
+                <a:hlinkClick r:id="rId3"/>
+              </a:rPr>
+              <a:t>link documentazione</a:t>
+            </a:r>
+            <a:endParaRPr lang="it-IT" dirty="0">
+              <a:solidFill>
+                <a:schemeClr val="bg1"/>
+              </a:solidFill>
+            </a:endParaRPr>
+          </a:p>
+        </p:txBody>
+      </p:sp>
+    </p:spTree>
+    <p:extLst>
+      <p:ext uri="{BB962C8B-B14F-4D97-AF65-F5344CB8AC3E}">
+        <p14:creationId xmlns:p14="http://schemas.microsoft.com/office/powerpoint/2010/main" val="3046026892"/>
+      </p:ext>
+    </p:extLst>
+  </p:cSld>
+  <p:clrMapOvr>
+    <a:masterClrMapping/>
+  </p:clrMapOvr>
+</p:sld>
+</file>
+
+<file path=ppt/slides/slide6.xml><?xml version="1.0" encoding="utf-8"?>
+<p:sld xmlns:a="http://schemas.openxmlformats.org/drawingml/2006/main" xmlns:r="http://schemas.openxmlformats.org/officeDocument/2006/relationships" xmlns:p="http://schemas.openxmlformats.org/presentationml/2006/main">
+  <p:cSld>
+    <p:bg>
+      <p:bgPr>
+        <a:blipFill dpi="0" rotWithShape="1">
+          <a:blip r:embed="rId2">
+            <a:lum/>
+          </a:blip>
+          <a:srcRect/>
+          <a:stretch>
+            <a:fillRect/>
+          </a:stretch>
+        </a:blipFill>
+        <a:effectLst/>
+      </p:bgPr>
+    </p:bg>
+    <p:spTree>
+      <p:nvGrpSpPr>
+        <p:cNvPr id="1" name=""/>
+        <p:cNvGrpSpPr/>
+        <p:nvPr/>
+      </p:nvGrpSpPr>
+      <p:grpSpPr>
+        <a:xfrm>
+          <a:off x="0" y="0"/>
+          <a:ext cx="0" cy="0"/>
+          <a:chOff x="0" y="0"/>
+          <a:chExt cx="0" cy="0"/>
+        </a:xfrm>
+      </p:grpSpPr>
+      <p:sp>
+        <p:nvSpPr>
+          <p:cNvPr id="7" name="Rettangolo 6">
+            <a:extLst>
+              <a:ext uri="{FF2B5EF4-FFF2-40B4-BE49-F238E27FC236}">
+                <a16:creationId xmlns:a16="http://schemas.microsoft.com/office/drawing/2014/main" id="{08BEFCCA-512B-118D-E357-B1C1D553941F}"/>
+              </a:ext>
+            </a:extLst>
+          </p:cNvPr>
+          <p:cNvSpPr/>
+          <p:nvPr/>
+        </p:nvSpPr>
+        <p:spPr>
+          <a:xfrm>
+            <a:off x="0" y="5984964"/>
+            <a:ext cx="12192000" cy="873036"/>
+          </a:xfrm>
+          <a:prstGeom prst="rect">
+            <a:avLst/>
+          </a:prstGeom>
+          <a:solidFill>
+            <a:srgbClr val="171A21"/>
+          </a:solidFill>
+        </p:spPr>
+        <p:style>
+          <a:lnRef idx="2">
+            <a:schemeClr val="accent1">
+              <a:shade val="15000"/>
+            </a:schemeClr>
+          </a:lnRef>
+          <a:fillRef idx="1">
+            <a:schemeClr val="accent1"/>
+          </a:fillRef>
+          <a:effectRef idx="0">
+            <a:schemeClr val="accent1"/>
+          </a:effectRef>
+          <a:fontRef idx="minor">
+            <a:schemeClr val="lt1"/>
+          </a:fontRef>
+        </p:style>
+        <p:txBody>
+          <a:bodyPr rtlCol="0" anchor="ctr"/>
+          <a:lstStyle/>
+          <a:p>
+            <a:pPr algn="ctr"/>
+            <a:endParaRPr lang="it-IT"/>
+          </a:p>
+        </p:txBody>
+      </p:sp>
+      <p:sp>
+        <p:nvSpPr>
+          <p:cNvPr id="10" name="CasellaDiTesto 9">
+            <a:extLst>
+              <a:ext uri="{FF2B5EF4-FFF2-40B4-BE49-F238E27FC236}">
+                <a16:creationId xmlns:a16="http://schemas.microsoft.com/office/drawing/2014/main" id="{43600554-184D-19E8-37A1-FCF80890AA43}"/>
+              </a:ext>
+            </a:extLst>
+          </p:cNvPr>
+          <p:cNvSpPr txBox="1"/>
+          <p:nvPr/>
+        </p:nvSpPr>
+        <p:spPr>
+          <a:xfrm>
+            <a:off x="3507548" y="-125945"/>
+            <a:ext cx="5176903" cy="1200329"/>
+          </a:xfrm>
+          <a:prstGeom prst="rect">
+            <a:avLst/>
+          </a:prstGeom>
+          <a:noFill/>
+        </p:spPr>
+        <p:txBody>
+          <a:bodyPr wrap="square" rtlCol="0">
+            <a:spAutoFit/>
+          </a:bodyPr>
+          <a:lstStyle/>
+          <a:p>
+            <a:pPr algn="ctr"/>
+            <a:r>
+              <a:rPr lang="it-IT" sz="7200" b="1" dirty="0">
+                <a:solidFill>
+                  <a:srgbClr val="FF0074"/>
+                </a:solidFill>
+                <a:latin typeface="Amasis MT Pro" panose="02040504050005020304" pitchFamily="18" charset="0"/>
+              </a:rPr>
+              <a:t>NO MOD</a:t>
+            </a:r>
+          </a:p>
+        </p:txBody>
+      </p:sp>
+      <p:sp>
+        <p:nvSpPr>
+          <p:cNvPr id="2" name="Rettangolo con angoli arrotondati 1">
+            <a:extLst>
+              <a:ext uri="{FF2B5EF4-FFF2-40B4-BE49-F238E27FC236}">
+                <a16:creationId xmlns:a16="http://schemas.microsoft.com/office/drawing/2014/main" id="{EF3D28C7-6163-27F3-488A-EF7218679634}"/>
+              </a:ext>
+            </a:extLst>
+          </p:cNvPr>
+          <p:cNvSpPr/>
+          <p:nvPr/>
+        </p:nvSpPr>
+        <p:spPr>
+          <a:xfrm>
+            <a:off x="0" y="1190445"/>
+            <a:ext cx="12192000" cy="5667555"/>
+          </a:xfrm>
+          <a:prstGeom prst="roundRect">
+            <a:avLst/>
+          </a:prstGeom>
+          <a:solidFill>
+            <a:srgbClr val="171A21"/>
+          </a:solidFill>
+          <a:ln>
+            <a:noFill/>
+          </a:ln>
+        </p:spPr>
+        <p:style>
+          <a:lnRef idx="2">
+            <a:schemeClr val="accent1">
+              <a:shade val="15000"/>
+            </a:schemeClr>
+          </a:lnRef>
+          <a:fillRef idx="1">
+            <a:schemeClr val="accent1"/>
+          </a:fillRef>
+          <a:effectRef idx="0">
+            <a:schemeClr val="accent1"/>
+          </a:effectRef>
+          <a:fontRef idx="minor">
+            <a:schemeClr val="lt1"/>
+          </a:fontRef>
+        </p:style>
+        <p:txBody>
+          <a:bodyPr rtlCol="0" anchor="ctr"/>
+          <a:lstStyle/>
+          <a:p>
+            <a:pPr algn="ctr"/>
+            <a:endParaRPr lang="it-IT"/>
+          </a:p>
+        </p:txBody>
+      </p:sp>
+      <p:sp>
+        <p:nvSpPr>
+          <p:cNvPr id="3" name="Rettangolo con angoli arrotondati 2">
+            <a:extLst>
+              <a:ext uri="{FF2B5EF4-FFF2-40B4-BE49-F238E27FC236}">
+                <a16:creationId xmlns:a16="http://schemas.microsoft.com/office/drawing/2014/main" id="{B86E006D-1449-FECC-C4CD-2E4704A53615}"/>
+              </a:ext>
+            </a:extLst>
+          </p:cNvPr>
+          <p:cNvSpPr/>
+          <p:nvPr/>
+        </p:nvSpPr>
+        <p:spPr>
+          <a:xfrm>
+            <a:off x="11261784" y="1535499"/>
+            <a:ext cx="416943" cy="370937"/>
+          </a:xfrm>
+          <a:prstGeom prst="roundRect">
+            <a:avLst/>
+          </a:prstGeom>
+          <a:solidFill>
+            <a:srgbClr val="278EA5"/>
+          </a:solidFill>
+          <a:ln>
+            <a:noFill/>
+          </a:ln>
+        </p:spPr>
+        <p:style>
+          <a:lnRef idx="2">
+            <a:schemeClr val="accent1">
+              <a:shade val="15000"/>
+            </a:schemeClr>
+          </a:lnRef>
+          <a:fillRef idx="1">
+            <a:schemeClr val="accent1"/>
+          </a:fillRef>
+          <a:effectRef idx="0">
+            <a:schemeClr val="accent1"/>
+          </a:effectRef>
+          <a:fontRef idx="minor">
+            <a:schemeClr val="lt1"/>
+          </a:fontRef>
+        </p:style>
+        <p:txBody>
+          <a:bodyPr rtlCol="0" anchor="ctr"/>
+          <a:lstStyle/>
+          <a:p>
+            <a:pPr algn="ctr"/>
+            <a:endParaRPr lang="it-IT" dirty="0"/>
+          </a:p>
+        </p:txBody>
+      </p:sp>
+      <p:sp>
+        <p:nvSpPr>
+          <p:cNvPr id="4" name="Rettangolo con angoli arrotondati 3">
+            <a:extLst>
+              <a:ext uri="{FF2B5EF4-FFF2-40B4-BE49-F238E27FC236}">
+                <a16:creationId xmlns:a16="http://schemas.microsoft.com/office/drawing/2014/main" id="{D71275F1-2DC5-A3F9-31E3-391948A9F747}"/>
+              </a:ext>
+            </a:extLst>
+          </p:cNvPr>
+          <p:cNvSpPr/>
+          <p:nvPr/>
+        </p:nvSpPr>
+        <p:spPr>
+          <a:xfrm>
+            <a:off x="11261783" y="6295514"/>
+            <a:ext cx="416943" cy="370937"/>
+          </a:xfrm>
+          <a:prstGeom prst="roundRect">
+            <a:avLst/>
+          </a:prstGeom>
+          <a:solidFill>
+            <a:srgbClr val="278EA5"/>
+          </a:solidFill>
+          <a:ln>
+            <a:noFill/>
+          </a:ln>
+        </p:spPr>
+        <p:style>
+          <a:lnRef idx="2">
+            <a:schemeClr val="accent1">
+              <a:shade val="15000"/>
+            </a:schemeClr>
+          </a:lnRef>
+          <a:fillRef idx="1">
+            <a:schemeClr val="accent1"/>
+          </a:fillRef>
+          <a:effectRef idx="0">
+            <a:schemeClr val="accent1"/>
+          </a:effectRef>
+          <a:fontRef idx="minor">
+            <a:schemeClr val="lt1"/>
+          </a:fontRef>
+        </p:style>
+        <p:txBody>
+          <a:bodyPr rtlCol="0" anchor="ctr"/>
+          <a:lstStyle/>
+          <a:p>
+            <a:pPr algn="ctr"/>
+            <a:endParaRPr lang="it-IT" dirty="0"/>
+          </a:p>
+        </p:txBody>
+      </p:sp>
+      <p:sp>
+        <p:nvSpPr>
+          <p:cNvPr id="5" name="Rettangolo con angoli arrotondati 4">
+            <a:extLst>
+              <a:ext uri="{FF2B5EF4-FFF2-40B4-BE49-F238E27FC236}">
+                <a16:creationId xmlns:a16="http://schemas.microsoft.com/office/drawing/2014/main" id="{EE0D89E7-E81C-1B8C-006A-84172FA3A19C}"/>
+              </a:ext>
+            </a:extLst>
+          </p:cNvPr>
+          <p:cNvSpPr/>
+          <p:nvPr/>
+        </p:nvSpPr>
+        <p:spPr>
+          <a:xfrm>
+            <a:off x="595222" y="1535500"/>
+            <a:ext cx="416943" cy="370937"/>
+          </a:xfrm>
+          <a:prstGeom prst="roundRect">
+            <a:avLst/>
+          </a:prstGeom>
+          <a:solidFill>
+            <a:srgbClr val="278EA5"/>
+          </a:solidFill>
+          <a:ln>
+            <a:noFill/>
+          </a:ln>
+        </p:spPr>
+        <p:style>
+          <a:lnRef idx="2">
+            <a:schemeClr val="accent1">
+              <a:shade val="15000"/>
+            </a:schemeClr>
+          </a:lnRef>
+          <a:fillRef idx="1">
+            <a:schemeClr val="accent1"/>
+          </a:fillRef>
+          <a:effectRef idx="0">
+            <a:schemeClr val="accent1"/>
+          </a:effectRef>
+          <a:fontRef idx="minor">
+            <a:schemeClr val="lt1"/>
+          </a:fontRef>
+        </p:style>
+        <p:txBody>
+          <a:bodyPr rtlCol="0" anchor="ctr"/>
+          <a:lstStyle/>
+          <a:p>
+            <a:pPr algn="ctr"/>
+            <a:endParaRPr lang="it-IT" dirty="0"/>
+          </a:p>
+        </p:txBody>
+      </p:sp>
+      <p:sp>
+        <p:nvSpPr>
+          <p:cNvPr id="6" name="Rettangolo con angoli arrotondati 5">
+            <a:extLst>
+              <a:ext uri="{FF2B5EF4-FFF2-40B4-BE49-F238E27FC236}">
+                <a16:creationId xmlns:a16="http://schemas.microsoft.com/office/drawing/2014/main" id="{7101C5B5-802A-0145-97FF-E55819744A2B}"/>
+              </a:ext>
+            </a:extLst>
+          </p:cNvPr>
+          <p:cNvSpPr/>
+          <p:nvPr/>
+        </p:nvSpPr>
+        <p:spPr>
+          <a:xfrm>
+            <a:off x="595221" y="6330019"/>
+            <a:ext cx="416943" cy="370937"/>
+          </a:xfrm>
+          <a:prstGeom prst="roundRect">
+            <a:avLst/>
+          </a:prstGeom>
+          <a:solidFill>
+            <a:srgbClr val="278EA5"/>
+          </a:solidFill>
+          <a:ln>
+            <a:noFill/>
+          </a:ln>
+        </p:spPr>
+        <p:style>
+          <a:lnRef idx="2">
+            <a:schemeClr val="accent1">
+              <a:shade val="15000"/>
+            </a:schemeClr>
+          </a:lnRef>
+          <a:fillRef idx="1">
+            <a:schemeClr val="accent1"/>
+          </a:fillRef>
+          <a:effectRef idx="0">
+            <a:schemeClr val="accent1"/>
+          </a:effectRef>
+          <a:fontRef idx="minor">
+            <a:schemeClr val="lt1"/>
+          </a:fontRef>
+        </p:style>
+        <p:txBody>
+          <a:bodyPr rtlCol="0" anchor="ctr"/>
+          <a:lstStyle/>
+          <a:p>
+            <a:pPr algn="ctr"/>
+            <a:endParaRPr lang="it-IT" dirty="0"/>
+          </a:p>
+        </p:txBody>
+      </p:sp>
+      <p:sp>
+        <p:nvSpPr>
+          <p:cNvPr id="15" name="CasellaDiTesto 14">
+            <a:extLst>
+              <a:ext uri="{FF2B5EF4-FFF2-40B4-BE49-F238E27FC236}">
+                <a16:creationId xmlns:a16="http://schemas.microsoft.com/office/drawing/2014/main" id="{7E426981-7126-0236-3B0A-8D6692E4479E}"/>
+              </a:ext>
+            </a:extLst>
+          </p:cNvPr>
+          <p:cNvSpPr txBox="1"/>
+          <p:nvPr/>
+        </p:nvSpPr>
+        <p:spPr>
+          <a:xfrm>
+            <a:off x="1095555" y="6330019"/>
+            <a:ext cx="2967487" cy="370937"/>
+          </a:xfrm>
+          <a:prstGeom prst="rect">
+            <a:avLst/>
+          </a:prstGeom>
+          <a:noFill/>
+        </p:spPr>
+        <p:txBody>
+          <a:bodyPr wrap="square" rtlCol="0">
+            <a:spAutoFit/>
+          </a:bodyPr>
+          <a:lstStyle/>
+          <a:p>
+            <a:r>
+              <a:rPr lang="it-IT" dirty="0">
+                <a:solidFill>
+                  <a:schemeClr val="bg1"/>
+                </a:solidFill>
+              </a:rPr>
+              <a:t>Source: </a:t>
+            </a:r>
+            <a:r>
+              <a:rPr lang="it-IT" dirty="0">
+                <a:solidFill>
+                  <a:schemeClr val="bg1"/>
+                </a:solidFill>
+                <a:hlinkClick r:id="rId3"/>
+              </a:rPr>
+              <a:t>link documentazione</a:t>
+            </a:r>
+            <a:endParaRPr lang="it-IT" dirty="0">
+              <a:solidFill>
+                <a:schemeClr val="bg1"/>
+              </a:solidFill>
+            </a:endParaRPr>
+          </a:p>
+        </p:txBody>
+      </p:sp>
+      <p:sp>
+        <p:nvSpPr>
+          <p:cNvPr id="9" name="CasellaDiTesto 8">
+            <a:extLst>
+              <a:ext uri="{FF2B5EF4-FFF2-40B4-BE49-F238E27FC236}">
+                <a16:creationId xmlns:a16="http://schemas.microsoft.com/office/drawing/2014/main" id="{42B5EC8D-8E70-D0D4-68B1-DB258AD1A6E4}"/>
+              </a:ext>
+            </a:extLst>
+          </p:cNvPr>
+          <p:cNvSpPr txBox="1"/>
+          <p:nvPr/>
+        </p:nvSpPr>
+        <p:spPr>
+          <a:xfrm>
+            <a:off x="3046093" y="1391057"/>
+            <a:ext cx="6099811" cy="646331"/>
+          </a:xfrm>
+          <a:prstGeom prst="rect">
+            <a:avLst/>
+          </a:prstGeom>
+          <a:noFill/>
+        </p:spPr>
+        <p:txBody>
+          <a:bodyPr wrap="square" rtlCol="0">
+            <a:spAutoFit/>
+          </a:bodyPr>
+          <a:lstStyle/>
+          <a:p>
+            <a:pPr algn="ctr"/>
+            <a:r>
+              <a:rPr lang="it-IT" b="0" i="0" dirty="0">
+                <a:solidFill>
+                  <a:srgbClr val="E6EDF3"/>
+                </a:solidFill>
+                <a:effectLst/>
+                <a:latin typeface="-apple-system"/>
+              </a:rPr>
+              <a:t> </a:t>
+            </a:r>
+            <a:r>
+              <a:rPr lang="it-IT" b="1" dirty="0">
+                <a:solidFill>
+                  <a:schemeClr val="bg1"/>
+                </a:solidFill>
+                <a:latin typeface="Comic Sans MS" panose="030F0702030302020204" pitchFamily="66" charset="0"/>
+              </a:rPr>
+              <a:t>Effettua la somma di due valori e salva il risultato nel secondo</a:t>
+            </a:r>
+          </a:p>
+        </p:txBody>
+      </p:sp>
+      <p:sp>
+        <p:nvSpPr>
+          <p:cNvPr id="11" name="Rettangolo con angoli arrotondati 10">
+            <a:extLst>
+              <a:ext uri="{FF2B5EF4-FFF2-40B4-BE49-F238E27FC236}">
+                <a16:creationId xmlns:a16="http://schemas.microsoft.com/office/drawing/2014/main" id="{102AA516-DC98-6CE2-BFC3-382473B9DEC0}"/>
+              </a:ext>
+            </a:extLst>
+          </p:cNvPr>
+          <p:cNvSpPr/>
+          <p:nvPr/>
+        </p:nvSpPr>
+        <p:spPr>
+          <a:xfrm rot="10800000" flipV="1">
+            <a:off x="2714445" y="2333348"/>
+            <a:ext cx="6763108" cy="420727"/>
+          </a:xfrm>
+          <a:prstGeom prst="roundRect">
+            <a:avLst/>
+          </a:prstGeom>
+          <a:solidFill>
+            <a:srgbClr val="283049"/>
+          </a:solidFill>
+          <a:ln>
+            <a:noFill/>
+          </a:ln>
+        </p:spPr>
+        <p:style>
+          <a:lnRef idx="2">
+            <a:schemeClr val="accent1">
+              <a:shade val="15000"/>
+            </a:schemeClr>
+          </a:lnRef>
+          <a:fillRef idx="1">
+            <a:schemeClr val="accent1"/>
+          </a:fillRef>
+          <a:effectRef idx="0">
+            <a:schemeClr val="accent1"/>
+          </a:effectRef>
+          <a:fontRef idx="minor">
+            <a:schemeClr val="lt1"/>
+          </a:fontRef>
+        </p:style>
+        <p:txBody>
+          <a:bodyPr rtlCol="0" anchor="ctr"/>
+          <a:lstStyle/>
+          <a:p>
+            <a:pPr algn="ctr"/>
+            <a:r>
+              <a:rPr lang="it-IT" dirty="0"/>
+              <a:t> </a:t>
+            </a:r>
+          </a:p>
+        </p:txBody>
+      </p:sp>
+      <p:sp>
+        <p:nvSpPr>
+          <p:cNvPr id="12" name="CasellaDiTesto 11">
+            <a:extLst>
+              <a:ext uri="{FF2B5EF4-FFF2-40B4-BE49-F238E27FC236}">
+                <a16:creationId xmlns:a16="http://schemas.microsoft.com/office/drawing/2014/main" id="{76641843-9169-84DA-A818-77088F55B39E}"/>
+              </a:ext>
+            </a:extLst>
+          </p:cNvPr>
+          <p:cNvSpPr txBox="1"/>
+          <p:nvPr/>
+        </p:nvSpPr>
+        <p:spPr>
+          <a:xfrm>
+            <a:off x="2947018" y="2349433"/>
+            <a:ext cx="2158306" cy="369332"/>
+          </a:xfrm>
+          <a:prstGeom prst="rect">
+            <a:avLst/>
+          </a:prstGeom>
+          <a:noFill/>
+        </p:spPr>
+        <p:txBody>
+          <a:bodyPr wrap="square" rtlCol="0">
+            <a:spAutoFit/>
+          </a:bodyPr>
+          <a:lstStyle/>
+          <a:p>
+            <a:r>
+              <a:rPr lang="it-IT" dirty="0">
+                <a:solidFill>
+                  <a:schemeClr val="bg1"/>
+                </a:solidFill>
+              </a:rPr>
+              <a:t>&lt;</a:t>
+            </a:r>
+            <a:r>
+              <a:rPr lang="it-IT" dirty="0">
+                <a:solidFill>
+                  <a:srgbClr val="00B050"/>
+                </a:solidFill>
+              </a:rPr>
+              <a:t>primo op</a:t>
+            </a:r>
+            <a:r>
+              <a:rPr lang="it-IT" dirty="0">
+                <a:solidFill>
+                  <a:schemeClr val="bg1"/>
+                </a:solidFill>
+              </a:rPr>
+              <a:t>&gt;</a:t>
+            </a:r>
+          </a:p>
+        </p:txBody>
+      </p:sp>
+      <p:pic>
+        <p:nvPicPr>
+          <p:cNvPr id="16" name="Immagine 15">
+            <a:extLst>
+              <a:ext uri="{FF2B5EF4-FFF2-40B4-BE49-F238E27FC236}">
+                <a16:creationId xmlns:a16="http://schemas.microsoft.com/office/drawing/2014/main" id="{3518EDAD-35FD-D9B8-DDC8-8D3D32ED49B1}"/>
+              </a:ext>
+            </a:extLst>
+          </p:cNvPr>
+          <p:cNvPicPr>
+            <a:picLocks noChangeAspect="1"/>
+          </p:cNvPicPr>
+          <p:nvPr/>
+        </p:nvPicPr>
+        <p:blipFill>
+          <a:blip r:embed="rId4">
+            <a:extLst>
+              <a:ext uri="{28A0092B-C50C-407E-A947-70E740481C1C}">
+                <a14:useLocalDpi xmlns:a14="http://schemas.microsoft.com/office/drawing/2010/main" val="0"/>
+              </a:ext>
+            </a:extLst>
+          </a:blip>
+          <a:stretch>
+            <a:fillRect/>
+          </a:stretch>
+        </p:blipFill>
+        <p:spPr>
+          <a:xfrm>
+            <a:off x="6636094" y="2438103"/>
+            <a:ext cx="472456" cy="264576"/>
+          </a:xfrm>
+          <a:prstGeom prst="rect">
+            <a:avLst/>
+          </a:prstGeom>
+        </p:spPr>
+      </p:pic>
+      <p:sp>
+        <p:nvSpPr>
+          <p:cNvPr id="17" name="CasellaDiTesto 16">
+            <a:extLst>
+              <a:ext uri="{FF2B5EF4-FFF2-40B4-BE49-F238E27FC236}">
+                <a16:creationId xmlns:a16="http://schemas.microsoft.com/office/drawing/2014/main" id="{7B7B97F4-7B19-CF9C-B08A-A854AAC74950}"/>
+              </a:ext>
+            </a:extLst>
+          </p:cNvPr>
+          <p:cNvSpPr txBox="1"/>
+          <p:nvPr/>
+        </p:nvSpPr>
+        <p:spPr>
+          <a:xfrm>
+            <a:off x="4925710" y="2349433"/>
+            <a:ext cx="1487472" cy="369332"/>
+          </a:xfrm>
+          <a:prstGeom prst="rect">
+            <a:avLst/>
+          </a:prstGeom>
+          <a:noFill/>
+        </p:spPr>
+        <p:txBody>
+          <a:bodyPr wrap="square" rtlCol="0">
+            <a:spAutoFit/>
+          </a:bodyPr>
+          <a:lstStyle/>
+          <a:p>
+            <a:r>
+              <a:rPr lang="it-IT" dirty="0">
+                <a:solidFill>
+                  <a:schemeClr val="bg1"/>
+                </a:solidFill>
+              </a:rPr>
+              <a:t>&lt;</a:t>
+            </a:r>
+            <a:r>
+              <a:rPr lang="it-IT" dirty="0">
+                <a:solidFill>
+                  <a:srgbClr val="00B050"/>
+                </a:solidFill>
+              </a:rPr>
+              <a:t>secondo op</a:t>
+            </a:r>
+            <a:r>
+              <a:rPr lang="it-IT" dirty="0">
+                <a:solidFill>
+                  <a:schemeClr val="bg1"/>
+                </a:solidFill>
+              </a:rPr>
+              <a:t>&gt;</a:t>
+            </a:r>
+          </a:p>
+        </p:txBody>
+      </p:sp>
+      <p:sp>
+        <p:nvSpPr>
+          <p:cNvPr id="20" name="CasellaDiTesto 19">
+            <a:extLst>
+              <a:ext uri="{FF2B5EF4-FFF2-40B4-BE49-F238E27FC236}">
+                <a16:creationId xmlns:a16="http://schemas.microsoft.com/office/drawing/2014/main" id="{29558126-01A9-2A4C-2C49-71C777F20267}"/>
+              </a:ext>
+            </a:extLst>
+          </p:cNvPr>
+          <p:cNvSpPr txBox="1"/>
+          <p:nvPr/>
+        </p:nvSpPr>
+        <p:spPr>
+          <a:xfrm>
+            <a:off x="7240327" y="2352222"/>
+            <a:ext cx="2258951" cy="369332"/>
+          </a:xfrm>
+          <a:prstGeom prst="rect">
+            <a:avLst/>
+          </a:prstGeom>
+          <a:noFill/>
+        </p:spPr>
+        <p:txBody>
+          <a:bodyPr wrap="square" rtlCol="0">
+            <a:spAutoFit/>
+          </a:bodyPr>
+          <a:lstStyle/>
+          <a:p>
+            <a:r>
+              <a:rPr lang="it-IT" dirty="0">
+                <a:solidFill>
+                  <a:schemeClr val="bg1"/>
+                </a:solidFill>
+              </a:rPr>
+              <a:t>&lt;</a:t>
+            </a:r>
+            <a:r>
+              <a:rPr lang="it-IT" dirty="0">
+                <a:solidFill>
+                  <a:srgbClr val="00B050"/>
+                </a:solidFill>
+              </a:rPr>
+              <a:t>secondo operando</a:t>
+            </a:r>
+            <a:r>
+              <a:rPr lang="it-IT" dirty="0">
+                <a:solidFill>
+                  <a:schemeClr val="bg1"/>
+                </a:solidFill>
+              </a:rPr>
+              <a:t>&gt;</a:t>
+            </a:r>
+          </a:p>
+        </p:txBody>
+      </p:sp>
+      <p:sp>
+        <p:nvSpPr>
+          <p:cNvPr id="21" name="CasellaDiTesto 20">
+            <a:extLst>
+              <a:ext uri="{FF2B5EF4-FFF2-40B4-BE49-F238E27FC236}">
+                <a16:creationId xmlns:a16="http://schemas.microsoft.com/office/drawing/2014/main" id="{FE03FD11-5FB9-A6E6-09BC-53065821C9B6}"/>
+              </a:ext>
+            </a:extLst>
+          </p:cNvPr>
+          <p:cNvSpPr txBox="1"/>
+          <p:nvPr/>
+        </p:nvSpPr>
+        <p:spPr>
+          <a:xfrm>
+            <a:off x="6253243" y="2153449"/>
+            <a:ext cx="1238159" cy="369332"/>
+          </a:xfrm>
+          <a:prstGeom prst="rect">
+            <a:avLst/>
+          </a:prstGeom>
+          <a:noFill/>
+        </p:spPr>
+        <p:txBody>
+          <a:bodyPr wrap="square" rtlCol="0">
+            <a:spAutoFit/>
+          </a:bodyPr>
+          <a:lstStyle/>
+          <a:p>
+            <a:pPr algn="ctr"/>
+            <a:r>
+              <a:rPr lang="it-IT" dirty="0">
+                <a:solidFill>
+                  <a:schemeClr val="bg2"/>
+                </a:solidFill>
+                <a:latin typeface="Comic Sans MS" panose="030F0702030302020204" pitchFamily="66" charset="0"/>
+              </a:rPr>
+              <a:t>Risultato</a:t>
+            </a:r>
+          </a:p>
+        </p:txBody>
+      </p:sp>
+      <p:pic>
+        <p:nvPicPr>
+          <p:cNvPr id="23" name="Immagine 22">
+            <a:extLst>
+              <a:ext uri="{FF2B5EF4-FFF2-40B4-BE49-F238E27FC236}">
+                <a16:creationId xmlns:a16="http://schemas.microsoft.com/office/drawing/2014/main" id="{EB79B55F-DD0C-BEBB-5AA1-4E6717402EB4}"/>
+              </a:ext>
+            </a:extLst>
+          </p:cNvPr>
+          <p:cNvPicPr>
+            <a:picLocks noChangeAspect="1"/>
+          </p:cNvPicPr>
+          <p:nvPr/>
+        </p:nvPicPr>
+        <p:blipFill>
+          <a:blip r:embed="rId5">
+            <a:extLst>
+              <a:ext uri="{28A0092B-C50C-407E-A947-70E740481C1C}">
+                <a14:useLocalDpi xmlns:a14="http://schemas.microsoft.com/office/drawing/2010/main" val="0"/>
+              </a:ext>
+            </a:extLst>
+          </a:blip>
+          <a:stretch>
+            <a:fillRect/>
+          </a:stretch>
+        </p:blipFill>
+        <p:spPr>
+          <a:xfrm>
+            <a:off x="4462617" y="2380931"/>
+            <a:ext cx="325560" cy="325560"/>
+          </a:xfrm>
+          <a:prstGeom prst="rect">
+            <a:avLst/>
+          </a:prstGeom>
+        </p:spPr>
+      </p:pic>
+      <p:sp>
+        <p:nvSpPr>
+          <p:cNvPr id="32" name="Rettangolo con angoli arrotondati 31">
+            <a:extLst>
+              <a:ext uri="{FF2B5EF4-FFF2-40B4-BE49-F238E27FC236}">
+                <a16:creationId xmlns:a16="http://schemas.microsoft.com/office/drawing/2014/main" id="{0E82439F-0A26-59C2-909B-A5B5BE0233C2}"/>
+              </a:ext>
+            </a:extLst>
+          </p:cNvPr>
+          <p:cNvSpPr/>
+          <p:nvPr/>
+        </p:nvSpPr>
+        <p:spPr>
+          <a:xfrm>
+            <a:off x="496019" y="2967426"/>
+            <a:ext cx="11417059" cy="1206458"/>
+          </a:xfrm>
+          <a:prstGeom prst="roundRect">
+            <a:avLst/>
+          </a:prstGeom>
+          <a:solidFill>
+            <a:srgbClr val="283049"/>
+          </a:solidFill>
+          <a:ln>
+            <a:noFill/>
+          </a:ln>
+        </p:spPr>
+        <p:style>
+          <a:lnRef idx="2">
+            <a:schemeClr val="accent1">
+              <a:shade val="15000"/>
+            </a:schemeClr>
+          </a:lnRef>
+          <a:fillRef idx="1">
+            <a:schemeClr val="accent1"/>
+          </a:fillRef>
+          <a:effectRef idx="0">
+            <a:schemeClr val="accent1"/>
+          </a:effectRef>
+          <a:fontRef idx="minor">
+            <a:schemeClr val="lt1"/>
+          </a:fontRef>
+        </p:style>
+        <p:txBody>
+          <a:bodyPr rtlCol="0" anchor="ctr"/>
+          <a:lstStyle/>
+          <a:p>
+            <a:pPr algn="ctr"/>
+            <a:endParaRPr lang="it-IT"/>
+          </a:p>
+        </p:txBody>
+      </p:sp>
+      <p:sp>
+        <p:nvSpPr>
+          <p:cNvPr id="33" name="CasellaDiTesto 32">
+            <a:extLst>
+              <a:ext uri="{FF2B5EF4-FFF2-40B4-BE49-F238E27FC236}">
+                <a16:creationId xmlns:a16="http://schemas.microsoft.com/office/drawing/2014/main" id="{17ABFD37-596A-D028-BF2E-703CC824A66F}"/>
+              </a:ext>
+            </a:extLst>
+          </p:cNvPr>
+          <p:cNvSpPr txBox="1"/>
+          <p:nvPr/>
+        </p:nvSpPr>
+        <p:spPr>
+          <a:xfrm>
+            <a:off x="660828" y="3062400"/>
+            <a:ext cx="5058482" cy="923330"/>
+          </a:xfrm>
+          <a:prstGeom prst="rect">
+            <a:avLst/>
+          </a:prstGeom>
+          <a:noFill/>
+        </p:spPr>
+        <p:txBody>
+          <a:bodyPr wrap="square" rtlCol="0">
+            <a:spAutoFit/>
+          </a:bodyPr>
+          <a:lstStyle/>
+          <a:p>
+            <a:pPr algn="ctr"/>
+            <a:r>
+              <a:rPr lang="en-US" dirty="0">
+                <a:solidFill>
+                  <a:schemeClr val="bg1"/>
+                </a:solidFill>
+                <a:latin typeface="Comic Sans MS" panose="030F0702030302020204" pitchFamily="66" charset="0"/>
+              </a:rPr>
+              <a:t>add &lt;</a:t>
+            </a:r>
+            <a:r>
+              <a:rPr lang="en-US" dirty="0">
+                <a:solidFill>
+                  <a:srgbClr val="00B050"/>
+                </a:solidFill>
+                <a:latin typeface="Comic Sans MS" panose="030F0702030302020204" pitchFamily="66" charset="0"/>
+              </a:rPr>
+              <a:t>primo operando</a:t>
+            </a:r>
+            <a:r>
+              <a:rPr lang="en-US" dirty="0">
+                <a:solidFill>
+                  <a:schemeClr val="bg1"/>
+                </a:solidFill>
+                <a:latin typeface="Comic Sans MS" panose="030F0702030302020204" pitchFamily="66" charset="0"/>
+              </a:rPr>
+              <a:t>&gt;, &lt;</a:t>
+            </a:r>
+            <a:r>
+              <a:rPr lang="en-US" dirty="0">
+                <a:solidFill>
+                  <a:srgbClr val="00B050"/>
+                </a:solidFill>
+                <a:latin typeface="Comic Sans MS" panose="030F0702030302020204" pitchFamily="66" charset="0"/>
+              </a:rPr>
+              <a:t>secondo operando</a:t>
+            </a:r>
+            <a:r>
+              <a:rPr lang="en-US" dirty="0">
+                <a:solidFill>
+                  <a:schemeClr val="bg1"/>
+                </a:solidFill>
+                <a:latin typeface="Comic Sans MS" panose="030F0702030302020204" pitchFamily="66" charset="0"/>
+              </a:rPr>
+              <a:t>&gt;</a:t>
+            </a:r>
+          </a:p>
+          <a:p>
+            <a:pPr algn="ctr"/>
+            <a:endParaRPr lang="en-US" dirty="0">
+              <a:solidFill>
+                <a:schemeClr val="bg1"/>
+              </a:solidFill>
+              <a:latin typeface="Comic Sans MS" panose="030F0702030302020204" pitchFamily="66" charset="0"/>
+            </a:endParaRPr>
+          </a:p>
+          <a:p>
+            <a:pPr algn="ctr"/>
+            <a:r>
+              <a:rPr lang="en-US" dirty="0">
+                <a:solidFill>
+                  <a:schemeClr val="bg1"/>
+                </a:solidFill>
+                <a:latin typeface="Comic Sans MS" panose="030F0702030302020204" pitchFamily="66" charset="0"/>
+              </a:rPr>
+              <a:t>add </a:t>
+            </a:r>
+            <a:r>
+              <a:rPr lang="en-US" dirty="0">
+                <a:solidFill>
+                  <a:srgbClr val="00B050"/>
+                </a:solidFill>
+                <a:latin typeface="Comic Sans MS" panose="030F0702030302020204" pitchFamily="66" charset="0"/>
+              </a:rPr>
+              <a:t>#100</a:t>
+            </a:r>
+            <a:r>
+              <a:rPr lang="en-US" dirty="0">
+                <a:solidFill>
+                  <a:schemeClr val="bg1"/>
+                </a:solidFill>
+                <a:latin typeface="Comic Sans MS" panose="030F0702030302020204" pitchFamily="66" charset="0"/>
+              </a:rPr>
+              <a:t>, </a:t>
+            </a:r>
+            <a:r>
+              <a:rPr lang="en-US" dirty="0">
+                <a:solidFill>
+                  <a:srgbClr val="00B050"/>
+                </a:solidFill>
+                <a:latin typeface="Comic Sans MS" panose="030F0702030302020204" pitchFamily="66" charset="0"/>
+              </a:rPr>
+              <a:t>d0 </a:t>
+            </a:r>
+          </a:p>
+        </p:txBody>
+      </p:sp>
+      <p:sp>
+        <p:nvSpPr>
+          <p:cNvPr id="34" name="CasellaDiTesto 33">
+            <a:extLst>
+              <a:ext uri="{FF2B5EF4-FFF2-40B4-BE49-F238E27FC236}">
+                <a16:creationId xmlns:a16="http://schemas.microsoft.com/office/drawing/2014/main" id="{210090EF-8640-6367-4F41-A648EDD542D1}"/>
+              </a:ext>
+            </a:extLst>
+          </p:cNvPr>
+          <p:cNvSpPr txBox="1"/>
+          <p:nvPr/>
+        </p:nvSpPr>
+        <p:spPr>
+          <a:xfrm>
+            <a:off x="5719310" y="3200899"/>
+            <a:ext cx="6099811" cy="646331"/>
+          </a:xfrm>
+          <a:prstGeom prst="rect">
+            <a:avLst/>
+          </a:prstGeom>
+          <a:noFill/>
+        </p:spPr>
+        <p:txBody>
+          <a:bodyPr wrap="square" rtlCol="0">
+            <a:spAutoFit/>
+          </a:bodyPr>
+          <a:lstStyle/>
+          <a:p>
+            <a:pPr algn="ctr"/>
+            <a:r>
+              <a:rPr lang="it-IT" b="1" dirty="0">
+                <a:solidFill>
+                  <a:schemeClr val="bg1"/>
+                </a:solidFill>
+                <a:latin typeface="Comic Sans MS" panose="030F0702030302020204" pitchFamily="66" charset="0"/>
+              </a:rPr>
+              <a:t>Cosa succede nell’esempio?</a:t>
+            </a:r>
+          </a:p>
+          <a:p>
+            <a:pPr algn="ctr"/>
+            <a:r>
+              <a:rPr lang="it-IT" dirty="0">
+                <a:solidFill>
+                  <a:schemeClr val="bg1"/>
+                </a:solidFill>
+                <a:latin typeface="Comic Sans MS" panose="030F0702030302020204" pitchFamily="66" charset="0"/>
+              </a:rPr>
+              <a:t>Mettiamo il numero </a:t>
+            </a:r>
+            <a:r>
+              <a:rPr lang="it-IT" dirty="0">
+                <a:solidFill>
+                  <a:srgbClr val="00B050"/>
+                </a:solidFill>
+                <a:latin typeface="Comic Sans MS" panose="030F0702030302020204" pitchFamily="66" charset="0"/>
+              </a:rPr>
+              <a:t>100</a:t>
+            </a:r>
+            <a:r>
+              <a:rPr lang="it-IT" dirty="0">
+                <a:solidFill>
+                  <a:schemeClr val="bg1"/>
+                </a:solidFill>
+                <a:latin typeface="Comic Sans MS" panose="030F0702030302020204" pitchFamily="66" charset="0"/>
+              </a:rPr>
+              <a:t> dentro il </a:t>
+            </a:r>
+            <a:r>
+              <a:rPr lang="it-IT" dirty="0">
+                <a:solidFill>
+                  <a:srgbClr val="FF0074"/>
+                </a:solidFill>
+                <a:latin typeface="Comic Sans MS" panose="030F0702030302020204" pitchFamily="66" charset="0"/>
+              </a:rPr>
+              <a:t>registro</a:t>
+            </a:r>
+            <a:r>
+              <a:rPr lang="it-IT" dirty="0">
+                <a:solidFill>
+                  <a:schemeClr val="bg1"/>
+                </a:solidFill>
+                <a:latin typeface="Comic Sans MS" panose="030F0702030302020204" pitchFamily="66" charset="0"/>
+              </a:rPr>
+              <a:t> </a:t>
+            </a:r>
+            <a:r>
+              <a:rPr lang="it-IT" dirty="0">
+                <a:solidFill>
+                  <a:srgbClr val="00B050"/>
+                </a:solidFill>
+                <a:latin typeface="Comic Sans MS" panose="030F0702030302020204" pitchFamily="66" charset="0"/>
+              </a:rPr>
+              <a:t>d0</a:t>
+            </a:r>
+          </a:p>
+        </p:txBody>
+      </p:sp>
+      <p:sp>
+        <p:nvSpPr>
+          <p:cNvPr id="35" name="Rettangolo con angoli arrotondati 34">
+            <a:extLst>
+              <a:ext uri="{FF2B5EF4-FFF2-40B4-BE49-F238E27FC236}">
+                <a16:creationId xmlns:a16="http://schemas.microsoft.com/office/drawing/2014/main" id="{C3CCC183-88EB-2366-2D32-A720A1422CF8}"/>
+              </a:ext>
+            </a:extLst>
+          </p:cNvPr>
+          <p:cNvSpPr/>
+          <p:nvPr/>
+        </p:nvSpPr>
+        <p:spPr>
+          <a:xfrm>
+            <a:off x="496019" y="4419116"/>
+            <a:ext cx="11417059" cy="1206458"/>
+          </a:xfrm>
+          <a:prstGeom prst="roundRect">
+            <a:avLst/>
+          </a:prstGeom>
+          <a:solidFill>
+            <a:srgbClr val="283049"/>
+          </a:solidFill>
+          <a:ln>
+            <a:noFill/>
+          </a:ln>
+        </p:spPr>
+        <p:style>
+          <a:lnRef idx="2">
+            <a:schemeClr val="accent1">
+              <a:shade val="15000"/>
+            </a:schemeClr>
+          </a:lnRef>
+          <a:fillRef idx="1">
+            <a:schemeClr val="accent1"/>
+          </a:fillRef>
+          <a:effectRef idx="0">
+            <a:schemeClr val="accent1"/>
+          </a:effectRef>
+          <a:fontRef idx="minor">
+            <a:schemeClr val="lt1"/>
+          </a:fontRef>
+        </p:style>
+        <p:txBody>
+          <a:bodyPr rtlCol="0" anchor="ctr"/>
+          <a:lstStyle/>
+          <a:p>
+            <a:pPr algn="ctr"/>
+            <a:endParaRPr lang="it-IT"/>
+          </a:p>
+        </p:txBody>
+      </p:sp>
+      <p:sp>
+        <p:nvSpPr>
+          <p:cNvPr id="36" name="CasellaDiTesto 35">
+            <a:extLst>
+              <a:ext uri="{FF2B5EF4-FFF2-40B4-BE49-F238E27FC236}">
+                <a16:creationId xmlns:a16="http://schemas.microsoft.com/office/drawing/2014/main" id="{FBBB3165-199A-5165-016B-1D9FD590972E}"/>
+              </a:ext>
+            </a:extLst>
+          </p:cNvPr>
+          <p:cNvSpPr txBox="1"/>
+          <p:nvPr/>
+        </p:nvSpPr>
+        <p:spPr>
+          <a:xfrm>
+            <a:off x="657952" y="4582123"/>
+            <a:ext cx="5058482" cy="923330"/>
+          </a:xfrm>
+          <a:prstGeom prst="rect">
+            <a:avLst/>
+          </a:prstGeom>
+          <a:noFill/>
+        </p:spPr>
+        <p:txBody>
+          <a:bodyPr wrap="square" rtlCol="0">
+            <a:spAutoFit/>
+          </a:bodyPr>
+          <a:lstStyle/>
+          <a:p>
+            <a:pPr algn="ctr"/>
+            <a:r>
+              <a:rPr lang="en-US" dirty="0">
+                <a:solidFill>
+                  <a:schemeClr val="bg1"/>
+                </a:solidFill>
+                <a:latin typeface="Comic Sans MS" panose="030F0702030302020204" pitchFamily="66" charset="0"/>
+              </a:rPr>
+              <a:t>add &lt;</a:t>
+            </a:r>
+            <a:r>
+              <a:rPr lang="en-US" dirty="0">
+                <a:solidFill>
+                  <a:srgbClr val="00B050"/>
+                </a:solidFill>
+                <a:latin typeface="Comic Sans MS" panose="030F0702030302020204" pitchFamily="66" charset="0"/>
+              </a:rPr>
+              <a:t>primo operando</a:t>
+            </a:r>
+            <a:r>
+              <a:rPr lang="en-US" dirty="0">
+                <a:solidFill>
+                  <a:schemeClr val="bg1"/>
+                </a:solidFill>
+                <a:latin typeface="Comic Sans MS" panose="030F0702030302020204" pitchFamily="66" charset="0"/>
+              </a:rPr>
+              <a:t>&gt;, &lt;</a:t>
+            </a:r>
+            <a:r>
+              <a:rPr lang="en-US" dirty="0">
+                <a:solidFill>
+                  <a:srgbClr val="00B050"/>
+                </a:solidFill>
+                <a:latin typeface="Comic Sans MS" panose="030F0702030302020204" pitchFamily="66" charset="0"/>
+              </a:rPr>
+              <a:t>secondo operando</a:t>
+            </a:r>
+            <a:r>
+              <a:rPr lang="en-US" dirty="0">
+                <a:solidFill>
+                  <a:schemeClr val="bg1"/>
+                </a:solidFill>
+                <a:latin typeface="Comic Sans MS" panose="030F0702030302020204" pitchFamily="66" charset="0"/>
+              </a:rPr>
+              <a:t>&gt;</a:t>
+            </a:r>
+          </a:p>
+          <a:p>
+            <a:pPr algn="ctr"/>
+            <a:endParaRPr lang="en-US" dirty="0">
+              <a:solidFill>
+                <a:schemeClr val="bg1"/>
+              </a:solidFill>
+              <a:latin typeface="Comic Sans MS" panose="030F0702030302020204" pitchFamily="66" charset="0"/>
+            </a:endParaRPr>
+          </a:p>
+          <a:p>
+            <a:pPr algn="ctr"/>
+            <a:r>
+              <a:rPr lang="en-US" dirty="0">
+                <a:solidFill>
+                  <a:schemeClr val="bg1"/>
+                </a:solidFill>
+                <a:latin typeface="Comic Sans MS" panose="030F0702030302020204" pitchFamily="66" charset="0"/>
+              </a:rPr>
+              <a:t>add </a:t>
+            </a:r>
+            <a:r>
+              <a:rPr lang="en-US" dirty="0">
+                <a:solidFill>
+                  <a:srgbClr val="00B050"/>
+                </a:solidFill>
+                <a:latin typeface="Comic Sans MS" panose="030F0702030302020204" pitchFamily="66" charset="0"/>
+              </a:rPr>
+              <a:t>d1</a:t>
+            </a:r>
+            <a:r>
+              <a:rPr lang="en-US" dirty="0">
+                <a:solidFill>
+                  <a:schemeClr val="bg1"/>
+                </a:solidFill>
+                <a:latin typeface="Comic Sans MS" panose="030F0702030302020204" pitchFamily="66" charset="0"/>
+              </a:rPr>
+              <a:t>, </a:t>
+            </a:r>
+            <a:r>
+              <a:rPr lang="en-US" dirty="0">
+                <a:solidFill>
+                  <a:srgbClr val="00B050"/>
+                </a:solidFill>
+                <a:latin typeface="Comic Sans MS" panose="030F0702030302020204" pitchFamily="66" charset="0"/>
+              </a:rPr>
+              <a:t>d0 </a:t>
+            </a:r>
+          </a:p>
+        </p:txBody>
+      </p:sp>
+      <p:sp>
+        <p:nvSpPr>
+          <p:cNvPr id="37" name="CasellaDiTesto 36">
+            <a:extLst>
+              <a:ext uri="{FF2B5EF4-FFF2-40B4-BE49-F238E27FC236}">
+                <a16:creationId xmlns:a16="http://schemas.microsoft.com/office/drawing/2014/main" id="{91170B63-232E-F183-8E88-35D702668858}"/>
+              </a:ext>
+            </a:extLst>
+          </p:cNvPr>
+          <p:cNvSpPr txBox="1"/>
+          <p:nvPr/>
+        </p:nvSpPr>
+        <p:spPr>
+          <a:xfrm>
+            <a:off x="5634545" y="4560680"/>
+            <a:ext cx="6099811" cy="923330"/>
+          </a:xfrm>
+          <a:prstGeom prst="rect">
+            <a:avLst/>
+          </a:prstGeom>
+          <a:noFill/>
+        </p:spPr>
+        <p:txBody>
+          <a:bodyPr wrap="square" rtlCol="0">
+            <a:spAutoFit/>
+          </a:bodyPr>
+          <a:lstStyle/>
+          <a:p>
+            <a:pPr algn="ctr"/>
+            <a:r>
+              <a:rPr lang="it-IT" b="1" dirty="0">
+                <a:solidFill>
+                  <a:schemeClr val="bg1"/>
+                </a:solidFill>
+                <a:latin typeface="Comic Sans MS" panose="030F0702030302020204" pitchFamily="66" charset="0"/>
+              </a:rPr>
+              <a:t>Cosa succede nell’esempio?</a:t>
+            </a:r>
+          </a:p>
+          <a:p>
+            <a:pPr algn="ctr"/>
+            <a:r>
+              <a:rPr lang="it-IT" dirty="0">
+                <a:solidFill>
+                  <a:schemeClr val="bg1"/>
+                </a:solidFill>
+                <a:latin typeface="Comic Sans MS" panose="030F0702030302020204" pitchFamily="66" charset="0"/>
+              </a:rPr>
+              <a:t>Copiamo il </a:t>
+            </a:r>
+          </a:p>
+          <a:p>
+            <a:pPr algn="ctr"/>
+            <a:r>
+              <a:rPr lang="it-IT" dirty="0">
+                <a:solidFill>
+                  <a:schemeClr val="bg1"/>
+                </a:solidFill>
+                <a:latin typeface="Comic Sans MS" panose="030F0702030302020204" pitchFamily="66" charset="0"/>
+              </a:rPr>
+              <a:t>contenuto del </a:t>
+            </a:r>
+            <a:r>
+              <a:rPr lang="it-IT" dirty="0">
+                <a:solidFill>
+                  <a:srgbClr val="FF0074"/>
+                </a:solidFill>
+                <a:latin typeface="Comic Sans MS" panose="030F0702030302020204" pitchFamily="66" charset="0"/>
+              </a:rPr>
+              <a:t>registro</a:t>
+            </a:r>
+            <a:r>
+              <a:rPr lang="it-IT" dirty="0">
+                <a:solidFill>
+                  <a:schemeClr val="bg1"/>
+                </a:solidFill>
+                <a:latin typeface="Comic Sans MS" panose="030F0702030302020204" pitchFamily="66" charset="0"/>
+              </a:rPr>
+              <a:t> </a:t>
+            </a:r>
+            <a:r>
+              <a:rPr lang="it-IT" dirty="0">
+                <a:solidFill>
+                  <a:srgbClr val="00B050"/>
+                </a:solidFill>
+                <a:latin typeface="Comic Sans MS" panose="030F0702030302020204" pitchFamily="66" charset="0"/>
+              </a:rPr>
+              <a:t>d1</a:t>
+            </a:r>
+            <a:r>
+              <a:rPr lang="it-IT" dirty="0">
+                <a:solidFill>
+                  <a:schemeClr val="bg1"/>
+                </a:solidFill>
+                <a:latin typeface="Comic Sans MS" panose="030F0702030302020204" pitchFamily="66" charset="0"/>
+              </a:rPr>
+              <a:t> dentro il </a:t>
+            </a:r>
+            <a:r>
+              <a:rPr lang="it-IT" dirty="0">
+                <a:solidFill>
+                  <a:srgbClr val="FF0074"/>
+                </a:solidFill>
+                <a:latin typeface="Comic Sans MS" panose="030F0702030302020204" pitchFamily="66" charset="0"/>
+              </a:rPr>
+              <a:t>registro</a:t>
+            </a:r>
+            <a:r>
+              <a:rPr lang="it-IT" dirty="0">
+                <a:solidFill>
+                  <a:schemeClr val="bg1"/>
+                </a:solidFill>
+                <a:latin typeface="Comic Sans MS" panose="030F0702030302020204" pitchFamily="66" charset="0"/>
+              </a:rPr>
+              <a:t> </a:t>
+            </a:r>
+            <a:r>
+              <a:rPr lang="it-IT" dirty="0">
+                <a:solidFill>
+                  <a:srgbClr val="00B050"/>
+                </a:solidFill>
+                <a:latin typeface="Comic Sans MS" panose="030F0702030302020204" pitchFamily="66" charset="0"/>
+              </a:rPr>
+              <a:t>d0</a:t>
+            </a:r>
+          </a:p>
+        </p:txBody>
+      </p:sp>
+      <p:sp>
+        <p:nvSpPr>
+          <p:cNvPr id="38" name="Rettangolo con angoli arrotondati 37">
+            <a:extLst>
+              <a:ext uri="{FF2B5EF4-FFF2-40B4-BE49-F238E27FC236}">
+                <a16:creationId xmlns:a16="http://schemas.microsoft.com/office/drawing/2014/main" id="{D9D928FF-9F3E-8C14-DD94-118304FD47FB}"/>
+              </a:ext>
+            </a:extLst>
+          </p:cNvPr>
+          <p:cNvSpPr/>
+          <p:nvPr/>
+        </p:nvSpPr>
+        <p:spPr>
+          <a:xfrm rot="10800000" flipV="1">
+            <a:off x="2714445" y="5798105"/>
+            <a:ext cx="6763108" cy="420727"/>
+          </a:xfrm>
+          <a:prstGeom prst="roundRect">
+            <a:avLst/>
+          </a:prstGeom>
+          <a:solidFill>
+            <a:srgbClr val="283049"/>
+          </a:solidFill>
+          <a:ln>
+            <a:solidFill>
+              <a:srgbClr val="FF0074"/>
+            </a:solidFill>
+          </a:ln>
+        </p:spPr>
+        <p:style>
+          <a:lnRef idx="2">
+            <a:schemeClr val="accent1">
+              <a:shade val="15000"/>
+            </a:schemeClr>
+          </a:lnRef>
+          <a:fillRef idx="1">
+            <a:schemeClr val="accent1"/>
+          </a:fillRef>
+          <a:effectRef idx="0">
+            <a:schemeClr val="accent1"/>
+          </a:effectRef>
+          <a:fontRef idx="minor">
+            <a:schemeClr val="lt1"/>
+          </a:fontRef>
+        </p:style>
+        <p:txBody>
+          <a:bodyPr rtlCol="0" anchor="ctr"/>
+          <a:lstStyle/>
+          <a:p>
+            <a:pPr algn="ctr"/>
+            <a:r>
+              <a:rPr lang="it-IT" dirty="0"/>
+              <a:t> </a:t>
+            </a:r>
+          </a:p>
+        </p:txBody>
+      </p:sp>
+      <p:sp>
+        <p:nvSpPr>
+          <p:cNvPr id="39" name="CasellaDiTesto 38">
+            <a:extLst>
+              <a:ext uri="{FF2B5EF4-FFF2-40B4-BE49-F238E27FC236}">
+                <a16:creationId xmlns:a16="http://schemas.microsoft.com/office/drawing/2014/main" id="{C70E2437-830B-03C0-4C36-7F47CD588B57}"/>
+              </a:ext>
+            </a:extLst>
+          </p:cNvPr>
+          <p:cNvSpPr txBox="1"/>
+          <p:nvPr/>
+        </p:nvSpPr>
+        <p:spPr>
+          <a:xfrm>
+            <a:off x="3507548" y="5820954"/>
+            <a:ext cx="5262113" cy="369332"/>
+          </a:xfrm>
+          <a:prstGeom prst="rect">
+            <a:avLst/>
+          </a:prstGeom>
+          <a:noFill/>
+        </p:spPr>
+        <p:txBody>
+          <a:bodyPr wrap="square" rtlCol="0">
+            <a:spAutoFit/>
+          </a:bodyPr>
+          <a:lstStyle/>
+          <a:p>
+            <a:r>
+              <a:rPr lang="it-IT" dirty="0">
+                <a:solidFill>
+                  <a:schemeClr val="bg1"/>
+                </a:solidFill>
+              </a:rPr>
+              <a:t>Il </a:t>
+            </a:r>
+            <a:r>
+              <a:rPr lang="it-IT" dirty="0">
+                <a:solidFill>
+                  <a:srgbClr val="00B050"/>
+                </a:solidFill>
+              </a:rPr>
+              <a:t>secondo operando </a:t>
+            </a:r>
+            <a:r>
+              <a:rPr lang="it-IT" dirty="0">
+                <a:solidFill>
+                  <a:schemeClr val="bg1"/>
+                </a:solidFill>
+              </a:rPr>
+              <a:t>non può essere mai un numero</a:t>
+            </a:r>
+          </a:p>
+        </p:txBody>
+      </p:sp>
+    </p:spTree>
+    <p:extLst>
+      <p:ext uri="{BB962C8B-B14F-4D97-AF65-F5344CB8AC3E}">
+        <p14:creationId xmlns:p14="http://schemas.microsoft.com/office/powerpoint/2010/main" val="862607495"/>
       </p:ext>
     </p:extLst>
   </p:cSld>

--- a/m68k.pptx
+++ b/m68k.pptx
@@ -9,8 +9,10 @@
     <p:sldId id="258" r:id="rId3"/>
     <p:sldId id="259" r:id="rId4"/>
     <p:sldId id="260" r:id="rId5"/>
-    <p:sldId id="261" r:id="rId6"/>
-    <p:sldId id="262" r:id="rId7"/>
+    <p:sldId id="264" r:id="rId6"/>
+    <p:sldId id="265" r:id="rId7"/>
+    <p:sldId id="261" r:id="rId8"/>
+    <p:sldId id="263" r:id="rId9"/>
   </p:sldIdLst>
   <p:sldSz cx="12192000" cy="6858000"/>
   <p:notesSz cx="6858000" cy="9144000"/>
@@ -5862,7 +5864,23 @@
                   <a:schemeClr val="bg1"/>
                 </a:solidFill>
               </a:rPr>
-              <a:t>non può essere mai un numero</a:t>
+              <a:t>non può essere </a:t>
+            </a:r>
+            <a:r>
+              <a:rPr lang="it-IT" u="sng" dirty="0">
+                <a:solidFill>
+                  <a:srgbClr val="FF0074"/>
+                </a:solidFill>
+              </a:rPr>
+              <a:t>mai</a:t>
+            </a:r>
+            <a:r>
+              <a:rPr lang="it-IT" dirty="0">
+                <a:solidFill>
+                  <a:schemeClr val="bg1"/>
+                </a:solidFill>
+              </a:rPr>
+              <a:t> un numero</a:t>
             </a:r>
           </a:p>
         </p:txBody>
@@ -6941,7 +6959,7 @@
                 </a:solidFill>
                 <a:latin typeface="Comic Sans MS" panose="030F0702030302020204" pitchFamily="66" charset="0"/>
               </a:rPr>
-              <a:t> con il contenuto si </a:t>
+              <a:t> con il contenuto di </a:t>
             </a:r>
             <a:r>
               <a:rPr lang="it-IT" i="1" dirty="0">
@@ -7774,7 +7792,7 @@
                 </a:solidFill>
                 <a:latin typeface="Amasis MT Pro" panose="02040504050005020304" pitchFamily="18" charset="0"/>
               </a:rPr>
-              <a:t>TITOLO</a:t>
+              <a:t>SUB</a:t>
             </a:r>
           </a:p>
         </p:txBody>
@@ -8092,10 +8110,1331 @@
           </a:p>
         </p:txBody>
       </p:sp>
+      <p:sp>
+        <p:nvSpPr>
+          <p:cNvPr id="9" name="CasellaDiTesto 8">
+            <a:extLst>
+              <a:ext uri="{FF2B5EF4-FFF2-40B4-BE49-F238E27FC236}">
+                <a16:creationId xmlns:a16="http://schemas.microsoft.com/office/drawing/2014/main" id="{42B5EC8D-8E70-D0D4-68B1-DB258AD1A6E4}"/>
+              </a:ext>
+            </a:extLst>
+          </p:cNvPr>
+          <p:cNvSpPr txBox="1"/>
+          <p:nvPr/>
+        </p:nvSpPr>
+        <p:spPr>
+          <a:xfrm>
+            <a:off x="3046093" y="1391057"/>
+            <a:ext cx="6099811" cy="646331"/>
+          </a:xfrm>
+          <a:prstGeom prst="rect">
+            <a:avLst/>
+          </a:prstGeom>
+          <a:noFill/>
+        </p:spPr>
+        <p:txBody>
+          <a:bodyPr wrap="square" rtlCol="0">
+            <a:spAutoFit/>
+          </a:bodyPr>
+          <a:lstStyle/>
+          <a:p>
+            <a:pPr algn="ctr"/>
+            <a:r>
+              <a:rPr lang="it-IT" b="1" dirty="0">
+                <a:solidFill>
+                  <a:schemeClr val="bg1"/>
+                </a:solidFill>
+                <a:latin typeface="Comic Sans MS" panose="030F0702030302020204" pitchFamily="66" charset="0"/>
+              </a:rPr>
+              <a:t>Effettua la sottrazione del secondo valore meno il primo e salva il risultato nel secondo</a:t>
+            </a:r>
+          </a:p>
+        </p:txBody>
+      </p:sp>
+      <p:sp>
+        <p:nvSpPr>
+          <p:cNvPr id="11" name="Rettangolo con angoli arrotondati 10">
+            <a:extLst>
+              <a:ext uri="{FF2B5EF4-FFF2-40B4-BE49-F238E27FC236}">
+                <a16:creationId xmlns:a16="http://schemas.microsoft.com/office/drawing/2014/main" id="{102AA516-DC98-6CE2-BFC3-382473B9DEC0}"/>
+              </a:ext>
+            </a:extLst>
+          </p:cNvPr>
+          <p:cNvSpPr/>
+          <p:nvPr/>
+        </p:nvSpPr>
+        <p:spPr>
+          <a:xfrm rot="10800000" flipV="1">
+            <a:off x="2714445" y="2333348"/>
+            <a:ext cx="6763108" cy="420727"/>
+          </a:xfrm>
+          <a:prstGeom prst="roundRect">
+            <a:avLst/>
+          </a:prstGeom>
+          <a:solidFill>
+            <a:srgbClr val="283049"/>
+          </a:solidFill>
+          <a:ln>
+            <a:noFill/>
+          </a:ln>
+        </p:spPr>
+        <p:style>
+          <a:lnRef idx="2">
+            <a:schemeClr val="accent1">
+              <a:shade val="15000"/>
+            </a:schemeClr>
+          </a:lnRef>
+          <a:fillRef idx="1">
+            <a:schemeClr val="accent1"/>
+          </a:fillRef>
+          <a:effectRef idx="0">
+            <a:schemeClr val="accent1"/>
+          </a:effectRef>
+          <a:fontRef idx="minor">
+            <a:schemeClr val="lt1"/>
+          </a:fontRef>
+        </p:style>
+        <p:txBody>
+          <a:bodyPr rtlCol="0" anchor="ctr"/>
+          <a:lstStyle/>
+          <a:p>
+            <a:pPr algn="ctr"/>
+            <a:r>
+              <a:rPr lang="it-IT" dirty="0"/>
+              <a:t> </a:t>
+            </a:r>
+          </a:p>
+        </p:txBody>
+      </p:sp>
+      <p:sp>
+        <p:nvSpPr>
+          <p:cNvPr id="12" name="CasellaDiTesto 11">
+            <a:extLst>
+              <a:ext uri="{FF2B5EF4-FFF2-40B4-BE49-F238E27FC236}">
+                <a16:creationId xmlns:a16="http://schemas.microsoft.com/office/drawing/2014/main" id="{76641843-9169-84DA-A818-77088F55B39E}"/>
+              </a:ext>
+            </a:extLst>
+          </p:cNvPr>
+          <p:cNvSpPr txBox="1"/>
+          <p:nvPr/>
+        </p:nvSpPr>
+        <p:spPr>
+          <a:xfrm>
+            <a:off x="2947018" y="2349433"/>
+            <a:ext cx="2158306" cy="369332"/>
+          </a:xfrm>
+          <a:prstGeom prst="rect">
+            <a:avLst/>
+          </a:prstGeom>
+          <a:noFill/>
+        </p:spPr>
+        <p:txBody>
+          <a:bodyPr wrap="square" rtlCol="0">
+            <a:spAutoFit/>
+          </a:bodyPr>
+          <a:lstStyle/>
+          <a:p>
+            <a:r>
+              <a:rPr lang="it-IT" dirty="0">
+                <a:solidFill>
+                  <a:schemeClr val="bg1"/>
+                </a:solidFill>
+              </a:rPr>
+              <a:t>&lt;</a:t>
+            </a:r>
+            <a:r>
+              <a:rPr lang="it-IT" dirty="0">
+                <a:solidFill>
+                  <a:srgbClr val="00B050"/>
+                </a:solidFill>
+              </a:rPr>
+              <a:t>secondo op</a:t>
+            </a:r>
+            <a:r>
+              <a:rPr lang="it-IT" dirty="0">
+                <a:solidFill>
+                  <a:schemeClr val="bg1"/>
+                </a:solidFill>
+              </a:rPr>
+              <a:t>&gt;</a:t>
+            </a:r>
+          </a:p>
+        </p:txBody>
+      </p:sp>
+      <p:pic>
+        <p:nvPicPr>
+          <p:cNvPr id="16" name="Immagine 15">
+            <a:extLst>
+              <a:ext uri="{FF2B5EF4-FFF2-40B4-BE49-F238E27FC236}">
+                <a16:creationId xmlns:a16="http://schemas.microsoft.com/office/drawing/2014/main" id="{3518EDAD-35FD-D9B8-DDC8-8D3D32ED49B1}"/>
+              </a:ext>
+            </a:extLst>
+          </p:cNvPr>
+          <p:cNvPicPr>
+            <a:picLocks noChangeAspect="1"/>
+          </p:cNvPicPr>
+          <p:nvPr/>
+        </p:nvPicPr>
+        <p:blipFill>
+          <a:blip r:embed="rId4">
+            <a:extLst>
+              <a:ext uri="{28A0092B-C50C-407E-A947-70E740481C1C}">
+                <a14:useLocalDpi xmlns:a14="http://schemas.microsoft.com/office/drawing/2010/main" val="0"/>
+              </a:ext>
+            </a:extLst>
+          </a:blip>
+          <a:stretch>
+            <a:fillRect/>
+          </a:stretch>
+        </p:blipFill>
+        <p:spPr>
+          <a:xfrm>
+            <a:off x="6636094" y="2438103"/>
+            <a:ext cx="472456" cy="264576"/>
+          </a:xfrm>
+          <a:prstGeom prst="rect">
+            <a:avLst/>
+          </a:prstGeom>
+        </p:spPr>
+      </p:pic>
+      <p:sp>
+        <p:nvSpPr>
+          <p:cNvPr id="17" name="CasellaDiTesto 16">
+            <a:extLst>
+              <a:ext uri="{FF2B5EF4-FFF2-40B4-BE49-F238E27FC236}">
+                <a16:creationId xmlns:a16="http://schemas.microsoft.com/office/drawing/2014/main" id="{7B7B97F4-7B19-CF9C-B08A-A854AAC74950}"/>
+              </a:ext>
+            </a:extLst>
+          </p:cNvPr>
+          <p:cNvSpPr txBox="1"/>
+          <p:nvPr/>
+        </p:nvSpPr>
+        <p:spPr>
+          <a:xfrm>
+            <a:off x="4925710" y="2349433"/>
+            <a:ext cx="1487472" cy="369332"/>
+          </a:xfrm>
+          <a:prstGeom prst="rect">
+            <a:avLst/>
+          </a:prstGeom>
+          <a:noFill/>
+        </p:spPr>
+        <p:txBody>
+          <a:bodyPr wrap="square" rtlCol="0">
+            <a:spAutoFit/>
+          </a:bodyPr>
+          <a:lstStyle/>
+          <a:p>
+            <a:r>
+              <a:rPr lang="it-IT" dirty="0">
+                <a:solidFill>
+                  <a:schemeClr val="bg1"/>
+                </a:solidFill>
+              </a:rPr>
+              <a:t>&lt;</a:t>
+            </a:r>
+            <a:r>
+              <a:rPr lang="it-IT" dirty="0">
+                <a:solidFill>
+                  <a:srgbClr val="00B050"/>
+                </a:solidFill>
+              </a:rPr>
+              <a:t>primo op</a:t>
+            </a:r>
+            <a:r>
+              <a:rPr lang="it-IT" dirty="0">
+                <a:solidFill>
+                  <a:schemeClr val="bg1"/>
+                </a:solidFill>
+              </a:rPr>
+              <a:t>&gt;</a:t>
+            </a:r>
+          </a:p>
+        </p:txBody>
+      </p:sp>
+      <p:sp>
+        <p:nvSpPr>
+          <p:cNvPr id="20" name="CasellaDiTesto 19">
+            <a:extLst>
+              <a:ext uri="{FF2B5EF4-FFF2-40B4-BE49-F238E27FC236}">
+                <a16:creationId xmlns:a16="http://schemas.microsoft.com/office/drawing/2014/main" id="{29558126-01A9-2A4C-2C49-71C777F20267}"/>
+              </a:ext>
+            </a:extLst>
+          </p:cNvPr>
+          <p:cNvSpPr txBox="1"/>
+          <p:nvPr/>
+        </p:nvSpPr>
+        <p:spPr>
+          <a:xfrm>
+            <a:off x="7240327" y="2352222"/>
+            <a:ext cx="2258951" cy="369332"/>
+          </a:xfrm>
+          <a:prstGeom prst="rect">
+            <a:avLst/>
+          </a:prstGeom>
+          <a:noFill/>
+        </p:spPr>
+        <p:txBody>
+          <a:bodyPr wrap="square" rtlCol="0">
+            <a:spAutoFit/>
+          </a:bodyPr>
+          <a:lstStyle/>
+          <a:p>
+            <a:r>
+              <a:rPr lang="it-IT" dirty="0">
+                <a:solidFill>
+                  <a:schemeClr val="bg1"/>
+                </a:solidFill>
+              </a:rPr>
+              <a:t>&lt;</a:t>
+            </a:r>
+            <a:r>
+              <a:rPr lang="it-IT" dirty="0">
+                <a:solidFill>
+                  <a:srgbClr val="00B050"/>
+                </a:solidFill>
+              </a:rPr>
+              <a:t>secondo operando</a:t>
+            </a:r>
+            <a:r>
+              <a:rPr lang="it-IT" dirty="0">
+                <a:solidFill>
+                  <a:schemeClr val="bg1"/>
+                </a:solidFill>
+              </a:rPr>
+              <a:t>&gt;</a:t>
+            </a:r>
+          </a:p>
+        </p:txBody>
+      </p:sp>
+      <p:sp>
+        <p:nvSpPr>
+          <p:cNvPr id="21" name="CasellaDiTesto 20">
+            <a:extLst>
+              <a:ext uri="{FF2B5EF4-FFF2-40B4-BE49-F238E27FC236}">
+                <a16:creationId xmlns:a16="http://schemas.microsoft.com/office/drawing/2014/main" id="{FE03FD11-5FB9-A6E6-09BC-53065821C9B6}"/>
+              </a:ext>
+            </a:extLst>
+          </p:cNvPr>
+          <p:cNvSpPr txBox="1"/>
+          <p:nvPr/>
+        </p:nvSpPr>
+        <p:spPr>
+          <a:xfrm>
+            <a:off x="6253243" y="2153449"/>
+            <a:ext cx="1238159" cy="369332"/>
+          </a:xfrm>
+          <a:prstGeom prst="rect">
+            <a:avLst/>
+          </a:prstGeom>
+          <a:noFill/>
+        </p:spPr>
+        <p:txBody>
+          <a:bodyPr wrap="square" rtlCol="0">
+            <a:spAutoFit/>
+          </a:bodyPr>
+          <a:lstStyle/>
+          <a:p>
+            <a:pPr algn="ctr"/>
+            <a:r>
+              <a:rPr lang="it-IT" dirty="0">
+                <a:solidFill>
+                  <a:schemeClr val="bg2"/>
+                </a:solidFill>
+                <a:latin typeface="Comic Sans MS" panose="030F0702030302020204" pitchFamily="66" charset="0"/>
+              </a:rPr>
+              <a:t>Risultato</a:t>
+            </a:r>
+          </a:p>
+        </p:txBody>
+      </p:sp>
+      <p:sp>
+        <p:nvSpPr>
+          <p:cNvPr id="32" name="Rettangolo con angoli arrotondati 31">
+            <a:extLst>
+              <a:ext uri="{FF2B5EF4-FFF2-40B4-BE49-F238E27FC236}">
+                <a16:creationId xmlns:a16="http://schemas.microsoft.com/office/drawing/2014/main" id="{0E82439F-0A26-59C2-909B-A5B5BE0233C2}"/>
+              </a:ext>
+            </a:extLst>
+          </p:cNvPr>
+          <p:cNvSpPr/>
+          <p:nvPr/>
+        </p:nvSpPr>
+        <p:spPr>
+          <a:xfrm>
+            <a:off x="496019" y="2967426"/>
+            <a:ext cx="11417059" cy="1206458"/>
+          </a:xfrm>
+          <a:prstGeom prst="roundRect">
+            <a:avLst/>
+          </a:prstGeom>
+          <a:solidFill>
+            <a:srgbClr val="283049"/>
+          </a:solidFill>
+          <a:ln>
+            <a:noFill/>
+          </a:ln>
+        </p:spPr>
+        <p:style>
+          <a:lnRef idx="2">
+            <a:schemeClr val="accent1">
+              <a:shade val="15000"/>
+            </a:schemeClr>
+          </a:lnRef>
+          <a:fillRef idx="1">
+            <a:schemeClr val="accent1"/>
+          </a:fillRef>
+          <a:effectRef idx="0">
+            <a:schemeClr val="accent1"/>
+          </a:effectRef>
+          <a:fontRef idx="minor">
+            <a:schemeClr val="lt1"/>
+          </a:fontRef>
+        </p:style>
+        <p:txBody>
+          <a:bodyPr rtlCol="0" anchor="ctr"/>
+          <a:lstStyle/>
+          <a:p>
+            <a:pPr algn="ctr"/>
+            <a:endParaRPr lang="it-IT"/>
+          </a:p>
+        </p:txBody>
+      </p:sp>
+      <p:sp>
+        <p:nvSpPr>
+          <p:cNvPr id="33" name="CasellaDiTesto 32">
+            <a:extLst>
+              <a:ext uri="{FF2B5EF4-FFF2-40B4-BE49-F238E27FC236}">
+                <a16:creationId xmlns:a16="http://schemas.microsoft.com/office/drawing/2014/main" id="{17ABFD37-596A-D028-BF2E-703CC824A66F}"/>
+              </a:ext>
+            </a:extLst>
+          </p:cNvPr>
+          <p:cNvSpPr txBox="1"/>
+          <p:nvPr/>
+        </p:nvSpPr>
+        <p:spPr>
+          <a:xfrm>
+            <a:off x="660828" y="3062400"/>
+            <a:ext cx="5058482" cy="923330"/>
+          </a:xfrm>
+          <a:prstGeom prst="rect">
+            <a:avLst/>
+          </a:prstGeom>
+          <a:noFill/>
+        </p:spPr>
+        <p:txBody>
+          <a:bodyPr wrap="square" rtlCol="0">
+            <a:spAutoFit/>
+          </a:bodyPr>
+          <a:lstStyle/>
+          <a:p>
+            <a:pPr algn="ctr"/>
+            <a:r>
+              <a:rPr lang="en-US" dirty="0">
+                <a:solidFill>
+                  <a:schemeClr val="bg1"/>
+                </a:solidFill>
+                <a:latin typeface="Comic Sans MS" panose="030F0702030302020204" pitchFamily="66" charset="0"/>
+              </a:rPr>
+              <a:t>sub &lt;</a:t>
+            </a:r>
+            <a:r>
+              <a:rPr lang="en-US" dirty="0">
+                <a:solidFill>
+                  <a:srgbClr val="00B050"/>
+                </a:solidFill>
+                <a:latin typeface="Comic Sans MS" panose="030F0702030302020204" pitchFamily="66" charset="0"/>
+              </a:rPr>
+              <a:t>primo operando</a:t>
+            </a:r>
+            <a:r>
+              <a:rPr lang="en-US" dirty="0">
+                <a:solidFill>
+                  <a:schemeClr val="bg1"/>
+                </a:solidFill>
+                <a:latin typeface="Comic Sans MS" panose="030F0702030302020204" pitchFamily="66" charset="0"/>
+              </a:rPr>
+              <a:t>&gt;, &lt;</a:t>
+            </a:r>
+            <a:r>
+              <a:rPr lang="en-US" dirty="0">
+                <a:solidFill>
+                  <a:srgbClr val="00B050"/>
+                </a:solidFill>
+                <a:latin typeface="Comic Sans MS" panose="030F0702030302020204" pitchFamily="66" charset="0"/>
+              </a:rPr>
+              <a:t>secondo operando</a:t>
+            </a:r>
+            <a:r>
+              <a:rPr lang="en-US" dirty="0">
+                <a:solidFill>
+                  <a:schemeClr val="bg1"/>
+                </a:solidFill>
+                <a:latin typeface="Comic Sans MS" panose="030F0702030302020204" pitchFamily="66" charset="0"/>
+              </a:rPr>
+              <a:t>&gt;</a:t>
+            </a:r>
+          </a:p>
+          <a:p>
+            <a:pPr algn="ctr"/>
+            <a:endParaRPr lang="en-US" dirty="0">
+              <a:solidFill>
+                <a:schemeClr val="bg1"/>
+              </a:solidFill>
+              <a:latin typeface="Comic Sans MS" panose="030F0702030302020204" pitchFamily="66" charset="0"/>
+            </a:endParaRPr>
+          </a:p>
+          <a:p>
+            <a:pPr algn="ctr"/>
+            <a:r>
+              <a:rPr lang="en-US" dirty="0">
+                <a:solidFill>
+                  <a:schemeClr val="bg1"/>
+                </a:solidFill>
+                <a:latin typeface="Comic Sans MS" panose="030F0702030302020204" pitchFamily="66" charset="0"/>
+              </a:rPr>
+              <a:t>add </a:t>
+            </a:r>
+            <a:r>
+              <a:rPr lang="en-US" dirty="0">
+                <a:solidFill>
+                  <a:srgbClr val="00B050"/>
+                </a:solidFill>
+                <a:latin typeface="Comic Sans MS" panose="030F0702030302020204" pitchFamily="66" charset="0"/>
+              </a:rPr>
+              <a:t>#100</a:t>
+            </a:r>
+            <a:r>
+              <a:rPr lang="en-US" dirty="0">
+                <a:solidFill>
+                  <a:schemeClr val="bg1"/>
+                </a:solidFill>
+                <a:latin typeface="Comic Sans MS" panose="030F0702030302020204" pitchFamily="66" charset="0"/>
+              </a:rPr>
+              <a:t>, </a:t>
+            </a:r>
+            <a:r>
+              <a:rPr lang="en-US" dirty="0">
+                <a:solidFill>
+                  <a:srgbClr val="00B050"/>
+                </a:solidFill>
+                <a:latin typeface="Comic Sans MS" panose="030F0702030302020204" pitchFamily="66" charset="0"/>
+              </a:rPr>
+              <a:t>d0 </a:t>
+            </a:r>
+          </a:p>
+        </p:txBody>
+      </p:sp>
+      <p:sp>
+        <p:nvSpPr>
+          <p:cNvPr id="34" name="CasellaDiTesto 33">
+            <a:extLst>
+              <a:ext uri="{FF2B5EF4-FFF2-40B4-BE49-F238E27FC236}">
+                <a16:creationId xmlns:a16="http://schemas.microsoft.com/office/drawing/2014/main" id="{210090EF-8640-6367-4F41-A648EDD542D1}"/>
+              </a:ext>
+            </a:extLst>
+          </p:cNvPr>
+          <p:cNvSpPr txBox="1"/>
+          <p:nvPr/>
+        </p:nvSpPr>
+        <p:spPr>
+          <a:xfrm>
+            <a:off x="5719310" y="3200899"/>
+            <a:ext cx="6099811" cy="1200329"/>
+          </a:xfrm>
+          <a:prstGeom prst="rect">
+            <a:avLst/>
+          </a:prstGeom>
+          <a:noFill/>
+        </p:spPr>
+        <p:txBody>
+          <a:bodyPr wrap="square" rtlCol="0">
+            <a:spAutoFit/>
+          </a:bodyPr>
+          <a:lstStyle/>
+          <a:p>
+            <a:pPr algn="ctr"/>
+            <a:r>
+              <a:rPr lang="it-IT" b="1" dirty="0">
+                <a:solidFill>
+                  <a:schemeClr val="bg1"/>
+                </a:solidFill>
+                <a:latin typeface="Comic Sans MS" panose="030F0702030302020204" pitchFamily="66" charset="0"/>
+              </a:rPr>
+              <a:t>Cosa succede nell’esempio?</a:t>
+            </a:r>
+          </a:p>
+          <a:p>
+            <a:pPr algn="ctr"/>
+            <a:r>
+              <a:rPr lang="it-IT" i="1" dirty="0">
+                <a:solidFill>
+                  <a:schemeClr val="bg1"/>
+                </a:solidFill>
+                <a:latin typeface="Comic Sans MS" panose="030F0702030302020204" pitchFamily="66" charset="0"/>
+              </a:rPr>
+              <a:t>Sottraiamo il contenuto di </a:t>
+            </a:r>
+            <a:r>
+              <a:rPr lang="it-IT" i="1" dirty="0">
+                <a:solidFill>
+                  <a:srgbClr val="00B050"/>
+                </a:solidFill>
+                <a:latin typeface="Comic Sans MS" panose="030F0702030302020204" pitchFamily="66" charset="0"/>
+              </a:rPr>
+              <a:t>d0</a:t>
+            </a:r>
+            <a:r>
+              <a:rPr lang="it-IT" i="1" dirty="0">
+                <a:solidFill>
+                  <a:schemeClr val="bg1"/>
+                </a:solidFill>
+                <a:latin typeface="Comic Sans MS" panose="030F0702030302020204" pitchFamily="66" charset="0"/>
+              </a:rPr>
+              <a:t> con </a:t>
+            </a:r>
+            <a:r>
+              <a:rPr lang="it-IT" i="1" dirty="0">
+                <a:solidFill>
+                  <a:srgbClr val="00B050"/>
+                </a:solidFill>
+                <a:latin typeface="Comic Sans MS" panose="030F0702030302020204" pitchFamily="66" charset="0"/>
+              </a:rPr>
+              <a:t>100</a:t>
+            </a:r>
+            <a:r>
+              <a:rPr lang="it-IT" i="1" dirty="0">
+                <a:solidFill>
+                  <a:schemeClr val="bg1"/>
+                </a:solidFill>
+                <a:latin typeface="Comic Sans MS" panose="030F0702030302020204" pitchFamily="66" charset="0"/>
+              </a:rPr>
+              <a:t> e </a:t>
+            </a:r>
+          </a:p>
+          <a:p>
+            <a:pPr algn="ctr"/>
+            <a:r>
+              <a:rPr lang="it-IT" i="1" dirty="0">
+                <a:solidFill>
+                  <a:schemeClr val="bg1"/>
+                </a:solidFill>
+                <a:latin typeface="Comic Sans MS" panose="030F0702030302020204" pitchFamily="66" charset="0"/>
+              </a:rPr>
+              <a:t>inseriamo il </a:t>
+            </a:r>
+            <a:r>
+              <a:rPr lang="it-IT" i="1" dirty="0">
+                <a:solidFill>
+                  <a:srgbClr val="00B050"/>
+                </a:solidFill>
+                <a:latin typeface="Comic Sans MS" panose="030F0702030302020204" pitchFamily="66" charset="0"/>
+              </a:rPr>
+              <a:t>risultato</a:t>
+            </a:r>
+            <a:r>
+              <a:rPr lang="it-IT" i="1" dirty="0">
+                <a:solidFill>
+                  <a:schemeClr val="bg1"/>
+                </a:solidFill>
+                <a:latin typeface="Comic Sans MS" panose="030F0702030302020204" pitchFamily="66" charset="0"/>
+              </a:rPr>
+              <a:t> dentro il </a:t>
+            </a:r>
+            <a:r>
+              <a:rPr lang="it-IT" i="1" dirty="0">
+                <a:solidFill>
+                  <a:srgbClr val="FF0074"/>
+                </a:solidFill>
+                <a:latin typeface="Comic Sans MS" panose="030F0702030302020204" pitchFamily="66" charset="0"/>
+              </a:rPr>
+              <a:t>registro</a:t>
+            </a:r>
+            <a:r>
+              <a:rPr lang="it-IT" i="1" dirty="0">
+                <a:solidFill>
+                  <a:schemeClr val="bg1"/>
+                </a:solidFill>
+                <a:latin typeface="Comic Sans MS" panose="030F0702030302020204" pitchFamily="66" charset="0"/>
+              </a:rPr>
+              <a:t> </a:t>
+            </a:r>
+            <a:r>
+              <a:rPr lang="it-IT" i="1" dirty="0">
+                <a:solidFill>
+                  <a:srgbClr val="00B050"/>
+                </a:solidFill>
+                <a:latin typeface="Comic Sans MS" panose="030F0702030302020204" pitchFamily="66" charset="0"/>
+              </a:rPr>
+              <a:t>d0</a:t>
+            </a:r>
+          </a:p>
+          <a:p>
+            <a:pPr algn="ctr"/>
+            <a:endParaRPr lang="it-IT" b="1" dirty="0">
+              <a:solidFill>
+                <a:schemeClr val="bg1"/>
+              </a:solidFill>
+              <a:latin typeface="Comic Sans MS" panose="030F0702030302020204" pitchFamily="66" charset="0"/>
+            </a:endParaRPr>
+          </a:p>
+        </p:txBody>
+      </p:sp>
+      <p:sp>
+        <p:nvSpPr>
+          <p:cNvPr id="35" name="Rettangolo con angoli arrotondati 34">
+            <a:extLst>
+              <a:ext uri="{FF2B5EF4-FFF2-40B4-BE49-F238E27FC236}">
+                <a16:creationId xmlns:a16="http://schemas.microsoft.com/office/drawing/2014/main" id="{C3CCC183-88EB-2366-2D32-A720A1422CF8}"/>
+              </a:ext>
+            </a:extLst>
+          </p:cNvPr>
+          <p:cNvSpPr/>
+          <p:nvPr/>
+        </p:nvSpPr>
+        <p:spPr>
+          <a:xfrm>
+            <a:off x="496019" y="4419116"/>
+            <a:ext cx="11417059" cy="1206458"/>
+          </a:xfrm>
+          <a:prstGeom prst="roundRect">
+            <a:avLst/>
+          </a:prstGeom>
+          <a:solidFill>
+            <a:srgbClr val="283049"/>
+          </a:solidFill>
+          <a:ln>
+            <a:noFill/>
+          </a:ln>
+        </p:spPr>
+        <p:style>
+          <a:lnRef idx="2">
+            <a:schemeClr val="accent1">
+              <a:shade val="15000"/>
+            </a:schemeClr>
+          </a:lnRef>
+          <a:fillRef idx="1">
+            <a:schemeClr val="accent1"/>
+          </a:fillRef>
+          <a:effectRef idx="0">
+            <a:schemeClr val="accent1"/>
+          </a:effectRef>
+          <a:fontRef idx="minor">
+            <a:schemeClr val="lt1"/>
+          </a:fontRef>
+        </p:style>
+        <p:txBody>
+          <a:bodyPr rtlCol="0" anchor="ctr"/>
+          <a:lstStyle/>
+          <a:p>
+            <a:pPr algn="ctr"/>
+            <a:endParaRPr lang="it-IT"/>
+          </a:p>
+        </p:txBody>
+      </p:sp>
+      <p:sp>
+        <p:nvSpPr>
+          <p:cNvPr id="36" name="CasellaDiTesto 35">
+            <a:extLst>
+              <a:ext uri="{FF2B5EF4-FFF2-40B4-BE49-F238E27FC236}">
+                <a16:creationId xmlns:a16="http://schemas.microsoft.com/office/drawing/2014/main" id="{FBBB3165-199A-5165-016B-1D9FD590972E}"/>
+              </a:ext>
+            </a:extLst>
+          </p:cNvPr>
+          <p:cNvSpPr txBox="1"/>
+          <p:nvPr/>
+        </p:nvSpPr>
+        <p:spPr>
+          <a:xfrm>
+            <a:off x="657952" y="4582123"/>
+            <a:ext cx="5058482" cy="923330"/>
+          </a:xfrm>
+          <a:prstGeom prst="rect">
+            <a:avLst/>
+          </a:prstGeom>
+          <a:noFill/>
+        </p:spPr>
+        <p:txBody>
+          <a:bodyPr wrap="square" rtlCol="0">
+            <a:spAutoFit/>
+          </a:bodyPr>
+          <a:lstStyle/>
+          <a:p>
+            <a:pPr algn="ctr"/>
+            <a:r>
+              <a:rPr lang="en-US" dirty="0">
+                <a:solidFill>
+                  <a:schemeClr val="bg1"/>
+                </a:solidFill>
+                <a:latin typeface="Comic Sans MS" panose="030F0702030302020204" pitchFamily="66" charset="0"/>
+              </a:rPr>
+              <a:t>sub &lt;</a:t>
+            </a:r>
+            <a:r>
+              <a:rPr lang="en-US" dirty="0">
+                <a:solidFill>
+                  <a:srgbClr val="00B050"/>
+                </a:solidFill>
+                <a:latin typeface="Comic Sans MS" panose="030F0702030302020204" pitchFamily="66" charset="0"/>
+              </a:rPr>
+              <a:t>primo operando</a:t>
+            </a:r>
+            <a:r>
+              <a:rPr lang="en-US" dirty="0">
+                <a:solidFill>
+                  <a:schemeClr val="bg1"/>
+                </a:solidFill>
+                <a:latin typeface="Comic Sans MS" panose="030F0702030302020204" pitchFamily="66" charset="0"/>
+              </a:rPr>
+              <a:t>&gt;, &lt;</a:t>
+            </a:r>
+            <a:r>
+              <a:rPr lang="en-US" dirty="0">
+                <a:solidFill>
+                  <a:srgbClr val="00B050"/>
+                </a:solidFill>
+                <a:latin typeface="Comic Sans MS" panose="030F0702030302020204" pitchFamily="66" charset="0"/>
+              </a:rPr>
+              <a:t>secondo operando</a:t>
+            </a:r>
+            <a:r>
+              <a:rPr lang="en-US" dirty="0">
+                <a:solidFill>
+                  <a:schemeClr val="bg1"/>
+                </a:solidFill>
+                <a:latin typeface="Comic Sans MS" panose="030F0702030302020204" pitchFamily="66" charset="0"/>
+              </a:rPr>
+              <a:t>&gt;</a:t>
+            </a:r>
+          </a:p>
+          <a:p>
+            <a:pPr algn="ctr"/>
+            <a:endParaRPr lang="en-US" dirty="0">
+              <a:solidFill>
+                <a:schemeClr val="bg1"/>
+              </a:solidFill>
+              <a:latin typeface="Comic Sans MS" panose="030F0702030302020204" pitchFamily="66" charset="0"/>
+            </a:endParaRPr>
+          </a:p>
+          <a:p>
+            <a:pPr algn="ctr"/>
+            <a:r>
+              <a:rPr lang="en-US" dirty="0">
+                <a:solidFill>
+                  <a:schemeClr val="bg1"/>
+                </a:solidFill>
+                <a:latin typeface="Comic Sans MS" panose="030F0702030302020204" pitchFamily="66" charset="0"/>
+              </a:rPr>
+              <a:t>add </a:t>
+            </a:r>
+            <a:r>
+              <a:rPr lang="en-US" dirty="0">
+                <a:solidFill>
+                  <a:srgbClr val="00B050"/>
+                </a:solidFill>
+                <a:latin typeface="Comic Sans MS" panose="030F0702030302020204" pitchFamily="66" charset="0"/>
+              </a:rPr>
+              <a:t>d1</a:t>
+            </a:r>
+            <a:r>
+              <a:rPr lang="en-US" dirty="0">
+                <a:solidFill>
+                  <a:schemeClr val="bg1"/>
+                </a:solidFill>
+                <a:latin typeface="Comic Sans MS" panose="030F0702030302020204" pitchFamily="66" charset="0"/>
+              </a:rPr>
+              <a:t>, </a:t>
+            </a:r>
+            <a:r>
+              <a:rPr lang="en-US" dirty="0">
+                <a:solidFill>
+                  <a:srgbClr val="00B050"/>
+                </a:solidFill>
+                <a:latin typeface="Comic Sans MS" panose="030F0702030302020204" pitchFamily="66" charset="0"/>
+              </a:rPr>
+              <a:t>d0 </a:t>
+            </a:r>
+          </a:p>
+        </p:txBody>
+      </p:sp>
+      <p:sp>
+        <p:nvSpPr>
+          <p:cNvPr id="37" name="CasellaDiTesto 36">
+            <a:extLst>
+              <a:ext uri="{FF2B5EF4-FFF2-40B4-BE49-F238E27FC236}">
+                <a16:creationId xmlns:a16="http://schemas.microsoft.com/office/drawing/2014/main" id="{91170B63-232E-F183-8E88-35D702668858}"/>
+              </a:ext>
+            </a:extLst>
+          </p:cNvPr>
+          <p:cNvSpPr txBox="1"/>
+          <p:nvPr/>
+        </p:nvSpPr>
+        <p:spPr>
+          <a:xfrm>
+            <a:off x="5634545" y="4560680"/>
+            <a:ext cx="6099811" cy="923330"/>
+          </a:xfrm>
+          <a:prstGeom prst="rect">
+            <a:avLst/>
+          </a:prstGeom>
+          <a:noFill/>
+        </p:spPr>
+        <p:txBody>
+          <a:bodyPr wrap="square" rtlCol="0">
+            <a:spAutoFit/>
+          </a:bodyPr>
+          <a:lstStyle/>
+          <a:p>
+            <a:pPr algn="ctr"/>
+            <a:r>
+              <a:rPr lang="it-IT" b="1" dirty="0">
+                <a:solidFill>
+                  <a:schemeClr val="bg1"/>
+                </a:solidFill>
+                <a:latin typeface="Comic Sans MS" panose="030F0702030302020204" pitchFamily="66" charset="0"/>
+              </a:rPr>
+              <a:t>Cosa succede nell’esempio?</a:t>
+            </a:r>
+          </a:p>
+          <a:p>
+            <a:pPr algn="ctr"/>
+            <a:r>
+              <a:rPr lang="it-IT" i="1" dirty="0">
+                <a:solidFill>
+                  <a:schemeClr val="bg1"/>
+                </a:solidFill>
+                <a:latin typeface="Comic Sans MS" panose="030F0702030302020204" pitchFamily="66" charset="0"/>
+              </a:rPr>
+              <a:t>Sottraiamo i contenuti dei due registri e </a:t>
+            </a:r>
+          </a:p>
+          <a:p>
+            <a:pPr algn="ctr"/>
+            <a:r>
+              <a:rPr lang="it-IT" i="1" dirty="0">
+                <a:solidFill>
+                  <a:schemeClr val="bg1"/>
+                </a:solidFill>
+                <a:latin typeface="Comic Sans MS" panose="030F0702030302020204" pitchFamily="66" charset="0"/>
+              </a:rPr>
+              <a:t>inseriamo il </a:t>
+            </a:r>
+            <a:r>
+              <a:rPr lang="it-IT" i="1" dirty="0">
+                <a:solidFill>
+                  <a:srgbClr val="00B050"/>
+                </a:solidFill>
+                <a:latin typeface="Comic Sans MS" panose="030F0702030302020204" pitchFamily="66" charset="0"/>
+              </a:rPr>
+              <a:t>risultato</a:t>
+            </a:r>
+            <a:r>
+              <a:rPr lang="it-IT" i="1" dirty="0">
+                <a:solidFill>
+                  <a:schemeClr val="bg1"/>
+                </a:solidFill>
+                <a:latin typeface="Comic Sans MS" panose="030F0702030302020204" pitchFamily="66" charset="0"/>
+              </a:rPr>
+              <a:t> dentro il </a:t>
+            </a:r>
+            <a:r>
+              <a:rPr lang="it-IT" i="1" dirty="0">
+                <a:solidFill>
+                  <a:srgbClr val="FF0074"/>
+                </a:solidFill>
+                <a:latin typeface="Comic Sans MS" panose="030F0702030302020204" pitchFamily="66" charset="0"/>
+              </a:rPr>
+              <a:t>registro</a:t>
+            </a:r>
+            <a:r>
+              <a:rPr lang="it-IT" i="1" dirty="0">
+                <a:solidFill>
+                  <a:schemeClr val="bg1"/>
+                </a:solidFill>
+                <a:latin typeface="Comic Sans MS" panose="030F0702030302020204" pitchFamily="66" charset="0"/>
+              </a:rPr>
+              <a:t> </a:t>
+            </a:r>
+            <a:r>
+              <a:rPr lang="it-IT" i="1" dirty="0">
+                <a:solidFill>
+                  <a:srgbClr val="00B050"/>
+                </a:solidFill>
+                <a:latin typeface="Comic Sans MS" panose="030F0702030302020204" pitchFamily="66" charset="0"/>
+              </a:rPr>
+              <a:t>d0</a:t>
+            </a:r>
+          </a:p>
+        </p:txBody>
+      </p:sp>
+      <p:sp>
+        <p:nvSpPr>
+          <p:cNvPr id="38" name="Rettangolo con angoli arrotondati 37">
+            <a:extLst>
+              <a:ext uri="{FF2B5EF4-FFF2-40B4-BE49-F238E27FC236}">
+                <a16:creationId xmlns:a16="http://schemas.microsoft.com/office/drawing/2014/main" id="{D9D928FF-9F3E-8C14-DD94-118304FD47FB}"/>
+              </a:ext>
+            </a:extLst>
+          </p:cNvPr>
+          <p:cNvSpPr/>
+          <p:nvPr/>
+        </p:nvSpPr>
+        <p:spPr>
+          <a:xfrm rot="10800000" flipV="1">
+            <a:off x="2714445" y="5798105"/>
+            <a:ext cx="6763108" cy="420727"/>
+          </a:xfrm>
+          <a:prstGeom prst="roundRect">
+            <a:avLst/>
+          </a:prstGeom>
+          <a:solidFill>
+            <a:srgbClr val="283049"/>
+          </a:solidFill>
+          <a:ln>
+            <a:solidFill>
+              <a:srgbClr val="FF0074"/>
+            </a:solidFill>
+          </a:ln>
+        </p:spPr>
+        <p:style>
+          <a:lnRef idx="2">
+            <a:schemeClr val="accent1">
+              <a:shade val="15000"/>
+            </a:schemeClr>
+          </a:lnRef>
+          <a:fillRef idx="1">
+            <a:schemeClr val="accent1"/>
+          </a:fillRef>
+          <a:effectRef idx="0">
+            <a:schemeClr val="accent1"/>
+          </a:effectRef>
+          <a:fontRef idx="minor">
+            <a:schemeClr val="lt1"/>
+          </a:fontRef>
+        </p:style>
+        <p:txBody>
+          <a:bodyPr rtlCol="0" anchor="ctr"/>
+          <a:lstStyle/>
+          <a:p>
+            <a:pPr algn="ctr"/>
+            <a:r>
+              <a:rPr lang="it-IT" dirty="0"/>
+              <a:t> </a:t>
+            </a:r>
+          </a:p>
+        </p:txBody>
+      </p:sp>
+      <p:sp>
+        <p:nvSpPr>
+          <p:cNvPr id="39" name="CasellaDiTesto 38">
+            <a:extLst>
+              <a:ext uri="{FF2B5EF4-FFF2-40B4-BE49-F238E27FC236}">
+                <a16:creationId xmlns:a16="http://schemas.microsoft.com/office/drawing/2014/main" id="{C70E2437-830B-03C0-4C36-7F47CD588B57}"/>
+              </a:ext>
+            </a:extLst>
+          </p:cNvPr>
+          <p:cNvSpPr txBox="1"/>
+          <p:nvPr/>
+        </p:nvSpPr>
+        <p:spPr>
+          <a:xfrm>
+            <a:off x="3507548" y="5820954"/>
+            <a:ext cx="5262113" cy="369332"/>
+          </a:xfrm>
+          <a:prstGeom prst="rect">
+            <a:avLst/>
+          </a:prstGeom>
+          <a:noFill/>
+        </p:spPr>
+        <p:txBody>
+          <a:bodyPr wrap="square" rtlCol="0">
+            <a:spAutoFit/>
+          </a:bodyPr>
+          <a:lstStyle/>
+          <a:p>
+            <a:r>
+              <a:rPr lang="it-IT" dirty="0">
+                <a:solidFill>
+                  <a:schemeClr val="bg1"/>
+                </a:solidFill>
+              </a:rPr>
+              <a:t>Il </a:t>
+            </a:r>
+            <a:r>
+              <a:rPr lang="it-IT" dirty="0">
+                <a:solidFill>
+                  <a:srgbClr val="00B050"/>
+                </a:solidFill>
+              </a:rPr>
+              <a:t>secondo operando </a:t>
+            </a:r>
+            <a:r>
+              <a:rPr lang="it-IT" dirty="0">
+                <a:solidFill>
+                  <a:schemeClr val="bg1"/>
+                </a:solidFill>
+              </a:rPr>
+              <a:t>non può essere </a:t>
+            </a:r>
+            <a:r>
+              <a:rPr lang="it-IT" u="sng" dirty="0">
+                <a:solidFill>
+                  <a:srgbClr val="FF0074"/>
+                </a:solidFill>
+              </a:rPr>
+              <a:t>mai</a:t>
+            </a:r>
+            <a:r>
+              <a:rPr lang="it-IT" dirty="0">
+                <a:solidFill>
+                  <a:schemeClr val="bg1"/>
+                </a:solidFill>
+              </a:rPr>
+              <a:t> un numero</a:t>
+            </a:r>
+          </a:p>
+        </p:txBody>
+      </p:sp>
+      <p:sp>
+        <p:nvSpPr>
+          <p:cNvPr id="40" name="CasellaDiTesto 39">
+            <a:extLst>
+              <a:ext uri="{FF2B5EF4-FFF2-40B4-BE49-F238E27FC236}">
+                <a16:creationId xmlns:a16="http://schemas.microsoft.com/office/drawing/2014/main" id="{835CF8B4-8C55-D242-CC09-1E0D0949CC45}"/>
+              </a:ext>
+            </a:extLst>
+          </p:cNvPr>
+          <p:cNvSpPr txBox="1"/>
+          <p:nvPr/>
+        </p:nvSpPr>
+        <p:spPr>
+          <a:xfrm>
+            <a:off x="4265308" y="3577107"/>
+            <a:ext cx="1680032" cy="408623"/>
+          </a:xfrm>
+          <a:prstGeom prst="roundRect">
+            <a:avLst/>
+          </a:prstGeom>
+          <a:noFill/>
+          <a:ln>
+            <a:solidFill>
+              <a:srgbClr val="FF0074"/>
+            </a:solidFill>
+          </a:ln>
+        </p:spPr>
+        <p:txBody>
+          <a:bodyPr wrap="square" rtlCol="0">
+            <a:spAutoFit/>
+          </a:bodyPr>
+          <a:lstStyle/>
+          <a:p>
+            <a:pPr algn="ctr"/>
+            <a:r>
+              <a:rPr lang="it-IT" dirty="0">
+                <a:solidFill>
+                  <a:srgbClr val="00B050"/>
+                </a:solidFill>
+                <a:latin typeface="Comic Sans MS" panose="030F0702030302020204" pitchFamily="66" charset="0"/>
+              </a:rPr>
+              <a:t>d0</a:t>
+            </a:r>
+            <a:r>
+              <a:rPr lang="it-IT" dirty="0">
+                <a:solidFill>
+                  <a:schemeClr val="bg1"/>
+                </a:solidFill>
+                <a:latin typeface="Comic Sans MS" panose="030F0702030302020204" pitchFamily="66" charset="0"/>
+              </a:rPr>
+              <a:t> = </a:t>
+            </a:r>
+            <a:r>
+              <a:rPr lang="it-IT" dirty="0">
+                <a:solidFill>
+                  <a:srgbClr val="00B050"/>
+                </a:solidFill>
+                <a:latin typeface="Comic Sans MS" panose="030F0702030302020204" pitchFamily="66" charset="0"/>
+              </a:rPr>
+              <a:t>d0</a:t>
+            </a:r>
+            <a:r>
+              <a:rPr lang="it-IT" dirty="0">
+                <a:solidFill>
+                  <a:schemeClr val="bg1"/>
+                </a:solidFill>
+                <a:latin typeface="Comic Sans MS" panose="030F0702030302020204" pitchFamily="66" charset="0"/>
+              </a:rPr>
+              <a:t> </a:t>
+            </a:r>
+            <a:r>
+              <a:rPr lang="it-IT" dirty="0">
+                <a:solidFill>
+                  <a:srgbClr val="FF0074"/>
+                </a:solidFill>
+                <a:latin typeface="Comic Sans MS" panose="030F0702030302020204" pitchFamily="66" charset="0"/>
+              </a:rPr>
+              <a:t>-</a:t>
+            </a:r>
+            <a:r>
+              <a:rPr lang="it-IT" dirty="0">
+                <a:solidFill>
+                  <a:schemeClr val="bg1"/>
+                </a:solidFill>
+                <a:latin typeface="Comic Sans MS" panose="030F0702030302020204" pitchFamily="66" charset="0"/>
+              </a:rPr>
+              <a:t> </a:t>
+            </a:r>
+            <a:r>
+              <a:rPr lang="it-IT" dirty="0">
+                <a:solidFill>
+                  <a:srgbClr val="00B050"/>
+                </a:solidFill>
+                <a:latin typeface="Comic Sans MS" panose="030F0702030302020204" pitchFamily="66" charset="0"/>
+              </a:rPr>
+              <a:t>100</a:t>
+            </a:r>
+          </a:p>
+        </p:txBody>
+      </p:sp>
+      <p:sp>
+        <p:nvSpPr>
+          <p:cNvPr id="41" name="CasellaDiTesto 40">
+            <a:extLst>
+              <a:ext uri="{FF2B5EF4-FFF2-40B4-BE49-F238E27FC236}">
+                <a16:creationId xmlns:a16="http://schemas.microsoft.com/office/drawing/2014/main" id="{7B2E9657-D781-0E90-2764-7E029861E687}"/>
+              </a:ext>
+            </a:extLst>
+          </p:cNvPr>
+          <p:cNvSpPr txBox="1"/>
+          <p:nvPr/>
+        </p:nvSpPr>
+        <p:spPr>
+          <a:xfrm>
+            <a:off x="4265308" y="5098236"/>
+            <a:ext cx="1680032" cy="408623"/>
+          </a:xfrm>
+          <a:prstGeom prst="roundRect">
+            <a:avLst/>
+          </a:prstGeom>
+          <a:noFill/>
+          <a:ln>
+            <a:solidFill>
+              <a:srgbClr val="FF0074"/>
+            </a:solidFill>
+          </a:ln>
+        </p:spPr>
+        <p:txBody>
+          <a:bodyPr wrap="square" rtlCol="0">
+            <a:spAutoFit/>
+          </a:bodyPr>
+          <a:lstStyle/>
+          <a:p>
+            <a:pPr algn="ctr"/>
+            <a:r>
+              <a:rPr lang="it-IT" dirty="0">
+                <a:solidFill>
+                  <a:srgbClr val="00B050"/>
+                </a:solidFill>
+                <a:latin typeface="Comic Sans MS" panose="030F0702030302020204" pitchFamily="66" charset="0"/>
+              </a:rPr>
+              <a:t>d0</a:t>
+            </a:r>
+            <a:r>
+              <a:rPr lang="it-IT" dirty="0">
+                <a:solidFill>
+                  <a:schemeClr val="bg1"/>
+                </a:solidFill>
+                <a:latin typeface="Comic Sans MS" panose="030F0702030302020204" pitchFamily="66" charset="0"/>
+              </a:rPr>
+              <a:t> = </a:t>
+            </a:r>
+            <a:r>
+              <a:rPr lang="it-IT" dirty="0">
+                <a:solidFill>
+                  <a:srgbClr val="00B050"/>
+                </a:solidFill>
+                <a:latin typeface="Comic Sans MS" panose="030F0702030302020204" pitchFamily="66" charset="0"/>
+              </a:rPr>
+              <a:t>d0</a:t>
+            </a:r>
+            <a:r>
+              <a:rPr lang="it-IT" dirty="0">
+                <a:solidFill>
+                  <a:schemeClr val="bg1"/>
+                </a:solidFill>
+                <a:latin typeface="Comic Sans MS" panose="030F0702030302020204" pitchFamily="66" charset="0"/>
+              </a:rPr>
+              <a:t> </a:t>
+            </a:r>
+            <a:r>
+              <a:rPr lang="it-IT" dirty="0">
+                <a:solidFill>
+                  <a:srgbClr val="FF0074"/>
+                </a:solidFill>
+                <a:latin typeface="Comic Sans MS" panose="030F0702030302020204" pitchFamily="66" charset="0"/>
+              </a:rPr>
+              <a:t>–</a:t>
+            </a:r>
+            <a:r>
+              <a:rPr lang="it-IT" dirty="0">
+                <a:solidFill>
+                  <a:schemeClr val="bg1"/>
+                </a:solidFill>
+                <a:latin typeface="Comic Sans MS" panose="030F0702030302020204" pitchFamily="66" charset="0"/>
+              </a:rPr>
+              <a:t> </a:t>
+            </a:r>
+            <a:r>
+              <a:rPr lang="it-IT" dirty="0">
+                <a:solidFill>
+                  <a:srgbClr val="00B050"/>
+                </a:solidFill>
+                <a:latin typeface="Comic Sans MS" panose="030F0702030302020204" pitchFamily="66" charset="0"/>
+              </a:rPr>
+              <a:t>d1</a:t>
+            </a:r>
+          </a:p>
+        </p:txBody>
+      </p:sp>
+      <p:pic>
+        <p:nvPicPr>
+          <p:cNvPr id="13" name="Immagine 12">
+            <a:extLst>
+              <a:ext uri="{FF2B5EF4-FFF2-40B4-BE49-F238E27FC236}">
+                <a16:creationId xmlns:a16="http://schemas.microsoft.com/office/drawing/2014/main" id="{534E9BE6-4F83-C5A4-6427-BF67D38BB4EE}"/>
+              </a:ext>
+            </a:extLst>
+          </p:cNvPr>
+          <p:cNvPicPr>
+            <a:picLocks noChangeAspect="1"/>
+          </p:cNvPicPr>
+          <p:nvPr/>
+        </p:nvPicPr>
+        <p:blipFill>
+          <a:blip r:embed="rId5">
+            <a:extLst>
+              <a:ext uri="{28A0092B-C50C-407E-A947-70E740481C1C}">
+                <a14:useLocalDpi xmlns:a14="http://schemas.microsoft.com/office/drawing/2010/main" val="0"/>
+              </a:ext>
+            </a:extLst>
+          </a:blip>
+          <a:stretch>
+            <a:fillRect/>
+          </a:stretch>
+        </p:blipFill>
+        <p:spPr>
+          <a:xfrm>
+            <a:off x="4462841" y="2506171"/>
+            <a:ext cx="433180" cy="110264"/>
+          </a:xfrm>
+          <a:prstGeom prst="rect">
+            <a:avLst/>
+          </a:prstGeom>
+        </p:spPr>
+      </p:pic>
     </p:spTree>
     <p:extLst>
       <p:ext uri="{BB962C8B-B14F-4D97-AF65-F5344CB8AC3E}">
-        <p14:creationId xmlns:p14="http://schemas.microsoft.com/office/powerpoint/2010/main" val="3046026892"/>
+        <p14:creationId xmlns:p14="http://schemas.microsoft.com/office/powerpoint/2010/main" val="664585956"/>
       </p:ext>
     </p:extLst>
   </p:cSld>
@@ -8221,7 +9560,7 @@
                 </a:solidFill>
                 <a:latin typeface="Amasis MT Pro" panose="02040504050005020304" pitchFamily="18" charset="0"/>
               </a:rPr>
-              <a:t>NO MOD</a:t>
+              <a:t>MULS</a:t>
             </a:r>
           </a:p>
         </p:txBody>
@@ -8553,8 +9892,8 @@
         </p:nvSpPr>
         <p:spPr>
           <a:xfrm>
-            <a:off x="3046093" y="1391057"/>
-            <a:ext cx="6099811" cy="646331"/>
+            <a:off x="2971376" y="1348782"/>
+            <a:ext cx="6563733" cy="646331"/>
           </a:xfrm>
           <a:prstGeom prst="rect">
             <a:avLst/>
@@ -8569,23 +9908,13 @@
           <a:p>
             <a:pPr algn="ctr"/>
             <a:r>
-              <a:rPr lang="it-IT" b="0" i="0" dirty="0">
-                <a:solidFill>
-                  <a:srgbClr val="E6EDF3"/>
-                </a:solidFill>
-                <a:effectLst/>
-                <a:latin typeface="-apple-system"/>
-              </a:rPr>
-              <a:t> </a:t>
-            </a:r>
-            <a:r>
               <a:rPr lang="it-IT" b="1" dirty="0">
                 <a:solidFill>
                   <a:schemeClr val="bg1"/>
                 </a:solidFill>
                 <a:latin typeface="Comic Sans MS" panose="030F0702030302020204" pitchFamily="66" charset="0"/>
               </a:rPr>
-              <a:t>Effettua la somma di due valori e salva il risultato nel secondo</a:t>
+              <a:t>Moltiplica il secondo registro per il primo valore/registro e salva il risultato nel secondo registro</a:t>
             </a:r>
           </a:p>
         </p:txBody>
@@ -8687,7 +10016,7 @@
                   <a:srgbClr val="00B050"/>
                 </a:solidFill>
               </a:rPr>
-              <a:t>primo op</a:t>
+              <a:t>secondo op</a:t>
             </a:r>
             <a:r>
               <a:rPr lang="it-IT" dirty="0">
@@ -8728,7 +10057,7 @@
         </p:blipFill>
         <p:spPr>
           <a:xfrm>
-            <a:off x="6636094" y="2438103"/>
+            <a:off x="6512122" y="2438103"/>
             <a:ext cx="472456" cy="264576"/>
           </a:xfrm>
           <a:prstGeom prst="rect">
@@ -8778,7 +10107,7 @@
                   <a:srgbClr val="00B050"/>
                 </a:solidFill>
               </a:rPr>
-              <a:t>secondo op</a:t>
+              <a:t>primo op</a:t>
             </a:r>
             <a:r>
               <a:rPr lang="it-IT" dirty="0">
@@ -8860,7 +10189,7 @@
         </p:nvSpPr>
         <p:spPr>
           <a:xfrm>
-            <a:off x="6253243" y="2153449"/>
+            <a:off x="6148960" y="2153343"/>
             <a:ext cx="1238159" cy="369332"/>
           </a:xfrm>
           <a:prstGeom prst="rect">
@@ -8887,42 +10216,6 @@
           </a:p>
         </p:txBody>
       </p:sp>
-      <p:pic>
-        <p:nvPicPr>
-          <p:cNvPr id="23" name="Immagine 22">
-            <a:extLst>
-              <a:ext uri="{FF2B5EF4-FFF2-40B4-BE49-F238E27FC236}">
-                <a16:creationId xmlns:a16="http://schemas.microsoft.com/office/drawing/2014/main" id="{EB79B55F-DD0C-BEBB-5AA1-4E6717402EB4}"/>
-              </a:ext>
-            </a:extLst>
-          </p:cNvPr>
-          <p:cNvPicPr>
-            <a:picLocks noChangeAspect="1"/>
-          </p:cNvPicPr>
-          <p:nvPr/>
-        </p:nvPicPr>
-        <p:blipFill>
-          <a:blip r:embed="rId5">
-            <a:extLst>
-              <a:ext uri="{28A0092B-C50C-407E-A947-70E740481C1C}">
-                <a14:useLocalDpi xmlns:a14="http://schemas.microsoft.com/office/drawing/2010/main" val="0"/>
-              </a:ext>
-            </a:extLst>
-          </a:blip>
-          <a:stretch>
-            <a:fillRect/>
-          </a:stretch>
-        </p:blipFill>
-        <p:spPr>
-          <a:xfrm>
-            <a:off x="4462617" y="2380931"/>
-            <a:ext cx="325560" cy="325560"/>
-          </a:xfrm>
-          <a:prstGeom prst="rect">
-            <a:avLst/>
-          </a:prstGeom>
-        </p:spPr>
-      </p:pic>
       <p:sp>
         <p:nvSpPr>
           <p:cNvPr id="32" name="Rettangolo con angoli arrotondati 31">
@@ -9005,13 +10298,22 @@
           <a:p>
             <a:pPr algn="ctr"/>
             <a:r>
+              <a:rPr lang="en-US" dirty="0" err="1">
+                <a:solidFill>
+                  <a:schemeClr val="bg1"/>
+                </a:solidFill>
+                <a:latin typeface="Comic Sans MS" panose="030F0702030302020204" pitchFamily="66" charset="0"/>
+              </a:rPr>
+              <a:t>muls</a:t>
+            </a:r>
+            <a:r>
               <a:rPr lang="en-US" dirty="0">
                 <a:solidFill>
                   <a:schemeClr val="bg1"/>
                 </a:solidFill>
                 <a:latin typeface="Comic Sans MS" panose="030F0702030302020204" pitchFamily="66" charset="0"/>
               </a:rPr>
-              <a:t>add &lt;</a:t>
+              <a:t> &lt;</a:t>
             </a:r>
             <a:r>
               <a:rPr lang="en-US" dirty="0">
@@ -9062,13 +10364,22 @@
           <a:p>
             <a:pPr algn="ctr"/>
             <a:r>
+              <a:rPr lang="en-US" dirty="0" err="1">
+                <a:solidFill>
+                  <a:schemeClr val="bg1"/>
+                </a:solidFill>
+                <a:latin typeface="Comic Sans MS" panose="030F0702030302020204" pitchFamily="66" charset="0"/>
+              </a:rPr>
+              <a:t>muls</a:t>
+            </a:r>
+            <a:r>
               <a:rPr lang="en-US" dirty="0">
                 <a:solidFill>
                   <a:schemeClr val="bg1"/>
                 </a:solidFill>
                 <a:latin typeface="Comic Sans MS" panose="030F0702030302020204" pitchFamily="66" charset="0"/>
               </a:rPr>
-              <a:t>add </a:t>
+              <a:t> </a:t>
             </a:r>
             <a:r>
               <a:rPr lang="en-US" dirty="0">
@@ -9115,7 +10426,7 @@
         <p:spPr>
           <a:xfrm>
             <a:off x="5719310" y="3200899"/>
-            <a:ext cx="6099811" cy="646331"/>
+            <a:ext cx="6099811" cy="1200329"/>
           </a:xfrm>
           <a:prstGeom prst="rect">
             <a:avLst/>
@@ -9142,25 +10453,73 @@
           <a:p>
             <a:pPr algn="ctr"/>
             <a:r>
-              <a:rPr lang="it-IT" dirty="0">
-                <a:solidFill>
-                  <a:schemeClr val="bg1"/>
-                </a:solidFill>
-                <a:latin typeface="Comic Sans MS" panose="030F0702030302020204" pitchFamily="66" charset="0"/>
-              </a:rPr>
-              <a:t>Mettiamo il numero </a:t>
-            </a:r>
-            <a:r>
-              <a:rPr lang="it-IT" dirty="0">
+              <a:rPr lang="it-IT" i="1" dirty="0">
+                <a:solidFill>
+                  <a:schemeClr val="bg1"/>
+                </a:solidFill>
+                <a:latin typeface="Comic Sans MS" panose="030F0702030302020204" pitchFamily="66" charset="0"/>
+              </a:rPr>
+              <a:t>Moltiplichiamo il contenuto di </a:t>
+            </a:r>
+            <a:r>
+              <a:rPr lang="it-IT" i="1" dirty="0">
                 <a:solidFill>
                   <a:srgbClr val="00B050"/>
                 </a:solidFill>
                 <a:latin typeface="Comic Sans MS" panose="030F0702030302020204" pitchFamily="66" charset="0"/>
               </a:rPr>
+              <a:t>d0</a:t>
+            </a:r>
+            <a:r>
+              <a:rPr lang="it-IT" i="1" dirty="0">
+                <a:solidFill>
+                  <a:schemeClr val="bg1"/>
+                </a:solidFill>
+                <a:latin typeface="Comic Sans MS" panose="030F0702030302020204" pitchFamily="66" charset="0"/>
+              </a:rPr>
+              <a:t> con </a:t>
+            </a:r>
+            <a:r>
+              <a:rPr lang="it-IT" i="1" dirty="0">
+                <a:solidFill>
+                  <a:srgbClr val="00B050"/>
+                </a:solidFill>
+                <a:latin typeface="Comic Sans MS" panose="030F0702030302020204" pitchFamily="66" charset="0"/>
+              </a:rPr>
               <a:t>100</a:t>
             </a:r>
             <a:r>
-              <a:rPr lang="it-IT" dirty="0">
+              <a:rPr lang="it-IT" i="1" dirty="0">
+                <a:solidFill>
+                  <a:schemeClr val="bg1"/>
+                </a:solidFill>
+                <a:latin typeface="Comic Sans MS" panose="030F0702030302020204" pitchFamily="66" charset="0"/>
+              </a:rPr>
+              <a:t> e </a:t>
+            </a:r>
+          </a:p>
+          <a:p>
+            <a:pPr algn="ctr"/>
+            <a:r>
+              <a:rPr lang="it-IT" i="1" dirty="0">
+                <a:solidFill>
+                  <a:schemeClr val="bg1"/>
+                </a:solidFill>
+                <a:latin typeface="Comic Sans MS" panose="030F0702030302020204" pitchFamily="66" charset="0"/>
+              </a:rPr>
+              <a:t>inseriamo il </a:t>
+            </a:r>
+            <a:r>
+              <a:rPr lang="it-IT" i="1" dirty="0">
+                <a:solidFill>
+                  <a:srgbClr val="00B050"/>
+                </a:solidFill>
+                <a:latin typeface="Comic Sans MS" panose="030F0702030302020204" pitchFamily="66" charset="0"/>
+              </a:rPr>
+              <a:t>risultato</a:t>
+            </a:r>
+            <a:r>
+              <a:rPr lang="it-IT" i="1" dirty="0">
                 <a:solidFill>
                   <a:schemeClr val="bg1"/>
                 </a:solidFill>
@@ -9169,7 +10528,7 @@
               <a:t> dentro il </a:t>
             </a:r>
             <a:r>
-              <a:rPr lang="it-IT" dirty="0">
+              <a:rPr lang="it-IT" i="1" dirty="0">
                 <a:solidFill>
                   <a:srgbClr val="FF0074"/>
                 </a:solidFill>
@@ -9178,7 +10537,7 @@
               <a:t>registro</a:t>
             </a:r>
             <a:r>
-              <a:rPr lang="it-IT" dirty="0">
+              <a:rPr lang="it-IT" i="1" dirty="0">
                 <a:solidFill>
                   <a:schemeClr val="bg1"/>
                 </a:solidFill>
@@ -9187,7 +10546,7 @@
               <a:t> </a:t>
             </a:r>
             <a:r>
-              <a:rPr lang="it-IT" dirty="0">
+              <a:rPr lang="it-IT" i="1" dirty="0">
                 <a:solidFill>
                   <a:srgbClr val="00B050"/>
                 </a:solidFill>
@@ -9195,6 +10554,15 @@
               </a:rPr>
               <a:t>d0</a:t>
             </a:r>
+          </a:p>
+          <a:p>
+            <a:pPr algn="ctr"/>
+            <a:endParaRPr lang="it-IT" b="1" dirty="0">
+              <a:solidFill>
+                <a:schemeClr val="bg1"/>
+              </a:solidFill>
+              <a:latin typeface="Comic Sans MS" panose="030F0702030302020204" pitchFamily="66" charset="0"/>
+            </a:endParaRPr>
           </a:p>
         </p:txBody>
       </p:sp>
@@ -9280,13 +10648,22 @@
           <a:p>
             <a:pPr algn="ctr"/>
             <a:r>
+              <a:rPr lang="en-US" dirty="0" err="1">
+                <a:solidFill>
+                  <a:schemeClr val="bg1"/>
+                </a:solidFill>
+                <a:latin typeface="Comic Sans MS" panose="030F0702030302020204" pitchFamily="66" charset="0"/>
+              </a:rPr>
+              <a:t>muls</a:t>
+            </a:r>
+            <a:r>
               <a:rPr lang="en-US" dirty="0">
                 <a:solidFill>
                   <a:schemeClr val="bg1"/>
                 </a:solidFill>
                 <a:latin typeface="Comic Sans MS" panose="030F0702030302020204" pitchFamily="66" charset="0"/>
               </a:rPr>
-              <a:t>add &lt;</a:t>
+              <a:t> &lt;</a:t>
             </a:r>
             <a:r>
               <a:rPr lang="en-US" dirty="0">
@@ -9337,13 +10714,22 @@
           <a:p>
             <a:pPr algn="ctr"/>
             <a:r>
+              <a:rPr lang="en-US" dirty="0" err="1">
+                <a:solidFill>
+                  <a:schemeClr val="bg1"/>
+                </a:solidFill>
+                <a:latin typeface="Comic Sans MS" panose="030F0702030302020204" pitchFamily="66" charset="0"/>
+              </a:rPr>
+              <a:t>muls</a:t>
+            </a:r>
+            <a:r>
               <a:rPr lang="en-US" dirty="0">
                 <a:solidFill>
                   <a:schemeClr val="bg1"/>
                 </a:solidFill>
                 <a:latin typeface="Comic Sans MS" panose="030F0702030302020204" pitchFamily="66" charset="0"/>
               </a:rPr>
-              <a:t>add </a:t>
+              <a:t> </a:t>
             </a:r>
             <a:r>
               <a:rPr lang="en-US" dirty="0">
@@ -9417,28 +10803,46 @@
           <a:p>
             <a:pPr algn="ctr"/>
             <a:r>
-              <a:rPr lang="it-IT" dirty="0">
-                <a:solidFill>
-                  <a:schemeClr val="bg1"/>
-                </a:solidFill>
-                <a:latin typeface="Comic Sans MS" panose="030F0702030302020204" pitchFamily="66" charset="0"/>
-              </a:rPr>
-              <a:t>Copiamo il </a:t>
-            </a:r>
-          </a:p>
-          <a:p>
-            <a:pPr algn="ctr"/>
-            <a:r>
-              <a:rPr lang="it-IT" dirty="0">
-                <a:solidFill>
-                  <a:schemeClr val="bg1"/>
-                </a:solidFill>
-                <a:latin typeface="Comic Sans MS" panose="030F0702030302020204" pitchFamily="66" charset="0"/>
-              </a:rPr>
-              <a:t>contenuto del </a:t>
-            </a:r>
-            <a:r>
-              <a:rPr lang="it-IT" dirty="0">
+              <a:rPr lang="it-IT" i="1" dirty="0">
+                <a:solidFill>
+                  <a:schemeClr val="bg1"/>
+                </a:solidFill>
+                <a:latin typeface="Comic Sans MS" panose="030F0702030302020204" pitchFamily="66" charset="0"/>
+              </a:rPr>
+              <a:t>Moltiplichiamo i contenuti dei due registri e </a:t>
+            </a:r>
+          </a:p>
+          <a:p>
+            <a:pPr algn="ctr"/>
+            <a:r>
+              <a:rPr lang="it-IT" i="1" dirty="0">
+                <a:solidFill>
+                  <a:schemeClr val="bg1"/>
+                </a:solidFill>
+                <a:latin typeface="Comic Sans MS" panose="030F0702030302020204" pitchFamily="66" charset="0"/>
+              </a:rPr>
+              <a:t>inseriamo il </a:t>
+            </a:r>
+            <a:r>
+              <a:rPr lang="it-IT" i="1" dirty="0">
+                <a:solidFill>
+                  <a:srgbClr val="00B050"/>
+                </a:solidFill>
+                <a:latin typeface="Comic Sans MS" panose="030F0702030302020204" pitchFamily="66" charset="0"/>
+              </a:rPr>
+              <a:t>risultato</a:t>
+            </a:r>
+            <a:r>
+              <a:rPr lang="it-IT" i="1" dirty="0">
+                <a:solidFill>
+                  <a:schemeClr val="bg1"/>
+                </a:solidFill>
+                <a:latin typeface="Comic Sans MS" panose="030F0702030302020204" pitchFamily="66" charset="0"/>
+              </a:rPr>
+              <a:t> dentro il </a:t>
+            </a:r>
+            <a:r>
+              <a:rPr lang="it-IT" i="1" dirty="0">
                 <a:solidFill>
                   <a:srgbClr val="FF0074"/>
                 </a:solidFill>
@@ -9447,7 +10851,7 @@
               <a:t>registro</a:t>
             </a:r>
             <a:r>
-              <a:rPr lang="it-IT" dirty="0">
+              <a:rPr lang="it-IT" i="1" dirty="0">
                 <a:solidFill>
                   <a:schemeClr val="bg1"/>
                 </a:solidFill>
@@ -9456,43 +10860,7 @@
               <a:t> </a:t>
             </a:r>
             <a:r>
-              <a:rPr lang="it-IT" dirty="0">
-                <a:solidFill>
-                  <a:srgbClr val="00B050"/>
-                </a:solidFill>
-                <a:latin typeface="Comic Sans MS" panose="030F0702030302020204" pitchFamily="66" charset="0"/>
-              </a:rPr>
-              <a:t>d1</a:t>
-            </a:r>
-            <a:r>
-              <a:rPr lang="it-IT" dirty="0">
-                <a:solidFill>
-                  <a:schemeClr val="bg1"/>
-                </a:solidFill>
-                <a:latin typeface="Comic Sans MS" panose="030F0702030302020204" pitchFamily="66" charset="0"/>
-              </a:rPr>
-              <a:t> dentro il </a:t>
-            </a:r>
-            <a:r>
-              <a:rPr lang="it-IT" dirty="0">
-                <a:solidFill>
-                  <a:srgbClr val="FF0074"/>
-                </a:solidFill>
-                <a:latin typeface="Comic Sans MS" panose="030F0702030302020204" pitchFamily="66" charset="0"/>
-              </a:rPr>
-              <a:t>registro</a:t>
-            </a:r>
-            <a:r>
-              <a:rPr lang="it-IT" dirty="0">
-                <a:solidFill>
-                  <a:schemeClr val="bg1"/>
-                </a:solidFill>
-                <a:latin typeface="Comic Sans MS" panose="030F0702030302020204" pitchFamily="66" charset="0"/>
-              </a:rPr>
-              <a:t> </a:t>
-            </a:r>
-            <a:r>
-              <a:rPr lang="it-IT" dirty="0">
+              <a:rPr lang="it-IT" i="1" dirty="0">
                 <a:solidFill>
                   <a:srgbClr val="00B050"/>
                 </a:solidFill>
@@ -9610,15 +10978,2522 @@
                   <a:schemeClr val="bg1"/>
                 </a:solidFill>
               </a:rPr>
-              <a:t>non può essere mai un numero</a:t>
-            </a:r>
-          </a:p>
-        </p:txBody>
-      </p:sp>
+              <a:t>non può essere </a:t>
+            </a:r>
+            <a:r>
+              <a:rPr lang="it-IT" u="sng" dirty="0">
+                <a:solidFill>
+                  <a:srgbClr val="FF0074"/>
+                </a:solidFill>
+              </a:rPr>
+              <a:t>mai</a:t>
+            </a:r>
+            <a:r>
+              <a:rPr lang="it-IT" dirty="0">
+                <a:solidFill>
+                  <a:schemeClr val="bg1"/>
+                </a:solidFill>
+              </a:rPr>
+              <a:t> un numero</a:t>
+            </a:r>
+          </a:p>
+        </p:txBody>
+      </p:sp>
+      <p:sp>
+        <p:nvSpPr>
+          <p:cNvPr id="40" name="CasellaDiTesto 39">
+            <a:extLst>
+              <a:ext uri="{FF2B5EF4-FFF2-40B4-BE49-F238E27FC236}">
+                <a16:creationId xmlns:a16="http://schemas.microsoft.com/office/drawing/2014/main" id="{835CF8B4-8C55-D242-CC09-1E0D0949CC45}"/>
+              </a:ext>
+            </a:extLst>
+          </p:cNvPr>
+          <p:cNvSpPr txBox="1"/>
+          <p:nvPr/>
+        </p:nvSpPr>
+        <p:spPr>
+          <a:xfrm>
+            <a:off x="4265308" y="3577107"/>
+            <a:ext cx="1680032" cy="408623"/>
+          </a:xfrm>
+          <a:prstGeom prst="roundRect">
+            <a:avLst/>
+          </a:prstGeom>
+          <a:noFill/>
+          <a:ln>
+            <a:solidFill>
+              <a:srgbClr val="FF0074"/>
+            </a:solidFill>
+          </a:ln>
+        </p:spPr>
+        <p:txBody>
+          <a:bodyPr wrap="square" rtlCol="0">
+            <a:spAutoFit/>
+          </a:bodyPr>
+          <a:lstStyle/>
+          <a:p>
+            <a:pPr algn="ctr"/>
+            <a:r>
+              <a:rPr lang="it-IT" dirty="0">
+                <a:solidFill>
+                  <a:srgbClr val="00B050"/>
+                </a:solidFill>
+                <a:latin typeface="Comic Sans MS" panose="030F0702030302020204" pitchFamily="66" charset="0"/>
+              </a:rPr>
+              <a:t>d0</a:t>
+            </a:r>
+            <a:r>
+              <a:rPr lang="it-IT" dirty="0">
+                <a:solidFill>
+                  <a:schemeClr val="bg1"/>
+                </a:solidFill>
+                <a:latin typeface="Comic Sans MS" panose="030F0702030302020204" pitchFamily="66" charset="0"/>
+              </a:rPr>
+              <a:t> = </a:t>
+            </a:r>
+            <a:r>
+              <a:rPr lang="it-IT" dirty="0">
+                <a:solidFill>
+                  <a:srgbClr val="00B050"/>
+                </a:solidFill>
+                <a:latin typeface="Comic Sans MS" panose="030F0702030302020204" pitchFamily="66" charset="0"/>
+              </a:rPr>
+              <a:t>d0</a:t>
+            </a:r>
+            <a:r>
+              <a:rPr lang="it-IT" dirty="0">
+                <a:solidFill>
+                  <a:schemeClr val="bg1"/>
+                </a:solidFill>
+                <a:latin typeface="Comic Sans MS" panose="030F0702030302020204" pitchFamily="66" charset="0"/>
+              </a:rPr>
+              <a:t> </a:t>
+            </a:r>
+            <a:r>
+              <a:rPr lang="it-IT" dirty="0">
+                <a:solidFill>
+                  <a:srgbClr val="FF0074"/>
+                </a:solidFill>
+                <a:latin typeface="Comic Sans MS" panose="030F0702030302020204" pitchFamily="66" charset="0"/>
+              </a:rPr>
+              <a:t>*</a:t>
+            </a:r>
+            <a:r>
+              <a:rPr lang="it-IT" dirty="0">
+                <a:solidFill>
+                  <a:schemeClr val="bg1"/>
+                </a:solidFill>
+                <a:latin typeface="Comic Sans MS" panose="030F0702030302020204" pitchFamily="66" charset="0"/>
+              </a:rPr>
+              <a:t> </a:t>
+            </a:r>
+            <a:r>
+              <a:rPr lang="it-IT" dirty="0">
+                <a:solidFill>
+                  <a:srgbClr val="00B050"/>
+                </a:solidFill>
+                <a:latin typeface="Comic Sans MS" panose="030F0702030302020204" pitchFamily="66" charset="0"/>
+              </a:rPr>
+              <a:t>100</a:t>
+            </a:r>
+          </a:p>
+        </p:txBody>
+      </p:sp>
+      <p:sp>
+        <p:nvSpPr>
+          <p:cNvPr id="41" name="CasellaDiTesto 40">
+            <a:extLst>
+              <a:ext uri="{FF2B5EF4-FFF2-40B4-BE49-F238E27FC236}">
+                <a16:creationId xmlns:a16="http://schemas.microsoft.com/office/drawing/2014/main" id="{7B2E9657-D781-0E90-2764-7E029861E687}"/>
+              </a:ext>
+            </a:extLst>
+          </p:cNvPr>
+          <p:cNvSpPr txBox="1"/>
+          <p:nvPr/>
+        </p:nvSpPr>
+        <p:spPr>
+          <a:xfrm>
+            <a:off x="4265308" y="5098236"/>
+            <a:ext cx="1680032" cy="408623"/>
+          </a:xfrm>
+          <a:prstGeom prst="roundRect">
+            <a:avLst/>
+          </a:prstGeom>
+          <a:noFill/>
+          <a:ln>
+            <a:solidFill>
+              <a:srgbClr val="FF0074"/>
+            </a:solidFill>
+          </a:ln>
+        </p:spPr>
+        <p:txBody>
+          <a:bodyPr wrap="square" rtlCol="0">
+            <a:spAutoFit/>
+          </a:bodyPr>
+          <a:lstStyle/>
+          <a:p>
+            <a:pPr algn="ctr"/>
+            <a:r>
+              <a:rPr lang="it-IT" dirty="0">
+                <a:solidFill>
+                  <a:srgbClr val="00B050"/>
+                </a:solidFill>
+                <a:latin typeface="Comic Sans MS" panose="030F0702030302020204" pitchFamily="66" charset="0"/>
+              </a:rPr>
+              <a:t>d0</a:t>
+            </a:r>
+            <a:r>
+              <a:rPr lang="it-IT" dirty="0">
+                <a:solidFill>
+                  <a:schemeClr val="bg1"/>
+                </a:solidFill>
+                <a:latin typeface="Comic Sans MS" panose="030F0702030302020204" pitchFamily="66" charset="0"/>
+              </a:rPr>
+              <a:t> = </a:t>
+            </a:r>
+            <a:r>
+              <a:rPr lang="it-IT" dirty="0">
+                <a:solidFill>
+                  <a:srgbClr val="00B050"/>
+                </a:solidFill>
+                <a:latin typeface="Comic Sans MS" panose="030F0702030302020204" pitchFamily="66" charset="0"/>
+              </a:rPr>
+              <a:t>d0</a:t>
+            </a:r>
+            <a:r>
+              <a:rPr lang="it-IT" dirty="0">
+                <a:solidFill>
+                  <a:schemeClr val="bg1"/>
+                </a:solidFill>
+                <a:latin typeface="Comic Sans MS" panose="030F0702030302020204" pitchFamily="66" charset="0"/>
+              </a:rPr>
+              <a:t> </a:t>
+            </a:r>
+            <a:r>
+              <a:rPr lang="it-IT" dirty="0">
+                <a:solidFill>
+                  <a:srgbClr val="FF0074"/>
+                </a:solidFill>
+                <a:latin typeface="Comic Sans MS" panose="030F0702030302020204" pitchFamily="66" charset="0"/>
+              </a:rPr>
+              <a:t>* </a:t>
+            </a:r>
+            <a:r>
+              <a:rPr lang="it-IT" dirty="0">
+                <a:solidFill>
+                  <a:srgbClr val="00B050"/>
+                </a:solidFill>
+                <a:latin typeface="Comic Sans MS" panose="030F0702030302020204" pitchFamily="66" charset="0"/>
+              </a:rPr>
+              <a:t>d1</a:t>
+            </a:r>
+          </a:p>
+        </p:txBody>
+      </p:sp>
+      <p:pic>
+        <p:nvPicPr>
+          <p:cNvPr id="14" name="Immagine 13">
+            <a:extLst>
+              <a:ext uri="{FF2B5EF4-FFF2-40B4-BE49-F238E27FC236}">
+                <a16:creationId xmlns:a16="http://schemas.microsoft.com/office/drawing/2014/main" id="{11C37D37-35D2-9E50-9EBE-C1EC8A484E97}"/>
+              </a:ext>
+            </a:extLst>
+          </p:cNvPr>
+          <p:cNvPicPr>
+            <a:picLocks noChangeAspect="1"/>
+          </p:cNvPicPr>
+          <p:nvPr/>
+        </p:nvPicPr>
+        <p:blipFill>
+          <a:blip r:embed="rId5">
+            <a:extLst>
+              <a:ext uri="{28A0092B-C50C-407E-A947-70E740481C1C}">
+                <a14:useLocalDpi xmlns:a14="http://schemas.microsoft.com/office/drawing/2010/main" val="0"/>
+              </a:ext>
+            </a:extLst>
+          </a:blip>
+          <a:stretch>
+            <a:fillRect/>
+          </a:stretch>
+        </p:blipFill>
+        <p:spPr>
+          <a:xfrm>
+            <a:off x="4547605" y="2395197"/>
+            <a:ext cx="301970" cy="301970"/>
+          </a:xfrm>
+          <a:prstGeom prst="rect">
+            <a:avLst/>
+          </a:prstGeom>
+        </p:spPr>
+      </p:pic>
     </p:spTree>
     <p:extLst>
       <p:ext uri="{BB962C8B-B14F-4D97-AF65-F5344CB8AC3E}">
-        <p14:creationId xmlns:p14="http://schemas.microsoft.com/office/powerpoint/2010/main" val="862607495"/>
+        <p14:creationId xmlns:p14="http://schemas.microsoft.com/office/powerpoint/2010/main" val="123768028"/>
+      </p:ext>
+    </p:extLst>
+  </p:cSld>
+  <p:clrMapOvr>
+    <a:masterClrMapping/>
+  </p:clrMapOvr>
+</p:sld>
+</file>
+
+<file path=ppt/slides/slide7.xml><?xml version="1.0" encoding="utf-8"?>
+<p:sld xmlns:a="http://schemas.openxmlformats.org/drawingml/2006/main" xmlns:r="http://schemas.openxmlformats.org/officeDocument/2006/relationships" xmlns:p="http://schemas.openxmlformats.org/presentationml/2006/main">
+  <p:cSld>
+    <p:bg>
+      <p:bgPr>
+        <a:blipFill dpi="0" rotWithShape="1">
+          <a:blip r:embed="rId2">
+            <a:lum/>
+          </a:blip>
+          <a:srcRect/>
+          <a:stretch>
+            <a:fillRect/>
+          </a:stretch>
+        </a:blipFill>
+        <a:effectLst/>
+      </p:bgPr>
+    </p:bg>
+    <p:spTree>
+      <p:nvGrpSpPr>
+        <p:cNvPr id="1" name=""/>
+        <p:cNvGrpSpPr/>
+        <p:nvPr/>
+      </p:nvGrpSpPr>
+      <p:grpSpPr>
+        <a:xfrm>
+          <a:off x="0" y="0"/>
+          <a:ext cx="0" cy="0"/>
+          <a:chOff x="0" y="0"/>
+          <a:chExt cx="0" cy="0"/>
+        </a:xfrm>
+      </p:grpSpPr>
+      <p:sp>
+        <p:nvSpPr>
+          <p:cNvPr id="7" name="Rettangolo 6">
+            <a:extLst>
+              <a:ext uri="{FF2B5EF4-FFF2-40B4-BE49-F238E27FC236}">
+                <a16:creationId xmlns:a16="http://schemas.microsoft.com/office/drawing/2014/main" id="{08BEFCCA-512B-118D-E357-B1C1D553941F}"/>
+              </a:ext>
+            </a:extLst>
+          </p:cNvPr>
+          <p:cNvSpPr/>
+          <p:nvPr/>
+        </p:nvSpPr>
+        <p:spPr>
+          <a:xfrm>
+            <a:off x="0" y="5984964"/>
+            <a:ext cx="12192000" cy="873036"/>
+          </a:xfrm>
+          <a:prstGeom prst="rect">
+            <a:avLst/>
+          </a:prstGeom>
+          <a:solidFill>
+            <a:srgbClr val="171A21"/>
+          </a:solidFill>
+        </p:spPr>
+        <p:style>
+          <a:lnRef idx="2">
+            <a:schemeClr val="accent1">
+              <a:shade val="15000"/>
+            </a:schemeClr>
+          </a:lnRef>
+          <a:fillRef idx="1">
+            <a:schemeClr val="accent1"/>
+          </a:fillRef>
+          <a:effectRef idx="0">
+            <a:schemeClr val="accent1"/>
+          </a:effectRef>
+          <a:fontRef idx="minor">
+            <a:schemeClr val="lt1"/>
+          </a:fontRef>
+        </p:style>
+        <p:txBody>
+          <a:bodyPr rtlCol="0" anchor="ctr"/>
+          <a:lstStyle/>
+          <a:p>
+            <a:pPr algn="ctr"/>
+            <a:endParaRPr lang="it-IT"/>
+          </a:p>
+        </p:txBody>
+      </p:sp>
+      <p:sp>
+        <p:nvSpPr>
+          <p:cNvPr id="10" name="CasellaDiTesto 9">
+            <a:extLst>
+              <a:ext uri="{FF2B5EF4-FFF2-40B4-BE49-F238E27FC236}">
+                <a16:creationId xmlns:a16="http://schemas.microsoft.com/office/drawing/2014/main" id="{43600554-184D-19E8-37A1-FCF80890AA43}"/>
+              </a:ext>
+            </a:extLst>
+          </p:cNvPr>
+          <p:cNvSpPr txBox="1"/>
+          <p:nvPr/>
+        </p:nvSpPr>
+        <p:spPr>
+          <a:xfrm>
+            <a:off x="3507548" y="-125945"/>
+            <a:ext cx="5176903" cy="1200329"/>
+          </a:xfrm>
+          <a:prstGeom prst="rect">
+            <a:avLst/>
+          </a:prstGeom>
+          <a:noFill/>
+        </p:spPr>
+        <p:txBody>
+          <a:bodyPr wrap="square" rtlCol="0">
+            <a:spAutoFit/>
+          </a:bodyPr>
+          <a:lstStyle/>
+          <a:p>
+            <a:pPr algn="ctr"/>
+            <a:r>
+              <a:rPr lang="it-IT" sz="7200" b="1" dirty="0">
+                <a:solidFill>
+                  <a:srgbClr val="FF0074"/>
+                </a:solidFill>
+                <a:latin typeface="Amasis MT Pro" panose="02040504050005020304" pitchFamily="18" charset="0"/>
+              </a:rPr>
+              <a:t>TITOLO</a:t>
+            </a:r>
+          </a:p>
+        </p:txBody>
+      </p:sp>
+      <p:sp>
+        <p:nvSpPr>
+          <p:cNvPr id="2" name="Rettangolo con angoli arrotondati 1">
+            <a:extLst>
+              <a:ext uri="{FF2B5EF4-FFF2-40B4-BE49-F238E27FC236}">
+                <a16:creationId xmlns:a16="http://schemas.microsoft.com/office/drawing/2014/main" id="{EF3D28C7-6163-27F3-488A-EF7218679634}"/>
+              </a:ext>
+            </a:extLst>
+          </p:cNvPr>
+          <p:cNvSpPr/>
+          <p:nvPr/>
+        </p:nvSpPr>
+        <p:spPr>
+          <a:xfrm>
+            <a:off x="0" y="1190445"/>
+            <a:ext cx="12192000" cy="5667555"/>
+          </a:xfrm>
+          <a:prstGeom prst="roundRect">
+            <a:avLst/>
+          </a:prstGeom>
+          <a:solidFill>
+            <a:srgbClr val="171A21"/>
+          </a:solidFill>
+          <a:ln>
+            <a:noFill/>
+          </a:ln>
+        </p:spPr>
+        <p:style>
+          <a:lnRef idx="2">
+            <a:schemeClr val="accent1">
+              <a:shade val="15000"/>
+            </a:schemeClr>
+          </a:lnRef>
+          <a:fillRef idx="1">
+            <a:schemeClr val="accent1"/>
+          </a:fillRef>
+          <a:effectRef idx="0">
+            <a:schemeClr val="accent1"/>
+          </a:effectRef>
+          <a:fontRef idx="minor">
+            <a:schemeClr val="lt1"/>
+          </a:fontRef>
+        </p:style>
+        <p:txBody>
+          <a:bodyPr rtlCol="0" anchor="ctr"/>
+          <a:lstStyle/>
+          <a:p>
+            <a:pPr algn="ctr"/>
+            <a:endParaRPr lang="it-IT"/>
+          </a:p>
+        </p:txBody>
+      </p:sp>
+      <p:sp>
+        <p:nvSpPr>
+          <p:cNvPr id="3" name="Rettangolo con angoli arrotondati 2">
+            <a:extLst>
+              <a:ext uri="{FF2B5EF4-FFF2-40B4-BE49-F238E27FC236}">
+                <a16:creationId xmlns:a16="http://schemas.microsoft.com/office/drawing/2014/main" id="{B86E006D-1449-FECC-C4CD-2E4704A53615}"/>
+              </a:ext>
+            </a:extLst>
+          </p:cNvPr>
+          <p:cNvSpPr/>
+          <p:nvPr/>
+        </p:nvSpPr>
+        <p:spPr>
+          <a:xfrm>
+            <a:off x="11261784" y="1535499"/>
+            <a:ext cx="416943" cy="370937"/>
+          </a:xfrm>
+          <a:prstGeom prst="roundRect">
+            <a:avLst/>
+          </a:prstGeom>
+          <a:solidFill>
+            <a:srgbClr val="278EA5"/>
+          </a:solidFill>
+          <a:ln>
+            <a:noFill/>
+          </a:ln>
+        </p:spPr>
+        <p:style>
+          <a:lnRef idx="2">
+            <a:schemeClr val="accent1">
+              <a:shade val="15000"/>
+            </a:schemeClr>
+          </a:lnRef>
+          <a:fillRef idx="1">
+            <a:schemeClr val="accent1"/>
+          </a:fillRef>
+          <a:effectRef idx="0">
+            <a:schemeClr val="accent1"/>
+          </a:effectRef>
+          <a:fontRef idx="minor">
+            <a:schemeClr val="lt1"/>
+          </a:fontRef>
+        </p:style>
+        <p:txBody>
+          <a:bodyPr rtlCol="0" anchor="ctr"/>
+          <a:lstStyle/>
+          <a:p>
+            <a:pPr algn="ctr"/>
+            <a:endParaRPr lang="it-IT" dirty="0"/>
+          </a:p>
+        </p:txBody>
+      </p:sp>
+      <p:sp>
+        <p:nvSpPr>
+          <p:cNvPr id="4" name="Rettangolo con angoli arrotondati 3">
+            <a:extLst>
+              <a:ext uri="{FF2B5EF4-FFF2-40B4-BE49-F238E27FC236}">
+                <a16:creationId xmlns:a16="http://schemas.microsoft.com/office/drawing/2014/main" id="{D71275F1-2DC5-A3F9-31E3-391948A9F747}"/>
+              </a:ext>
+            </a:extLst>
+          </p:cNvPr>
+          <p:cNvSpPr/>
+          <p:nvPr/>
+        </p:nvSpPr>
+        <p:spPr>
+          <a:xfrm>
+            <a:off x="11261783" y="6295514"/>
+            <a:ext cx="416943" cy="370937"/>
+          </a:xfrm>
+          <a:prstGeom prst="roundRect">
+            <a:avLst/>
+          </a:prstGeom>
+          <a:solidFill>
+            <a:srgbClr val="278EA5"/>
+          </a:solidFill>
+          <a:ln>
+            <a:noFill/>
+          </a:ln>
+        </p:spPr>
+        <p:style>
+          <a:lnRef idx="2">
+            <a:schemeClr val="accent1">
+              <a:shade val="15000"/>
+            </a:schemeClr>
+          </a:lnRef>
+          <a:fillRef idx="1">
+            <a:schemeClr val="accent1"/>
+          </a:fillRef>
+          <a:effectRef idx="0">
+            <a:schemeClr val="accent1"/>
+          </a:effectRef>
+          <a:fontRef idx="minor">
+            <a:schemeClr val="lt1"/>
+          </a:fontRef>
+        </p:style>
+        <p:txBody>
+          <a:bodyPr rtlCol="0" anchor="ctr"/>
+          <a:lstStyle/>
+          <a:p>
+            <a:pPr algn="ctr"/>
+            <a:endParaRPr lang="it-IT" dirty="0"/>
+          </a:p>
+        </p:txBody>
+      </p:sp>
+      <p:sp>
+        <p:nvSpPr>
+          <p:cNvPr id="5" name="Rettangolo con angoli arrotondati 4">
+            <a:extLst>
+              <a:ext uri="{FF2B5EF4-FFF2-40B4-BE49-F238E27FC236}">
+                <a16:creationId xmlns:a16="http://schemas.microsoft.com/office/drawing/2014/main" id="{EE0D89E7-E81C-1B8C-006A-84172FA3A19C}"/>
+              </a:ext>
+            </a:extLst>
+          </p:cNvPr>
+          <p:cNvSpPr/>
+          <p:nvPr/>
+        </p:nvSpPr>
+        <p:spPr>
+          <a:xfrm>
+            <a:off x="595222" y="1535500"/>
+            <a:ext cx="416943" cy="370937"/>
+          </a:xfrm>
+          <a:prstGeom prst="roundRect">
+            <a:avLst/>
+          </a:prstGeom>
+          <a:solidFill>
+            <a:srgbClr val="278EA5"/>
+          </a:solidFill>
+          <a:ln>
+            <a:noFill/>
+          </a:ln>
+        </p:spPr>
+        <p:style>
+          <a:lnRef idx="2">
+            <a:schemeClr val="accent1">
+              <a:shade val="15000"/>
+            </a:schemeClr>
+          </a:lnRef>
+          <a:fillRef idx="1">
+            <a:schemeClr val="accent1"/>
+          </a:fillRef>
+          <a:effectRef idx="0">
+            <a:schemeClr val="accent1"/>
+          </a:effectRef>
+          <a:fontRef idx="minor">
+            <a:schemeClr val="lt1"/>
+          </a:fontRef>
+        </p:style>
+        <p:txBody>
+          <a:bodyPr rtlCol="0" anchor="ctr"/>
+          <a:lstStyle/>
+          <a:p>
+            <a:pPr algn="ctr"/>
+            <a:endParaRPr lang="it-IT" dirty="0"/>
+          </a:p>
+        </p:txBody>
+      </p:sp>
+      <p:sp>
+        <p:nvSpPr>
+          <p:cNvPr id="6" name="Rettangolo con angoli arrotondati 5">
+            <a:extLst>
+              <a:ext uri="{FF2B5EF4-FFF2-40B4-BE49-F238E27FC236}">
+                <a16:creationId xmlns:a16="http://schemas.microsoft.com/office/drawing/2014/main" id="{7101C5B5-802A-0145-97FF-E55819744A2B}"/>
+              </a:ext>
+            </a:extLst>
+          </p:cNvPr>
+          <p:cNvSpPr/>
+          <p:nvPr/>
+        </p:nvSpPr>
+        <p:spPr>
+          <a:xfrm>
+            <a:off x="595221" y="6330019"/>
+            <a:ext cx="416943" cy="370937"/>
+          </a:xfrm>
+          <a:prstGeom prst="roundRect">
+            <a:avLst/>
+          </a:prstGeom>
+          <a:solidFill>
+            <a:srgbClr val="278EA5"/>
+          </a:solidFill>
+          <a:ln>
+            <a:noFill/>
+          </a:ln>
+        </p:spPr>
+        <p:style>
+          <a:lnRef idx="2">
+            <a:schemeClr val="accent1">
+              <a:shade val="15000"/>
+            </a:schemeClr>
+          </a:lnRef>
+          <a:fillRef idx="1">
+            <a:schemeClr val="accent1"/>
+          </a:fillRef>
+          <a:effectRef idx="0">
+            <a:schemeClr val="accent1"/>
+          </a:effectRef>
+          <a:fontRef idx="minor">
+            <a:schemeClr val="lt1"/>
+          </a:fontRef>
+        </p:style>
+        <p:txBody>
+          <a:bodyPr rtlCol="0" anchor="ctr"/>
+          <a:lstStyle/>
+          <a:p>
+            <a:pPr algn="ctr"/>
+            <a:endParaRPr lang="it-IT" dirty="0"/>
+          </a:p>
+        </p:txBody>
+      </p:sp>
+      <p:sp>
+        <p:nvSpPr>
+          <p:cNvPr id="15" name="CasellaDiTesto 14">
+            <a:extLst>
+              <a:ext uri="{FF2B5EF4-FFF2-40B4-BE49-F238E27FC236}">
+                <a16:creationId xmlns:a16="http://schemas.microsoft.com/office/drawing/2014/main" id="{7E426981-7126-0236-3B0A-8D6692E4479E}"/>
+              </a:ext>
+            </a:extLst>
+          </p:cNvPr>
+          <p:cNvSpPr txBox="1"/>
+          <p:nvPr/>
+        </p:nvSpPr>
+        <p:spPr>
+          <a:xfrm>
+            <a:off x="1095555" y="6330019"/>
+            <a:ext cx="2967487" cy="370937"/>
+          </a:xfrm>
+          <a:prstGeom prst="rect">
+            <a:avLst/>
+          </a:prstGeom>
+          <a:noFill/>
+        </p:spPr>
+        <p:txBody>
+          <a:bodyPr wrap="square" rtlCol="0">
+            <a:spAutoFit/>
+          </a:bodyPr>
+          <a:lstStyle/>
+          <a:p>
+            <a:r>
+              <a:rPr lang="it-IT" dirty="0">
+                <a:solidFill>
+                  <a:schemeClr val="bg1"/>
+                </a:solidFill>
+              </a:rPr>
+              <a:t>Source: </a:t>
+            </a:r>
+            <a:r>
+              <a:rPr lang="it-IT" dirty="0">
+                <a:solidFill>
+                  <a:schemeClr val="bg1"/>
+                </a:solidFill>
+                <a:hlinkClick r:id="rId3"/>
+              </a:rPr>
+              <a:t>link documentazione</a:t>
+            </a:r>
+            <a:endParaRPr lang="it-IT" dirty="0">
+              <a:solidFill>
+                <a:schemeClr val="bg1"/>
+              </a:solidFill>
+            </a:endParaRPr>
+          </a:p>
+        </p:txBody>
+      </p:sp>
+    </p:spTree>
+    <p:extLst>
+      <p:ext uri="{BB962C8B-B14F-4D97-AF65-F5344CB8AC3E}">
+        <p14:creationId xmlns:p14="http://schemas.microsoft.com/office/powerpoint/2010/main" val="3046026892"/>
+      </p:ext>
+    </p:extLst>
+  </p:cSld>
+  <p:clrMapOvr>
+    <a:masterClrMapping/>
+  </p:clrMapOvr>
+</p:sld>
+</file>
+
+<file path=ppt/slides/slide8.xml><?xml version="1.0" encoding="utf-8"?>
+<p:sld xmlns:a="http://schemas.openxmlformats.org/drawingml/2006/main" xmlns:r="http://schemas.openxmlformats.org/officeDocument/2006/relationships" xmlns:p="http://schemas.openxmlformats.org/presentationml/2006/main">
+  <p:cSld>
+    <p:bg>
+      <p:bgPr>
+        <a:blipFill dpi="0" rotWithShape="1">
+          <a:blip r:embed="rId2">
+            <a:lum/>
+          </a:blip>
+          <a:srcRect/>
+          <a:stretch>
+            <a:fillRect/>
+          </a:stretch>
+        </a:blipFill>
+        <a:effectLst/>
+      </p:bgPr>
+    </p:bg>
+    <p:spTree>
+      <p:nvGrpSpPr>
+        <p:cNvPr id="1" name=""/>
+        <p:cNvGrpSpPr/>
+        <p:nvPr/>
+      </p:nvGrpSpPr>
+      <p:grpSpPr>
+        <a:xfrm>
+          <a:off x="0" y="0"/>
+          <a:ext cx="0" cy="0"/>
+          <a:chOff x="0" y="0"/>
+          <a:chExt cx="0" cy="0"/>
+        </a:xfrm>
+      </p:grpSpPr>
+      <p:sp>
+        <p:nvSpPr>
+          <p:cNvPr id="7" name="Rettangolo 6">
+            <a:extLst>
+              <a:ext uri="{FF2B5EF4-FFF2-40B4-BE49-F238E27FC236}">
+                <a16:creationId xmlns:a16="http://schemas.microsoft.com/office/drawing/2014/main" id="{08BEFCCA-512B-118D-E357-B1C1D553941F}"/>
+              </a:ext>
+            </a:extLst>
+          </p:cNvPr>
+          <p:cNvSpPr/>
+          <p:nvPr/>
+        </p:nvSpPr>
+        <p:spPr>
+          <a:xfrm>
+            <a:off x="0" y="5984964"/>
+            <a:ext cx="12192000" cy="873036"/>
+          </a:xfrm>
+          <a:prstGeom prst="rect">
+            <a:avLst/>
+          </a:prstGeom>
+          <a:solidFill>
+            <a:srgbClr val="171A21"/>
+          </a:solidFill>
+        </p:spPr>
+        <p:style>
+          <a:lnRef idx="2">
+            <a:schemeClr val="accent1">
+              <a:shade val="15000"/>
+            </a:schemeClr>
+          </a:lnRef>
+          <a:fillRef idx="1">
+            <a:schemeClr val="accent1"/>
+          </a:fillRef>
+          <a:effectRef idx="0">
+            <a:schemeClr val="accent1"/>
+          </a:effectRef>
+          <a:fontRef idx="minor">
+            <a:schemeClr val="lt1"/>
+          </a:fontRef>
+        </p:style>
+        <p:txBody>
+          <a:bodyPr rtlCol="0" anchor="ctr"/>
+          <a:lstStyle/>
+          <a:p>
+            <a:pPr algn="ctr"/>
+            <a:endParaRPr lang="it-IT"/>
+          </a:p>
+        </p:txBody>
+      </p:sp>
+      <p:sp>
+        <p:nvSpPr>
+          <p:cNvPr id="10" name="CasellaDiTesto 9">
+            <a:extLst>
+              <a:ext uri="{FF2B5EF4-FFF2-40B4-BE49-F238E27FC236}">
+                <a16:creationId xmlns:a16="http://schemas.microsoft.com/office/drawing/2014/main" id="{43600554-184D-19E8-37A1-FCF80890AA43}"/>
+              </a:ext>
+            </a:extLst>
+          </p:cNvPr>
+          <p:cNvSpPr txBox="1"/>
+          <p:nvPr/>
+        </p:nvSpPr>
+        <p:spPr>
+          <a:xfrm>
+            <a:off x="3507548" y="-125945"/>
+            <a:ext cx="5176903" cy="1200329"/>
+          </a:xfrm>
+          <a:prstGeom prst="rect">
+            <a:avLst/>
+          </a:prstGeom>
+          <a:noFill/>
+        </p:spPr>
+        <p:txBody>
+          <a:bodyPr wrap="square" rtlCol="0">
+            <a:spAutoFit/>
+          </a:bodyPr>
+          <a:lstStyle/>
+          <a:p>
+            <a:pPr algn="ctr"/>
+            <a:r>
+              <a:rPr lang="it-IT" sz="7200" b="1" dirty="0">
+                <a:solidFill>
+                  <a:srgbClr val="FF0074"/>
+                </a:solidFill>
+                <a:latin typeface="Amasis MT Pro" panose="02040504050005020304" pitchFamily="18" charset="0"/>
+              </a:rPr>
+              <a:t>NO MOD</a:t>
+            </a:r>
+          </a:p>
+        </p:txBody>
+      </p:sp>
+      <p:sp>
+        <p:nvSpPr>
+          <p:cNvPr id="2" name="Rettangolo con angoli arrotondati 1">
+            <a:extLst>
+              <a:ext uri="{FF2B5EF4-FFF2-40B4-BE49-F238E27FC236}">
+                <a16:creationId xmlns:a16="http://schemas.microsoft.com/office/drawing/2014/main" id="{EF3D28C7-6163-27F3-488A-EF7218679634}"/>
+              </a:ext>
+            </a:extLst>
+          </p:cNvPr>
+          <p:cNvSpPr/>
+          <p:nvPr/>
+        </p:nvSpPr>
+        <p:spPr>
+          <a:xfrm>
+            <a:off x="0" y="1190445"/>
+            <a:ext cx="12192000" cy="5667555"/>
+          </a:xfrm>
+          <a:prstGeom prst="roundRect">
+            <a:avLst/>
+          </a:prstGeom>
+          <a:solidFill>
+            <a:srgbClr val="171A21"/>
+          </a:solidFill>
+          <a:ln>
+            <a:noFill/>
+          </a:ln>
+        </p:spPr>
+        <p:style>
+          <a:lnRef idx="2">
+            <a:schemeClr val="accent1">
+              <a:shade val="15000"/>
+            </a:schemeClr>
+          </a:lnRef>
+          <a:fillRef idx="1">
+            <a:schemeClr val="accent1"/>
+          </a:fillRef>
+          <a:effectRef idx="0">
+            <a:schemeClr val="accent1"/>
+          </a:effectRef>
+          <a:fontRef idx="minor">
+            <a:schemeClr val="lt1"/>
+          </a:fontRef>
+        </p:style>
+        <p:txBody>
+          <a:bodyPr rtlCol="0" anchor="ctr"/>
+          <a:lstStyle/>
+          <a:p>
+            <a:pPr algn="ctr"/>
+            <a:endParaRPr lang="it-IT"/>
+          </a:p>
+        </p:txBody>
+      </p:sp>
+      <p:sp>
+        <p:nvSpPr>
+          <p:cNvPr id="3" name="Rettangolo con angoli arrotondati 2">
+            <a:extLst>
+              <a:ext uri="{FF2B5EF4-FFF2-40B4-BE49-F238E27FC236}">
+                <a16:creationId xmlns:a16="http://schemas.microsoft.com/office/drawing/2014/main" id="{B86E006D-1449-FECC-C4CD-2E4704A53615}"/>
+              </a:ext>
+            </a:extLst>
+          </p:cNvPr>
+          <p:cNvSpPr/>
+          <p:nvPr/>
+        </p:nvSpPr>
+        <p:spPr>
+          <a:xfrm>
+            <a:off x="11261784" y="1535499"/>
+            <a:ext cx="416943" cy="370937"/>
+          </a:xfrm>
+          <a:prstGeom prst="roundRect">
+            <a:avLst/>
+          </a:prstGeom>
+          <a:solidFill>
+            <a:srgbClr val="278EA5"/>
+          </a:solidFill>
+          <a:ln>
+            <a:noFill/>
+          </a:ln>
+        </p:spPr>
+        <p:style>
+          <a:lnRef idx="2">
+            <a:schemeClr val="accent1">
+              <a:shade val="15000"/>
+            </a:schemeClr>
+          </a:lnRef>
+          <a:fillRef idx="1">
+            <a:schemeClr val="accent1"/>
+          </a:fillRef>
+          <a:effectRef idx="0">
+            <a:schemeClr val="accent1"/>
+          </a:effectRef>
+          <a:fontRef idx="minor">
+            <a:schemeClr val="lt1"/>
+          </a:fontRef>
+        </p:style>
+        <p:txBody>
+          <a:bodyPr rtlCol="0" anchor="ctr"/>
+          <a:lstStyle/>
+          <a:p>
+            <a:pPr algn="ctr"/>
+            <a:endParaRPr lang="it-IT" dirty="0"/>
+          </a:p>
+        </p:txBody>
+      </p:sp>
+      <p:sp>
+        <p:nvSpPr>
+          <p:cNvPr id="4" name="Rettangolo con angoli arrotondati 3">
+            <a:extLst>
+              <a:ext uri="{FF2B5EF4-FFF2-40B4-BE49-F238E27FC236}">
+                <a16:creationId xmlns:a16="http://schemas.microsoft.com/office/drawing/2014/main" id="{D71275F1-2DC5-A3F9-31E3-391948A9F747}"/>
+              </a:ext>
+            </a:extLst>
+          </p:cNvPr>
+          <p:cNvSpPr/>
+          <p:nvPr/>
+        </p:nvSpPr>
+        <p:spPr>
+          <a:xfrm>
+            <a:off x="11261783" y="6295514"/>
+            <a:ext cx="416943" cy="370937"/>
+          </a:xfrm>
+          <a:prstGeom prst="roundRect">
+            <a:avLst/>
+          </a:prstGeom>
+          <a:solidFill>
+            <a:srgbClr val="278EA5"/>
+          </a:solidFill>
+          <a:ln>
+            <a:noFill/>
+          </a:ln>
+        </p:spPr>
+        <p:style>
+          <a:lnRef idx="2">
+            <a:schemeClr val="accent1">
+              <a:shade val="15000"/>
+            </a:schemeClr>
+          </a:lnRef>
+          <a:fillRef idx="1">
+            <a:schemeClr val="accent1"/>
+          </a:fillRef>
+          <a:effectRef idx="0">
+            <a:schemeClr val="accent1"/>
+          </a:effectRef>
+          <a:fontRef idx="minor">
+            <a:schemeClr val="lt1"/>
+          </a:fontRef>
+        </p:style>
+        <p:txBody>
+          <a:bodyPr rtlCol="0" anchor="ctr"/>
+          <a:lstStyle/>
+          <a:p>
+            <a:pPr algn="ctr"/>
+            <a:endParaRPr lang="it-IT" dirty="0"/>
+          </a:p>
+        </p:txBody>
+      </p:sp>
+      <p:sp>
+        <p:nvSpPr>
+          <p:cNvPr id="5" name="Rettangolo con angoli arrotondati 4">
+            <a:extLst>
+              <a:ext uri="{FF2B5EF4-FFF2-40B4-BE49-F238E27FC236}">
+                <a16:creationId xmlns:a16="http://schemas.microsoft.com/office/drawing/2014/main" id="{EE0D89E7-E81C-1B8C-006A-84172FA3A19C}"/>
+              </a:ext>
+            </a:extLst>
+          </p:cNvPr>
+          <p:cNvSpPr/>
+          <p:nvPr/>
+        </p:nvSpPr>
+        <p:spPr>
+          <a:xfrm>
+            <a:off x="595222" y="1535500"/>
+            <a:ext cx="416943" cy="370937"/>
+          </a:xfrm>
+          <a:prstGeom prst="roundRect">
+            <a:avLst/>
+          </a:prstGeom>
+          <a:solidFill>
+            <a:srgbClr val="278EA5"/>
+          </a:solidFill>
+          <a:ln>
+            <a:noFill/>
+          </a:ln>
+        </p:spPr>
+        <p:style>
+          <a:lnRef idx="2">
+            <a:schemeClr val="accent1">
+              <a:shade val="15000"/>
+            </a:schemeClr>
+          </a:lnRef>
+          <a:fillRef idx="1">
+            <a:schemeClr val="accent1"/>
+          </a:fillRef>
+          <a:effectRef idx="0">
+            <a:schemeClr val="accent1"/>
+          </a:effectRef>
+          <a:fontRef idx="minor">
+            <a:schemeClr val="lt1"/>
+          </a:fontRef>
+        </p:style>
+        <p:txBody>
+          <a:bodyPr rtlCol="0" anchor="ctr"/>
+          <a:lstStyle/>
+          <a:p>
+            <a:pPr algn="ctr"/>
+            <a:endParaRPr lang="it-IT" dirty="0"/>
+          </a:p>
+        </p:txBody>
+      </p:sp>
+      <p:sp>
+        <p:nvSpPr>
+          <p:cNvPr id="6" name="Rettangolo con angoli arrotondati 5">
+            <a:extLst>
+              <a:ext uri="{FF2B5EF4-FFF2-40B4-BE49-F238E27FC236}">
+                <a16:creationId xmlns:a16="http://schemas.microsoft.com/office/drawing/2014/main" id="{7101C5B5-802A-0145-97FF-E55819744A2B}"/>
+              </a:ext>
+            </a:extLst>
+          </p:cNvPr>
+          <p:cNvSpPr/>
+          <p:nvPr/>
+        </p:nvSpPr>
+        <p:spPr>
+          <a:xfrm>
+            <a:off x="595221" y="6330019"/>
+            <a:ext cx="416943" cy="370937"/>
+          </a:xfrm>
+          <a:prstGeom prst="roundRect">
+            <a:avLst/>
+          </a:prstGeom>
+          <a:solidFill>
+            <a:srgbClr val="278EA5"/>
+          </a:solidFill>
+          <a:ln>
+            <a:noFill/>
+          </a:ln>
+        </p:spPr>
+        <p:style>
+          <a:lnRef idx="2">
+            <a:schemeClr val="accent1">
+              <a:shade val="15000"/>
+            </a:schemeClr>
+          </a:lnRef>
+          <a:fillRef idx="1">
+            <a:schemeClr val="accent1"/>
+          </a:fillRef>
+          <a:effectRef idx="0">
+            <a:schemeClr val="accent1"/>
+          </a:effectRef>
+          <a:fontRef idx="minor">
+            <a:schemeClr val="lt1"/>
+          </a:fontRef>
+        </p:style>
+        <p:txBody>
+          <a:bodyPr rtlCol="0" anchor="ctr"/>
+          <a:lstStyle/>
+          <a:p>
+            <a:pPr algn="ctr"/>
+            <a:endParaRPr lang="it-IT" dirty="0"/>
+          </a:p>
+        </p:txBody>
+      </p:sp>
+      <p:sp>
+        <p:nvSpPr>
+          <p:cNvPr id="15" name="CasellaDiTesto 14">
+            <a:extLst>
+              <a:ext uri="{FF2B5EF4-FFF2-40B4-BE49-F238E27FC236}">
+                <a16:creationId xmlns:a16="http://schemas.microsoft.com/office/drawing/2014/main" id="{7E426981-7126-0236-3B0A-8D6692E4479E}"/>
+              </a:ext>
+            </a:extLst>
+          </p:cNvPr>
+          <p:cNvSpPr txBox="1"/>
+          <p:nvPr/>
+        </p:nvSpPr>
+        <p:spPr>
+          <a:xfrm>
+            <a:off x="1095555" y="6330019"/>
+            <a:ext cx="2967487" cy="370937"/>
+          </a:xfrm>
+          <a:prstGeom prst="rect">
+            <a:avLst/>
+          </a:prstGeom>
+          <a:noFill/>
+        </p:spPr>
+        <p:txBody>
+          <a:bodyPr wrap="square" rtlCol="0">
+            <a:spAutoFit/>
+          </a:bodyPr>
+          <a:lstStyle/>
+          <a:p>
+            <a:r>
+              <a:rPr lang="it-IT" dirty="0">
+                <a:solidFill>
+                  <a:schemeClr val="bg1"/>
+                </a:solidFill>
+              </a:rPr>
+              <a:t>Source: </a:t>
+            </a:r>
+            <a:r>
+              <a:rPr lang="it-IT" dirty="0">
+                <a:solidFill>
+                  <a:schemeClr val="bg1"/>
+                </a:solidFill>
+                <a:hlinkClick r:id="rId3"/>
+              </a:rPr>
+              <a:t>link documentazione</a:t>
+            </a:r>
+            <a:endParaRPr lang="it-IT" dirty="0">
+              <a:solidFill>
+                <a:schemeClr val="bg1"/>
+              </a:solidFill>
+            </a:endParaRPr>
+          </a:p>
+        </p:txBody>
+      </p:sp>
+      <p:sp>
+        <p:nvSpPr>
+          <p:cNvPr id="9" name="CasellaDiTesto 8">
+            <a:extLst>
+              <a:ext uri="{FF2B5EF4-FFF2-40B4-BE49-F238E27FC236}">
+                <a16:creationId xmlns:a16="http://schemas.microsoft.com/office/drawing/2014/main" id="{42B5EC8D-8E70-D0D4-68B1-DB258AD1A6E4}"/>
+              </a:ext>
+            </a:extLst>
+          </p:cNvPr>
+          <p:cNvSpPr txBox="1"/>
+          <p:nvPr/>
+        </p:nvSpPr>
+        <p:spPr>
+          <a:xfrm>
+            <a:off x="3046093" y="1391057"/>
+            <a:ext cx="6099811" cy="646331"/>
+          </a:xfrm>
+          <a:prstGeom prst="rect">
+            <a:avLst/>
+          </a:prstGeom>
+          <a:noFill/>
+        </p:spPr>
+        <p:txBody>
+          <a:bodyPr wrap="square" rtlCol="0">
+            <a:spAutoFit/>
+          </a:bodyPr>
+          <a:lstStyle/>
+          <a:p>
+            <a:pPr algn="ctr"/>
+            <a:r>
+              <a:rPr lang="it-IT" b="0" i="0" dirty="0">
+                <a:solidFill>
+                  <a:srgbClr val="E6EDF3"/>
+                </a:solidFill>
+                <a:effectLst/>
+                <a:latin typeface="-apple-system"/>
+              </a:rPr>
+              <a:t> </a:t>
+            </a:r>
+            <a:r>
+              <a:rPr lang="it-IT" b="1" dirty="0">
+                <a:solidFill>
+                  <a:schemeClr val="bg1"/>
+                </a:solidFill>
+                <a:latin typeface="Comic Sans MS" panose="030F0702030302020204" pitchFamily="66" charset="0"/>
+              </a:rPr>
+              <a:t>Effettua la somma di due valori e salva il risultato nel secondo</a:t>
+            </a:r>
+          </a:p>
+        </p:txBody>
+      </p:sp>
+      <p:sp>
+        <p:nvSpPr>
+          <p:cNvPr id="11" name="Rettangolo con angoli arrotondati 10">
+            <a:extLst>
+              <a:ext uri="{FF2B5EF4-FFF2-40B4-BE49-F238E27FC236}">
+                <a16:creationId xmlns:a16="http://schemas.microsoft.com/office/drawing/2014/main" id="{102AA516-DC98-6CE2-BFC3-382473B9DEC0}"/>
+              </a:ext>
+            </a:extLst>
+          </p:cNvPr>
+          <p:cNvSpPr/>
+          <p:nvPr/>
+        </p:nvSpPr>
+        <p:spPr>
+          <a:xfrm rot="10800000" flipV="1">
+            <a:off x="2714445" y="2333348"/>
+            <a:ext cx="6763108" cy="420727"/>
+          </a:xfrm>
+          <a:prstGeom prst="roundRect">
+            <a:avLst/>
+          </a:prstGeom>
+          <a:solidFill>
+            <a:srgbClr val="283049"/>
+          </a:solidFill>
+          <a:ln>
+            <a:noFill/>
+          </a:ln>
+        </p:spPr>
+        <p:style>
+          <a:lnRef idx="2">
+            <a:schemeClr val="accent1">
+              <a:shade val="15000"/>
+            </a:schemeClr>
+          </a:lnRef>
+          <a:fillRef idx="1">
+            <a:schemeClr val="accent1"/>
+          </a:fillRef>
+          <a:effectRef idx="0">
+            <a:schemeClr val="accent1"/>
+          </a:effectRef>
+          <a:fontRef idx="minor">
+            <a:schemeClr val="lt1"/>
+          </a:fontRef>
+        </p:style>
+        <p:txBody>
+          <a:bodyPr rtlCol="0" anchor="ctr"/>
+          <a:lstStyle/>
+          <a:p>
+            <a:pPr algn="ctr"/>
+            <a:r>
+              <a:rPr lang="it-IT" dirty="0"/>
+              <a:t> </a:t>
+            </a:r>
+          </a:p>
+        </p:txBody>
+      </p:sp>
+      <p:sp>
+        <p:nvSpPr>
+          <p:cNvPr id="12" name="CasellaDiTesto 11">
+            <a:extLst>
+              <a:ext uri="{FF2B5EF4-FFF2-40B4-BE49-F238E27FC236}">
+                <a16:creationId xmlns:a16="http://schemas.microsoft.com/office/drawing/2014/main" id="{76641843-9169-84DA-A818-77088F55B39E}"/>
+              </a:ext>
+            </a:extLst>
+          </p:cNvPr>
+          <p:cNvSpPr txBox="1"/>
+          <p:nvPr/>
+        </p:nvSpPr>
+        <p:spPr>
+          <a:xfrm>
+            <a:off x="2947018" y="2349433"/>
+            <a:ext cx="2158306" cy="369332"/>
+          </a:xfrm>
+          <a:prstGeom prst="rect">
+            <a:avLst/>
+          </a:prstGeom>
+          <a:noFill/>
+        </p:spPr>
+        <p:txBody>
+          <a:bodyPr wrap="square" rtlCol="0">
+            <a:spAutoFit/>
+          </a:bodyPr>
+          <a:lstStyle/>
+          <a:p>
+            <a:r>
+              <a:rPr lang="it-IT" dirty="0">
+                <a:solidFill>
+                  <a:schemeClr val="bg1"/>
+                </a:solidFill>
+              </a:rPr>
+              <a:t>&lt;</a:t>
+            </a:r>
+            <a:r>
+              <a:rPr lang="it-IT" dirty="0">
+                <a:solidFill>
+                  <a:srgbClr val="00B050"/>
+                </a:solidFill>
+              </a:rPr>
+              <a:t>primo op</a:t>
+            </a:r>
+            <a:r>
+              <a:rPr lang="it-IT" dirty="0">
+                <a:solidFill>
+                  <a:schemeClr val="bg1"/>
+                </a:solidFill>
+              </a:rPr>
+              <a:t>&gt;</a:t>
+            </a:r>
+          </a:p>
+        </p:txBody>
+      </p:sp>
+      <p:pic>
+        <p:nvPicPr>
+          <p:cNvPr id="16" name="Immagine 15">
+            <a:extLst>
+              <a:ext uri="{FF2B5EF4-FFF2-40B4-BE49-F238E27FC236}">
+                <a16:creationId xmlns:a16="http://schemas.microsoft.com/office/drawing/2014/main" id="{3518EDAD-35FD-D9B8-DDC8-8D3D32ED49B1}"/>
+              </a:ext>
+            </a:extLst>
+          </p:cNvPr>
+          <p:cNvPicPr>
+            <a:picLocks noChangeAspect="1"/>
+          </p:cNvPicPr>
+          <p:nvPr/>
+        </p:nvPicPr>
+        <p:blipFill>
+          <a:blip r:embed="rId4">
+            <a:extLst>
+              <a:ext uri="{28A0092B-C50C-407E-A947-70E740481C1C}">
+                <a14:useLocalDpi xmlns:a14="http://schemas.microsoft.com/office/drawing/2010/main" val="0"/>
+              </a:ext>
+            </a:extLst>
+          </a:blip>
+          <a:stretch>
+            <a:fillRect/>
+          </a:stretch>
+        </p:blipFill>
+        <p:spPr>
+          <a:xfrm>
+            <a:off x="6636094" y="2438103"/>
+            <a:ext cx="472456" cy="264576"/>
+          </a:xfrm>
+          <a:prstGeom prst="rect">
+            <a:avLst/>
+          </a:prstGeom>
+        </p:spPr>
+      </p:pic>
+      <p:sp>
+        <p:nvSpPr>
+          <p:cNvPr id="17" name="CasellaDiTesto 16">
+            <a:extLst>
+              <a:ext uri="{FF2B5EF4-FFF2-40B4-BE49-F238E27FC236}">
+                <a16:creationId xmlns:a16="http://schemas.microsoft.com/office/drawing/2014/main" id="{7B7B97F4-7B19-CF9C-B08A-A854AAC74950}"/>
+              </a:ext>
+            </a:extLst>
+          </p:cNvPr>
+          <p:cNvSpPr txBox="1"/>
+          <p:nvPr/>
+        </p:nvSpPr>
+        <p:spPr>
+          <a:xfrm>
+            <a:off x="4925710" y="2349433"/>
+            <a:ext cx="1487472" cy="369332"/>
+          </a:xfrm>
+          <a:prstGeom prst="rect">
+            <a:avLst/>
+          </a:prstGeom>
+          <a:noFill/>
+        </p:spPr>
+        <p:txBody>
+          <a:bodyPr wrap="square" rtlCol="0">
+            <a:spAutoFit/>
+          </a:bodyPr>
+          <a:lstStyle/>
+          <a:p>
+            <a:r>
+              <a:rPr lang="it-IT" dirty="0">
+                <a:solidFill>
+                  <a:schemeClr val="bg1"/>
+                </a:solidFill>
+              </a:rPr>
+              <a:t>&lt;</a:t>
+            </a:r>
+            <a:r>
+              <a:rPr lang="it-IT" dirty="0">
+                <a:solidFill>
+                  <a:srgbClr val="00B050"/>
+                </a:solidFill>
+              </a:rPr>
+              <a:t>secondo op</a:t>
+            </a:r>
+            <a:r>
+              <a:rPr lang="it-IT" dirty="0">
+                <a:solidFill>
+                  <a:schemeClr val="bg1"/>
+                </a:solidFill>
+              </a:rPr>
+              <a:t>&gt;</a:t>
+            </a:r>
+          </a:p>
+        </p:txBody>
+      </p:sp>
+      <p:sp>
+        <p:nvSpPr>
+          <p:cNvPr id="20" name="CasellaDiTesto 19">
+            <a:extLst>
+              <a:ext uri="{FF2B5EF4-FFF2-40B4-BE49-F238E27FC236}">
+                <a16:creationId xmlns:a16="http://schemas.microsoft.com/office/drawing/2014/main" id="{29558126-01A9-2A4C-2C49-71C777F20267}"/>
+              </a:ext>
+            </a:extLst>
+          </p:cNvPr>
+          <p:cNvSpPr txBox="1"/>
+          <p:nvPr/>
+        </p:nvSpPr>
+        <p:spPr>
+          <a:xfrm>
+            <a:off x="7240327" y="2352222"/>
+            <a:ext cx="2258951" cy="369332"/>
+          </a:xfrm>
+          <a:prstGeom prst="rect">
+            <a:avLst/>
+          </a:prstGeom>
+          <a:noFill/>
+        </p:spPr>
+        <p:txBody>
+          <a:bodyPr wrap="square" rtlCol="0">
+            <a:spAutoFit/>
+          </a:bodyPr>
+          <a:lstStyle/>
+          <a:p>
+            <a:r>
+              <a:rPr lang="it-IT" dirty="0">
+                <a:solidFill>
+                  <a:schemeClr val="bg1"/>
+                </a:solidFill>
+              </a:rPr>
+              <a:t>&lt;</a:t>
+            </a:r>
+            <a:r>
+              <a:rPr lang="it-IT" dirty="0">
+                <a:solidFill>
+                  <a:srgbClr val="00B050"/>
+                </a:solidFill>
+              </a:rPr>
+              <a:t>secondo operando</a:t>
+            </a:r>
+            <a:r>
+              <a:rPr lang="it-IT" dirty="0">
+                <a:solidFill>
+                  <a:schemeClr val="bg1"/>
+                </a:solidFill>
+              </a:rPr>
+              <a:t>&gt;</a:t>
+            </a:r>
+          </a:p>
+        </p:txBody>
+      </p:sp>
+      <p:sp>
+        <p:nvSpPr>
+          <p:cNvPr id="21" name="CasellaDiTesto 20">
+            <a:extLst>
+              <a:ext uri="{FF2B5EF4-FFF2-40B4-BE49-F238E27FC236}">
+                <a16:creationId xmlns:a16="http://schemas.microsoft.com/office/drawing/2014/main" id="{FE03FD11-5FB9-A6E6-09BC-53065821C9B6}"/>
+              </a:ext>
+            </a:extLst>
+          </p:cNvPr>
+          <p:cNvSpPr txBox="1"/>
+          <p:nvPr/>
+        </p:nvSpPr>
+        <p:spPr>
+          <a:xfrm>
+            <a:off x="6253243" y="2153449"/>
+            <a:ext cx="1238159" cy="369332"/>
+          </a:xfrm>
+          <a:prstGeom prst="rect">
+            <a:avLst/>
+          </a:prstGeom>
+          <a:noFill/>
+        </p:spPr>
+        <p:txBody>
+          <a:bodyPr wrap="square" rtlCol="0">
+            <a:spAutoFit/>
+          </a:bodyPr>
+          <a:lstStyle/>
+          <a:p>
+            <a:pPr algn="ctr"/>
+            <a:r>
+              <a:rPr lang="it-IT" dirty="0">
+                <a:solidFill>
+                  <a:schemeClr val="bg2"/>
+                </a:solidFill>
+                <a:latin typeface="Comic Sans MS" panose="030F0702030302020204" pitchFamily="66" charset="0"/>
+              </a:rPr>
+              <a:t>Risultato</a:t>
+            </a:r>
+          </a:p>
+        </p:txBody>
+      </p:sp>
+      <p:pic>
+        <p:nvPicPr>
+          <p:cNvPr id="23" name="Immagine 22">
+            <a:extLst>
+              <a:ext uri="{FF2B5EF4-FFF2-40B4-BE49-F238E27FC236}">
+                <a16:creationId xmlns:a16="http://schemas.microsoft.com/office/drawing/2014/main" id="{EB79B55F-DD0C-BEBB-5AA1-4E6717402EB4}"/>
+              </a:ext>
+            </a:extLst>
+          </p:cNvPr>
+          <p:cNvPicPr>
+            <a:picLocks noChangeAspect="1"/>
+          </p:cNvPicPr>
+          <p:nvPr/>
+        </p:nvPicPr>
+        <p:blipFill>
+          <a:blip r:embed="rId5">
+            <a:extLst>
+              <a:ext uri="{28A0092B-C50C-407E-A947-70E740481C1C}">
+                <a14:useLocalDpi xmlns:a14="http://schemas.microsoft.com/office/drawing/2010/main" val="0"/>
+              </a:ext>
+            </a:extLst>
+          </a:blip>
+          <a:stretch>
+            <a:fillRect/>
+          </a:stretch>
+        </p:blipFill>
+        <p:spPr>
+          <a:xfrm>
+            <a:off x="4462617" y="2380931"/>
+            <a:ext cx="325560" cy="325560"/>
+          </a:xfrm>
+          <a:prstGeom prst="rect">
+            <a:avLst/>
+          </a:prstGeom>
+        </p:spPr>
+      </p:pic>
+      <p:sp>
+        <p:nvSpPr>
+          <p:cNvPr id="32" name="Rettangolo con angoli arrotondati 31">
+            <a:extLst>
+              <a:ext uri="{FF2B5EF4-FFF2-40B4-BE49-F238E27FC236}">
+                <a16:creationId xmlns:a16="http://schemas.microsoft.com/office/drawing/2014/main" id="{0E82439F-0A26-59C2-909B-A5B5BE0233C2}"/>
+              </a:ext>
+            </a:extLst>
+          </p:cNvPr>
+          <p:cNvSpPr/>
+          <p:nvPr/>
+        </p:nvSpPr>
+        <p:spPr>
+          <a:xfrm>
+            <a:off x="496019" y="2967426"/>
+            <a:ext cx="11417059" cy="1206458"/>
+          </a:xfrm>
+          <a:prstGeom prst="roundRect">
+            <a:avLst/>
+          </a:prstGeom>
+          <a:solidFill>
+            <a:srgbClr val="283049"/>
+          </a:solidFill>
+          <a:ln>
+            <a:noFill/>
+          </a:ln>
+        </p:spPr>
+        <p:style>
+          <a:lnRef idx="2">
+            <a:schemeClr val="accent1">
+              <a:shade val="15000"/>
+            </a:schemeClr>
+          </a:lnRef>
+          <a:fillRef idx="1">
+            <a:schemeClr val="accent1"/>
+          </a:fillRef>
+          <a:effectRef idx="0">
+            <a:schemeClr val="accent1"/>
+          </a:effectRef>
+          <a:fontRef idx="minor">
+            <a:schemeClr val="lt1"/>
+          </a:fontRef>
+        </p:style>
+        <p:txBody>
+          <a:bodyPr rtlCol="0" anchor="ctr"/>
+          <a:lstStyle/>
+          <a:p>
+            <a:pPr algn="ctr"/>
+            <a:endParaRPr lang="it-IT"/>
+          </a:p>
+        </p:txBody>
+      </p:sp>
+      <p:sp>
+        <p:nvSpPr>
+          <p:cNvPr id="33" name="CasellaDiTesto 32">
+            <a:extLst>
+              <a:ext uri="{FF2B5EF4-FFF2-40B4-BE49-F238E27FC236}">
+                <a16:creationId xmlns:a16="http://schemas.microsoft.com/office/drawing/2014/main" id="{17ABFD37-596A-D028-BF2E-703CC824A66F}"/>
+              </a:ext>
+            </a:extLst>
+          </p:cNvPr>
+          <p:cNvSpPr txBox="1"/>
+          <p:nvPr/>
+        </p:nvSpPr>
+        <p:spPr>
+          <a:xfrm>
+            <a:off x="660828" y="3062400"/>
+            <a:ext cx="5058482" cy="923330"/>
+          </a:xfrm>
+          <a:prstGeom prst="rect">
+            <a:avLst/>
+          </a:prstGeom>
+          <a:noFill/>
+        </p:spPr>
+        <p:txBody>
+          <a:bodyPr wrap="square" rtlCol="0">
+            <a:spAutoFit/>
+          </a:bodyPr>
+          <a:lstStyle/>
+          <a:p>
+            <a:pPr algn="ctr"/>
+            <a:r>
+              <a:rPr lang="en-US" dirty="0">
+                <a:solidFill>
+                  <a:schemeClr val="bg1"/>
+                </a:solidFill>
+                <a:latin typeface="Comic Sans MS" panose="030F0702030302020204" pitchFamily="66" charset="0"/>
+              </a:rPr>
+              <a:t>add &lt;</a:t>
+            </a:r>
+            <a:r>
+              <a:rPr lang="en-US" dirty="0">
+                <a:solidFill>
+                  <a:srgbClr val="00B050"/>
+                </a:solidFill>
+                <a:latin typeface="Comic Sans MS" panose="030F0702030302020204" pitchFamily="66" charset="0"/>
+              </a:rPr>
+              <a:t>primo operando</a:t>
+            </a:r>
+            <a:r>
+              <a:rPr lang="en-US" dirty="0">
+                <a:solidFill>
+                  <a:schemeClr val="bg1"/>
+                </a:solidFill>
+                <a:latin typeface="Comic Sans MS" panose="030F0702030302020204" pitchFamily="66" charset="0"/>
+              </a:rPr>
+              <a:t>&gt;, &lt;</a:t>
+            </a:r>
+            <a:r>
+              <a:rPr lang="en-US" dirty="0">
+                <a:solidFill>
+                  <a:srgbClr val="00B050"/>
+                </a:solidFill>
+                <a:latin typeface="Comic Sans MS" panose="030F0702030302020204" pitchFamily="66" charset="0"/>
+              </a:rPr>
+              <a:t>secondo operando</a:t>
+            </a:r>
+            <a:r>
+              <a:rPr lang="en-US" dirty="0">
+                <a:solidFill>
+                  <a:schemeClr val="bg1"/>
+                </a:solidFill>
+                <a:latin typeface="Comic Sans MS" panose="030F0702030302020204" pitchFamily="66" charset="0"/>
+              </a:rPr>
+              <a:t>&gt;</a:t>
+            </a:r>
+          </a:p>
+          <a:p>
+            <a:pPr algn="ctr"/>
+            <a:endParaRPr lang="en-US" dirty="0">
+              <a:solidFill>
+                <a:schemeClr val="bg1"/>
+              </a:solidFill>
+              <a:latin typeface="Comic Sans MS" panose="030F0702030302020204" pitchFamily="66" charset="0"/>
+            </a:endParaRPr>
+          </a:p>
+          <a:p>
+            <a:pPr algn="ctr"/>
+            <a:r>
+              <a:rPr lang="en-US" dirty="0">
+                <a:solidFill>
+                  <a:schemeClr val="bg1"/>
+                </a:solidFill>
+                <a:latin typeface="Comic Sans MS" panose="030F0702030302020204" pitchFamily="66" charset="0"/>
+              </a:rPr>
+              <a:t>add </a:t>
+            </a:r>
+            <a:r>
+              <a:rPr lang="en-US" dirty="0">
+                <a:solidFill>
+                  <a:srgbClr val="00B050"/>
+                </a:solidFill>
+                <a:latin typeface="Comic Sans MS" panose="030F0702030302020204" pitchFamily="66" charset="0"/>
+              </a:rPr>
+              <a:t>#100</a:t>
+            </a:r>
+            <a:r>
+              <a:rPr lang="en-US" dirty="0">
+                <a:solidFill>
+                  <a:schemeClr val="bg1"/>
+                </a:solidFill>
+                <a:latin typeface="Comic Sans MS" panose="030F0702030302020204" pitchFamily="66" charset="0"/>
+              </a:rPr>
+              <a:t>, </a:t>
+            </a:r>
+            <a:r>
+              <a:rPr lang="en-US" dirty="0">
+                <a:solidFill>
+                  <a:srgbClr val="00B050"/>
+                </a:solidFill>
+                <a:latin typeface="Comic Sans MS" panose="030F0702030302020204" pitchFamily="66" charset="0"/>
+              </a:rPr>
+              <a:t>d0 </a:t>
+            </a:r>
+          </a:p>
+        </p:txBody>
+      </p:sp>
+      <p:sp>
+        <p:nvSpPr>
+          <p:cNvPr id="34" name="CasellaDiTesto 33">
+            <a:extLst>
+              <a:ext uri="{FF2B5EF4-FFF2-40B4-BE49-F238E27FC236}">
+                <a16:creationId xmlns:a16="http://schemas.microsoft.com/office/drawing/2014/main" id="{210090EF-8640-6367-4F41-A648EDD542D1}"/>
+              </a:ext>
+            </a:extLst>
+          </p:cNvPr>
+          <p:cNvSpPr txBox="1"/>
+          <p:nvPr/>
+        </p:nvSpPr>
+        <p:spPr>
+          <a:xfrm>
+            <a:off x="5719310" y="3200899"/>
+            <a:ext cx="6099811" cy="1200329"/>
+          </a:xfrm>
+          <a:prstGeom prst="rect">
+            <a:avLst/>
+          </a:prstGeom>
+          <a:noFill/>
+        </p:spPr>
+        <p:txBody>
+          <a:bodyPr wrap="square" rtlCol="0">
+            <a:spAutoFit/>
+          </a:bodyPr>
+          <a:lstStyle/>
+          <a:p>
+            <a:pPr algn="ctr"/>
+            <a:r>
+              <a:rPr lang="it-IT" b="1" dirty="0">
+                <a:solidFill>
+                  <a:schemeClr val="bg1"/>
+                </a:solidFill>
+                <a:latin typeface="Comic Sans MS" panose="030F0702030302020204" pitchFamily="66" charset="0"/>
+              </a:rPr>
+              <a:t>Cosa succede nell’esempio?</a:t>
+            </a:r>
+          </a:p>
+          <a:p>
+            <a:pPr algn="ctr"/>
+            <a:r>
+              <a:rPr lang="it-IT" i="1" dirty="0">
+                <a:solidFill>
+                  <a:schemeClr val="bg1"/>
+                </a:solidFill>
+                <a:latin typeface="Comic Sans MS" panose="030F0702030302020204" pitchFamily="66" charset="0"/>
+              </a:rPr>
+              <a:t>Sommiamo </a:t>
+            </a:r>
+            <a:r>
+              <a:rPr lang="it-IT" i="1" dirty="0">
+                <a:solidFill>
+                  <a:srgbClr val="00B050"/>
+                </a:solidFill>
+                <a:latin typeface="Comic Sans MS" panose="030F0702030302020204" pitchFamily="66" charset="0"/>
+              </a:rPr>
+              <a:t>100</a:t>
+            </a:r>
+            <a:r>
+              <a:rPr lang="it-IT" i="1" dirty="0">
+                <a:solidFill>
+                  <a:schemeClr val="bg1"/>
+                </a:solidFill>
+                <a:latin typeface="Comic Sans MS" panose="030F0702030302020204" pitchFamily="66" charset="0"/>
+              </a:rPr>
+              <a:t> con il contenuto di </a:t>
+            </a:r>
+            <a:r>
+              <a:rPr lang="it-IT" i="1" dirty="0">
+                <a:solidFill>
+                  <a:srgbClr val="00B050"/>
+                </a:solidFill>
+                <a:latin typeface="Comic Sans MS" panose="030F0702030302020204" pitchFamily="66" charset="0"/>
+              </a:rPr>
+              <a:t>d0</a:t>
+            </a:r>
+            <a:r>
+              <a:rPr lang="it-IT" i="1" dirty="0">
+                <a:solidFill>
+                  <a:schemeClr val="bg1"/>
+                </a:solidFill>
+                <a:latin typeface="Comic Sans MS" panose="030F0702030302020204" pitchFamily="66" charset="0"/>
+              </a:rPr>
+              <a:t> e </a:t>
+            </a:r>
+          </a:p>
+          <a:p>
+            <a:pPr algn="ctr"/>
+            <a:r>
+              <a:rPr lang="it-IT" i="1" dirty="0">
+                <a:solidFill>
+                  <a:schemeClr val="bg1"/>
+                </a:solidFill>
+                <a:latin typeface="Comic Sans MS" panose="030F0702030302020204" pitchFamily="66" charset="0"/>
+              </a:rPr>
+              <a:t>inseriamo il </a:t>
+            </a:r>
+            <a:r>
+              <a:rPr lang="it-IT" i="1" dirty="0">
+                <a:solidFill>
+                  <a:srgbClr val="00B050"/>
+                </a:solidFill>
+                <a:latin typeface="Comic Sans MS" panose="030F0702030302020204" pitchFamily="66" charset="0"/>
+              </a:rPr>
+              <a:t>risultato</a:t>
+            </a:r>
+            <a:r>
+              <a:rPr lang="it-IT" i="1" dirty="0">
+                <a:solidFill>
+                  <a:schemeClr val="bg1"/>
+                </a:solidFill>
+                <a:latin typeface="Comic Sans MS" panose="030F0702030302020204" pitchFamily="66" charset="0"/>
+              </a:rPr>
+              <a:t> dentro il </a:t>
+            </a:r>
+            <a:r>
+              <a:rPr lang="it-IT" i="1" dirty="0">
+                <a:solidFill>
+                  <a:srgbClr val="FF0074"/>
+                </a:solidFill>
+                <a:latin typeface="Comic Sans MS" panose="030F0702030302020204" pitchFamily="66" charset="0"/>
+              </a:rPr>
+              <a:t>registro</a:t>
+            </a:r>
+            <a:r>
+              <a:rPr lang="it-IT" i="1" dirty="0">
+                <a:solidFill>
+                  <a:schemeClr val="bg1"/>
+                </a:solidFill>
+                <a:latin typeface="Comic Sans MS" panose="030F0702030302020204" pitchFamily="66" charset="0"/>
+              </a:rPr>
+              <a:t> </a:t>
+            </a:r>
+            <a:r>
+              <a:rPr lang="it-IT" i="1" dirty="0">
+                <a:solidFill>
+                  <a:srgbClr val="00B050"/>
+                </a:solidFill>
+                <a:latin typeface="Comic Sans MS" panose="030F0702030302020204" pitchFamily="66" charset="0"/>
+              </a:rPr>
+              <a:t>d0</a:t>
+            </a:r>
+          </a:p>
+          <a:p>
+            <a:pPr algn="ctr"/>
+            <a:endParaRPr lang="it-IT" b="1" dirty="0">
+              <a:solidFill>
+                <a:schemeClr val="bg1"/>
+              </a:solidFill>
+              <a:latin typeface="Comic Sans MS" panose="030F0702030302020204" pitchFamily="66" charset="0"/>
+            </a:endParaRPr>
+          </a:p>
+        </p:txBody>
+      </p:sp>
+      <p:sp>
+        <p:nvSpPr>
+          <p:cNvPr id="35" name="Rettangolo con angoli arrotondati 34">
+            <a:extLst>
+              <a:ext uri="{FF2B5EF4-FFF2-40B4-BE49-F238E27FC236}">
+                <a16:creationId xmlns:a16="http://schemas.microsoft.com/office/drawing/2014/main" id="{C3CCC183-88EB-2366-2D32-A720A1422CF8}"/>
+              </a:ext>
+            </a:extLst>
+          </p:cNvPr>
+          <p:cNvSpPr/>
+          <p:nvPr/>
+        </p:nvSpPr>
+        <p:spPr>
+          <a:xfrm>
+            <a:off x="496019" y="4419116"/>
+            <a:ext cx="11417059" cy="1206458"/>
+          </a:xfrm>
+          <a:prstGeom prst="roundRect">
+            <a:avLst/>
+          </a:prstGeom>
+          <a:solidFill>
+            <a:srgbClr val="283049"/>
+          </a:solidFill>
+          <a:ln>
+            <a:noFill/>
+          </a:ln>
+        </p:spPr>
+        <p:style>
+          <a:lnRef idx="2">
+            <a:schemeClr val="accent1">
+              <a:shade val="15000"/>
+            </a:schemeClr>
+          </a:lnRef>
+          <a:fillRef idx="1">
+            <a:schemeClr val="accent1"/>
+          </a:fillRef>
+          <a:effectRef idx="0">
+            <a:schemeClr val="accent1"/>
+          </a:effectRef>
+          <a:fontRef idx="minor">
+            <a:schemeClr val="lt1"/>
+          </a:fontRef>
+        </p:style>
+        <p:txBody>
+          <a:bodyPr rtlCol="0" anchor="ctr"/>
+          <a:lstStyle/>
+          <a:p>
+            <a:pPr algn="ctr"/>
+            <a:endParaRPr lang="it-IT"/>
+          </a:p>
+        </p:txBody>
+      </p:sp>
+      <p:sp>
+        <p:nvSpPr>
+          <p:cNvPr id="36" name="CasellaDiTesto 35">
+            <a:extLst>
+              <a:ext uri="{FF2B5EF4-FFF2-40B4-BE49-F238E27FC236}">
+                <a16:creationId xmlns:a16="http://schemas.microsoft.com/office/drawing/2014/main" id="{FBBB3165-199A-5165-016B-1D9FD590972E}"/>
+              </a:ext>
+            </a:extLst>
+          </p:cNvPr>
+          <p:cNvSpPr txBox="1"/>
+          <p:nvPr/>
+        </p:nvSpPr>
+        <p:spPr>
+          <a:xfrm>
+            <a:off x="657952" y="4582123"/>
+            <a:ext cx="5058482" cy="923330"/>
+          </a:xfrm>
+          <a:prstGeom prst="rect">
+            <a:avLst/>
+          </a:prstGeom>
+          <a:noFill/>
+        </p:spPr>
+        <p:txBody>
+          <a:bodyPr wrap="square" rtlCol="0">
+            <a:spAutoFit/>
+          </a:bodyPr>
+          <a:lstStyle/>
+          <a:p>
+            <a:pPr algn="ctr"/>
+            <a:r>
+              <a:rPr lang="en-US" dirty="0">
+                <a:solidFill>
+                  <a:schemeClr val="bg1"/>
+                </a:solidFill>
+                <a:latin typeface="Comic Sans MS" panose="030F0702030302020204" pitchFamily="66" charset="0"/>
+              </a:rPr>
+              <a:t>add &lt;</a:t>
+            </a:r>
+            <a:r>
+              <a:rPr lang="en-US" dirty="0">
+                <a:solidFill>
+                  <a:srgbClr val="00B050"/>
+                </a:solidFill>
+                <a:latin typeface="Comic Sans MS" panose="030F0702030302020204" pitchFamily="66" charset="0"/>
+              </a:rPr>
+              <a:t>primo operando</a:t>
+            </a:r>
+            <a:r>
+              <a:rPr lang="en-US" dirty="0">
+                <a:solidFill>
+                  <a:schemeClr val="bg1"/>
+                </a:solidFill>
+                <a:latin typeface="Comic Sans MS" panose="030F0702030302020204" pitchFamily="66" charset="0"/>
+              </a:rPr>
+              <a:t>&gt;, &lt;</a:t>
+            </a:r>
+            <a:r>
+              <a:rPr lang="en-US" dirty="0">
+                <a:solidFill>
+                  <a:srgbClr val="00B050"/>
+                </a:solidFill>
+                <a:latin typeface="Comic Sans MS" panose="030F0702030302020204" pitchFamily="66" charset="0"/>
+              </a:rPr>
+              <a:t>secondo operando</a:t>
+            </a:r>
+            <a:r>
+              <a:rPr lang="en-US" dirty="0">
+                <a:solidFill>
+                  <a:schemeClr val="bg1"/>
+                </a:solidFill>
+                <a:latin typeface="Comic Sans MS" panose="030F0702030302020204" pitchFamily="66" charset="0"/>
+              </a:rPr>
+              <a:t>&gt;</a:t>
+            </a:r>
+          </a:p>
+          <a:p>
+            <a:pPr algn="ctr"/>
+            <a:endParaRPr lang="en-US" dirty="0">
+              <a:solidFill>
+                <a:schemeClr val="bg1"/>
+              </a:solidFill>
+              <a:latin typeface="Comic Sans MS" panose="030F0702030302020204" pitchFamily="66" charset="0"/>
+            </a:endParaRPr>
+          </a:p>
+          <a:p>
+            <a:pPr algn="ctr"/>
+            <a:r>
+              <a:rPr lang="en-US" dirty="0">
+                <a:solidFill>
+                  <a:schemeClr val="bg1"/>
+                </a:solidFill>
+                <a:latin typeface="Comic Sans MS" panose="030F0702030302020204" pitchFamily="66" charset="0"/>
+              </a:rPr>
+              <a:t>add </a:t>
+            </a:r>
+            <a:r>
+              <a:rPr lang="en-US" dirty="0">
+                <a:solidFill>
+                  <a:srgbClr val="00B050"/>
+                </a:solidFill>
+                <a:latin typeface="Comic Sans MS" panose="030F0702030302020204" pitchFamily="66" charset="0"/>
+              </a:rPr>
+              <a:t>d1</a:t>
+            </a:r>
+            <a:r>
+              <a:rPr lang="en-US" dirty="0">
+                <a:solidFill>
+                  <a:schemeClr val="bg1"/>
+                </a:solidFill>
+                <a:latin typeface="Comic Sans MS" panose="030F0702030302020204" pitchFamily="66" charset="0"/>
+              </a:rPr>
+              <a:t>, </a:t>
+            </a:r>
+            <a:r>
+              <a:rPr lang="en-US" dirty="0">
+                <a:solidFill>
+                  <a:srgbClr val="00B050"/>
+                </a:solidFill>
+                <a:latin typeface="Comic Sans MS" panose="030F0702030302020204" pitchFamily="66" charset="0"/>
+              </a:rPr>
+              <a:t>d0 </a:t>
+            </a:r>
+          </a:p>
+        </p:txBody>
+      </p:sp>
+      <p:sp>
+        <p:nvSpPr>
+          <p:cNvPr id="37" name="CasellaDiTesto 36">
+            <a:extLst>
+              <a:ext uri="{FF2B5EF4-FFF2-40B4-BE49-F238E27FC236}">
+                <a16:creationId xmlns:a16="http://schemas.microsoft.com/office/drawing/2014/main" id="{91170B63-232E-F183-8E88-35D702668858}"/>
+              </a:ext>
+            </a:extLst>
+          </p:cNvPr>
+          <p:cNvSpPr txBox="1"/>
+          <p:nvPr/>
+        </p:nvSpPr>
+        <p:spPr>
+          <a:xfrm>
+            <a:off x="5634545" y="4560680"/>
+            <a:ext cx="6099811" cy="923330"/>
+          </a:xfrm>
+          <a:prstGeom prst="rect">
+            <a:avLst/>
+          </a:prstGeom>
+          <a:noFill/>
+        </p:spPr>
+        <p:txBody>
+          <a:bodyPr wrap="square" rtlCol="0">
+            <a:spAutoFit/>
+          </a:bodyPr>
+          <a:lstStyle/>
+          <a:p>
+            <a:pPr algn="ctr"/>
+            <a:r>
+              <a:rPr lang="it-IT" b="1" dirty="0">
+                <a:solidFill>
+                  <a:schemeClr val="bg1"/>
+                </a:solidFill>
+                <a:latin typeface="Comic Sans MS" panose="030F0702030302020204" pitchFamily="66" charset="0"/>
+              </a:rPr>
+              <a:t>Cosa succede nell’esempio?</a:t>
+            </a:r>
+          </a:p>
+          <a:p>
+            <a:pPr algn="ctr"/>
+            <a:r>
+              <a:rPr lang="it-IT" i="1" dirty="0">
+                <a:solidFill>
+                  <a:schemeClr val="bg1"/>
+                </a:solidFill>
+                <a:latin typeface="Comic Sans MS" panose="030F0702030302020204" pitchFamily="66" charset="0"/>
+              </a:rPr>
+              <a:t>Sommiamo i contenuti dei due registri e </a:t>
+            </a:r>
+          </a:p>
+          <a:p>
+            <a:pPr algn="ctr"/>
+            <a:r>
+              <a:rPr lang="it-IT" i="1" dirty="0">
+                <a:solidFill>
+                  <a:schemeClr val="bg1"/>
+                </a:solidFill>
+                <a:latin typeface="Comic Sans MS" panose="030F0702030302020204" pitchFamily="66" charset="0"/>
+              </a:rPr>
+              <a:t>inseriamo il </a:t>
+            </a:r>
+            <a:r>
+              <a:rPr lang="it-IT" i="1" dirty="0">
+                <a:solidFill>
+                  <a:srgbClr val="00B050"/>
+                </a:solidFill>
+                <a:latin typeface="Comic Sans MS" panose="030F0702030302020204" pitchFamily="66" charset="0"/>
+              </a:rPr>
+              <a:t>risultato</a:t>
+            </a:r>
+            <a:r>
+              <a:rPr lang="it-IT" i="1" dirty="0">
+                <a:solidFill>
+                  <a:schemeClr val="bg1"/>
+                </a:solidFill>
+                <a:latin typeface="Comic Sans MS" panose="030F0702030302020204" pitchFamily="66" charset="0"/>
+              </a:rPr>
+              <a:t> dentro il </a:t>
+            </a:r>
+            <a:r>
+              <a:rPr lang="it-IT" i="1" dirty="0">
+                <a:solidFill>
+                  <a:srgbClr val="FF0074"/>
+                </a:solidFill>
+                <a:latin typeface="Comic Sans MS" panose="030F0702030302020204" pitchFamily="66" charset="0"/>
+              </a:rPr>
+              <a:t>registro</a:t>
+            </a:r>
+            <a:r>
+              <a:rPr lang="it-IT" i="1" dirty="0">
+                <a:solidFill>
+                  <a:schemeClr val="bg1"/>
+                </a:solidFill>
+                <a:latin typeface="Comic Sans MS" panose="030F0702030302020204" pitchFamily="66" charset="0"/>
+              </a:rPr>
+              <a:t> </a:t>
+            </a:r>
+            <a:r>
+              <a:rPr lang="it-IT" i="1" dirty="0">
+                <a:solidFill>
+                  <a:srgbClr val="00B050"/>
+                </a:solidFill>
+                <a:latin typeface="Comic Sans MS" panose="030F0702030302020204" pitchFamily="66" charset="0"/>
+              </a:rPr>
+              <a:t>d0</a:t>
+            </a:r>
+          </a:p>
+        </p:txBody>
+      </p:sp>
+      <p:sp>
+        <p:nvSpPr>
+          <p:cNvPr id="38" name="Rettangolo con angoli arrotondati 37">
+            <a:extLst>
+              <a:ext uri="{FF2B5EF4-FFF2-40B4-BE49-F238E27FC236}">
+                <a16:creationId xmlns:a16="http://schemas.microsoft.com/office/drawing/2014/main" id="{D9D928FF-9F3E-8C14-DD94-118304FD47FB}"/>
+              </a:ext>
+            </a:extLst>
+          </p:cNvPr>
+          <p:cNvSpPr/>
+          <p:nvPr/>
+        </p:nvSpPr>
+        <p:spPr>
+          <a:xfrm rot="10800000" flipV="1">
+            <a:off x="2714445" y="5798105"/>
+            <a:ext cx="6763108" cy="420727"/>
+          </a:xfrm>
+          <a:prstGeom prst="roundRect">
+            <a:avLst/>
+          </a:prstGeom>
+          <a:solidFill>
+            <a:srgbClr val="283049"/>
+          </a:solidFill>
+          <a:ln>
+            <a:solidFill>
+              <a:srgbClr val="FF0074"/>
+            </a:solidFill>
+          </a:ln>
+        </p:spPr>
+        <p:style>
+          <a:lnRef idx="2">
+            <a:schemeClr val="accent1">
+              <a:shade val="15000"/>
+            </a:schemeClr>
+          </a:lnRef>
+          <a:fillRef idx="1">
+            <a:schemeClr val="accent1"/>
+          </a:fillRef>
+          <a:effectRef idx="0">
+            <a:schemeClr val="accent1"/>
+          </a:effectRef>
+          <a:fontRef idx="minor">
+            <a:schemeClr val="lt1"/>
+          </a:fontRef>
+        </p:style>
+        <p:txBody>
+          <a:bodyPr rtlCol="0" anchor="ctr"/>
+          <a:lstStyle/>
+          <a:p>
+            <a:pPr algn="ctr"/>
+            <a:r>
+              <a:rPr lang="it-IT" dirty="0"/>
+              <a:t> </a:t>
+            </a:r>
+          </a:p>
+        </p:txBody>
+      </p:sp>
+      <p:sp>
+        <p:nvSpPr>
+          <p:cNvPr id="39" name="CasellaDiTesto 38">
+            <a:extLst>
+              <a:ext uri="{FF2B5EF4-FFF2-40B4-BE49-F238E27FC236}">
+                <a16:creationId xmlns:a16="http://schemas.microsoft.com/office/drawing/2014/main" id="{C70E2437-830B-03C0-4C36-7F47CD588B57}"/>
+              </a:ext>
+            </a:extLst>
+          </p:cNvPr>
+          <p:cNvSpPr txBox="1"/>
+          <p:nvPr/>
+        </p:nvSpPr>
+        <p:spPr>
+          <a:xfrm>
+            <a:off x="3507548" y="5820954"/>
+            <a:ext cx="5262113" cy="369332"/>
+          </a:xfrm>
+          <a:prstGeom prst="rect">
+            <a:avLst/>
+          </a:prstGeom>
+          <a:noFill/>
+        </p:spPr>
+        <p:txBody>
+          <a:bodyPr wrap="square" rtlCol="0">
+            <a:spAutoFit/>
+          </a:bodyPr>
+          <a:lstStyle/>
+          <a:p>
+            <a:r>
+              <a:rPr lang="it-IT" dirty="0">
+                <a:solidFill>
+                  <a:schemeClr val="bg1"/>
+                </a:solidFill>
+              </a:rPr>
+              <a:t>Il </a:t>
+            </a:r>
+            <a:r>
+              <a:rPr lang="it-IT" dirty="0">
+                <a:solidFill>
+                  <a:srgbClr val="00B050"/>
+                </a:solidFill>
+              </a:rPr>
+              <a:t>secondo operando </a:t>
+            </a:r>
+            <a:r>
+              <a:rPr lang="it-IT" dirty="0">
+                <a:solidFill>
+                  <a:schemeClr val="bg1"/>
+                </a:solidFill>
+              </a:rPr>
+              <a:t>non può essere </a:t>
+            </a:r>
+            <a:r>
+              <a:rPr lang="it-IT" u="sng" dirty="0">
+                <a:solidFill>
+                  <a:srgbClr val="FF0074"/>
+                </a:solidFill>
+              </a:rPr>
+              <a:t>mai</a:t>
+            </a:r>
+            <a:r>
+              <a:rPr lang="it-IT" dirty="0">
+                <a:solidFill>
+                  <a:schemeClr val="bg1"/>
+                </a:solidFill>
+              </a:rPr>
+              <a:t> un numero</a:t>
+            </a:r>
+          </a:p>
+        </p:txBody>
+      </p:sp>
+      <p:sp>
+        <p:nvSpPr>
+          <p:cNvPr id="40" name="CasellaDiTesto 39">
+            <a:extLst>
+              <a:ext uri="{FF2B5EF4-FFF2-40B4-BE49-F238E27FC236}">
+                <a16:creationId xmlns:a16="http://schemas.microsoft.com/office/drawing/2014/main" id="{835CF8B4-8C55-D242-CC09-1E0D0949CC45}"/>
+              </a:ext>
+            </a:extLst>
+          </p:cNvPr>
+          <p:cNvSpPr txBox="1"/>
+          <p:nvPr/>
+        </p:nvSpPr>
+        <p:spPr>
+          <a:xfrm>
+            <a:off x="4265308" y="3577107"/>
+            <a:ext cx="1680032" cy="408623"/>
+          </a:xfrm>
+          <a:prstGeom prst="roundRect">
+            <a:avLst/>
+          </a:prstGeom>
+          <a:noFill/>
+          <a:ln>
+            <a:solidFill>
+              <a:srgbClr val="FF0074"/>
+            </a:solidFill>
+          </a:ln>
+        </p:spPr>
+        <p:txBody>
+          <a:bodyPr wrap="square" rtlCol="0">
+            <a:spAutoFit/>
+          </a:bodyPr>
+          <a:lstStyle/>
+          <a:p>
+            <a:pPr algn="ctr"/>
+            <a:r>
+              <a:rPr lang="it-IT" dirty="0">
+                <a:solidFill>
+                  <a:srgbClr val="00B050"/>
+                </a:solidFill>
+                <a:latin typeface="Comic Sans MS" panose="030F0702030302020204" pitchFamily="66" charset="0"/>
+              </a:rPr>
+              <a:t>d0</a:t>
+            </a:r>
+            <a:r>
+              <a:rPr lang="it-IT" dirty="0">
+                <a:solidFill>
+                  <a:schemeClr val="bg1"/>
+                </a:solidFill>
+                <a:latin typeface="Comic Sans MS" panose="030F0702030302020204" pitchFamily="66" charset="0"/>
+              </a:rPr>
+              <a:t> = </a:t>
+            </a:r>
+            <a:r>
+              <a:rPr lang="it-IT" dirty="0">
+                <a:solidFill>
+                  <a:srgbClr val="00B050"/>
+                </a:solidFill>
+                <a:latin typeface="Comic Sans MS" panose="030F0702030302020204" pitchFamily="66" charset="0"/>
+              </a:rPr>
+              <a:t>100</a:t>
+            </a:r>
+            <a:r>
+              <a:rPr lang="it-IT" dirty="0">
+                <a:solidFill>
+                  <a:schemeClr val="bg1"/>
+                </a:solidFill>
+                <a:latin typeface="Comic Sans MS" panose="030F0702030302020204" pitchFamily="66" charset="0"/>
+              </a:rPr>
+              <a:t> </a:t>
+            </a:r>
+            <a:r>
+              <a:rPr lang="it-IT" dirty="0">
+                <a:solidFill>
+                  <a:srgbClr val="FF0074"/>
+                </a:solidFill>
+                <a:latin typeface="Comic Sans MS" panose="030F0702030302020204" pitchFamily="66" charset="0"/>
+              </a:rPr>
+              <a:t>+</a:t>
+            </a:r>
+            <a:r>
+              <a:rPr lang="it-IT" dirty="0">
+                <a:solidFill>
+                  <a:schemeClr val="bg1"/>
+                </a:solidFill>
+                <a:latin typeface="Comic Sans MS" panose="030F0702030302020204" pitchFamily="66" charset="0"/>
+              </a:rPr>
+              <a:t> </a:t>
+            </a:r>
+            <a:r>
+              <a:rPr lang="it-IT" dirty="0">
+                <a:solidFill>
+                  <a:srgbClr val="00B050"/>
+                </a:solidFill>
+                <a:latin typeface="Comic Sans MS" panose="030F0702030302020204" pitchFamily="66" charset="0"/>
+              </a:rPr>
+              <a:t>d0</a:t>
+            </a:r>
+          </a:p>
+        </p:txBody>
+      </p:sp>
+      <p:sp>
+        <p:nvSpPr>
+          <p:cNvPr id="41" name="CasellaDiTesto 40">
+            <a:extLst>
+              <a:ext uri="{FF2B5EF4-FFF2-40B4-BE49-F238E27FC236}">
+                <a16:creationId xmlns:a16="http://schemas.microsoft.com/office/drawing/2014/main" id="{7B2E9657-D781-0E90-2764-7E029861E687}"/>
+              </a:ext>
+            </a:extLst>
+          </p:cNvPr>
+          <p:cNvSpPr txBox="1"/>
+          <p:nvPr/>
+        </p:nvSpPr>
+        <p:spPr>
+          <a:xfrm>
+            <a:off x="4265308" y="5098236"/>
+            <a:ext cx="1680032" cy="408623"/>
+          </a:xfrm>
+          <a:prstGeom prst="roundRect">
+            <a:avLst/>
+          </a:prstGeom>
+          <a:noFill/>
+          <a:ln>
+            <a:solidFill>
+              <a:srgbClr val="FF0074"/>
+            </a:solidFill>
+          </a:ln>
+        </p:spPr>
+        <p:txBody>
+          <a:bodyPr wrap="square" rtlCol="0">
+            <a:spAutoFit/>
+          </a:bodyPr>
+          <a:lstStyle/>
+          <a:p>
+            <a:pPr algn="ctr"/>
+            <a:r>
+              <a:rPr lang="it-IT" dirty="0">
+                <a:solidFill>
+                  <a:srgbClr val="00B050"/>
+                </a:solidFill>
+                <a:latin typeface="Comic Sans MS" panose="030F0702030302020204" pitchFamily="66" charset="0"/>
+              </a:rPr>
+              <a:t>d0</a:t>
+            </a:r>
+            <a:r>
+              <a:rPr lang="it-IT" dirty="0">
+                <a:solidFill>
+                  <a:schemeClr val="bg1"/>
+                </a:solidFill>
+                <a:latin typeface="Comic Sans MS" panose="030F0702030302020204" pitchFamily="66" charset="0"/>
+              </a:rPr>
+              <a:t> = </a:t>
+            </a:r>
+            <a:r>
+              <a:rPr lang="it-IT" dirty="0">
+                <a:solidFill>
+                  <a:srgbClr val="00B050"/>
+                </a:solidFill>
+                <a:latin typeface="Comic Sans MS" panose="030F0702030302020204" pitchFamily="66" charset="0"/>
+              </a:rPr>
+              <a:t>d1</a:t>
+            </a:r>
+            <a:r>
+              <a:rPr lang="it-IT" dirty="0">
+                <a:solidFill>
+                  <a:schemeClr val="bg1"/>
+                </a:solidFill>
+                <a:latin typeface="Comic Sans MS" panose="030F0702030302020204" pitchFamily="66" charset="0"/>
+              </a:rPr>
+              <a:t> </a:t>
+            </a:r>
+            <a:r>
+              <a:rPr lang="it-IT" dirty="0">
+                <a:solidFill>
+                  <a:srgbClr val="FF0074"/>
+                </a:solidFill>
+                <a:latin typeface="Comic Sans MS" panose="030F0702030302020204" pitchFamily="66" charset="0"/>
+              </a:rPr>
+              <a:t>+</a:t>
+            </a:r>
+            <a:r>
+              <a:rPr lang="it-IT" dirty="0">
+                <a:solidFill>
+                  <a:schemeClr val="bg1"/>
+                </a:solidFill>
+                <a:latin typeface="Comic Sans MS" panose="030F0702030302020204" pitchFamily="66" charset="0"/>
+              </a:rPr>
+              <a:t> </a:t>
+            </a:r>
+            <a:r>
+              <a:rPr lang="it-IT" dirty="0">
+                <a:solidFill>
+                  <a:srgbClr val="00B050"/>
+                </a:solidFill>
+                <a:latin typeface="Comic Sans MS" panose="030F0702030302020204" pitchFamily="66" charset="0"/>
+              </a:rPr>
+              <a:t>d0</a:t>
+            </a:r>
+          </a:p>
+        </p:txBody>
+      </p:sp>
+      <p:sp>
+        <p:nvSpPr>
+          <p:cNvPr id="8" name="CasellaDiTesto 7">
+            <a:extLst>
+              <a:ext uri="{FF2B5EF4-FFF2-40B4-BE49-F238E27FC236}">
+                <a16:creationId xmlns:a16="http://schemas.microsoft.com/office/drawing/2014/main" id="{89C8C4AF-AE86-439F-D48B-F4F63902624B}"/>
+              </a:ext>
+            </a:extLst>
+          </p:cNvPr>
+          <p:cNvSpPr txBox="1"/>
+          <p:nvPr/>
+        </p:nvSpPr>
+        <p:spPr>
+          <a:xfrm>
+            <a:off x="3507548" y="3033570"/>
+            <a:ext cx="4791063" cy="1569660"/>
+          </a:xfrm>
+          <a:prstGeom prst="rect">
+            <a:avLst/>
+          </a:prstGeom>
+          <a:noFill/>
+        </p:spPr>
+        <p:txBody>
+          <a:bodyPr wrap="square" rtlCol="0">
+            <a:spAutoFit/>
+          </a:bodyPr>
+          <a:lstStyle/>
+          <a:p>
+            <a:r>
+              <a:rPr lang="it-IT" sz="9600" dirty="0">
+                <a:solidFill>
+                  <a:srgbClr val="FF0074"/>
+                </a:solidFill>
+              </a:rPr>
+              <a:t>NO MOD</a:t>
+            </a:r>
+          </a:p>
+        </p:txBody>
+      </p:sp>
+    </p:spTree>
+    <p:extLst>
+      <p:ext uri="{BB962C8B-B14F-4D97-AF65-F5344CB8AC3E}">
+        <p14:creationId xmlns:p14="http://schemas.microsoft.com/office/powerpoint/2010/main" val="3377484014"/>
       </p:ext>
     </p:extLst>
   </p:cSld>
